--- a/Presentation/Presentation.pptx
+++ b/Presentation/Presentation.pptx
@@ -14,6 +14,7 @@
     <p:sldId id="262" r:id="rId8"/>
     <p:sldId id="263" r:id="rId9"/>
     <p:sldId id="264" r:id="rId10"/>
+    <p:sldId id="265" r:id="rId11"/>
   </p:sldIdLst>
   <p:sldSz cx="9144000" cy="6858000" type="screen4x3"/>
   <p:notesSz cx="6858000" cy="9144000"/>
@@ -296,6 +297,7 @@
           <a:p>
             <a:fld id="{E3E03A12-5536-9444-BBB3-8D441CE39243}" type="datetimeFigureOut">
               <a:rPr lang="de-DE" smtClean="0"/>
+              <a:pPr/>
               <a:t>1/17/10</a:t>
             </a:fld>
             <a:endParaRPr lang="de-DE"/>
@@ -338,6 +340,7 @@
           <a:p>
             <a:fld id="{822C6526-016E-DB46-8DDB-1090AEE60C10}" type="slidenum">
               <a:rPr lang="de-DE" smtClean="0"/>
+              <a:pPr/>
               <a:t>‹#›</a:t>
             </a:fld>
             <a:endParaRPr lang="de-DE"/>
@@ -461,6 +464,7 @@
           <a:p>
             <a:fld id="{E3E03A12-5536-9444-BBB3-8D441CE39243}" type="datetimeFigureOut">
               <a:rPr lang="de-DE" smtClean="0"/>
+              <a:pPr/>
               <a:t>1/17/10</a:t>
             </a:fld>
             <a:endParaRPr lang="de-DE"/>
@@ -503,6 +507,7 @@
           <a:p>
             <a:fld id="{822C6526-016E-DB46-8DDB-1090AEE60C10}" type="slidenum">
               <a:rPr lang="de-DE" smtClean="0"/>
+              <a:pPr/>
               <a:t>‹#›</a:t>
             </a:fld>
             <a:endParaRPr lang="de-DE"/>
@@ -636,6 +641,7 @@
           <a:p>
             <a:fld id="{E3E03A12-5536-9444-BBB3-8D441CE39243}" type="datetimeFigureOut">
               <a:rPr lang="de-DE" smtClean="0"/>
+              <a:pPr/>
               <a:t>1/17/10</a:t>
             </a:fld>
             <a:endParaRPr lang="de-DE"/>
@@ -678,6 +684,7 @@
           <a:p>
             <a:fld id="{822C6526-016E-DB46-8DDB-1090AEE60C10}" type="slidenum">
               <a:rPr lang="de-DE" smtClean="0"/>
+              <a:pPr/>
               <a:t>‹#›</a:t>
             </a:fld>
             <a:endParaRPr lang="de-DE"/>
@@ -801,6 +808,7 @@
           <a:p>
             <a:fld id="{E3E03A12-5536-9444-BBB3-8D441CE39243}" type="datetimeFigureOut">
               <a:rPr lang="de-DE" smtClean="0"/>
+              <a:pPr/>
               <a:t>1/17/10</a:t>
             </a:fld>
             <a:endParaRPr lang="de-DE"/>
@@ -843,6 +851,7 @@
           <a:p>
             <a:fld id="{822C6526-016E-DB46-8DDB-1090AEE60C10}" type="slidenum">
               <a:rPr lang="de-DE" smtClean="0"/>
+              <a:pPr/>
               <a:t>‹#›</a:t>
             </a:fld>
             <a:endParaRPr lang="de-DE"/>
@@ -1042,6 +1051,7 @@
           <a:p>
             <a:fld id="{E3E03A12-5536-9444-BBB3-8D441CE39243}" type="datetimeFigureOut">
               <a:rPr lang="de-DE" smtClean="0"/>
+              <a:pPr/>
               <a:t>1/17/10</a:t>
             </a:fld>
             <a:endParaRPr lang="de-DE"/>
@@ -1084,6 +1094,7 @@
           <a:p>
             <a:fld id="{822C6526-016E-DB46-8DDB-1090AEE60C10}" type="slidenum">
               <a:rPr lang="de-DE" smtClean="0"/>
+              <a:pPr/>
               <a:t>‹#›</a:t>
             </a:fld>
             <a:endParaRPr lang="de-DE"/>
@@ -1325,6 +1336,7 @@
           <a:p>
             <a:fld id="{E3E03A12-5536-9444-BBB3-8D441CE39243}" type="datetimeFigureOut">
               <a:rPr lang="de-DE" smtClean="0"/>
+              <a:pPr/>
               <a:t>1/17/10</a:t>
             </a:fld>
             <a:endParaRPr lang="de-DE"/>
@@ -1367,6 +1379,7 @@
           <a:p>
             <a:fld id="{822C6526-016E-DB46-8DDB-1090AEE60C10}" type="slidenum">
               <a:rPr lang="de-DE" smtClean="0"/>
+              <a:pPr/>
               <a:t>‹#›</a:t>
             </a:fld>
             <a:endParaRPr lang="de-DE"/>
@@ -1742,6 +1755,7 @@
           <a:p>
             <a:fld id="{E3E03A12-5536-9444-BBB3-8D441CE39243}" type="datetimeFigureOut">
               <a:rPr lang="de-DE" smtClean="0"/>
+              <a:pPr/>
               <a:t>1/17/10</a:t>
             </a:fld>
             <a:endParaRPr lang="de-DE"/>
@@ -1784,6 +1798,7 @@
           <a:p>
             <a:fld id="{822C6526-016E-DB46-8DDB-1090AEE60C10}" type="slidenum">
               <a:rPr lang="de-DE" smtClean="0"/>
+              <a:pPr/>
               <a:t>‹#›</a:t>
             </a:fld>
             <a:endParaRPr lang="de-DE"/>
@@ -1855,6 +1870,7 @@
           <a:p>
             <a:fld id="{E3E03A12-5536-9444-BBB3-8D441CE39243}" type="datetimeFigureOut">
               <a:rPr lang="de-DE" smtClean="0"/>
+              <a:pPr/>
               <a:t>1/17/10</a:t>
             </a:fld>
             <a:endParaRPr lang="de-DE"/>
@@ -1897,6 +1913,7 @@
           <a:p>
             <a:fld id="{822C6526-016E-DB46-8DDB-1090AEE60C10}" type="slidenum">
               <a:rPr lang="de-DE" smtClean="0"/>
+              <a:pPr/>
               <a:t>‹#›</a:t>
             </a:fld>
             <a:endParaRPr lang="de-DE"/>
@@ -1945,6 +1962,7 @@
           <a:p>
             <a:fld id="{E3E03A12-5536-9444-BBB3-8D441CE39243}" type="datetimeFigureOut">
               <a:rPr lang="de-DE" smtClean="0"/>
+              <a:pPr/>
               <a:t>1/17/10</a:t>
             </a:fld>
             <a:endParaRPr lang="de-DE"/>
@@ -1987,6 +2005,7 @@
           <a:p>
             <a:fld id="{822C6526-016E-DB46-8DDB-1090AEE60C10}" type="slidenum">
               <a:rPr lang="de-DE" smtClean="0"/>
+              <a:pPr/>
               <a:t>‹#›</a:t>
             </a:fld>
             <a:endParaRPr lang="de-DE"/>
@@ -2217,6 +2236,7 @@
           <a:p>
             <a:fld id="{E3E03A12-5536-9444-BBB3-8D441CE39243}" type="datetimeFigureOut">
               <a:rPr lang="de-DE" smtClean="0"/>
+              <a:pPr/>
               <a:t>1/17/10</a:t>
             </a:fld>
             <a:endParaRPr lang="de-DE"/>
@@ -2259,6 +2279,7 @@
           <a:p>
             <a:fld id="{822C6526-016E-DB46-8DDB-1090AEE60C10}" type="slidenum">
               <a:rPr lang="de-DE" smtClean="0"/>
+              <a:pPr/>
               <a:t>‹#›</a:t>
             </a:fld>
             <a:endParaRPr lang="de-DE"/>
@@ -2465,6 +2486,7 @@
           <a:p>
             <a:fld id="{E3E03A12-5536-9444-BBB3-8D441CE39243}" type="datetimeFigureOut">
               <a:rPr lang="de-DE" smtClean="0"/>
+              <a:pPr/>
               <a:t>1/17/10</a:t>
             </a:fld>
             <a:endParaRPr lang="de-DE"/>
@@ -2507,6 +2529,7 @@
           <a:p>
             <a:fld id="{822C6526-016E-DB46-8DDB-1090AEE60C10}" type="slidenum">
               <a:rPr lang="de-DE" smtClean="0"/>
+              <a:pPr/>
               <a:t>‹#›</a:t>
             </a:fld>
             <a:endParaRPr lang="de-DE"/>
@@ -2673,6 +2696,7 @@
           <a:p>
             <a:fld id="{E3E03A12-5536-9444-BBB3-8D441CE39243}" type="datetimeFigureOut">
               <a:rPr lang="de-DE" smtClean="0"/>
+              <a:pPr/>
               <a:t>1/17/10</a:t>
             </a:fld>
             <a:endParaRPr lang="de-DE"/>
@@ -2751,6 +2775,7 @@
           <a:p>
             <a:fld id="{822C6526-016E-DB46-8DDB-1090AEE60C10}" type="slidenum">
               <a:rPr lang="de-DE" smtClean="0"/>
+              <a:pPr/>
               <a:t>‹#›</a:t>
             </a:fld>
             <a:endParaRPr lang="de-DE"/>
@@ -3534,6 +3559,72 @@
 </p:sld>
 </file>
 
+<file path=ppt/slides/slide10.xml><?xml version="1.0" encoding="utf-8"?>
+<p:sld xmlns:a="http://schemas.openxmlformats.org/drawingml/2006/main" xmlns:r="http://schemas.openxmlformats.org/officeDocument/2006/relationships" xmlns:mc="http://schemas.openxmlformats.org/markup-compatibility/2006" xmlns:mv="urn:schemas-microsoft-com:mac:vml" xmlns:p="http://schemas.openxmlformats.org/presentationml/2006/main" mc:Ignorable="mv" mc:PreserveAttributes="mv:*">
+  <p:cSld>
+    <p:spTree>
+      <p:nvGrpSpPr>
+        <p:cNvPr id="1" name=""/>
+        <p:cNvGrpSpPr/>
+        <p:nvPr/>
+      </p:nvGrpSpPr>
+      <p:grpSpPr>
+        <a:xfrm>
+          <a:off x="0" y="0"/>
+          <a:ext cx="0" cy="0"/>
+          <a:chOff x="0" y="0"/>
+          <a:chExt cx="0" cy="0"/>
+        </a:xfrm>
+      </p:grpSpPr>
+      <p:sp>
+        <p:nvSpPr>
+          <p:cNvPr id="2" name="Title 1"/>
+          <p:cNvSpPr>
+            <a:spLocks noGrp="1"/>
+          </p:cNvSpPr>
+          <p:nvPr>
+            <p:ph type="title"/>
+          </p:nvPr>
+        </p:nvSpPr>
+        <p:spPr/>
+        <p:txBody>
+          <a:bodyPr/>
+          <a:lstStyle/>
+          <a:p>
+            <a:endParaRPr lang="de-DE"/>
+          </a:p>
+        </p:txBody>
+      </p:sp>
+      <p:sp>
+        <p:nvSpPr>
+          <p:cNvPr id="3" name="Content Placeholder 2"/>
+          <p:cNvSpPr>
+            <a:spLocks noGrp="1"/>
+          </p:cNvSpPr>
+          <p:nvPr>
+            <p:ph idx="1"/>
+          </p:nvPr>
+        </p:nvSpPr>
+        <p:spPr/>
+        <p:txBody>
+          <a:bodyPr/>
+          <a:lstStyle/>
+          <a:p>
+            <a:r>
+              <a:rPr lang="de-DE"/>
+              <a:t>Beispiele, Erläuterungen hier...</a:t>
+            </a:r>
+          </a:p>
+        </p:txBody>
+      </p:sp>
+    </p:spTree>
+  </p:cSld>
+  <p:clrMapOvr>
+    <a:masterClrMapping/>
+  </p:clrMapOvr>
+</p:sld>
+</file>
+
 <file path=ppt/slides/slide2.xml><?xml version="1.0" encoding="utf-8"?>
 <p:sld xmlns:a="http://schemas.openxmlformats.org/drawingml/2006/main" xmlns:r="http://schemas.openxmlformats.org/officeDocument/2006/relationships" xmlns:mc="http://schemas.openxmlformats.org/markup-compatibility/2006" xmlns:mv="urn:schemas-microsoft-com:mac:vml" xmlns:p="http://schemas.openxmlformats.org/presentationml/2006/main" mc:Ignorable="mv" mc:PreserveAttributes="mv:*">
   <p:cSld>
@@ -3647,15 +3738,7 @@
             </a:r>
             <a:r>
               <a:rPr lang="en-US" smtClean="0"/>
-              <a:t> einer </a:t>
-            </a:r>
-            <a:r>
-              <a:rPr lang="en-US" smtClean="0"/>
-              <a:t>künstlichen Gesellschaft, (Artificial Society) </a:t>
-            </a:r>
-            <a:r>
-              <a:rPr lang="en-US" smtClean="0"/>
-              <a:t>unter </a:t>
+              <a:t> einer künstlichen Gesellschaft, (Artificial Society) unter </a:t>
             </a:r>
             <a:r>
               <a:rPr lang="en-US" dirty="0" err="1"/>
@@ -5437,7 +5520,6 @@
               <a:rPr lang="de-DE" smtClean="0"/>
               <a:t>mindestens eine leere Parzelle in der Nähe ist,</a:t>
             </a:r>
-            <a:endParaRPr lang="de-DE" smtClean="0"/>
           </a:p>
           <a:p>
             <a:pPr lvl="1"/>
@@ -5450,13 +5532,8 @@
             <a:pPr lvl="2"/>
             <a:r>
               <a:rPr lang="de-DE" smtClean="0"/>
-              <a:t>wird ein Kind geboren</a:t>
-            </a:r>
-            <a:r>
-              <a:rPr lang="de-DE" smtClean="0"/>
-              <a:t>, dessen initiale Zuckermenge jeweils die Hälfte der Zuckermenge des Vaters und der Mutter, welche sie selbst zur Geburt bekommen haben, entspricht.</a:t>
-            </a:r>
-            <a:endParaRPr lang="de-DE" smtClean="0"/>
+              <a:t>wird ein Kind geboren, dessen initiale Zuckermenge jeweils die Hälfte der Zuckermenge des Vaters und der Mutter, welche sie selbst zur Geburt bekommen haben, entspricht.</a:t>
+            </a:r>
           </a:p>
         </p:txBody>
       </p:sp>

--- a/Presentation/Presentation.pptx
+++ b/Presentation/Presentation.pptx
@@ -2,7 +2,7 @@
 <file path=ppt/presentation.xml><?xml version="1.0" encoding="utf-8"?>
 <p:presentation xmlns:a="http://schemas.openxmlformats.org/drawingml/2006/main" xmlns:r="http://schemas.openxmlformats.org/officeDocument/2006/relationships" xmlns:mc="http://schemas.openxmlformats.org/markup-compatibility/2006" xmlns:mv="urn:schemas-microsoft-com:mac:vml" xmlns:p="http://schemas.openxmlformats.org/presentationml/2006/main" mc:Ignorable="mv" mc:PreserveAttributes="mv:*" saveSubsetFonts="1" autoCompressPictures="0">
   <p:sldMasterIdLst>
-    <p:sldMasterId id="2147483648" r:id="rId1"/>
+    <p:sldMasterId id="2147483673" r:id="rId1"/>
   </p:sldMasterIdLst>
   <p:sldIdLst>
     <p:sldId id="256" r:id="rId2"/>
@@ -116,6 +116,5234 @@
 </p:presentation>
 </file>
 
+<file path=ppt/commentAuthors.xml><?xml version="1.0" encoding="utf-8"?>
+<p:cmAuthorLst xmlns:a="http://schemas.openxmlformats.org/drawingml/2006/main" xmlns:r="http://schemas.openxmlformats.org/officeDocument/2006/relationships" xmlns:mc="http://schemas.openxmlformats.org/markup-compatibility/2006" xmlns:mv="urn:schemas-microsoft-com:mac:vml" xmlns:p="http://schemas.openxmlformats.org/presentationml/2006/main" mc:Ignorable="mv" mc:PreserveAttributes="mv:*">
+  <p:cmAuthor id="0" name="Denis Meyer" initials="DM" lastIdx="1" clrIdx="0"/>
+</p:cmAuthorLst>
+</file>
+
+<file path=ppt/diagrams/colors1.xml><?xml version="1.0" encoding="utf-8"?>
+<dgm:colorsDef xmlns:dgm="http://schemas.openxmlformats.org/drawingml/2006/diagram" xmlns:a="http://schemas.openxmlformats.org/drawingml/2006/main" uniqueId="urn:microsoft.com/office/officeart/2005/8/colors/accent1_2">
+  <dgm:title val=""/>
+  <dgm:desc val=""/>
+  <dgm:catLst>
+    <dgm:cat type="accent1" pri="11200"/>
+  </dgm:catLst>
+  <dgm:styleLbl name="node0">
+    <dgm:fillClrLst meth="repeat">
+      <a:schemeClr val="accent1"/>
+    </dgm:fillClrLst>
+    <dgm:linClrLst meth="repeat">
+      <a:schemeClr val="lt1"/>
+    </dgm:linClrLst>
+    <dgm:effectClrLst/>
+    <dgm:txLinClrLst/>
+    <dgm:txFillClrLst/>
+    <dgm:txEffectClrLst/>
+  </dgm:styleLbl>
+  <dgm:styleLbl name="alignNode1">
+    <dgm:fillClrLst meth="repeat">
+      <a:schemeClr val="accent1"/>
+    </dgm:fillClrLst>
+    <dgm:linClrLst meth="repeat">
+      <a:schemeClr val="accent1"/>
+    </dgm:linClrLst>
+    <dgm:effectClrLst/>
+    <dgm:txLinClrLst/>
+    <dgm:txFillClrLst/>
+    <dgm:txEffectClrLst/>
+  </dgm:styleLbl>
+  <dgm:styleLbl name="node1">
+    <dgm:fillClrLst meth="repeat">
+      <a:schemeClr val="accent1"/>
+    </dgm:fillClrLst>
+    <dgm:linClrLst meth="repeat">
+      <a:schemeClr val="lt1"/>
+    </dgm:linClrLst>
+    <dgm:effectClrLst/>
+    <dgm:txLinClrLst/>
+    <dgm:txFillClrLst/>
+    <dgm:txEffectClrLst/>
+  </dgm:styleLbl>
+  <dgm:styleLbl name="lnNode1">
+    <dgm:fillClrLst meth="repeat">
+      <a:schemeClr val="accent1"/>
+    </dgm:fillClrLst>
+    <dgm:linClrLst meth="repeat">
+      <a:schemeClr val="lt1"/>
+    </dgm:linClrLst>
+    <dgm:effectClrLst/>
+    <dgm:txLinClrLst/>
+    <dgm:txFillClrLst/>
+    <dgm:txEffectClrLst/>
+  </dgm:styleLbl>
+  <dgm:styleLbl name="vennNode1">
+    <dgm:fillClrLst meth="repeat">
+      <a:schemeClr val="accent1">
+        <a:alpha val="50000"/>
+      </a:schemeClr>
+    </dgm:fillClrLst>
+    <dgm:linClrLst meth="repeat">
+      <a:schemeClr val="lt1"/>
+    </dgm:linClrLst>
+    <dgm:effectClrLst/>
+    <dgm:txLinClrLst/>
+    <dgm:txFillClrLst/>
+    <dgm:txEffectClrLst/>
+  </dgm:styleLbl>
+  <dgm:styleLbl name="node2">
+    <dgm:fillClrLst meth="repeat">
+      <a:schemeClr val="accent1"/>
+    </dgm:fillClrLst>
+    <dgm:linClrLst meth="repeat">
+      <a:schemeClr val="lt1"/>
+    </dgm:linClrLst>
+    <dgm:effectClrLst/>
+    <dgm:txLinClrLst/>
+    <dgm:txFillClrLst/>
+    <dgm:txEffectClrLst/>
+  </dgm:styleLbl>
+  <dgm:styleLbl name="node3">
+    <dgm:fillClrLst meth="repeat">
+      <a:schemeClr val="accent1"/>
+    </dgm:fillClrLst>
+    <dgm:linClrLst meth="repeat">
+      <a:schemeClr val="lt1"/>
+    </dgm:linClrLst>
+    <dgm:effectClrLst/>
+    <dgm:txLinClrLst/>
+    <dgm:txFillClrLst/>
+    <dgm:txEffectClrLst/>
+  </dgm:styleLbl>
+  <dgm:styleLbl name="node4">
+    <dgm:fillClrLst meth="repeat">
+      <a:schemeClr val="accent1"/>
+    </dgm:fillClrLst>
+    <dgm:linClrLst meth="repeat">
+      <a:schemeClr val="lt1"/>
+    </dgm:linClrLst>
+    <dgm:effectClrLst/>
+    <dgm:txLinClrLst/>
+    <dgm:txFillClrLst/>
+    <dgm:txEffectClrLst/>
+  </dgm:styleLbl>
+  <dgm:styleLbl name="fgImgPlace1">
+    <dgm:fillClrLst meth="repeat">
+      <a:schemeClr val="accent1">
+        <a:tint val="50000"/>
+      </a:schemeClr>
+    </dgm:fillClrLst>
+    <dgm:linClrLst meth="repeat">
+      <a:schemeClr val="lt1"/>
+    </dgm:linClrLst>
+    <dgm:effectClrLst/>
+    <dgm:txLinClrLst/>
+    <dgm:txFillClrLst meth="repeat">
+      <a:schemeClr val="lt1"/>
+    </dgm:txFillClrLst>
+    <dgm:txEffectClrLst/>
+  </dgm:styleLbl>
+  <dgm:styleLbl name="alignImgPlace1">
+    <dgm:fillClrLst meth="repeat">
+      <a:schemeClr val="accent1">
+        <a:tint val="50000"/>
+      </a:schemeClr>
+    </dgm:fillClrLst>
+    <dgm:linClrLst meth="repeat">
+      <a:schemeClr val="lt1"/>
+    </dgm:linClrLst>
+    <dgm:effectClrLst/>
+    <dgm:txLinClrLst/>
+    <dgm:txFillClrLst meth="repeat">
+      <a:schemeClr val="lt1"/>
+    </dgm:txFillClrLst>
+    <dgm:txEffectClrLst/>
+  </dgm:styleLbl>
+  <dgm:styleLbl name="bgImgPlace1">
+    <dgm:fillClrLst meth="repeat">
+      <a:schemeClr val="accent1">
+        <a:tint val="50000"/>
+      </a:schemeClr>
+    </dgm:fillClrLst>
+    <dgm:linClrLst meth="repeat">
+      <a:schemeClr val="lt1"/>
+    </dgm:linClrLst>
+    <dgm:effectClrLst/>
+    <dgm:txLinClrLst/>
+    <dgm:txFillClrLst meth="repeat">
+      <a:schemeClr val="lt1"/>
+    </dgm:txFillClrLst>
+    <dgm:txEffectClrLst/>
+  </dgm:styleLbl>
+  <dgm:styleLbl name="sibTrans2D1">
+    <dgm:fillClrLst meth="repeat">
+      <a:schemeClr val="accent1">
+        <a:tint val="60000"/>
+      </a:schemeClr>
+    </dgm:fillClrLst>
+    <dgm:linClrLst meth="repeat">
+      <a:schemeClr val="accent1">
+        <a:tint val="60000"/>
+      </a:schemeClr>
+    </dgm:linClrLst>
+    <dgm:effectClrLst/>
+    <dgm:txLinClrLst/>
+    <dgm:txFillClrLst/>
+    <dgm:txEffectClrLst/>
+  </dgm:styleLbl>
+  <dgm:styleLbl name="fgSibTrans2D1">
+    <dgm:fillClrLst meth="repeat">
+      <a:schemeClr val="accent1">
+        <a:tint val="60000"/>
+      </a:schemeClr>
+    </dgm:fillClrLst>
+    <dgm:linClrLst meth="repeat">
+      <a:schemeClr val="accent1">
+        <a:tint val="60000"/>
+      </a:schemeClr>
+    </dgm:linClrLst>
+    <dgm:effectClrLst/>
+    <dgm:txLinClrLst/>
+    <dgm:txFillClrLst/>
+    <dgm:txEffectClrLst/>
+  </dgm:styleLbl>
+  <dgm:styleLbl name="bgSibTrans2D1">
+    <dgm:fillClrLst meth="repeat">
+      <a:schemeClr val="accent1">
+        <a:tint val="60000"/>
+      </a:schemeClr>
+    </dgm:fillClrLst>
+    <dgm:linClrLst meth="repeat">
+      <a:schemeClr val="accent1">
+        <a:tint val="60000"/>
+      </a:schemeClr>
+    </dgm:linClrLst>
+    <dgm:effectClrLst/>
+    <dgm:txLinClrLst/>
+    <dgm:txFillClrLst/>
+    <dgm:txEffectClrLst/>
+  </dgm:styleLbl>
+  <dgm:styleLbl name="sibTrans1D1">
+    <dgm:fillClrLst meth="repeat">
+      <a:schemeClr val="accent1"/>
+    </dgm:fillClrLst>
+    <dgm:linClrLst meth="repeat">
+      <a:schemeClr val="accent1"/>
+    </dgm:linClrLst>
+    <dgm:effectClrLst/>
+    <dgm:txLinClrLst/>
+    <dgm:txFillClrLst meth="repeat">
+      <a:schemeClr val="tx1"/>
+    </dgm:txFillClrLst>
+    <dgm:txEffectClrLst/>
+  </dgm:styleLbl>
+  <dgm:styleLbl name="callout">
+    <dgm:fillClrLst meth="repeat">
+      <a:schemeClr val="accent1"/>
+    </dgm:fillClrLst>
+    <dgm:linClrLst meth="repeat">
+      <a:schemeClr val="accent1">
+        <a:tint val="50000"/>
+      </a:schemeClr>
+    </dgm:linClrLst>
+    <dgm:effectClrLst/>
+    <dgm:txLinClrLst/>
+    <dgm:txFillClrLst meth="repeat">
+      <a:schemeClr val="tx1"/>
+    </dgm:txFillClrLst>
+    <dgm:txEffectClrLst/>
+  </dgm:styleLbl>
+  <dgm:styleLbl name="asst0">
+    <dgm:fillClrLst meth="repeat">
+      <a:schemeClr val="accent1"/>
+    </dgm:fillClrLst>
+    <dgm:linClrLst meth="repeat">
+      <a:schemeClr val="lt1"/>
+    </dgm:linClrLst>
+    <dgm:effectClrLst/>
+    <dgm:txLinClrLst/>
+    <dgm:txFillClrLst/>
+    <dgm:txEffectClrLst/>
+  </dgm:styleLbl>
+  <dgm:styleLbl name="asst1">
+    <dgm:fillClrLst meth="repeat">
+      <a:schemeClr val="accent1"/>
+    </dgm:fillClrLst>
+    <dgm:linClrLst meth="repeat">
+      <a:schemeClr val="lt1"/>
+    </dgm:linClrLst>
+    <dgm:effectClrLst/>
+    <dgm:txLinClrLst/>
+    <dgm:txFillClrLst/>
+    <dgm:txEffectClrLst/>
+  </dgm:styleLbl>
+  <dgm:styleLbl name="asst2">
+    <dgm:fillClrLst meth="repeat">
+      <a:schemeClr val="accent1"/>
+    </dgm:fillClrLst>
+    <dgm:linClrLst meth="repeat">
+      <a:schemeClr val="lt1"/>
+    </dgm:linClrLst>
+    <dgm:effectClrLst/>
+    <dgm:txLinClrLst/>
+    <dgm:txFillClrLst/>
+    <dgm:txEffectClrLst/>
+  </dgm:styleLbl>
+  <dgm:styleLbl name="asst3">
+    <dgm:fillClrLst meth="repeat">
+      <a:schemeClr val="accent1"/>
+    </dgm:fillClrLst>
+    <dgm:linClrLst meth="repeat">
+      <a:schemeClr val="lt1"/>
+    </dgm:linClrLst>
+    <dgm:effectClrLst/>
+    <dgm:txLinClrLst/>
+    <dgm:txFillClrLst/>
+    <dgm:txEffectClrLst/>
+  </dgm:styleLbl>
+  <dgm:styleLbl name="asst4">
+    <dgm:fillClrLst meth="repeat">
+      <a:schemeClr val="accent1"/>
+    </dgm:fillClrLst>
+    <dgm:linClrLst meth="repeat">
+      <a:schemeClr val="lt1"/>
+    </dgm:linClrLst>
+    <dgm:effectClrLst/>
+    <dgm:txLinClrLst/>
+    <dgm:txFillClrLst/>
+    <dgm:txEffectClrLst/>
+  </dgm:styleLbl>
+  <dgm:styleLbl name="parChTrans2D1">
+    <dgm:fillClrLst meth="repeat">
+      <a:schemeClr val="accent1">
+        <a:tint val="60000"/>
+      </a:schemeClr>
+    </dgm:fillClrLst>
+    <dgm:linClrLst meth="repeat">
+      <a:schemeClr val="accent1">
+        <a:tint val="60000"/>
+      </a:schemeClr>
+    </dgm:linClrLst>
+    <dgm:effectClrLst/>
+    <dgm:txLinClrLst/>
+    <dgm:txFillClrLst meth="repeat">
+      <a:schemeClr val="lt1"/>
+    </dgm:txFillClrLst>
+    <dgm:txEffectClrLst/>
+  </dgm:styleLbl>
+  <dgm:styleLbl name="parChTrans2D2">
+    <dgm:fillClrLst meth="repeat">
+      <a:schemeClr val="accent1"/>
+    </dgm:fillClrLst>
+    <dgm:linClrLst meth="repeat">
+      <a:schemeClr val="accent1"/>
+    </dgm:linClrLst>
+    <dgm:effectClrLst/>
+    <dgm:txLinClrLst/>
+    <dgm:txFillClrLst meth="repeat">
+      <a:schemeClr val="lt1"/>
+    </dgm:txFillClrLst>
+    <dgm:txEffectClrLst/>
+  </dgm:styleLbl>
+  <dgm:styleLbl name="parChTrans2D3">
+    <dgm:fillClrLst meth="repeat">
+      <a:schemeClr val="accent1"/>
+    </dgm:fillClrLst>
+    <dgm:linClrLst meth="repeat">
+      <a:schemeClr val="accent1"/>
+    </dgm:linClrLst>
+    <dgm:effectClrLst/>
+    <dgm:txLinClrLst/>
+    <dgm:txFillClrLst meth="repeat">
+      <a:schemeClr val="lt1"/>
+    </dgm:txFillClrLst>
+    <dgm:txEffectClrLst/>
+  </dgm:styleLbl>
+  <dgm:styleLbl name="parChTrans2D4">
+    <dgm:fillClrLst meth="repeat">
+      <a:schemeClr val="accent1"/>
+    </dgm:fillClrLst>
+    <dgm:linClrLst meth="repeat">
+      <a:schemeClr val="accent1"/>
+    </dgm:linClrLst>
+    <dgm:effectClrLst/>
+    <dgm:txLinClrLst/>
+    <dgm:txFillClrLst meth="repeat">
+      <a:schemeClr val="lt1"/>
+    </dgm:txFillClrLst>
+    <dgm:txEffectClrLst/>
+  </dgm:styleLbl>
+  <dgm:styleLbl name="parChTrans1D1">
+    <dgm:fillClrLst meth="repeat">
+      <a:schemeClr val="accent1"/>
+    </dgm:fillClrLst>
+    <dgm:linClrLst meth="repeat">
+      <a:schemeClr val="accent1">
+        <a:shade val="60000"/>
+      </a:schemeClr>
+    </dgm:linClrLst>
+    <dgm:effectClrLst/>
+    <dgm:txLinClrLst/>
+    <dgm:txFillClrLst meth="repeat">
+      <a:schemeClr val="tx1"/>
+    </dgm:txFillClrLst>
+    <dgm:txEffectClrLst/>
+  </dgm:styleLbl>
+  <dgm:styleLbl name="parChTrans1D2">
+    <dgm:fillClrLst meth="repeat">
+      <a:schemeClr val="accent1"/>
+    </dgm:fillClrLst>
+    <dgm:linClrLst meth="repeat">
+      <a:schemeClr val="accent1">
+        <a:shade val="60000"/>
+      </a:schemeClr>
+    </dgm:linClrLst>
+    <dgm:effectClrLst/>
+    <dgm:txLinClrLst/>
+    <dgm:txFillClrLst meth="repeat">
+      <a:schemeClr val="tx1"/>
+    </dgm:txFillClrLst>
+    <dgm:txEffectClrLst/>
+  </dgm:styleLbl>
+  <dgm:styleLbl name="parChTrans1D3">
+    <dgm:fillClrLst meth="repeat">
+      <a:schemeClr val="accent1"/>
+    </dgm:fillClrLst>
+    <dgm:linClrLst meth="repeat">
+      <a:schemeClr val="accent1">
+        <a:shade val="80000"/>
+      </a:schemeClr>
+    </dgm:linClrLst>
+    <dgm:effectClrLst/>
+    <dgm:txLinClrLst/>
+    <dgm:txFillClrLst meth="repeat">
+      <a:schemeClr val="tx1"/>
+    </dgm:txFillClrLst>
+    <dgm:txEffectClrLst/>
+  </dgm:styleLbl>
+  <dgm:styleLbl name="parChTrans1D4">
+    <dgm:fillClrLst meth="repeat">
+      <a:schemeClr val="accent1"/>
+    </dgm:fillClrLst>
+    <dgm:linClrLst meth="repeat">
+      <a:schemeClr val="accent1">
+        <a:shade val="80000"/>
+      </a:schemeClr>
+    </dgm:linClrLst>
+    <dgm:effectClrLst/>
+    <dgm:txLinClrLst/>
+    <dgm:txFillClrLst meth="repeat">
+      <a:schemeClr val="tx1"/>
+    </dgm:txFillClrLst>
+    <dgm:txEffectClrLst/>
+  </dgm:styleLbl>
+  <dgm:styleLbl name="fgAcc1">
+    <dgm:fillClrLst meth="repeat">
+      <a:schemeClr val="lt1">
+        <a:alpha val="90000"/>
+      </a:schemeClr>
+    </dgm:fillClrLst>
+    <dgm:linClrLst meth="repeat">
+      <a:schemeClr val="accent1"/>
+    </dgm:linClrLst>
+    <dgm:effectClrLst/>
+    <dgm:txLinClrLst/>
+    <dgm:txFillClrLst meth="repeat">
+      <a:schemeClr val="dk1"/>
+    </dgm:txFillClrLst>
+    <dgm:txEffectClrLst/>
+  </dgm:styleLbl>
+  <dgm:styleLbl name="conFgAcc1">
+    <dgm:fillClrLst meth="repeat">
+      <a:schemeClr val="lt1">
+        <a:alpha val="90000"/>
+      </a:schemeClr>
+    </dgm:fillClrLst>
+    <dgm:linClrLst meth="repeat">
+      <a:schemeClr val="accent1"/>
+    </dgm:linClrLst>
+    <dgm:effectClrLst/>
+    <dgm:txLinClrLst/>
+    <dgm:txFillClrLst meth="repeat">
+      <a:schemeClr val="dk1"/>
+    </dgm:txFillClrLst>
+    <dgm:txEffectClrLst/>
+  </dgm:styleLbl>
+  <dgm:styleLbl name="alignAcc1">
+    <dgm:fillClrLst meth="repeat">
+      <a:schemeClr val="lt1">
+        <a:alpha val="90000"/>
+      </a:schemeClr>
+    </dgm:fillClrLst>
+    <dgm:linClrLst meth="repeat">
+      <a:schemeClr val="accent1"/>
+    </dgm:linClrLst>
+    <dgm:effectClrLst/>
+    <dgm:txLinClrLst/>
+    <dgm:txFillClrLst meth="repeat">
+      <a:schemeClr val="dk1"/>
+    </dgm:txFillClrLst>
+    <dgm:txEffectClrLst/>
+  </dgm:styleLbl>
+  <dgm:styleLbl name="trAlignAcc1">
+    <dgm:fillClrLst meth="repeat">
+      <a:schemeClr val="lt1">
+        <a:alpha val="40000"/>
+      </a:schemeClr>
+    </dgm:fillClrLst>
+    <dgm:linClrLst meth="repeat">
+      <a:schemeClr val="accent1"/>
+    </dgm:linClrLst>
+    <dgm:effectClrLst/>
+    <dgm:txLinClrLst/>
+    <dgm:txFillClrLst meth="repeat">
+      <a:schemeClr val="dk1"/>
+    </dgm:txFillClrLst>
+    <dgm:txEffectClrLst/>
+  </dgm:styleLbl>
+  <dgm:styleLbl name="bgAcc1">
+    <dgm:fillClrLst meth="repeat">
+      <a:schemeClr val="lt1">
+        <a:alpha val="90000"/>
+      </a:schemeClr>
+    </dgm:fillClrLst>
+    <dgm:linClrLst meth="repeat">
+      <a:schemeClr val="accent1"/>
+    </dgm:linClrLst>
+    <dgm:effectClrLst/>
+    <dgm:txLinClrLst/>
+    <dgm:txFillClrLst meth="repeat">
+      <a:schemeClr val="dk1"/>
+    </dgm:txFillClrLst>
+    <dgm:txEffectClrLst/>
+  </dgm:styleLbl>
+  <dgm:styleLbl name="solidFgAcc1">
+    <dgm:fillClrLst meth="repeat">
+      <a:schemeClr val="lt1"/>
+    </dgm:fillClrLst>
+    <dgm:linClrLst meth="repeat">
+      <a:schemeClr val="accent1"/>
+    </dgm:linClrLst>
+    <dgm:effectClrLst/>
+    <dgm:txLinClrLst/>
+    <dgm:txFillClrLst meth="repeat">
+      <a:schemeClr val="dk1"/>
+    </dgm:txFillClrLst>
+    <dgm:txEffectClrLst/>
+  </dgm:styleLbl>
+  <dgm:styleLbl name="solidAlignAcc1">
+    <dgm:fillClrLst meth="repeat">
+      <a:schemeClr val="lt1"/>
+    </dgm:fillClrLst>
+    <dgm:linClrLst meth="repeat">
+      <a:schemeClr val="accent1"/>
+    </dgm:linClrLst>
+    <dgm:effectClrLst/>
+    <dgm:txLinClrLst/>
+    <dgm:txFillClrLst meth="repeat">
+      <a:schemeClr val="dk1"/>
+    </dgm:txFillClrLst>
+    <dgm:txEffectClrLst/>
+  </dgm:styleLbl>
+  <dgm:styleLbl name="solidBgAcc1">
+    <dgm:fillClrLst meth="repeat">
+      <a:schemeClr val="lt1"/>
+    </dgm:fillClrLst>
+    <dgm:linClrLst meth="repeat">
+      <a:schemeClr val="accent1"/>
+    </dgm:linClrLst>
+    <dgm:effectClrLst/>
+    <dgm:txLinClrLst/>
+    <dgm:txFillClrLst meth="repeat">
+      <a:schemeClr val="dk1"/>
+    </dgm:txFillClrLst>
+    <dgm:txEffectClrLst/>
+  </dgm:styleLbl>
+  <dgm:styleLbl name="fgAccFollowNode1">
+    <dgm:fillClrLst meth="repeat">
+      <a:schemeClr val="accent1">
+        <a:alpha val="90000"/>
+        <a:tint val="40000"/>
+      </a:schemeClr>
+    </dgm:fillClrLst>
+    <dgm:linClrLst meth="repeat">
+      <a:schemeClr val="accent1">
+        <a:alpha val="90000"/>
+        <a:tint val="40000"/>
+      </a:schemeClr>
+    </dgm:linClrLst>
+    <dgm:effectClrLst/>
+    <dgm:txLinClrLst/>
+    <dgm:txFillClrLst meth="repeat">
+      <a:schemeClr val="dk1"/>
+    </dgm:txFillClrLst>
+    <dgm:txEffectClrLst/>
+  </dgm:styleLbl>
+  <dgm:styleLbl name="alignAccFollowNode1">
+    <dgm:fillClrLst meth="repeat">
+      <a:schemeClr val="accent1">
+        <a:alpha val="90000"/>
+        <a:tint val="40000"/>
+      </a:schemeClr>
+    </dgm:fillClrLst>
+    <dgm:linClrLst meth="repeat">
+      <a:schemeClr val="accent1">
+        <a:alpha val="90000"/>
+        <a:tint val="40000"/>
+      </a:schemeClr>
+    </dgm:linClrLst>
+    <dgm:effectClrLst/>
+    <dgm:txLinClrLst/>
+    <dgm:txFillClrLst meth="repeat">
+      <a:schemeClr val="dk1"/>
+    </dgm:txFillClrLst>
+    <dgm:txEffectClrLst/>
+  </dgm:styleLbl>
+  <dgm:styleLbl name="bgAccFollowNode1">
+    <dgm:fillClrLst meth="repeat">
+      <a:schemeClr val="accent1">
+        <a:alpha val="90000"/>
+        <a:tint val="40000"/>
+      </a:schemeClr>
+    </dgm:fillClrLst>
+    <dgm:linClrLst meth="repeat">
+      <a:schemeClr val="accent1">
+        <a:alpha val="90000"/>
+        <a:tint val="40000"/>
+      </a:schemeClr>
+    </dgm:linClrLst>
+    <dgm:effectClrLst/>
+    <dgm:txLinClrLst/>
+    <dgm:txFillClrLst meth="repeat">
+      <a:schemeClr val="dk1"/>
+    </dgm:txFillClrLst>
+    <dgm:txEffectClrLst/>
+  </dgm:styleLbl>
+  <dgm:styleLbl name="fgAcc0">
+    <dgm:fillClrLst meth="repeat">
+      <a:schemeClr val="lt1">
+        <a:alpha val="90000"/>
+      </a:schemeClr>
+    </dgm:fillClrLst>
+    <dgm:linClrLst meth="repeat">
+      <a:schemeClr val="accent1"/>
+    </dgm:linClrLst>
+    <dgm:effectClrLst/>
+    <dgm:txLinClrLst/>
+    <dgm:txFillClrLst meth="repeat">
+      <a:schemeClr val="dk1"/>
+    </dgm:txFillClrLst>
+    <dgm:txEffectClrLst/>
+  </dgm:styleLbl>
+  <dgm:styleLbl name="fgAcc2">
+    <dgm:fillClrLst meth="repeat">
+      <a:schemeClr val="lt1">
+        <a:alpha val="90000"/>
+      </a:schemeClr>
+    </dgm:fillClrLst>
+    <dgm:linClrLst meth="repeat">
+      <a:schemeClr val="accent1"/>
+    </dgm:linClrLst>
+    <dgm:effectClrLst/>
+    <dgm:txLinClrLst/>
+    <dgm:txFillClrLst meth="repeat">
+      <a:schemeClr val="dk1"/>
+    </dgm:txFillClrLst>
+    <dgm:txEffectClrLst/>
+  </dgm:styleLbl>
+  <dgm:styleLbl name="fgAcc3">
+    <dgm:fillClrLst meth="repeat">
+      <a:schemeClr val="lt1">
+        <a:alpha val="90000"/>
+      </a:schemeClr>
+    </dgm:fillClrLst>
+    <dgm:linClrLst meth="repeat">
+      <a:schemeClr val="accent1"/>
+    </dgm:linClrLst>
+    <dgm:effectClrLst/>
+    <dgm:txLinClrLst/>
+    <dgm:txFillClrLst meth="repeat">
+      <a:schemeClr val="dk1"/>
+    </dgm:txFillClrLst>
+    <dgm:txEffectClrLst/>
+  </dgm:styleLbl>
+  <dgm:styleLbl name="fgAcc4">
+    <dgm:fillClrLst meth="repeat">
+      <a:schemeClr val="lt1">
+        <a:alpha val="90000"/>
+      </a:schemeClr>
+    </dgm:fillClrLst>
+    <dgm:linClrLst meth="repeat">
+      <a:schemeClr val="accent1"/>
+    </dgm:linClrLst>
+    <dgm:effectClrLst/>
+    <dgm:txLinClrLst/>
+    <dgm:txFillClrLst meth="repeat">
+      <a:schemeClr val="dk1"/>
+    </dgm:txFillClrLst>
+    <dgm:txEffectClrLst/>
+  </dgm:styleLbl>
+  <dgm:styleLbl name="bgShp">
+    <dgm:fillClrLst meth="repeat">
+      <a:schemeClr val="accent1">
+        <a:tint val="40000"/>
+      </a:schemeClr>
+    </dgm:fillClrLst>
+    <dgm:linClrLst meth="repeat">
+      <a:schemeClr val="accent1"/>
+    </dgm:linClrLst>
+    <dgm:effectClrLst/>
+    <dgm:txLinClrLst/>
+    <dgm:txFillClrLst meth="repeat">
+      <a:schemeClr val="dk1"/>
+    </dgm:txFillClrLst>
+    <dgm:txEffectClrLst/>
+  </dgm:styleLbl>
+  <dgm:styleLbl name="dkBgShp">
+    <dgm:fillClrLst meth="repeat">
+      <a:schemeClr val="accent1">
+        <a:shade val="80000"/>
+      </a:schemeClr>
+    </dgm:fillClrLst>
+    <dgm:linClrLst meth="repeat">
+      <a:schemeClr val="accent1"/>
+    </dgm:linClrLst>
+    <dgm:effectClrLst/>
+    <dgm:txLinClrLst/>
+    <dgm:txFillClrLst meth="repeat">
+      <a:schemeClr val="lt1"/>
+    </dgm:txFillClrLst>
+    <dgm:txEffectClrLst/>
+  </dgm:styleLbl>
+  <dgm:styleLbl name="trBgShp">
+    <dgm:fillClrLst meth="repeat">
+      <a:schemeClr val="accent1">
+        <a:tint val="50000"/>
+        <a:alpha val="40000"/>
+      </a:schemeClr>
+    </dgm:fillClrLst>
+    <dgm:linClrLst meth="repeat">
+      <a:schemeClr val="accent1"/>
+    </dgm:linClrLst>
+    <dgm:effectClrLst/>
+    <dgm:txLinClrLst/>
+    <dgm:txFillClrLst meth="repeat">
+      <a:schemeClr val="lt1"/>
+    </dgm:txFillClrLst>
+    <dgm:txEffectClrLst/>
+  </dgm:styleLbl>
+  <dgm:styleLbl name="fgShp">
+    <dgm:fillClrLst meth="repeat">
+      <a:schemeClr val="accent1">
+        <a:tint val="60000"/>
+      </a:schemeClr>
+    </dgm:fillClrLst>
+    <dgm:linClrLst meth="repeat">
+      <a:schemeClr val="lt1"/>
+    </dgm:linClrLst>
+    <dgm:effectClrLst/>
+    <dgm:txLinClrLst/>
+    <dgm:txFillClrLst meth="repeat">
+      <a:schemeClr val="dk1"/>
+    </dgm:txFillClrLst>
+    <dgm:txEffectClrLst/>
+  </dgm:styleLbl>
+  <dgm:styleLbl name="revTx">
+    <dgm:fillClrLst meth="repeat">
+      <a:schemeClr val="lt1">
+        <a:alpha val="0"/>
+      </a:schemeClr>
+    </dgm:fillClrLst>
+    <dgm:linClrLst meth="repeat">
+      <a:schemeClr val="dk1">
+        <a:alpha val="0"/>
+      </a:schemeClr>
+    </dgm:linClrLst>
+    <dgm:effectClrLst/>
+    <dgm:txLinClrLst/>
+    <dgm:txFillClrLst meth="repeat">
+      <a:schemeClr val="tx1"/>
+    </dgm:txFillClrLst>
+    <dgm:txEffectClrLst/>
+  </dgm:styleLbl>
+</dgm:colorsDef>
+</file>
+
+<file path=ppt/diagrams/colors2.xml><?xml version="1.0" encoding="utf-8"?>
+<dgm:colorsDef xmlns:dgm="http://schemas.openxmlformats.org/drawingml/2006/diagram" xmlns:a="http://schemas.openxmlformats.org/drawingml/2006/main" uniqueId="urn:microsoft.com/office/officeart/2005/8/colors/accent1_2">
+  <dgm:title val=""/>
+  <dgm:desc val=""/>
+  <dgm:catLst>
+    <dgm:cat type="accent1" pri="11200"/>
+  </dgm:catLst>
+  <dgm:styleLbl name="node0">
+    <dgm:fillClrLst meth="repeat">
+      <a:schemeClr val="accent1"/>
+    </dgm:fillClrLst>
+    <dgm:linClrLst meth="repeat">
+      <a:schemeClr val="lt1"/>
+    </dgm:linClrLst>
+    <dgm:effectClrLst/>
+    <dgm:txLinClrLst/>
+    <dgm:txFillClrLst/>
+    <dgm:txEffectClrLst/>
+  </dgm:styleLbl>
+  <dgm:styleLbl name="alignNode1">
+    <dgm:fillClrLst meth="repeat">
+      <a:schemeClr val="accent1"/>
+    </dgm:fillClrLst>
+    <dgm:linClrLst meth="repeat">
+      <a:schemeClr val="accent1"/>
+    </dgm:linClrLst>
+    <dgm:effectClrLst/>
+    <dgm:txLinClrLst/>
+    <dgm:txFillClrLst/>
+    <dgm:txEffectClrLst/>
+  </dgm:styleLbl>
+  <dgm:styleLbl name="node1">
+    <dgm:fillClrLst meth="repeat">
+      <a:schemeClr val="accent1"/>
+    </dgm:fillClrLst>
+    <dgm:linClrLst meth="repeat">
+      <a:schemeClr val="lt1"/>
+    </dgm:linClrLst>
+    <dgm:effectClrLst/>
+    <dgm:txLinClrLst/>
+    <dgm:txFillClrLst/>
+    <dgm:txEffectClrLst/>
+  </dgm:styleLbl>
+  <dgm:styleLbl name="lnNode1">
+    <dgm:fillClrLst meth="repeat">
+      <a:schemeClr val="accent1"/>
+    </dgm:fillClrLst>
+    <dgm:linClrLst meth="repeat">
+      <a:schemeClr val="lt1"/>
+    </dgm:linClrLst>
+    <dgm:effectClrLst/>
+    <dgm:txLinClrLst/>
+    <dgm:txFillClrLst/>
+    <dgm:txEffectClrLst/>
+  </dgm:styleLbl>
+  <dgm:styleLbl name="vennNode1">
+    <dgm:fillClrLst meth="repeat">
+      <a:schemeClr val="accent1">
+        <a:alpha val="50000"/>
+      </a:schemeClr>
+    </dgm:fillClrLst>
+    <dgm:linClrLst meth="repeat">
+      <a:schemeClr val="lt1"/>
+    </dgm:linClrLst>
+    <dgm:effectClrLst/>
+    <dgm:txLinClrLst/>
+    <dgm:txFillClrLst/>
+    <dgm:txEffectClrLst/>
+  </dgm:styleLbl>
+  <dgm:styleLbl name="node2">
+    <dgm:fillClrLst meth="repeat">
+      <a:schemeClr val="accent1"/>
+    </dgm:fillClrLst>
+    <dgm:linClrLst meth="repeat">
+      <a:schemeClr val="lt1"/>
+    </dgm:linClrLst>
+    <dgm:effectClrLst/>
+    <dgm:txLinClrLst/>
+    <dgm:txFillClrLst/>
+    <dgm:txEffectClrLst/>
+  </dgm:styleLbl>
+  <dgm:styleLbl name="node3">
+    <dgm:fillClrLst meth="repeat">
+      <a:schemeClr val="accent1"/>
+    </dgm:fillClrLst>
+    <dgm:linClrLst meth="repeat">
+      <a:schemeClr val="lt1"/>
+    </dgm:linClrLst>
+    <dgm:effectClrLst/>
+    <dgm:txLinClrLst/>
+    <dgm:txFillClrLst/>
+    <dgm:txEffectClrLst/>
+  </dgm:styleLbl>
+  <dgm:styleLbl name="node4">
+    <dgm:fillClrLst meth="repeat">
+      <a:schemeClr val="accent1"/>
+    </dgm:fillClrLst>
+    <dgm:linClrLst meth="repeat">
+      <a:schemeClr val="lt1"/>
+    </dgm:linClrLst>
+    <dgm:effectClrLst/>
+    <dgm:txLinClrLst/>
+    <dgm:txFillClrLst/>
+    <dgm:txEffectClrLst/>
+  </dgm:styleLbl>
+  <dgm:styleLbl name="fgImgPlace1">
+    <dgm:fillClrLst meth="repeat">
+      <a:schemeClr val="accent1">
+        <a:tint val="50000"/>
+      </a:schemeClr>
+    </dgm:fillClrLst>
+    <dgm:linClrLst meth="repeat">
+      <a:schemeClr val="lt1"/>
+    </dgm:linClrLst>
+    <dgm:effectClrLst/>
+    <dgm:txLinClrLst/>
+    <dgm:txFillClrLst meth="repeat">
+      <a:schemeClr val="lt1"/>
+    </dgm:txFillClrLst>
+    <dgm:txEffectClrLst/>
+  </dgm:styleLbl>
+  <dgm:styleLbl name="alignImgPlace1">
+    <dgm:fillClrLst meth="repeat">
+      <a:schemeClr val="accent1">
+        <a:tint val="50000"/>
+      </a:schemeClr>
+    </dgm:fillClrLst>
+    <dgm:linClrLst meth="repeat">
+      <a:schemeClr val="lt1"/>
+    </dgm:linClrLst>
+    <dgm:effectClrLst/>
+    <dgm:txLinClrLst/>
+    <dgm:txFillClrLst meth="repeat">
+      <a:schemeClr val="lt1"/>
+    </dgm:txFillClrLst>
+    <dgm:txEffectClrLst/>
+  </dgm:styleLbl>
+  <dgm:styleLbl name="bgImgPlace1">
+    <dgm:fillClrLst meth="repeat">
+      <a:schemeClr val="accent1">
+        <a:tint val="50000"/>
+      </a:schemeClr>
+    </dgm:fillClrLst>
+    <dgm:linClrLst meth="repeat">
+      <a:schemeClr val="lt1"/>
+    </dgm:linClrLst>
+    <dgm:effectClrLst/>
+    <dgm:txLinClrLst/>
+    <dgm:txFillClrLst meth="repeat">
+      <a:schemeClr val="lt1"/>
+    </dgm:txFillClrLst>
+    <dgm:txEffectClrLst/>
+  </dgm:styleLbl>
+  <dgm:styleLbl name="sibTrans2D1">
+    <dgm:fillClrLst meth="repeat">
+      <a:schemeClr val="accent1">
+        <a:tint val="60000"/>
+      </a:schemeClr>
+    </dgm:fillClrLst>
+    <dgm:linClrLst meth="repeat">
+      <a:schemeClr val="accent1">
+        <a:tint val="60000"/>
+      </a:schemeClr>
+    </dgm:linClrLst>
+    <dgm:effectClrLst/>
+    <dgm:txLinClrLst/>
+    <dgm:txFillClrLst/>
+    <dgm:txEffectClrLst/>
+  </dgm:styleLbl>
+  <dgm:styleLbl name="fgSibTrans2D1">
+    <dgm:fillClrLst meth="repeat">
+      <a:schemeClr val="accent1">
+        <a:tint val="60000"/>
+      </a:schemeClr>
+    </dgm:fillClrLst>
+    <dgm:linClrLst meth="repeat">
+      <a:schemeClr val="accent1">
+        <a:tint val="60000"/>
+      </a:schemeClr>
+    </dgm:linClrLst>
+    <dgm:effectClrLst/>
+    <dgm:txLinClrLst/>
+    <dgm:txFillClrLst/>
+    <dgm:txEffectClrLst/>
+  </dgm:styleLbl>
+  <dgm:styleLbl name="bgSibTrans2D1">
+    <dgm:fillClrLst meth="repeat">
+      <a:schemeClr val="accent1">
+        <a:tint val="60000"/>
+      </a:schemeClr>
+    </dgm:fillClrLst>
+    <dgm:linClrLst meth="repeat">
+      <a:schemeClr val="accent1">
+        <a:tint val="60000"/>
+      </a:schemeClr>
+    </dgm:linClrLst>
+    <dgm:effectClrLst/>
+    <dgm:txLinClrLst/>
+    <dgm:txFillClrLst/>
+    <dgm:txEffectClrLst/>
+  </dgm:styleLbl>
+  <dgm:styleLbl name="sibTrans1D1">
+    <dgm:fillClrLst meth="repeat">
+      <a:schemeClr val="accent1"/>
+    </dgm:fillClrLst>
+    <dgm:linClrLst meth="repeat">
+      <a:schemeClr val="accent1"/>
+    </dgm:linClrLst>
+    <dgm:effectClrLst/>
+    <dgm:txLinClrLst/>
+    <dgm:txFillClrLst meth="repeat">
+      <a:schemeClr val="tx1"/>
+    </dgm:txFillClrLst>
+    <dgm:txEffectClrLst/>
+  </dgm:styleLbl>
+  <dgm:styleLbl name="callout">
+    <dgm:fillClrLst meth="repeat">
+      <a:schemeClr val="accent1"/>
+    </dgm:fillClrLst>
+    <dgm:linClrLst meth="repeat">
+      <a:schemeClr val="accent1">
+        <a:tint val="50000"/>
+      </a:schemeClr>
+    </dgm:linClrLst>
+    <dgm:effectClrLst/>
+    <dgm:txLinClrLst/>
+    <dgm:txFillClrLst meth="repeat">
+      <a:schemeClr val="tx1"/>
+    </dgm:txFillClrLst>
+    <dgm:txEffectClrLst/>
+  </dgm:styleLbl>
+  <dgm:styleLbl name="asst0">
+    <dgm:fillClrLst meth="repeat">
+      <a:schemeClr val="accent1"/>
+    </dgm:fillClrLst>
+    <dgm:linClrLst meth="repeat">
+      <a:schemeClr val="lt1"/>
+    </dgm:linClrLst>
+    <dgm:effectClrLst/>
+    <dgm:txLinClrLst/>
+    <dgm:txFillClrLst/>
+    <dgm:txEffectClrLst/>
+  </dgm:styleLbl>
+  <dgm:styleLbl name="asst1">
+    <dgm:fillClrLst meth="repeat">
+      <a:schemeClr val="accent1"/>
+    </dgm:fillClrLst>
+    <dgm:linClrLst meth="repeat">
+      <a:schemeClr val="lt1"/>
+    </dgm:linClrLst>
+    <dgm:effectClrLst/>
+    <dgm:txLinClrLst/>
+    <dgm:txFillClrLst/>
+    <dgm:txEffectClrLst/>
+  </dgm:styleLbl>
+  <dgm:styleLbl name="asst2">
+    <dgm:fillClrLst meth="repeat">
+      <a:schemeClr val="accent1"/>
+    </dgm:fillClrLst>
+    <dgm:linClrLst meth="repeat">
+      <a:schemeClr val="lt1"/>
+    </dgm:linClrLst>
+    <dgm:effectClrLst/>
+    <dgm:txLinClrLst/>
+    <dgm:txFillClrLst/>
+    <dgm:txEffectClrLst/>
+  </dgm:styleLbl>
+  <dgm:styleLbl name="asst3">
+    <dgm:fillClrLst meth="repeat">
+      <a:schemeClr val="accent1"/>
+    </dgm:fillClrLst>
+    <dgm:linClrLst meth="repeat">
+      <a:schemeClr val="lt1"/>
+    </dgm:linClrLst>
+    <dgm:effectClrLst/>
+    <dgm:txLinClrLst/>
+    <dgm:txFillClrLst/>
+    <dgm:txEffectClrLst/>
+  </dgm:styleLbl>
+  <dgm:styleLbl name="asst4">
+    <dgm:fillClrLst meth="repeat">
+      <a:schemeClr val="accent1"/>
+    </dgm:fillClrLst>
+    <dgm:linClrLst meth="repeat">
+      <a:schemeClr val="lt1"/>
+    </dgm:linClrLst>
+    <dgm:effectClrLst/>
+    <dgm:txLinClrLst/>
+    <dgm:txFillClrLst/>
+    <dgm:txEffectClrLst/>
+  </dgm:styleLbl>
+  <dgm:styleLbl name="parChTrans2D1">
+    <dgm:fillClrLst meth="repeat">
+      <a:schemeClr val="accent1">
+        <a:tint val="60000"/>
+      </a:schemeClr>
+    </dgm:fillClrLst>
+    <dgm:linClrLst meth="repeat">
+      <a:schemeClr val="accent1">
+        <a:tint val="60000"/>
+      </a:schemeClr>
+    </dgm:linClrLst>
+    <dgm:effectClrLst/>
+    <dgm:txLinClrLst/>
+    <dgm:txFillClrLst meth="repeat">
+      <a:schemeClr val="lt1"/>
+    </dgm:txFillClrLst>
+    <dgm:txEffectClrLst/>
+  </dgm:styleLbl>
+  <dgm:styleLbl name="parChTrans2D2">
+    <dgm:fillClrLst meth="repeat">
+      <a:schemeClr val="accent1"/>
+    </dgm:fillClrLst>
+    <dgm:linClrLst meth="repeat">
+      <a:schemeClr val="accent1"/>
+    </dgm:linClrLst>
+    <dgm:effectClrLst/>
+    <dgm:txLinClrLst/>
+    <dgm:txFillClrLst meth="repeat">
+      <a:schemeClr val="lt1"/>
+    </dgm:txFillClrLst>
+    <dgm:txEffectClrLst/>
+  </dgm:styleLbl>
+  <dgm:styleLbl name="parChTrans2D3">
+    <dgm:fillClrLst meth="repeat">
+      <a:schemeClr val="accent1"/>
+    </dgm:fillClrLst>
+    <dgm:linClrLst meth="repeat">
+      <a:schemeClr val="accent1"/>
+    </dgm:linClrLst>
+    <dgm:effectClrLst/>
+    <dgm:txLinClrLst/>
+    <dgm:txFillClrLst meth="repeat">
+      <a:schemeClr val="lt1"/>
+    </dgm:txFillClrLst>
+    <dgm:txEffectClrLst/>
+  </dgm:styleLbl>
+  <dgm:styleLbl name="parChTrans2D4">
+    <dgm:fillClrLst meth="repeat">
+      <a:schemeClr val="accent1"/>
+    </dgm:fillClrLst>
+    <dgm:linClrLst meth="repeat">
+      <a:schemeClr val="accent1"/>
+    </dgm:linClrLst>
+    <dgm:effectClrLst/>
+    <dgm:txLinClrLst/>
+    <dgm:txFillClrLst meth="repeat">
+      <a:schemeClr val="lt1"/>
+    </dgm:txFillClrLst>
+    <dgm:txEffectClrLst/>
+  </dgm:styleLbl>
+  <dgm:styleLbl name="parChTrans1D1">
+    <dgm:fillClrLst meth="repeat">
+      <a:schemeClr val="accent1"/>
+    </dgm:fillClrLst>
+    <dgm:linClrLst meth="repeat">
+      <a:schemeClr val="accent1">
+        <a:shade val="60000"/>
+      </a:schemeClr>
+    </dgm:linClrLst>
+    <dgm:effectClrLst/>
+    <dgm:txLinClrLst/>
+    <dgm:txFillClrLst meth="repeat">
+      <a:schemeClr val="tx1"/>
+    </dgm:txFillClrLst>
+    <dgm:txEffectClrLst/>
+  </dgm:styleLbl>
+  <dgm:styleLbl name="parChTrans1D2">
+    <dgm:fillClrLst meth="repeat">
+      <a:schemeClr val="accent1"/>
+    </dgm:fillClrLst>
+    <dgm:linClrLst meth="repeat">
+      <a:schemeClr val="accent1">
+        <a:shade val="60000"/>
+      </a:schemeClr>
+    </dgm:linClrLst>
+    <dgm:effectClrLst/>
+    <dgm:txLinClrLst/>
+    <dgm:txFillClrLst meth="repeat">
+      <a:schemeClr val="tx1"/>
+    </dgm:txFillClrLst>
+    <dgm:txEffectClrLst/>
+  </dgm:styleLbl>
+  <dgm:styleLbl name="parChTrans1D3">
+    <dgm:fillClrLst meth="repeat">
+      <a:schemeClr val="accent1"/>
+    </dgm:fillClrLst>
+    <dgm:linClrLst meth="repeat">
+      <a:schemeClr val="accent1">
+        <a:shade val="80000"/>
+      </a:schemeClr>
+    </dgm:linClrLst>
+    <dgm:effectClrLst/>
+    <dgm:txLinClrLst/>
+    <dgm:txFillClrLst meth="repeat">
+      <a:schemeClr val="tx1"/>
+    </dgm:txFillClrLst>
+    <dgm:txEffectClrLst/>
+  </dgm:styleLbl>
+  <dgm:styleLbl name="parChTrans1D4">
+    <dgm:fillClrLst meth="repeat">
+      <a:schemeClr val="accent1"/>
+    </dgm:fillClrLst>
+    <dgm:linClrLst meth="repeat">
+      <a:schemeClr val="accent1">
+        <a:shade val="80000"/>
+      </a:schemeClr>
+    </dgm:linClrLst>
+    <dgm:effectClrLst/>
+    <dgm:txLinClrLst/>
+    <dgm:txFillClrLst meth="repeat">
+      <a:schemeClr val="tx1"/>
+    </dgm:txFillClrLst>
+    <dgm:txEffectClrLst/>
+  </dgm:styleLbl>
+  <dgm:styleLbl name="fgAcc1">
+    <dgm:fillClrLst meth="repeat">
+      <a:schemeClr val="lt1">
+        <a:alpha val="90000"/>
+      </a:schemeClr>
+    </dgm:fillClrLst>
+    <dgm:linClrLst meth="repeat">
+      <a:schemeClr val="accent1"/>
+    </dgm:linClrLst>
+    <dgm:effectClrLst/>
+    <dgm:txLinClrLst/>
+    <dgm:txFillClrLst meth="repeat">
+      <a:schemeClr val="dk1"/>
+    </dgm:txFillClrLst>
+    <dgm:txEffectClrLst/>
+  </dgm:styleLbl>
+  <dgm:styleLbl name="conFgAcc1">
+    <dgm:fillClrLst meth="repeat">
+      <a:schemeClr val="lt1">
+        <a:alpha val="90000"/>
+      </a:schemeClr>
+    </dgm:fillClrLst>
+    <dgm:linClrLst meth="repeat">
+      <a:schemeClr val="accent1"/>
+    </dgm:linClrLst>
+    <dgm:effectClrLst/>
+    <dgm:txLinClrLst/>
+    <dgm:txFillClrLst meth="repeat">
+      <a:schemeClr val="dk1"/>
+    </dgm:txFillClrLst>
+    <dgm:txEffectClrLst/>
+  </dgm:styleLbl>
+  <dgm:styleLbl name="alignAcc1">
+    <dgm:fillClrLst meth="repeat">
+      <a:schemeClr val="lt1">
+        <a:alpha val="90000"/>
+      </a:schemeClr>
+    </dgm:fillClrLst>
+    <dgm:linClrLst meth="repeat">
+      <a:schemeClr val="accent1"/>
+    </dgm:linClrLst>
+    <dgm:effectClrLst/>
+    <dgm:txLinClrLst/>
+    <dgm:txFillClrLst meth="repeat">
+      <a:schemeClr val="dk1"/>
+    </dgm:txFillClrLst>
+    <dgm:txEffectClrLst/>
+  </dgm:styleLbl>
+  <dgm:styleLbl name="trAlignAcc1">
+    <dgm:fillClrLst meth="repeat">
+      <a:schemeClr val="lt1">
+        <a:alpha val="40000"/>
+      </a:schemeClr>
+    </dgm:fillClrLst>
+    <dgm:linClrLst meth="repeat">
+      <a:schemeClr val="accent1"/>
+    </dgm:linClrLst>
+    <dgm:effectClrLst/>
+    <dgm:txLinClrLst/>
+    <dgm:txFillClrLst meth="repeat">
+      <a:schemeClr val="dk1"/>
+    </dgm:txFillClrLst>
+    <dgm:txEffectClrLst/>
+  </dgm:styleLbl>
+  <dgm:styleLbl name="bgAcc1">
+    <dgm:fillClrLst meth="repeat">
+      <a:schemeClr val="lt1">
+        <a:alpha val="90000"/>
+      </a:schemeClr>
+    </dgm:fillClrLst>
+    <dgm:linClrLst meth="repeat">
+      <a:schemeClr val="accent1"/>
+    </dgm:linClrLst>
+    <dgm:effectClrLst/>
+    <dgm:txLinClrLst/>
+    <dgm:txFillClrLst meth="repeat">
+      <a:schemeClr val="dk1"/>
+    </dgm:txFillClrLst>
+    <dgm:txEffectClrLst/>
+  </dgm:styleLbl>
+  <dgm:styleLbl name="solidFgAcc1">
+    <dgm:fillClrLst meth="repeat">
+      <a:schemeClr val="lt1"/>
+    </dgm:fillClrLst>
+    <dgm:linClrLst meth="repeat">
+      <a:schemeClr val="accent1"/>
+    </dgm:linClrLst>
+    <dgm:effectClrLst/>
+    <dgm:txLinClrLst/>
+    <dgm:txFillClrLst meth="repeat">
+      <a:schemeClr val="dk1"/>
+    </dgm:txFillClrLst>
+    <dgm:txEffectClrLst/>
+  </dgm:styleLbl>
+  <dgm:styleLbl name="solidAlignAcc1">
+    <dgm:fillClrLst meth="repeat">
+      <a:schemeClr val="lt1"/>
+    </dgm:fillClrLst>
+    <dgm:linClrLst meth="repeat">
+      <a:schemeClr val="accent1"/>
+    </dgm:linClrLst>
+    <dgm:effectClrLst/>
+    <dgm:txLinClrLst/>
+    <dgm:txFillClrLst meth="repeat">
+      <a:schemeClr val="dk1"/>
+    </dgm:txFillClrLst>
+    <dgm:txEffectClrLst/>
+  </dgm:styleLbl>
+  <dgm:styleLbl name="solidBgAcc1">
+    <dgm:fillClrLst meth="repeat">
+      <a:schemeClr val="lt1"/>
+    </dgm:fillClrLst>
+    <dgm:linClrLst meth="repeat">
+      <a:schemeClr val="accent1"/>
+    </dgm:linClrLst>
+    <dgm:effectClrLst/>
+    <dgm:txLinClrLst/>
+    <dgm:txFillClrLst meth="repeat">
+      <a:schemeClr val="dk1"/>
+    </dgm:txFillClrLst>
+    <dgm:txEffectClrLst/>
+  </dgm:styleLbl>
+  <dgm:styleLbl name="fgAccFollowNode1">
+    <dgm:fillClrLst meth="repeat">
+      <a:schemeClr val="accent1">
+        <a:alpha val="90000"/>
+        <a:tint val="40000"/>
+      </a:schemeClr>
+    </dgm:fillClrLst>
+    <dgm:linClrLst meth="repeat">
+      <a:schemeClr val="accent1">
+        <a:alpha val="90000"/>
+        <a:tint val="40000"/>
+      </a:schemeClr>
+    </dgm:linClrLst>
+    <dgm:effectClrLst/>
+    <dgm:txLinClrLst/>
+    <dgm:txFillClrLst meth="repeat">
+      <a:schemeClr val="dk1"/>
+    </dgm:txFillClrLst>
+    <dgm:txEffectClrLst/>
+  </dgm:styleLbl>
+  <dgm:styleLbl name="alignAccFollowNode1">
+    <dgm:fillClrLst meth="repeat">
+      <a:schemeClr val="accent1">
+        <a:alpha val="90000"/>
+        <a:tint val="40000"/>
+      </a:schemeClr>
+    </dgm:fillClrLst>
+    <dgm:linClrLst meth="repeat">
+      <a:schemeClr val="accent1">
+        <a:alpha val="90000"/>
+        <a:tint val="40000"/>
+      </a:schemeClr>
+    </dgm:linClrLst>
+    <dgm:effectClrLst/>
+    <dgm:txLinClrLst/>
+    <dgm:txFillClrLst meth="repeat">
+      <a:schemeClr val="dk1"/>
+    </dgm:txFillClrLst>
+    <dgm:txEffectClrLst/>
+  </dgm:styleLbl>
+  <dgm:styleLbl name="bgAccFollowNode1">
+    <dgm:fillClrLst meth="repeat">
+      <a:schemeClr val="accent1">
+        <a:alpha val="90000"/>
+        <a:tint val="40000"/>
+      </a:schemeClr>
+    </dgm:fillClrLst>
+    <dgm:linClrLst meth="repeat">
+      <a:schemeClr val="accent1">
+        <a:alpha val="90000"/>
+        <a:tint val="40000"/>
+      </a:schemeClr>
+    </dgm:linClrLst>
+    <dgm:effectClrLst/>
+    <dgm:txLinClrLst/>
+    <dgm:txFillClrLst meth="repeat">
+      <a:schemeClr val="dk1"/>
+    </dgm:txFillClrLst>
+    <dgm:txEffectClrLst/>
+  </dgm:styleLbl>
+  <dgm:styleLbl name="fgAcc0">
+    <dgm:fillClrLst meth="repeat">
+      <a:schemeClr val="lt1">
+        <a:alpha val="90000"/>
+      </a:schemeClr>
+    </dgm:fillClrLst>
+    <dgm:linClrLst meth="repeat">
+      <a:schemeClr val="accent1"/>
+    </dgm:linClrLst>
+    <dgm:effectClrLst/>
+    <dgm:txLinClrLst/>
+    <dgm:txFillClrLst meth="repeat">
+      <a:schemeClr val="dk1"/>
+    </dgm:txFillClrLst>
+    <dgm:txEffectClrLst/>
+  </dgm:styleLbl>
+  <dgm:styleLbl name="fgAcc2">
+    <dgm:fillClrLst meth="repeat">
+      <a:schemeClr val="lt1">
+        <a:alpha val="90000"/>
+      </a:schemeClr>
+    </dgm:fillClrLst>
+    <dgm:linClrLst meth="repeat">
+      <a:schemeClr val="accent1"/>
+    </dgm:linClrLst>
+    <dgm:effectClrLst/>
+    <dgm:txLinClrLst/>
+    <dgm:txFillClrLst meth="repeat">
+      <a:schemeClr val="dk1"/>
+    </dgm:txFillClrLst>
+    <dgm:txEffectClrLst/>
+  </dgm:styleLbl>
+  <dgm:styleLbl name="fgAcc3">
+    <dgm:fillClrLst meth="repeat">
+      <a:schemeClr val="lt1">
+        <a:alpha val="90000"/>
+      </a:schemeClr>
+    </dgm:fillClrLst>
+    <dgm:linClrLst meth="repeat">
+      <a:schemeClr val="accent1"/>
+    </dgm:linClrLst>
+    <dgm:effectClrLst/>
+    <dgm:txLinClrLst/>
+    <dgm:txFillClrLst meth="repeat">
+      <a:schemeClr val="dk1"/>
+    </dgm:txFillClrLst>
+    <dgm:txEffectClrLst/>
+  </dgm:styleLbl>
+  <dgm:styleLbl name="fgAcc4">
+    <dgm:fillClrLst meth="repeat">
+      <a:schemeClr val="lt1">
+        <a:alpha val="90000"/>
+      </a:schemeClr>
+    </dgm:fillClrLst>
+    <dgm:linClrLst meth="repeat">
+      <a:schemeClr val="accent1"/>
+    </dgm:linClrLst>
+    <dgm:effectClrLst/>
+    <dgm:txLinClrLst/>
+    <dgm:txFillClrLst meth="repeat">
+      <a:schemeClr val="dk1"/>
+    </dgm:txFillClrLst>
+    <dgm:txEffectClrLst/>
+  </dgm:styleLbl>
+  <dgm:styleLbl name="bgShp">
+    <dgm:fillClrLst meth="repeat">
+      <a:schemeClr val="accent1">
+        <a:tint val="40000"/>
+      </a:schemeClr>
+    </dgm:fillClrLst>
+    <dgm:linClrLst meth="repeat">
+      <a:schemeClr val="accent1"/>
+    </dgm:linClrLst>
+    <dgm:effectClrLst/>
+    <dgm:txLinClrLst/>
+    <dgm:txFillClrLst meth="repeat">
+      <a:schemeClr val="dk1"/>
+    </dgm:txFillClrLst>
+    <dgm:txEffectClrLst/>
+  </dgm:styleLbl>
+  <dgm:styleLbl name="dkBgShp">
+    <dgm:fillClrLst meth="repeat">
+      <a:schemeClr val="accent1">
+        <a:shade val="80000"/>
+      </a:schemeClr>
+    </dgm:fillClrLst>
+    <dgm:linClrLst meth="repeat">
+      <a:schemeClr val="accent1"/>
+    </dgm:linClrLst>
+    <dgm:effectClrLst/>
+    <dgm:txLinClrLst/>
+    <dgm:txFillClrLst meth="repeat">
+      <a:schemeClr val="lt1"/>
+    </dgm:txFillClrLst>
+    <dgm:txEffectClrLst/>
+  </dgm:styleLbl>
+  <dgm:styleLbl name="trBgShp">
+    <dgm:fillClrLst meth="repeat">
+      <a:schemeClr val="accent1">
+        <a:tint val="50000"/>
+        <a:alpha val="40000"/>
+      </a:schemeClr>
+    </dgm:fillClrLst>
+    <dgm:linClrLst meth="repeat">
+      <a:schemeClr val="accent1"/>
+    </dgm:linClrLst>
+    <dgm:effectClrLst/>
+    <dgm:txLinClrLst/>
+    <dgm:txFillClrLst meth="repeat">
+      <a:schemeClr val="lt1"/>
+    </dgm:txFillClrLst>
+    <dgm:txEffectClrLst/>
+  </dgm:styleLbl>
+  <dgm:styleLbl name="fgShp">
+    <dgm:fillClrLst meth="repeat">
+      <a:schemeClr val="accent1">
+        <a:tint val="60000"/>
+      </a:schemeClr>
+    </dgm:fillClrLst>
+    <dgm:linClrLst meth="repeat">
+      <a:schemeClr val="lt1"/>
+    </dgm:linClrLst>
+    <dgm:effectClrLst/>
+    <dgm:txLinClrLst/>
+    <dgm:txFillClrLst meth="repeat">
+      <a:schemeClr val="dk1"/>
+    </dgm:txFillClrLst>
+    <dgm:txEffectClrLst/>
+  </dgm:styleLbl>
+  <dgm:styleLbl name="revTx">
+    <dgm:fillClrLst meth="repeat">
+      <a:schemeClr val="lt1">
+        <a:alpha val="0"/>
+      </a:schemeClr>
+    </dgm:fillClrLst>
+    <dgm:linClrLst meth="repeat">
+      <a:schemeClr val="dk1">
+        <a:alpha val="0"/>
+      </a:schemeClr>
+    </dgm:linClrLst>
+    <dgm:effectClrLst/>
+    <dgm:txLinClrLst/>
+    <dgm:txFillClrLst meth="repeat">
+      <a:schemeClr val="tx1"/>
+    </dgm:txFillClrLst>
+    <dgm:txEffectClrLst/>
+  </dgm:styleLbl>
+</dgm:colorsDef>
+</file>
+
+<file path=ppt/diagrams/data1.xml><?xml version="1.0" encoding="utf-8"?>
+<dgm:dataModel xmlns:dgm="http://schemas.openxmlformats.org/drawingml/2006/diagram" xmlns:a="http://schemas.openxmlformats.org/drawingml/2006/main">
+  <dgm:ptLst>
+    <dgm:pt modelId="{EF77BCA7-5424-DE49-B0AC-9945DDFA1F96}" type="doc">
+      <dgm:prSet loTypeId="urn:microsoft.com/office/officeart/2005/8/layout/hProcess3" loCatId="process" qsTypeId="urn:microsoft.com/office/officeart/2005/8/quickstyle/simple4" qsCatId="simple" csTypeId="urn:microsoft.com/office/officeart/2005/8/colors/accent1_2" csCatId="accent1" phldr="0"/>
+      <dgm:spPr/>
+    </dgm:pt>
+    <dgm:pt modelId="{93F285CF-03E6-AD4B-853E-A595FCAE3461}">
+      <dgm:prSet phldrT="[Text]" phldr="1"/>
+      <dgm:spPr/>
+      <dgm:t>
+        <a:bodyPr/>
+        <a:lstStyle/>
+        <a:p>
+          <a:endParaRPr lang="en-US"/>
+        </a:p>
+      </dgm:t>
+    </dgm:pt>
+    <dgm:pt modelId="{B9EAAB2C-25B3-B544-8AD3-84F0188CE7EA}" type="parTrans" cxnId="{FFDAD881-9FCB-DC4F-9718-82BB75C984E6}">
+      <dgm:prSet/>
+      <dgm:spPr/>
+      <dgm:t>
+        <a:bodyPr/>
+        <a:lstStyle/>
+        <a:p>
+          <a:endParaRPr lang="en-US"/>
+        </a:p>
+      </dgm:t>
+    </dgm:pt>
+    <dgm:pt modelId="{0E919826-9498-E84E-ADB9-D5C5DF3970D2}" type="sibTrans" cxnId="{FFDAD881-9FCB-DC4F-9718-82BB75C984E6}">
+      <dgm:prSet/>
+      <dgm:spPr/>
+      <dgm:t>
+        <a:bodyPr/>
+        <a:lstStyle/>
+        <a:p>
+          <a:endParaRPr lang="en-US"/>
+        </a:p>
+      </dgm:t>
+    </dgm:pt>
+    <dgm:pt modelId="{DF9BB8C1-1F1C-224E-A7B3-379786AD8D88}">
+      <dgm:prSet phldrT="[Text]" phldr="1"/>
+      <dgm:spPr/>
+      <dgm:t>
+        <a:bodyPr/>
+        <a:lstStyle/>
+        <a:p>
+          <a:endParaRPr lang="en-US"/>
+        </a:p>
+      </dgm:t>
+    </dgm:pt>
+    <dgm:pt modelId="{D8681E15-33F3-894E-B538-902536B742AB}" type="parTrans" cxnId="{2B7FC5DE-6462-3E46-8C90-CA5B36600B91}">
+      <dgm:prSet/>
+      <dgm:spPr/>
+      <dgm:t>
+        <a:bodyPr/>
+        <a:lstStyle/>
+        <a:p>
+          <a:endParaRPr lang="en-US"/>
+        </a:p>
+      </dgm:t>
+    </dgm:pt>
+    <dgm:pt modelId="{AD34FC3B-627D-7B45-8255-4705A2F94613}" type="sibTrans" cxnId="{2B7FC5DE-6462-3E46-8C90-CA5B36600B91}">
+      <dgm:prSet/>
+      <dgm:spPr/>
+      <dgm:t>
+        <a:bodyPr/>
+        <a:lstStyle/>
+        <a:p>
+          <a:endParaRPr lang="en-US"/>
+        </a:p>
+      </dgm:t>
+    </dgm:pt>
+    <dgm:pt modelId="{CDF87145-9BD6-AA43-A385-6B3FC8E2E595}">
+      <dgm:prSet phldrT="[Text]" phldr="1"/>
+      <dgm:spPr/>
+      <dgm:t>
+        <a:bodyPr/>
+        <a:lstStyle/>
+        <a:p>
+          <a:endParaRPr lang="en-US"/>
+        </a:p>
+      </dgm:t>
+    </dgm:pt>
+    <dgm:pt modelId="{23725B13-96A4-6841-8E75-66E248CACD60}" type="parTrans" cxnId="{2EA4EB31-FFF7-2645-B9F7-90B822F3212D}">
+      <dgm:prSet/>
+      <dgm:spPr/>
+      <dgm:t>
+        <a:bodyPr/>
+        <a:lstStyle/>
+        <a:p>
+          <a:endParaRPr lang="en-US"/>
+        </a:p>
+      </dgm:t>
+    </dgm:pt>
+    <dgm:pt modelId="{69C37F7B-9BEC-9945-8567-D84A36F4C024}" type="sibTrans" cxnId="{2EA4EB31-FFF7-2645-B9F7-90B822F3212D}">
+      <dgm:prSet/>
+      <dgm:spPr/>
+      <dgm:t>
+        <a:bodyPr/>
+        <a:lstStyle/>
+        <a:p>
+          <a:endParaRPr lang="en-US"/>
+        </a:p>
+      </dgm:t>
+    </dgm:pt>
+    <dgm:pt modelId="{C41437E7-93E2-4244-B5BB-0FB5398F019C}" type="pres">
+      <dgm:prSet presAssocID="{EF77BCA7-5424-DE49-B0AC-9945DDFA1F96}" presName="Name0" presStyleCnt="0">
+        <dgm:presLayoutVars>
+          <dgm:dir/>
+          <dgm:animLvl val="lvl"/>
+          <dgm:resizeHandles val="exact"/>
+        </dgm:presLayoutVars>
+      </dgm:prSet>
+      <dgm:spPr/>
+    </dgm:pt>
+    <dgm:pt modelId="{7F2907E2-3063-1443-AB50-12B66C60971A}" type="pres">
+      <dgm:prSet presAssocID="{EF77BCA7-5424-DE49-B0AC-9945DDFA1F96}" presName="dummy" presStyleCnt="0"/>
+      <dgm:spPr/>
+    </dgm:pt>
+    <dgm:pt modelId="{03E188D3-1B92-D447-BC0F-BC0FAF8DE632}" type="pres">
+      <dgm:prSet presAssocID="{EF77BCA7-5424-DE49-B0AC-9945DDFA1F96}" presName="linH" presStyleCnt="0"/>
+      <dgm:spPr/>
+    </dgm:pt>
+    <dgm:pt modelId="{05333B6A-9875-D448-B250-0C1A5B147700}" type="pres">
+      <dgm:prSet presAssocID="{EF77BCA7-5424-DE49-B0AC-9945DDFA1F96}" presName="padding1" presStyleCnt="0"/>
+      <dgm:spPr/>
+    </dgm:pt>
+    <dgm:pt modelId="{C28D6342-D723-B649-AC00-0BF95E0A261C}" type="pres">
+      <dgm:prSet presAssocID="{93F285CF-03E6-AD4B-853E-A595FCAE3461}" presName="linV" presStyleCnt="0"/>
+      <dgm:spPr/>
+    </dgm:pt>
+    <dgm:pt modelId="{4715F7C2-FBCA-5E46-A880-7AE556CC1184}" type="pres">
+      <dgm:prSet presAssocID="{93F285CF-03E6-AD4B-853E-A595FCAE3461}" presName="spVertical1" presStyleCnt="0"/>
+      <dgm:spPr/>
+    </dgm:pt>
+    <dgm:pt modelId="{A44B373F-200A-A449-9070-36D615C6E73F}" type="pres">
+      <dgm:prSet presAssocID="{93F285CF-03E6-AD4B-853E-A595FCAE3461}" presName="parTx" presStyleLbl="revTx" presStyleIdx="0" presStyleCnt="3">
+        <dgm:presLayoutVars>
+          <dgm:chMax val="0"/>
+          <dgm:chPref val="0"/>
+          <dgm:bulletEnabled val="1"/>
+        </dgm:presLayoutVars>
+      </dgm:prSet>
+      <dgm:spPr/>
+    </dgm:pt>
+    <dgm:pt modelId="{1644EE96-CB53-4E47-A4D6-3E838BFEF211}" type="pres">
+      <dgm:prSet presAssocID="{93F285CF-03E6-AD4B-853E-A595FCAE3461}" presName="spVertical2" presStyleCnt="0"/>
+      <dgm:spPr/>
+    </dgm:pt>
+    <dgm:pt modelId="{C1250A9D-0DDF-374D-B56B-F6622476C094}" type="pres">
+      <dgm:prSet presAssocID="{93F285CF-03E6-AD4B-853E-A595FCAE3461}" presName="spVertical3" presStyleCnt="0"/>
+      <dgm:spPr/>
+    </dgm:pt>
+    <dgm:pt modelId="{15B03E35-36EB-174B-BAB7-5B2867514C24}" type="pres">
+      <dgm:prSet presAssocID="{0E919826-9498-E84E-ADB9-D5C5DF3970D2}" presName="space" presStyleCnt="0"/>
+      <dgm:spPr/>
+    </dgm:pt>
+    <dgm:pt modelId="{E7CDCF20-C218-BD43-80FA-CBDB6D07A4D0}" type="pres">
+      <dgm:prSet presAssocID="{DF9BB8C1-1F1C-224E-A7B3-379786AD8D88}" presName="linV" presStyleCnt="0"/>
+      <dgm:spPr/>
+    </dgm:pt>
+    <dgm:pt modelId="{EFC2AC89-EE3A-F345-8BF3-DC263DDF0E67}" type="pres">
+      <dgm:prSet presAssocID="{DF9BB8C1-1F1C-224E-A7B3-379786AD8D88}" presName="spVertical1" presStyleCnt="0"/>
+      <dgm:spPr/>
+    </dgm:pt>
+    <dgm:pt modelId="{E728272B-8270-384A-BDBE-2F1D493CE380}" type="pres">
+      <dgm:prSet presAssocID="{DF9BB8C1-1F1C-224E-A7B3-379786AD8D88}" presName="parTx" presStyleLbl="revTx" presStyleIdx="1" presStyleCnt="3">
+        <dgm:presLayoutVars>
+          <dgm:chMax val="0"/>
+          <dgm:chPref val="0"/>
+          <dgm:bulletEnabled val="1"/>
+        </dgm:presLayoutVars>
+      </dgm:prSet>
+      <dgm:spPr/>
+    </dgm:pt>
+    <dgm:pt modelId="{C1B6E88E-6B0E-9D4C-A945-B61814D7B3E4}" type="pres">
+      <dgm:prSet presAssocID="{DF9BB8C1-1F1C-224E-A7B3-379786AD8D88}" presName="spVertical2" presStyleCnt="0"/>
+      <dgm:spPr/>
+    </dgm:pt>
+    <dgm:pt modelId="{DA662F93-194F-254D-9B1A-70E4E25DF4F2}" type="pres">
+      <dgm:prSet presAssocID="{DF9BB8C1-1F1C-224E-A7B3-379786AD8D88}" presName="spVertical3" presStyleCnt="0"/>
+      <dgm:spPr/>
+    </dgm:pt>
+    <dgm:pt modelId="{C52DBBF3-07D9-8A43-A15E-39B020B7115B}" type="pres">
+      <dgm:prSet presAssocID="{AD34FC3B-627D-7B45-8255-4705A2F94613}" presName="space" presStyleCnt="0"/>
+      <dgm:spPr/>
+    </dgm:pt>
+    <dgm:pt modelId="{60DBA832-479C-1743-BECC-250F728DC167}" type="pres">
+      <dgm:prSet presAssocID="{CDF87145-9BD6-AA43-A385-6B3FC8E2E595}" presName="linV" presStyleCnt="0"/>
+      <dgm:spPr/>
+    </dgm:pt>
+    <dgm:pt modelId="{AB5EE344-C418-7C40-8127-F20F97FF7CB4}" type="pres">
+      <dgm:prSet presAssocID="{CDF87145-9BD6-AA43-A385-6B3FC8E2E595}" presName="spVertical1" presStyleCnt="0"/>
+      <dgm:spPr/>
+    </dgm:pt>
+    <dgm:pt modelId="{FD3E8E6F-A2FE-BA4D-9042-7E40F126C35D}" type="pres">
+      <dgm:prSet presAssocID="{CDF87145-9BD6-AA43-A385-6B3FC8E2E595}" presName="parTx" presStyleLbl="revTx" presStyleIdx="2" presStyleCnt="3">
+        <dgm:presLayoutVars>
+          <dgm:chMax val="0"/>
+          <dgm:chPref val="0"/>
+          <dgm:bulletEnabled val="1"/>
+        </dgm:presLayoutVars>
+      </dgm:prSet>
+      <dgm:spPr/>
+    </dgm:pt>
+    <dgm:pt modelId="{BBDD72CA-A800-3C4E-AEB9-7D8ED8099303}" type="pres">
+      <dgm:prSet presAssocID="{CDF87145-9BD6-AA43-A385-6B3FC8E2E595}" presName="spVertical2" presStyleCnt="0"/>
+      <dgm:spPr/>
+    </dgm:pt>
+    <dgm:pt modelId="{E9BA63BF-45E1-5449-9720-DE3A782772B2}" type="pres">
+      <dgm:prSet presAssocID="{CDF87145-9BD6-AA43-A385-6B3FC8E2E595}" presName="spVertical3" presStyleCnt="0"/>
+      <dgm:spPr/>
+    </dgm:pt>
+    <dgm:pt modelId="{955A1FE3-403C-7D4A-938F-538D7713FA80}" type="pres">
+      <dgm:prSet presAssocID="{EF77BCA7-5424-DE49-B0AC-9945DDFA1F96}" presName="padding2" presStyleCnt="0"/>
+      <dgm:spPr/>
+    </dgm:pt>
+    <dgm:pt modelId="{A0B8EE14-1712-C94B-AE50-7D4D17EA7AA6}" type="pres">
+      <dgm:prSet presAssocID="{EF77BCA7-5424-DE49-B0AC-9945DDFA1F96}" presName="negArrow" presStyleCnt="0"/>
+      <dgm:spPr/>
+    </dgm:pt>
+    <dgm:pt modelId="{D9443934-14F0-A045-AF4E-E1B40D04CB25}" type="pres">
+      <dgm:prSet presAssocID="{EF77BCA7-5424-DE49-B0AC-9945DDFA1F96}" presName="backgroundArrow" presStyleLbl="node1" presStyleIdx="0" presStyleCnt="1" custLinFactNeighborX="2352"/>
+      <dgm:spPr/>
+    </dgm:pt>
+  </dgm:ptLst>
+  <dgm:cxnLst>
+    <dgm:cxn modelId="{2B7FC5DE-6462-3E46-8C90-CA5B36600B91}" srcId="{EF77BCA7-5424-DE49-B0AC-9945DDFA1F96}" destId="{DF9BB8C1-1F1C-224E-A7B3-379786AD8D88}" srcOrd="1" destOrd="0" parTransId="{D8681E15-33F3-894E-B538-902536B742AB}" sibTransId="{AD34FC3B-627D-7B45-8255-4705A2F94613}"/>
+    <dgm:cxn modelId="{DDC5D79E-21CD-9F4E-9CE1-84845EEC5C69}" type="presOf" srcId="{CDF87145-9BD6-AA43-A385-6B3FC8E2E595}" destId="{FD3E8E6F-A2FE-BA4D-9042-7E40F126C35D}" srcOrd="0" destOrd="0" presId="urn:microsoft.com/office/officeart/2005/8/layout/hProcess3"/>
+    <dgm:cxn modelId="{FFDAD881-9FCB-DC4F-9718-82BB75C984E6}" srcId="{EF77BCA7-5424-DE49-B0AC-9945DDFA1F96}" destId="{93F285CF-03E6-AD4B-853E-A595FCAE3461}" srcOrd="0" destOrd="0" parTransId="{B9EAAB2C-25B3-B544-8AD3-84F0188CE7EA}" sibTransId="{0E919826-9498-E84E-ADB9-D5C5DF3970D2}"/>
+    <dgm:cxn modelId="{2EA4EB31-FFF7-2645-B9F7-90B822F3212D}" srcId="{EF77BCA7-5424-DE49-B0AC-9945DDFA1F96}" destId="{CDF87145-9BD6-AA43-A385-6B3FC8E2E595}" srcOrd="2" destOrd="0" parTransId="{23725B13-96A4-6841-8E75-66E248CACD60}" sibTransId="{69C37F7B-9BEC-9945-8567-D84A36F4C024}"/>
+    <dgm:cxn modelId="{C50F61B6-C9C0-CE49-AF3A-58F013F276E6}" type="presOf" srcId="{EF77BCA7-5424-DE49-B0AC-9945DDFA1F96}" destId="{C41437E7-93E2-4244-B5BB-0FB5398F019C}" srcOrd="0" destOrd="0" presId="urn:microsoft.com/office/officeart/2005/8/layout/hProcess3"/>
+    <dgm:cxn modelId="{BE9734E2-AC7D-984F-8C28-66061E2C78C6}" type="presOf" srcId="{93F285CF-03E6-AD4B-853E-A595FCAE3461}" destId="{A44B373F-200A-A449-9070-36D615C6E73F}" srcOrd="0" destOrd="0" presId="urn:microsoft.com/office/officeart/2005/8/layout/hProcess3"/>
+    <dgm:cxn modelId="{57205DD8-FE51-E544-A3D4-B3F9E8E0D3DB}" type="presOf" srcId="{DF9BB8C1-1F1C-224E-A7B3-379786AD8D88}" destId="{E728272B-8270-384A-BDBE-2F1D493CE380}" srcOrd="0" destOrd="0" presId="urn:microsoft.com/office/officeart/2005/8/layout/hProcess3"/>
+    <dgm:cxn modelId="{9C01AFAC-3A34-4942-964D-5C0CD05CE3C0}" type="presParOf" srcId="{C41437E7-93E2-4244-B5BB-0FB5398F019C}" destId="{7F2907E2-3063-1443-AB50-12B66C60971A}" srcOrd="0" destOrd="0" presId="urn:microsoft.com/office/officeart/2005/8/layout/hProcess3"/>
+    <dgm:cxn modelId="{6C6C5610-4281-E746-BC49-3AE744C19F84}" type="presParOf" srcId="{C41437E7-93E2-4244-B5BB-0FB5398F019C}" destId="{03E188D3-1B92-D447-BC0F-BC0FAF8DE632}" srcOrd="1" destOrd="0" presId="urn:microsoft.com/office/officeart/2005/8/layout/hProcess3"/>
+    <dgm:cxn modelId="{6946FF37-A090-B34F-AE66-D78C598C16EC}" type="presParOf" srcId="{03E188D3-1B92-D447-BC0F-BC0FAF8DE632}" destId="{05333B6A-9875-D448-B250-0C1A5B147700}" srcOrd="0" destOrd="0" presId="urn:microsoft.com/office/officeart/2005/8/layout/hProcess3"/>
+    <dgm:cxn modelId="{1884813E-7EA1-8048-9463-E9308767E8B5}" type="presParOf" srcId="{03E188D3-1B92-D447-BC0F-BC0FAF8DE632}" destId="{C28D6342-D723-B649-AC00-0BF95E0A261C}" srcOrd="1" destOrd="0" presId="urn:microsoft.com/office/officeart/2005/8/layout/hProcess3"/>
+    <dgm:cxn modelId="{79F85D1A-F552-F045-A6A2-E55B25DE348A}" type="presParOf" srcId="{C28D6342-D723-B649-AC00-0BF95E0A261C}" destId="{4715F7C2-FBCA-5E46-A880-7AE556CC1184}" srcOrd="0" destOrd="0" presId="urn:microsoft.com/office/officeart/2005/8/layout/hProcess3"/>
+    <dgm:cxn modelId="{887246F5-97D0-7942-A22A-BE08ABE7FB73}" type="presParOf" srcId="{C28D6342-D723-B649-AC00-0BF95E0A261C}" destId="{A44B373F-200A-A449-9070-36D615C6E73F}" srcOrd="1" destOrd="0" presId="urn:microsoft.com/office/officeart/2005/8/layout/hProcess3"/>
+    <dgm:cxn modelId="{CF01A33B-26EC-D74E-B723-BF34D704E4B9}" type="presParOf" srcId="{C28D6342-D723-B649-AC00-0BF95E0A261C}" destId="{1644EE96-CB53-4E47-A4D6-3E838BFEF211}" srcOrd="2" destOrd="0" presId="urn:microsoft.com/office/officeart/2005/8/layout/hProcess3"/>
+    <dgm:cxn modelId="{08D4ACBA-B540-844F-A649-8C3C5C922B7C}" type="presParOf" srcId="{C28D6342-D723-B649-AC00-0BF95E0A261C}" destId="{C1250A9D-0DDF-374D-B56B-F6622476C094}" srcOrd="3" destOrd="0" presId="urn:microsoft.com/office/officeart/2005/8/layout/hProcess3"/>
+    <dgm:cxn modelId="{F09BE991-75BD-CF45-B0D3-7E8615A7DAC2}" type="presParOf" srcId="{03E188D3-1B92-D447-BC0F-BC0FAF8DE632}" destId="{15B03E35-36EB-174B-BAB7-5B2867514C24}" srcOrd="2" destOrd="0" presId="urn:microsoft.com/office/officeart/2005/8/layout/hProcess3"/>
+    <dgm:cxn modelId="{B9C36888-6422-BB45-B617-DB13492284EE}" type="presParOf" srcId="{03E188D3-1B92-D447-BC0F-BC0FAF8DE632}" destId="{E7CDCF20-C218-BD43-80FA-CBDB6D07A4D0}" srcOrd="3" destOrd="0" presId="urn:microsoft.com/office/officeart/2005/8/layout/hProcess3"/>
+    <dgm:cxn modelId="{7A2C7D6C-5938-3849-90C0-1DC4C642FD1D}" type="presParOf" srcId="{E7CDCF20-C218-BD43-80FA-CBDB6D07A4D0}" destId="{EFC2AC89-EE3A-F345-8BF3-DC263DDF0E67}" srcOrd="0" destOrd="0" presId="urn:microsoft.com/office/officeart/2005/8/layout/hProcess3"/>
+    <dgm:cxn modelId="{A7597109-7BEF-E243-90B4-1E0099DDEF5C}" type="presParOf" srcId="{E7CDCF20-C218-BD43-80FA-CBDB6D07A4D0}" destId="{E728272B-8270-384A-BDBE-2F1D493CE380}" srcOrd="1" destOrd="0" presId="urn:microsoft.com/office/officeart/2005/8/layout/hProcess3"/>
+    <dgm:cxn modelId="{C0A56059-C447-154F-93A9-18955CA959C6}" type="presParOf" srcId="{E7CDCF20-C218-BD43-80FA-CBDB6D07A4D0}" destId="{C1B6E88E-6B0E-9D4C-A945-B61814D7B3E4}" srcOrd="2" destOrd="0" presId="urn:microsoft.com/office/officeart/2005/8/layout/hProcess3"/>
+    <dgm:cxn modelId="{89D4D10A-2D26-5946-B778-EF481ABCF8B8}" type="presParOf" srcId="{E7CDCF20-C218-BD43-80FA-CBDB6D07A4D0}" destId="{DA662F93-194F-254D-9B1A-70E4E25DF4F2}" srcOrd="3" destOrd="0" presId="urn:microsoft.com/office/officeart/2005/8/layout/hProcess3"/>
+    <dgm:cxn modelId="{B98754C3-C9D8-D849-9090-4AFDA417462C}" type="presParOf" srcId="{03E188D3-1B92-D447-BC0F-BC0FAF8DE632}" destId="{C52DBBF3-07D9-8A43-A15E-39B020B7115B}" srcOrd="4" destOrd="0" presId="urn:microsoft.com/office/officeart/2005/8/layout/hProcess3"/>
+    <dgm:cxn modelId="{2DD0B001-9CAB-894A-A5C7-81D0B89BA11B}" type="presParOf" srcId="{03E188D3-1B92-D447-BC0F-BC0FAF8DE632}" destId="{60DBA832-479C-1743-BECC-250F728DC167}" srcOrd="5" destOrd="0" presId="urn:microsoft.com/office/officeart/2005/8/layout/hProcess3"/>
+    <dgm:cxn modelId="{56CA8084-F794-5842-96C9-423EDC402E73}" type="presParOf" srcId="{60DBA832-479C-1743-BECC-250F728DC167}" destId="{AB5EE344-C418-7C40-8127-F20F97FF7CB4}" srcOrd="0" destOrd="0" presId="urn:microsoft.com/office/officeart/2005/8/layout/hProcess3"/>
+    <dgm:cxn modelId="{8EA0FAB0-1BAC-0E4B-80EA-A2AF2F799030}" type="presParOf" srcId="{60DBA832-479C-1743-BECC-250F728DC167}" destId="{FD3E8E6F-A2FE-BA4D-9042-7E40F126C35D}" srcOrd="1" destOrd="0" presId="urn:microsoft.com/office/officeart/2005/8/layout/hProcess3"/>
+    <dgm:cxn modelId="{BD4E6ACF-7234-BD40-B298-F60FE2EBB8D4}" type="presParOf" srcId="{60DBA832-479C-1743-BECC-250F728DC167}" destId="{BBDD72CA-A800-3C4E-AEB9-7D8ED8099303}" srcOrd="2" destOrd="0" presId="urn:microsoft.com/office/officeart/2005/8/layout/hProcess3"/>
+    <dgm:cxn modelId="{9CE2A639-FA3E-264C-BA0D-14E7EDB2E61E}" type="presParOf" srcId="{60DBA832-479C-1743-BECC-250F728DC167}" destId="{E9BA63BF-45E1-5449-9720-DE3A782772B2}" srcOrd="3" destOrd="0" presId="urn:microsoft.com/office/officeart/2005/8/layout/hProcess3"/>
+    <dgm:cxn modelId="{462DDA9A-18D9-C643-82AF-238A81E94F5D}" type="presParOf" srcId="{03E188D3-1B92-D447-BC0F-BC0FAF8DE632}" destId="{955A1FE3-403C-7D4A-938F-538D7713FA80}" srcOrd="6" destOrd="0" presId="urn:microsoft.com/office/officeart/2005/8/layout/hProcess3"/>
+    <dgm:cxn modelId="{90CB2C3A-C603-5F4F-81AC-F37EA39B3991}" type="presParOf" srcId="{03E188D3-1B92-D447-BC0F-BC0FAF8DE632}" destId="{A0B8EE14-1712-C94B-AE50-7D4D17EA7AA6}" srcOrd="7" destOrd="0" presId="urn:microsoft.com/office/officeart/2005/8/layout/hProcess3"/>
+    <dgm:cxn modelId="{E9FAD117-B3B8-9E48-953B-678E437C3967}" type="presParOf" srcId="{03E188D3-1B92-D447-BC0F-BC0FAF8DE632}" destId="{D9443934-14F0-A045-AF4E-E1B40D04CB25}" srcOrd="8" destOrd="0" presId="urn:microsoft.com/office/officeart/2005/8/layout/hProcess3"/>
+  </dgm:cxnLst>
+  <dgm:bg/>
+  <dgm:whole/>
+  <dgm:extLst>
+    <a:ext uri="http://schemas.microsoft.com/office/drawing/2008/diagram">
+      <dsp:dataModelExt xmlns:dsp="http://schemas.microsoft.com/office/drawing/2008/diagram" xmlns="" relId="rId9" minVer="http://schemas.openxmlformats.org/drawingml/2006/diagram"/>
+    </a:ext>
+  </dgm:extLst>
+</dgm:dataModel>
+</file>
+
+<file path=ppt/diagrams/data2.xml><?xml version="1.0" encoding="utf-8"?>
+<dgm:dataModel xmlns:dgm="http://schemas.openxmlformats.org/drawingml/2006/diagram" xmlns:a="http://schemas.openxmlformats.org/drawingml/2006/main">
+  <dgm:ptLst>
+    <dgm:pt modelId="{EF77BCA7-5424-DE49-B0AC-9945DDFA1F96}" type="doc">
+      <dgm:prSet loTypeId="urn:microsoft.com/office/officeart/2005/8/layout/hProcess3" loCatId="process" qsTypeId="urn:microsoft.com/office/officeart/2005/8/quickstyle/simple4" qsCatId="simple" csTypeId="urn:microsoft.com/office/officeart/2005/8/colors/accent1_2" csCatId="accent1" phldr="0"/>
+      <dgm:spPr/>
+    </dgm:pt>
+    <dgm:pt modelId="{93F285CF-03E6-AD4B-853E-A595FCAE3461}">
+      <dgm:prSet phldrT="[Text]" phldr="1"/>
+      <dgm:spPr/>
+      <dgm:t>
+        <a:bodyPr/>
+        <a:lstStyle/>
+        <a:p>
+          <a:endParaRPr lang="en-US"/>
+        </a:p>
+      </dgm:t>
+    </dgm:pt>
+    <dgm:pt modelId="{B9EAAB2C-25B3-B544-8AD3-84F0188CE7EA}" type="parTrans" cxnId="{FFDAD881-9FCB-DC4F-9718-82BB75C984E6}">
+      <dgm:prSet/>
+      <dgm:spPr/>
+      <dgm:t>
+        <a:bodyPr/>
+        <a:lstStyle/>
+        <a:p>
+          <a:endParaRPr lang="en-US"/>
+        </a:p>
+      </dgm:t>
+    </dgm:pt>
+    <dgm:pt modelId="{0E919826-9498-E84E-ADB9-D5C5DF3970D2}" type="sibTrans" cxnId="{FFDAD881-9FCB-DC4F-9718-82BB75C984E6}">
+      <dgm:prSet/>
+      <dgm:spPr/>
+      <dgm:t>
+        <a:bodyPr/>
+        <a:lstStyle/>
+        <a:p>
+          <a:endParaRPr lang="en-US"/>
+        </a:p>
+      </dgm:t>
+    </dgm:pt>
+    <dgm:pt modelId="{DF9BB8C1-1F1C-224E-A7B3-379786AD8D88}">
+      <dgm:prSet phldrT="[Text]" phldr="1"/>
+      <dgm:spPr/>
+      <dgm:t>
+        <a:bodyPr/>
+        <a:lstStyle/>
+        <a:p>
+          <a:endParaRPr lang="en-US"/>
+        </a:p>
+      </dgm:t>
+    </dgm:pt>
+    <dgm:pt modelId="{D8681E15-33F3-894E-B538-902536B742AB}" type="parTrans" cxnId="{2B7FC5DE-6462-3E46-8C90-CA5B36600B91}">
+      <dgm:prSet/>
+      <dgm:spPr/>
+      <dgm:t>
+        <a:bodyPr/>
+        <a:lstStyle/>
+        <a:p>
+          <a:endParaRPr lang="en-US"/>
+        </a:p>
+      </dgm:t>
+    </dgm:pt>
+    <dgm:pt modelId="{AD34FC3B-627D-7B45-8255-4705A2F94613}" type="sibTrans" cxnId="{2B7FC5DE-6462-3E46-8C90-CA5B36600B91}">
+      <dgm:prSet/>
+      <dgm:spPr/>
+      <dgm:t>
+        <a:bodyPr/>
+        <a:lstStyle/>
+        <a:p>
+          <a:endParaRPr lang="en-US"/>
+        </a:p>
+      </dgm:t>
+    </dgm:pt>
+    <dgm:pt modelId="{CDF87145-9BD6-AA43-A385-6B3FC8E2E595}">
+      <dgm:prSet phldrT="[Text]" phldr="1"/>
+      <dgm:spPr/>
+      <dgm:t>
+        <a:bodyPr/>
+        <a:lstStyle/>
+        <a:p>
+          <a:endParaRPr lang="en-US"/>
+        </a:p>
+      </dgm:t>
+    </dgm:pt>
+    <dgm:pt modelId="{23725B13-96A4-6841-8E75-66E248CACD60}" type="parTrans" cxnId="{2EA4EB31-FFF7-2645-B9F7-90B822F3212D}">
+      <dgm:prSet/>
+      <dgm:spPr/>
+      <dgm:t>
+        <a:bodyPr/>
+        <a:lstStyle/>
+        <a:p>
+          <a:endParaRPr lang="en-US"/>
+        </a:p>
+      </dgm:t>
+    </dgm:pt>
+    <dgm:pt modelId="{69C37F7B-9BEC-9945-8567-D84A36F4C024}" type="sibTrans" cxnId="{2EA4EB31-FFF7-2645-B9F7-90B822F3212D}">
+      <dgm:prSet/>
+      <dgm:spPr/>
+      <dgm:t>
+        <a:bodyPr/>
+        <a:lstStyle/>
+        <a:p>
+          <a:endParaRPr lang="en-US"/>
+        </a:p>
+      </dgm:t>
+    </dgm:pt>
+    <dgm:pt modelId="{C41437E7-93E2-4244-B5BB-0FB5398F019C}" type="pres">
+      <dgm:prSet presAssocID="{EF77BCA7-5424-DE49-B0AC-9945DDFA1F96}" presName="Name0" presStyleCnt="0">
+        <dgm:presLayoutVars>
+          <dgm:dir/>
+          <dgm:animLvl val="lvl"/>
+          <dgm:resizeHandles val="exact"/>
+        </dgm:presLayoutVars>
+      </dgm:prSet>
+      <dgm:spPr/>
+    </dgm:pt>
+    <dgm:pt modelId="{7F2907E2-3063-1443-AB50-12B66C60971A}" type="pres">
+      <dgm:prSet presAssocID="{EF77BCA7-5424-DE49-B0AC-9945DDFA1F96}" presName="dummy" presStyleCnt="0"/>
+      <dgm:spPr/>
+    </dgm:pt>
+    <dgm:pt modelId="{03E188D3-1B92-D447-BC0F-BC0FAF8DE632}" type="pres">
+      <dgm:prSet presAssocID="{EF77BCA7-5424-DE49-B0AC-9945DDFA1F96}" presName="linH" presStyleCnt="0"/>
+      <dgm:spPr/>
+    </dgm:pt>
+    <dgm:pt modelId="{05333B6A-9875-D448-B250-0C1A5B147700}" type="pres">
+      <dgm:prSet presAssocID="{EF77BCA7-5424-DE49-B0AC-9945DDFA1F96}" presName="padding1" presStyleCnt="0"/>
+      <dgm:spPr/>
+    </dgm:pt>
+    <dgm:pt modelId="{C28D6342-D723-B649-AC00-0BF95E0A261C}" type="pres">
+      <dgm:prSet presAssocID="{93F285CF-03E6-AD4B-853E-A595FCAE3461}" presName="linV" presStyleCnt="0"/>
+      <dgm:spPr/>
+    </dgm:pt>
+    <dgm:pt modelId="{4715F7C2-FBCA-5E46-A880-7AE556CC1184}" type="pres">
+      <dgm:prSet presAssocID="{93F285CF-03E6-AD4B-853E-A595FCAE3461}" presName="spVertical1" presStyleCnt="0"/>
+      <dgm:spPr/>
+    </dgm:pt>
+    <dgm:pt modelId="{A44B373F-200A-A449-9070-36D615C6E73F}" type="pres">
+      <dgm:prSet presAssocID="{93F285CF-03E6-AD4B-853E-A595FCAE3461}" presName="parTx" presStyleLbl="revTx" presStyleIdx="0" presStyleCnt="3">
+        <dgm:presLayoutVars>
+          <dgm:chMax val="0"/>
+          <dgm:chPref val="0"/>
+          <dgm:bulletEnabled val="1"/>
+        </dgm:presLayoutVars>
+      </dgm:prSet>
+      <dgm:spPr/>
+    </dgm:pt>
+    <dgm:pt modelId="{1644EE96-CB53-4E47-A4D6-3E838BFEF211}" type="pres">
+      <dgm:prSet presAssocID="{93F285CF-03E6-AD4B-853E-A595FCAE3461}" presName="spVertical2" presStyleCnt="0"/>
+      <dgm:spPr/>
+    </dgm:pt>
+    <dgm:pt modelId="{C1250A9D-0DDF-374D-B56B-F6622476C094}" type="pres">
+      <dgm:prSet presAssocID="{93F285CF-03E6-AD4B-853E-A595FCAE3461}" presName="spVertical3" presStyleCnt="0"/>
+      <dgm:spPr/>
+    </dgm:pt>
+    <dgm:pt modelId="{15B03E35-36EB-174B-BAB7-5B2867514C24}" type="pres">
+      <dgm:prSet presAssocID="{0E919826-9498-E84E-ADB9-D5C5DF3970D2}" presName="space" presStyleCnt="0"/>
+      <dgm:spPr/>
+    </dgm:pt>
+    <dgm:pt modelId="{E7CDCF20-C218-BD43-80FA-CBDB6D07A4D0}" type="pres">
+      <dgm:prSet presAssocID="{DF9BB8C1-1F1C-224E-A7B3-379786AD8D88}" presName="linV" presStyleCnt="0"/>
+      <dgm:spPr/>
+    </dgm:pt>
+    <dgm:pt modelId="{EFC2AC89-EE3A-F345-8BF3-DC263DDF0E67}" type="pres">
+      <dgm:prSet presAssocID="{DF9BB8C1-1F1C-224E-A7B3-379786AD8D88}" presName="spVertical1" presStyleCnt="0"/>
+      <dgm:spPr/>
+    </dgm:pt>
+    <dgm:pt modelId="{E728272B-8270-384A-BDBE-2F1D493CE380}" type="pres">
+      <dgm:prSet presAssocID="{DF9BB8C1-1F1C-224E-A7B3-379786AD8D88}" presName="parTx" presStyleLbl="revTx" presStyleIdx="1" presStyleCnt="3">
+        <dgm:presLayoutVars>
+          <dgm:chMax val="0"/>
+          <dgm:chPref val="0"/>
+          <dgm:bulletEnabled val="1"/>
+        </dgm:presLayoutVars>
+      </dgm:prSet>
+      <dgm:spPr/>
+    </dgm:pt>
+    <dgm:pt modelId="{C1B6E88E-6B0E-9D4C-A945-B61814D7B3E4}" type="pres">
+      <dgm:prSet presAssocID="{DF9BB8C1-1F1C-224E-A7B3-379786AD8D88}" presName="spVertical2" presStyleCnt="0"/>
+      <dgm:spPr/>
+    </dgm:pt>
+    <dgm:pt modelId="{DA662F93-194F-254D-9B1A-70E4E25DF4F2}" type="pres">
+      <dgm:prSet presAssocID="{DF9BB8C1-1F1C-224E-A7B3-379786AD8D88}" presName="spVertical3" presStyleCnt="0"/>
+      <dgm:spPr/>
+    </dgm:pt>
+    <dgm:pt modelId="{C52DBBF3-07D9-8A43-A15E-39B020B7115B}" type="pres">
+      <dgm:prSet presAssocID="{AD34FC3B-627D-7B45-8255-4705A2F94613}" presName="space" presStyleCnt="0"/>
+      <dgm:spPr/>
+    </dgm:pt>
+    <dgm:pt modelId="{60DBA832-479C-1743-BECC-250F728DC167}" type="pres">
+      <dgm:prSet presAssocID="{CDF87145-9BD6-AA43-A385-6B3FC8E2E595}" presName="linV" presStyleCnt="0"/>
+      <dgm:spPr/>
+    </dgm:pt>
+    <dgm:pt modelId="{AB5EE344-C418-7C40-8127-F20F97FF7CB4}" type="pres">
+      <dgm:prSet presAssocID="{CDF87145-9BD6-AA43-A385-6B3FC8E2E595}" presName="spVertical1" presStyleCnt="0"/>
+      <dgm:spPr/>
+    </dgm:pt>
+    <dgm:pt modelId="{FD3E8E6F-A2FE-BA4D-9042-7E40F126C35D}" type="pres">
+      <dgm:prSet presAssocID="{CDF87145-9BD6-AA43-A385-6B3FC8E2E595}" presName="parTx" presStyleLbl="revTx" presStyleIdx="2" presStyleCnt="3">
+        <dgm:presLayoutVars>
+          <dgm:chMax val="0"/>
+          <dgm:chPref val="0"/>
+          <dgm:bulletEnabled val="1"/>
+        </dgm:presLayoutVars>
+      </dgm:prSet>
+      <dgm:spPr/>
+    </dgm:pt>
+    <dgm:pt modelId="{BBDD72CA-A800-3C4E-AEB9-7D8ED8099303}" type="pres">
+      <dgm:prSet presAssocID="{CDF87145-9BD6-AA43-A385-6B3FC8E2E595}" presName="spVertical2" presStyleCnt="0"/>
+      <dgm:spPr/>
+    </dgm:pt>
+    <dgm:pt modelId="{E9BA63BF-45E1-5449-9720-DE3A782772B2}" type="pres">
+      <dgm:prSet presAssocID="{CDF87145-9BD6-AA43-A385-6B3FC8E2E595}" presName="spVertical3" presStyleCnt="0"/>
+      <dgm:spPr/>
+    </dgm:pt>
+    <dgm:pt modelId="{955A1FE3-403C-7D4A-938F-538D7713FA80}" type="pres">
+      <dgm:prSet presAssocID="{EF77BCA7-5424-DE49-B0AC-9945DDFA1F96}" presName="padding2" presStyleCnt="0"/>
+      <dgm:spPr/>
+    </dgm:pt>
+    <dgm:pt modelId="{A0B8EE14-1712-C94B-AE50-7D4D17EA7AA6}" type="pres">
+      <dgm:prSet presAssocID="{EF77BCA7-5424-DE49-B0AC-9945DDFA1F96}" presName="negArrow" presStyleCnt="0"/>
+      <dgm:spPr/>
+    </dgm:pt>
+    <dgm:pt modelId="{D9443934-14F0-A045-AF4E-E1B40D04CB25}" type="pres">
+      <dgm:prSet presAssocID="{EF77BCA7-5424-DE49-B0AC-9945DDFA1F96}" presName="backgroundArrow" presStyleLbl="node1" presStyleIdx="0" presStyleCnt="1" custLinFactNeighborX="2352"/>
+      <dgm:spPr/>
+    </dgm:pt>
+  </dgm:ptLst>
+  <dgm:cxnLst>
+    <dgm:cxn modelId="{2B7FC5DE-6462-3E46-8C90-CA5B36600B91}" srcId="{EF77BCA7-5424-DE49-B0AC-9945DDFA1F96}" destId="{DF9BB8C1-1F1C-224E-A7B3-379786AD8D88}" srcOrd="1" destOrd="0" parTransId="{D8681E15-33F3-894E-B538-902536B742AB}" sibTransId="{AD34FC3B-627D-7B45-8255-4705A2F94613}"/>
+    <dgm:cxn modelId="{FFDAD881-9FCB-DC4F-9718-82BB75C984E6}" srcId="{EF77BCA7-5424-DE49-B0AC-9945DDFA1F96}" destId="{93F285CF-03E6-AD4B-853E-A595FCAE3461}" srcOrd="0" destOrd="0" parTransId="{B9EAAB2C-25B3-B544-8AD3-84F0188CE7EA}" sibTransId="{0E919826-9498-E84E-ADB9-D5C5DF3970D2}"/>
+    <dgm:cxn modelId="{2EA4EB31-FFF7-2645-B9F7-90B822F3212D}" srcId="{EF77BCA7-5424-DE49-B0AC-9945DDFA1F96}" destId="{CDF87145-9BD6-AA43-A385-6B3FC8E2E595}" srcOrd="2" destOrd="0" parTransId="{23725B13-96A4-6841-8E75-66E248CACD60}" sibTransId="{69C37F7B-9BEC-9945-8567-D84A36F4C024}"/>
+    <dgm:cxn modelId="{5DFA15E3-6094-144F-AFD7-E70B1D60BD9E}" type="presOf" srcId="{93F285CF-03E6-AD4B-853E-A595FCAE3461}" destId="{A44B373F-200A-A449-9070-36D615C6E73F}" srcOrd="0" destOrd="0" presId="urn:microsoft.com/office/officeart/2005/8/layout/hProcess3"/>
+    <dgm:cxn modelId="{21DB4739-7530-6645-9907-86EE7C13B844}" type="presOf" srcId="{CDF87145-9BD6-AA43-A385-6B3FC8E2E595}" destId="{FD3E8E6F-A2FE-BA4D-9042-7E40F126C35D}" srcOrd="0" destOrd="0" presId="urn:microsoft.com/office/officeart/2005/8/layout/hProcess3"/>
+    <dgm:cxn modelId="{E17B1C59-3E63-CB46-BEE3-BB22FF42A966}" type="presOf" srcId="{EF77BCA7-5424-DE49-B0AC-9945DDFA1F96}" destId="{C41437E7-93E2-4244-B5BB-0FB5398F019C}" srcOrd="0" destOrd="0" presId="urn:microsoft.com/office/officeart/2005/8/layout/hProcess3"/>
+    <dgm:cxn modelId="{4AED8E5F-9695-1E4A-968F-D3EBB10190DB}" type="presOf" srcId="{DF9BB8C1-1F1C-224E-A7B3-379786AD8D88}" destId="{E728272B-8270-384A-BDBE-2F1D493CE380}" srcOrd="0" destOrd="0" presId="urn:microsoft.com/office/officeart/2005/8/layout/hProcess3"/>
+    <dgm:cxn modelId="{42B7CB80-AF45-CA4D-8B03-92ABFA47ADE0}" type="presParOf" srcId="{C41437E7-93E2-4244-B5BB-0FB5398F019C}" destId="{7F2907E2-3063-1443-AB50-12B66C60971A}" srcOrd="0" destOrd="0" presId="urn:microsoft.com/office/officeart/2005/8/layout/hProcess3"/>
+    <dgm:cxn modelId="{71000386-71DE-D343-A0A2-CB731790FF1B}" type="presParOf" srcId="{C41437E7-93E2-4244-B5BB-0FB5398F019C}" destId="{03E188D3-1B92-D447-BC0F-BC0FAF8DE632}" srcOrd="1" destOrd="0" presId="urn:microsoft.com/office/officeart/2005/8/layout/hProcess3"/>
+    <dgm:cxn modelId="{16193D68-B09C-0A4C-AB40-E195D02EEF0A}" type="presParOf" srcId="{03E188D3-1B92-D447-BC0F-BC0FAF8DE632}" destId="{05333B6A-9875-D448-B250-0C1A5B147700}" srcOrd="0" destOrd="0" presId="urn:microsoft.com/office/officeart/2005/8/layout/hProcess3"/>
+    <dgm:cxn modelId="{DE01F440-62E6-6541-9E75-F6A91F794D27}" type="presParOf" srcId="{03E188D3-1B92-D447-BC0F-BC0FAF8DE632}" destId="{C28D6342-D723-B649-AC00-0BF95E0A261C}" srcOrd="1" destOrd="0" presId="urn:microsoft.com/office/officeart/2005/8/layout/hProcess3"/>
+    <dgm:cxn modelId="{D34B7913-BAED-F843-B323-51F3F4281CB8}" type="presParOf" srcId="{C28D6342-D723-B649-AC00-0BF95E0A261C}" destId="{4715F7C2-FBCA-5E46-A880-7AE556CC1184}" srcOrd="0" destOrd="0" presId="urn:microsoft.com/office/officeart/2005/8/layout/hProcess3"/>
+    <dgm:cxn modelId="{17F4CC9D-9000-F24C-AC06-C9C52073E5BC}" type="presParOf" srcId="{C28D6342-D723-B649-AC00-0BF95E0A261C}" destId="{A44B373F-200A-A449-9070-36D615C6E73F}" srcOrd="1" destOrd="0" presId="urn:microsoft.com/office/officeart/2005/8/layout/hProcess3"/>
+    <dgm:cxn modelId="{9451E193-7D20-6144-8173-69A4FA965714}" type="presParOf" srcId="{C28D6342-D723-B649-AC00-0BF95E0A261C}" destId="{1644EE96-CB53-4E47-A4D6-3E838BFEF211}" srcOrd="2" destOrd="0" presId="urn:microsoft.com/office/officeart/2005/8/layout/hProcess3"/>
+    <dgm:cxn modelId="{0F81952A-4851-4847-99C2-F27FE3B2B3EB}" type="presParOf" srcId="{C28D6342-D723-B649-AC00-0BF95E0A261C}" destId="{C1250A9D-0DDF-374D-B56B-F6622476C094}" srcOrd="3" destOrd="0" presId="urn:microsoft.com/office/officeart/2005/8/layout/hProcess3"/>
+    <dgm:cxn modelId="{E047B8D5-0FB3-2949-9638-14B7514BC8C5}" type="presParOf" srcId="{03E188D3-1B92-D447-BC0F-BC0FAF8DE632}" destId="{15B03E35-36EB-174B-BAB7-5B2867514C24}" srcOrd="2" destOrd="0" presId="urn:microsoft.com/office/officeart/2005/8/layout/hProcess3"/>
+    <dgm:cxn modelId="{9D008A6F-CC30-5646-9E92-0A8D960086DA}" type="presParOf" srcId="{03E188D3-1B92-D447-BC0F-BC0FAF8DE632}" destId="{E7CDCF20-C218-BD43-80FA-CBDB6D07A4D0}" srcOrd="3" destOrd="0" presId="urn:microsoft.com/office/officeart/2005/8/layout/hProcess3"/>
+    <dgm:cxn modelId="{C926E281-48CA-844C-BAF3-C2D88DB81AE0}" type="presParOf" srcId="{E7CDCF20-C218-BD43-80FA-CBDB6D07A4D0}" destId="{EFC2AC89-EE3A-F345-8BF3-DC263DDF0E67}" srcOrd="0" destOrd="0" presId="urn:microsoft.com/office/officeart/2005/8/layout/hProcess3"/>
+    <dgm:cxn modelId="{4808554A-CE75-E44D-B42C-EB66AFBBED9D}" type="presParOf" srcId="{E7CDCF20-C218-BD43-80FA-CBDB6D07A4D0}" destId="{E728272B-8270-384A-BDBE-2F1D493CE380}" srcOrd="1" destOrd="0" presId="urn:microsoft.com/office/officeart/2005/8/layout/hProcess3"/>
+    <dgm:cxn modelId="{820E61AB-3007-094E-9DDA-6A3E981962D0}" type="presParOf" srcId="{E7CDCF20-C218-BD43-80FA-CBDB6D07A4D0}" destId="{C1B6E88E-6B0E-9D4C-A945-B61814D7B3E4}" srcOrd="2" destOrd="0" presId="urn:microsoft.com/office/officeart/2005/8/layout/hProcess3"/>
+    <dgm:cxn modelId="{C15A57DD-2E38-5843-9A37-33F000EB6105}" type="presParOf" srcId="{E7CDCF20-C218-BD43-80FA-CBDB6D07A4D0}" destId="{DA662F93-194F-254D-9B1A-70E4E25DF4F2}" srcOrd="3" destOrd="0" presId="urn:microsoft.com/office/officeart/2005/8/layout/hProcess3"/>
+    <dgm:cxn modelId="{8D926C0B-BDCD-6440-9D1A-671EF2DBDE89}" type="presParOf" srcId="{03E188D3-1B92-D447-BC0F-BC0FAF8DE632}" destId="{C52DBBF3-07D9-8A43-A15E-39B020B7115B}" srcOrd="4" destOrd="0" presId="urn:microsoft.com/office/officeart/2005/8/layout/hProcess3"/>
+    <dgm:cxn modelId="{CE7A56E1-9D4C-1946-8A3A-FE68FF3D6450}" type="presParOf" srcId="{03E188D3-1B92-D447-BC0F-BC0FAF8DE632}" destId="{60DBA832-479C-1743-BECC-250F728DC167}" srcOrd="5" destOrd="0" presId="urn:microsoft.com/office/officeart/2005/8/layout/hProcess3"/>
+    <dgm:cxn modelId="{A18FD6B1-F2BD-1541-9EE6-003C2D7EC329}" type="presParOf" srcId="{60DBA832-479C-1743-BECC-250F728DC167}" destId="{AB5EE344-C418-7C40-8127-F20F97FF7CB4}" srcOrd="0" destOrd="0" presId="urn:microsoft.com/office/officeart/2005/8/layout/hProcess3"/>
+    <dgm:cxn modelId="{65EB511F-4CB7-E446-A513-739F60E928CD}" type="presParOf" srcId="{60DBA832-479C-1743-BECC-250F728DC167}" destId="{FD3E8E6F-A2FE-BA4D-9042-7E40F126C35D}" srcOrd="1" destOrd="0" presId="urn:microsoft.com/office/officeart/2005/8/layout/hProcess3"/>
+    <dgm:cxn modelId="{FC0B66FB-5DA2-B642-9BE3-AFBAFA16D97D}" type="presParOf" srcId="{60DBA832-479C-1743-BECC-250F728DC167}" destId="{BBDD72CA-A800-3C4E-AEB9-7D8ED8099303}" srcOrd="2" destOrd="0" presId="urn:microsoft.com/office/officeart/2005/8/layout/hProcess3"/>
+    <dgm:cxn modelId="{191ADD5E-3031-534F-AEEE-32DCF9979484}" type="presParOf" srcId="{60DBA832-479C-1743-BECC-250F728DC167}" destId="{E9BA63BF-45E1-5449-9720-DE3A782772B2}" srcOrd="3" destOrd="0" presId="urn:microsoft.com/office/officeart/2005/8/layout/hProcess3"/>
+    <dgm:cxn modelId="{C2E6E6EC-C5DD-0B4B-8E75-8775721C0303}" type="presParOf" srcId="{03E188D3-1B92-D447-BC0F-BC0FAF8DE632}" destId="{955A1FE3-403C-7D4A-938F-538D7713FA80}" srcOrd="6" destOrd="0" presId="urn:microsoft.com/office/officeart/2005/8/layout/hProcess3"/>
+    <dgm:cxn modelId="{791C9D6C-F5E2-AA4F-8093-E9209BFDA521}" type="presParOf" srcId="{03E188D3-1B92-D447-BC0F-BC0FAF8DE632}" destId="{A0B8EE14-1712-C94B-AE50-7D4D17EA7AA6}" srcOrd="7" destOrd="0" presId="urn:microsoft.com/office/officeart/2005/8/layout/hProcess3"/>
+    <dgm:cxn modelId="{556D1F86-9CCC-E442-87FB-C7CDA40ED8BD}" type="presParOf" srcId="{03E188D3-1B92-D447-BC0F-BC0FAF8DE632}" destId="{D9443934-14F0-A045-AF4E-E1B40D04CB25}" srcOrd="8" destOrd="0" presId="urn:microsoft.com/office/officeart/2005/8/layout/hProcess3"/>
+  </dgm:cxnLst>
+  <dgm:bg/>
+  <dgm:whole/>
+  <dgm:extLst>
+    <a:ext uri="http://schemas.microsoft.com/office/drawing/2008/diagram">
+      <dsp:dataModelExt xmlns:dsp="http://schemas.microsoft.com/office/drawing/2008/diagram" xmlns="" relId="rId14" minVer="http://schemas.openxmlformats.org/drawingml/2006/diagram"/>
+    </a:ext>
+  </dgm:extLst>
+</dgm:dataModel>
+</file>
+
+<file path=ppt/diagrams/drawing1.xml><?xml version="1.0" encoding="utf-8"?>
+<dsp:drawing xmlns:dgm="http://schemas.openxmlformats.org/drawingml/2006/diagram" xmlns:a="http://schemas.openxmlformats.org/drawingml/2006/main" xmlns:dsp="http://schemas.microsoft.com/office/drawing/2008/diagram">
+  <dsp:spTree>
+    <dsp:nvGrpSpPr>
+      <dsp:cNvPr id="0" name=""/>
+      <dsp:cNvGrpSpPr/>
+    </dsp:nvGrpSpPr>
+    <dsp:grpSpPr/>
+    <dsp:sp modelId="{D9443934-14F0-A045-AF4E-E1B40D04CB25}">
+      <dsp:nvSpPr>
+        <dsp:cNvPr id="0" name=""/>
+        <dsp:cNvSpPr/>
+      </dsp:nvSpPr>
+      <dsp:spPr>
+        <a:xfrm>
+          <a:off x="0" y="66362"/>
+          <a:ext cx="658438" cy="360000"/>
+        </a:xfrm>
+        <a:prstGeom prst="rightArrow">
+          <a:avLst/>
+        </a:prstGeom>
+        <a:gradFill rotWithShape="0">
+          <a:gsLst>
+            <a:gs pos="0">
+              <a:schemeClr val="accent1">
+                <a:hueOff val="0"/>
+                <a:satOff val="0"/>
+                <a:lumOff val="0"/>
+                <a:alphaOff val="0"/>
+                <a:tint val="100000"/>
+                <a:shade val="100000"/>
+                <a:satMod val="130000"/>
+              </a:schemeClr>
+            </a:gs>
+            <a:gs pos="100000">
+              <a:schemeClr val="accent1">
+                <a:hueOff val="0"/>
+                <a:satOff val="0"/>
+                <a:lumOff val="0"/>
+                <a:alphaOff val="0"/>
+                <a:tint val="50000"/>
+                <a:shade val="100000"/>
+                <a:satMod val="350000"/>
+              </a:schemeClr>
+            </a:gs>
+          </a:gsLst>
+          <a:lin ang="16200000" scaled="0"/>
+        </a:gradFill>
+        <a:ln>
+          <a:noFill/>
+        </a:ln>
+        <a:effectLst>
+          <a:outerShdw blurRad="40000" dist="23000" dir="5400000" rotWithShape="0">
+            <a:srgbClr val="000000">
+              <a:alpha val="35000"/>
+            </a:srgbClr>
+          </a:outerShdw>
+        </a:effectLst>
+      </dsp:spPr>
+      <dsp:style>
+        <a:lnRef idx="0">
+          <a:scrgbClr r="0" g="0" b="0"/>
+        </a:lnRef>
+        <a:fillRef idx="3">
+          <a:scrgbClr r="0" g="0" b="0"/>
+        </a:fillRef>
+        <a:effectRef idx="2">
+          <a:scrgbClr r="0" g="0" b="0"/>
+        </a:effectRef>
+        <a:fontRef idx="minor">
+          <a:schemeClr val="lt1"/>
+        </a:fontRef>
+      </dsp:style>
+    </dsp:sp>
+    <dsp:sp modelId="{FD3E8E6F-A2FE-BA4D-9042-7E40F126C35D}">
+      <dsp:nvSpPr>
+        <dsp:cNvPr id="0" name=""/>
+        <dsp:cNvSpPr/>
+      </dsp:nvSpPr>
+      <dsp:spPr>
+        <a:xfrm>
+          <a:off x="433932" y="156362"/>
+          <a:ext cx="158661" cy="180000"/>
+        </a:xfrm>
+        <a:prstGeom prst="rect">
+          <a:avLst/>
+        </a:prstGeom>
+        <a:noFill/>
+        <a:ln>
+          <a:noFill/>
+        </a:ln>
+        <a:effectLst/>
+      </dsp:spPr>
+      <dsp:style>
+        <a:lnRef idx="0">
+          <a:scrgbClr r="0" g="0" b="0"/>
+        </a:lnRef>
+        <a:fillRef idx="0">
+          <a:scrgbClr r="0" g="0" b="0"/>
+        </a:fillRef>
+        <a:effectRef idx="0">
+          <a:scrgbClr r="0" g="0" b="0"/>
+        </a:effectRef>
+        <a:fontRef idx="minor"/>
+      </dsp:style>
+      <dsp:txBody>
+        <a:bodyPr spcFirstLastPara="0" vert="horz" wrap="square" lIns="0" tIns="50800" rIns="0" bIns="50800" numCol="1" spcCol="1270" anchor="ctr" anchorCtr="0">
+          <a:noAutofit/>
+        </a:bodyPr>
+        <a:lstStyle/>
+        <a:p>
+          <a:pPr lvl="0" algn="ctr" defTabSz="222250">
+            <a:lnSpc>
+              <a:spcPct val="90000"/>
+            </a:lnSpc>
+            <a:spcBef>
+              <a:spcPct val="0"/>
+            </a:spcBef>
+            <a:spcAft>
+              <a:spcPct val="35000"/>
+            </a:spcAft>
+          </a:pPr>
+          <a:endParaRPr lang="en-US" sz="500" kern="1200"/>
+        </a:p>
+      </dsp:txBody>
+      <dsp:txXfrm>
+        <a:off x="433932" y="156362"/>
+        <a:ext cx="158661" cy="180000"/>
+      </dsp:txXfrm>
+    </dsp:sp>
+    <dsp:sp modelId="{E728272B-8270-384A-BDBE-2F1D493CE380}">
+      <dsp:nvSpPr>
+        <dsp:cNvPr id="0" name=""/>
+        <dsp:cNvSpPr/>
+      </dsp:nvSpPr>
+      <dsp:spPr>
+        <a:xfrm>
+          <a:off x="243538" y="156362"/>
+          <a:ext cx="158661" cy="180000"/>
+        </a:xfrm>
+        <a:prstGeom prst="rect">
+          <a:avLst/>
+        </a:prstGeom>
+        <a:noFill/>
+        <a:ln>
+          <a:noFill/>
+        </a:ln>
+        <a:effectLst/>
+      </dsp:spPr>
+      <dsp:style>
+        <a:lnRef idx="0">
+          <a:scrgbClr r="0" g="0" b="0"/>
+        </a:lnRef>
+        <a:fillRef idx="0">
+          <a:scrgbClr r="0" g="0" b="0"/>
+        </a:fillRef>
+        <a:effectRef idx="0">
+          <a:scrgbClr r="0" g="0" b="0"/>
+        </a:effectRef>
+        <a:fontRef idx="minor"/>
+      </dsp:style>
+      <dsp:txBody>
+        <a:bodyPr spcFirstLastPara="0" vert="horz" wrap="square" lIns="0" tIns="50800" rIns="0" bIns="50800" numCol="1" spcCol="1270" anchor="ctr" anchorCtr="0">
+          <a:noAutofit/>
+        </a:bodyPr>
+        <a:lstStyle/>
+        <a:p>
+          <a:pPr lvl="0" algn="ctr" defTabSz="222250">
+            <a:lnSpc>
+              <a:spcPct val="90000"/>
+            </a:lnSpc>
+            <a:spcBef>
+              <a:spcPct val="0"/>
+            </a:spcBef>
+            <a:spcAft>
+              <a:spcPct val="35000"/>
+            </a:spcAft>
+          </a:pPr>
+          <a:endParaRPr lang="en-US" sz="500" kern="1200"/>
+        </a:p>
+      </dsp:txBody>
+      <dsp:txXfrm>
+        <a:off x="243538" y="156362"/>
+        <a:ext cx="158661" cy="180000"/>
+      </dsp:txXfrm>
+    </dsp:sp>
+    <dsp:sp modelId="{A44B373F-200A-A449-9070-36D615C6E73F}">
+      <dsp:nvSpPr>
+        <dsp:cNvPr id="0" name=""/>
+        <dsp:cNvSpPr/>
+      </dsp:nvSpPr>
+      <dsp:spPr>
+        <a:xfrm>
+          <a:off x="53144" y="156362"/>
+          <a:ext cx="158661" cy="180000"/>
+        </a:xfrm>
+        <a:prstGeom prst="rect">
+          <a:avLst/>
+        </a:prstGeom>
+        <a:noFill/>
+        <a:ln>
+          <a:noFill/>
+        </a:ln>
+        <a:effectLst/>
+      </dsp:spPr>
+      <dsp:style>
+        <a:lnRef idx="0">
+          <a:scrgbClr r="0" g="0" b="0"/>
+        </a:lnRef>
+        <a:fillRef idx="0">
+          <a:scrgbClr r="0" g="0" b="0"/>
+        </a:fillRef>
+        <a:effectRef idx="0">
+          <a:scrgbClr r="0" g="0" b="0"/>
+        </a:effectRef>
+        <a:fontRef idx="minor"/>
+      </dsp:style>
+      <dsp:txBody>
+        <a:bodyPr spcFirstLastPara="0" vert="horz" wrap="square" lIns="0" tIns="50800" rIns="0" bIns="50800" numCol="1" spcCol="1270" anchor="ctr" anchorCtr="0">
+          <a:noAutofit/>
+        </a:bodyPr>
+        <a:lstStyle/>
+        <a:p>
+          <a:pPr lvl="0" algn="ctr" defTabSz="222250">
+            <a:lnSpc>
+              <a:spcPct val="90000"/>
+            </a:lnSpc>
+            <a:spcBef>
+              <a:spcPct val="0"/>
+            </a:spcBef>
+            <a:spcAft>
+              <a:spcPct val="35000"/>
+            </a:spcAft>
+          </a:pPr>
+          <a:endParaRPr lang="en-US" sz="500" kern="1200"/>
+        </a:p>
+      </dsp:txBody>
+      <dsp:txXfrm>
+        <a:off x="53144" y="156362"/>
+        <a:ext cx="158661" cy="180000"/>
+      </dsp:txXfrm>
+    </dsp:sp>
+  </dsp:spTree>
+</dsp:drawing>
+</file>
+
+<file path=ppt/diagrams/drawing2.xml><?xml version="1.0" encoding="utf-8"?>
+<dsp:drawing xmlns:dgm="http://schemas.openxmlformats.org/drawingml/2006/diagram" xmlns:a="http://schemas.openxmlformats.org/drawingml/2006/main" xmlns:dsp="http://schemas.microsoft.com/office/drawing/2008/diagram">
+  <dsp:spTree>
+    <dsp:nvGrpSpPr>
+      <dsp:cNvPr id="0" name=""/>
+      <dsp:cNvGrpSpPr/>
+    </dsp:nvGrpSpPr>
+    <dsp:grpSpPr/>
+    <dsp:sp modelId="{D9443934-14F0-A045-AF4E-E1B40D04CB25}">
+      <dsp:nvSpPr>
+        <dsp:cNvPr id="0" name=""/>
+        <dsp:cNvSpPr/>
+      </dsp:nvSpPr>
+      <dsp:spPr>
+        <a:xfrm>
+          <a:off x="0" y="66362"/>
+          <a:ext cx="604957" cy="360000"/>
+        </a:xfrm>
+        <a:prstGeom prst="rightArrow">
+          <a:avLst/>
+        </a:prstGeom>
+        <a:gradFill rotWithShape="0">
+          <a:gsLst>
+            <a:gs pos="0">
+              <a:schemeClr val="accent1">
+                <a:hueOff val="0"/>
+                <a:satOff val="0"/>
+                <a:lumOff val="0"/>
+                <a:alphaOff val="0"/>
+                <a:tint val="100000"/>
+                <a:shade val="100000"/>
+                <a:satMod val="130000"/>
+              </a:schemeClr>
+            </a:gs>
+            <a:gs pos="100000">
+              <a:schemeClr val="accent1">
+                <a:hueOff val="0"/>
+                <a:satOff val="0"/>
+                <a:lumOff val="0"/>
+                <a:alphaOff val="0"/>
+                <a:tint val="50000"/>
+                <a:shade val="100000"/>
+                <a:satMod val="350000"/>
+              </a:schemeClr>
+            </a:gs>
+          </a:gsLst>
+          <a:lin ang="16200000" scaled="0"/>
+        </a:gradFill>
+        <a:ln>
+          <a:noFill/>
+        </a:ln>
+        <a:effectLst>
+          <a:outerShdw blurRad="40000" dist="23000" dir="5400000" rotWithShape="0">
+            <a:srgbClr val="000000">
+              <a:alpha val="35000"/>
+            </a:srgbClr>
+          </a:outerShdw>
+        </a:effectLst>
+      </dsp:spPr>
+      <dsp:style>
+        <a:lnRef idx="0">
+          <a:scrgbClr r="0" g="0" b="0"/>
+        </a:lnRef>
+        <a:fillRef idx="3">
+          <a:scrgbClr r="0" g="0" b="0"/>
+        </a:fillRef>
+        <a:effectRef idx="2">
+          <a:scrgbClr r="0" g="0" b="0"/>
+        </a:effectRef>
+        <a:fontRef idx="minor">
+          <a:schemeClr val="lt1"/>
+        </a:fontRef>
+      </dsp:style>
+    </dsp:sp>
+    <dsp:sp modelId="{FD3E8E6F-A2FE-BA4D-9042-7E40F126C35D}">
+      <dsp:nvSpPr>
+        <dsp:cNvPr id="0" name=""/>
+        <dsp:cNvSpPr/>
+      </dsp:nvSpPr>
+      <dsp:spPr>
+        <a:xfrm>
+          <a:off x="398687" y="156362"/>
+          <a:ext cx="145774" cy="180000"/>
+        </a:xfrm>
+        <a:prstGeom prst="rect">
+          <a:avLst/>
+        </a:prstGeom>
+        <a:noFill/>
+        <a:ln>
+          <a:noFill/>
+        </a:ln>
+        <a:effectLst/>
+      </dsp:spPr>
+      <dsp:style>
+        <a:lnRef idx="0">
+          <a:scrgbClr r="0" g="0" b="0"/>
+        </a:lnRef>
+        <a:fillRef idx="0">
+          <a:scrgbClr r="0" g="0" b="0"/>
+        </a:fillRef>
+        <a:effectRef idx="0">
+          <a:scrgbClr r="0" g="0" b="0"/>
+        </a:effectRef>
+        <a:fontRef idx="minor"/>
+      </dsp:style>
+      <dsp:txBody>
+        <a:bodyPr spcFirstLastPara="0" vert="horz" wrap="square" lIns="0" tIns="50800" rIns="0" bIns="50800" numCol="1" spcCol="1270" anchor="ctr" anchorCtr="0">
+          <a:noAutofit/>
+        </a:bodyPr>
+        <a:lstStyle/>
+        <a:p>
+          <a:pPr lvl="0" algn="ctr" defTabSz="222250">
+            <a:lnSpc>
+              <a:spcPct val="90000"/>
+            </a:lnSpc>
+            <a:spcBef>
+              <a:spcPct val="0"/>
+            </a:spcBef>
+            <a:spcAft>
+              <a:spcPct val="35000"/>
+            </a:spcAft>
+          </a:pPr>
+          <a:endParaRPr lang="en-US" sz="500" kern="1200"/>
+        </a:p>
+      </dsp:txBody>
+      <dsp:txXfrm>
+        <a:off x="398687" y="156362"/>
+        <a:ext cx="145774" cy="180000"/>
+      </dsp:txXfrm>
+    </dsp:sp>
+    <dsp:sp modelId="{E728272B-8270-384A-BDBE-2F1D493CE380}">
+      <dsp:nvSpPr>
+        <dsp:cNvPr id="0" name=""/>
+        <dsp:cNvSpPr/>
+      </dsp:nvSpPr>
+      <dsp:spPr>
+        <a:xfrm>
+          <a:off x="223757" y="156362"/>
+          <a:ext cx="145774" cy="180000"/>
+        </a:xfrm>
+        <a:prstGeom prst="rect">
+          <a:avLst/>
+        </a:prstGeom>
+        <a:noFill/>
+        <a:ln>
+          <a:noFill/>
+        </a:ln>
+        <a:effectLst/>
+      </dsp:spPr>
+      <dsp:style>
+        <a:lnRef idx="0">
+          <a:scrgbClr r="0" g="0" b="0"/>
+        </a:lnRef>
+        <a:fillRef idx="0">
+          <a:scrgbClr r="0" g="0" b="0"/>
+        </a:fillRef>
+        <a:effectRef idx="0">
+          <a:scrgbClr r="0" g="0" b="0"/>
+        </a:effectRef>
+        <a:fontRef idx="minor"/>
+      </dsp:style>
+      <dsp:txBody>
+        <a:bodyPr spcFirstLastPara="0" vert="horz" wrap="square" lIns="0" tIns="50800" rIns="0" bIns="50800" numCol="1" spcCol="1270" anchor="ctr" anchorCtr="0">
+          <a:noAutofit/>
+        </a:bodyPr>
+        <a:lstStyle/>
+        <a:p>
+          <a:pPr lvl="0" algn="ctr" defTabSz="222250">
+            <a:lnSpc>
+              <a:spcPct val="90000"/>
+            </a:lnSpc>
+            <a:spcBef>
+              <a:spcPct val="0"/>
+            </a:spcBef>
+            <a:spcAft>
+              <a:spcPct val="35000"/>
+            </a:spcAft>
+          </a:pPr>
+          <a:endParaRPr lang="en-US" sz="500" kern="1200"/>
+        </a:p>
+      </dsp:txBody>
+      <dsp:txXfrm>
+        <a:off x="223757" y="156362"/>
+        <a:ext cx="145774" cy="180000"/>
+      </dsp:txXfrm>
+    </dsp:sp>
+    <dsp:sp modelId="{A44B373F-200A-A449-9070-36D615C6E73F}">
+      <dsp:nvSpPr>
+        <dsp:cNvPr id="0" name=""/>
+        <dsp:cNvSpPr/>
+      </dsp:nvSpPr>
+      <dsp:spPr>
+        <a:xfrm>
+          <a:off x="48827" y="156362"/>
+          <a:ext cx="145774" cy="180000"/>
+        </a:xfrm>
+        <a:prstGeom prst="rect">
+          <a:avLst/>
+        </a:prstGeom>
+        <a:noFill/>
+        <a:ln>
+          <a:noFill/>
+        </a:ln>
+        <a:effectLst/>
+      </dsp:spPr>
+      <dsp:style>
+        <a:lnRef idx="0">
+          <a:scrgbClr r="0" g="0" b="0"/>
+        </a:lnRef>
+        <a:fillRef idx="0">
+          <a:scrgbClr r="0" g="0" b="0"/>
+        </a:fillRef>
+        <a:effectRef idx="0">
+          <a:scrgbClr r="0" g="0" b="0"/>
+        </a:effectRef>
+        <a:fontRef idx="minor"/>
+      </dsp:style>
+      <dsp:txBody>
+        <a:bodyPr spcFirstLastPara="0" vert="horz" wrap="square" lIns="0" tIns="50800" rIns="0" bIns="50800" numCol="1" spcCol="1270" anchor="ctr" anchorCtr="0">
+          <a:noAutofit/>
+        </a:bodyPr>
+        <a:lstStyle/>
+        <a:p>
+          <a:pPr lvl="0" algn="ctr" defTabSz="222250">
+            <a:lnSpc>
+              <a:spcPct val="90000"/>
+            </a:lnSpc>
+            <a:spcBef>
+              <a:spcPct val="0"/>
+            </a:spcBef>
+            <a:spcAft>
+              <a:spcPct val="35000"/>
+            </a:spcAft>
+          </a:pPr>
+          <a:endParaRPr lang="en-US" sz="500" kern="1200"/>
+        </a:p>
+      </dsp:txBody>
+      <dsp:txXfrm>
+        <a:off x="48827" y="156362"/>
+        <a:ext cx="145774" cy="180000"/>
+      </dsp:txXfrm>
+    </dsp:sp>
+  </dsp:spTree>
+</dsp:drawing>
+</file>
+
+<file path=ppt/diagrams/layout1.xml><?xml version="1.0" encoding="utf-8"?>
+<dgm:layoutDef xmlns:dgm="http://schemas.openxmlformats.org/drawingml/2006/diagram" xmlns:a="http://schemas.openxmlformats.org/drawingml/2006/main" uniqueId="urn:microsoft.com/office/officeart/2005/8/layout/hProcess3">
+  <dgm:title val=""/>
+  <dgm:desc val=""/>
+  <dgm:catLst>
+    <dgm:cat type="process" pri="6000"/>
+  </dgm:catLst>
+  <dgm:sampData useDef="1">
+    <dgm:dataModel>
+      <dgm:ptLst/>
+      <dgm:bg/>
+      <dgm:whole/>
+    </dgm:dataModel>
+  </dgm:sampData>
+  <dgm:styleData>
+    <dgm:dataModel>
+      <dgm:ptLst>
+        <dgm:pt modelId="0" type="doc"/>
+        <dgm:pt modelId="1"/>
+        <dgm:pt modelId="2"/>
+      </dgm:ptLst>
+      <dgm:cxnLst>
+        <dgm:cxn modelId="3" srcId="0" destId="1" srcOrd="0" destOrd="0"/>
+        <dgm:cxn modelId="4" srcId="0" destId="2" srcOrd="1" destOrd="0"/>
+      </dgm:cxnLst>
+      <dgm:bg/>
+      <dgm:whole/>
+    </dgm:dataModel>
+  </dgm:styleData>
+  <dgm:clrData>
+    <dgm:dataModel>
+      <dgm:ptLst>
+        <dgm:pt modelId="0" type="doc"/>
+        <dgm:pt modelId="1"/>
+        <dgm:pt modelId="2"/>
+        <dgm:pt modelId="3"/>
+        <dgm:pt modelId="4"/>
+      </dgm:ptLst>
+      <dgm:cxnLst>
+        <dgm:cxn modelId="5" srcId="0" destId="1" srcOrd="0" destOrd="0"/>
+        <dgm:cxn modelId="6" srcId="0" destId="2" srcOrd="1" destOrd="0"/>
+        <dgm:cxn modelId="7" srcId="0" destId="3" srcOrd="2" destOrd="0"/>
+        <dgm:cxn modelId="8" srcId="0" destId="4" srcOrd="3" destOrd="0"/>
+      </dgm:cxnLst>
+      <dgm:bg/>
+      <dgm:whole/>
+    </dgm:dataModel>
+  </dgm:clrData>
+  <dgm:layoutNode name="Name0" chOrder="t">
+    <dgm:varLst>
+      <dgm:dir/>
+      <dgm:animLvl val="lvl"/>
+      <dgm:resizeHandles val="exact"/>
+    </dgm:varLst>
+    <dgm:alg type="composite"/>
+    <dgm:shape xmlns:r="http://schemas.openxmlformats.org/officeDocument/2006/relationships" r:blip="">
+      <dgm:adjLst/>
+    </dgm:shape>
+    <dgm:presOf/>
+    <dgm:constrLst>
+      <dgm:constr type="w" for="ch" forName="dummy" refType="w"/>
+      <dgm:constr type="h" for="ch" forName="dummy" refType="h"/>
+      <dgm:constr type="h" for="ch" forName="dummy" refType="w" refFor="ch" refForName="dummy" op="lte" fact="0.4"/>
+      <dgm:constr type="ctrX" for="ch" forName="dummy" refType="w" fact="0.5"/>
+      <dgm:constr type="ctrY" for="ch" forName="dummy" refType="h" fact="0.5"/>
+      <dgm:constr type="w" for="ch" forName="linH" refType="w"/>
+      <dgm:constr type="h" for="ch" forName="linH" refType="h"/>
+      <dgm:constr type="ctrX" for="ch" forName="linH" refType="w" fact="0.5"/>
+      <dgm:constr type="ctrY" for="ch" forName="linH" refType="h" fact="0.5"/>
+      <dgm:constr type="userP" for="ch" forName="linH" refType="h" refFor="ch" refForName="dummy" fact="0.25"/>
+      <dgm:constr type="userT" for="des" forName="parTx" refType="w" refFor="ch" refForName="dummy" fact="0.2"/>
+    </dgm:constrLst>
+    <dgm:ruleLst/>
+    <dgm:layoutNode name="dummy">
+      <dgm:alg type="sp"/>
+      <dgm:shape xmlns:r="http://schemas.openxmlformats.org/officeDocument/2006/relationships" r:blip="">
+        <dgm:adjLst/>
+      </dgm:shape>
+      <dgm:presOf/>
+      <dgm:constrLst/>
+      <dgm:ruleLst/>
+    </dgm:layoutNode>
+    <dgm:layoutNode name="linH">
+      <dgm:choose name="Name1">
+        <dgm:if name="Name2" func="var" arg="dir" op="equ" val="norm">
+          <dgm:alg type="lin">
+            <dgm:param type="linDir" val="fromL"/>
+            <dgm:param type="nodeVertAlign" val="t"/>
+          </dgm:alg>
+        </dgm:if>
+        <dgm:else name="Name3">
+          <dgm:alg type="lin">
+            <dgm:param type="linDir" val="fromR"/>
+            <dgm:param type="nodeVertAlign" val="t"/>
+          </dgm:alg>
+        </dgm:else>
+      </dgm:choose>
+      <dgm:shape xmlns:r="http://schemas.openxmlformats.org/officeDocument/2006/relationships" r:blip="">
+        <dgm:adjLst/>
+      </dgm:shape>
+      <dgm:presOf/>
+      <dgm:constrLst>
+        <dgm:constr type="primFontSz" for="des" forName="parTx" val="65"/>
+        <dgm:constr type="primFontSz" for="des" forName="desTx" refType="primFontSz" refFor="des" refForName="parTx" op="equ"/>
+        <dgm:constr type="h" for="des" forName="parTx" refType="primFontSz" refFor="des" refForName="parTx"/>
+        <dgm:constr type="h" for="des" forName="desTx" refType="primFontSz" refFor="des" refForName="parTx" fact="0.5"/>
+        <dgm:constr type="h" for="des" forName="parTx" op="equ"/>
+        <dgm:constr type="h" for="des" forName="desTx" op="equ"/>
+        <dgm:constr type="h" for="ch" forName="backgroundArrow" refType="primFontSz" refFor="des" refForName="parTx" fact="2"/>
+        <dgm:constr type="h" for="ch" forName="backgroundArrow" refType="h" refFor="des" refForName="parTx" op="lte" fact="2"/>
+        <dgm:constr type="h" for="ch" forName="backgroundArrow" refType="h" refFor="des" refForName="parTx" op="gte" fact="2"/>
+        <dgm:constr type="h" for="des" forName="spVertical1" refType="primFontSz" refFor="des" refForName="parTx" fact="0.5"/>
+        <dgm:constr type="h" for="des" forName="spVertical1" refType="h" refFor="des" refForName="parTx" op="lte" fact="0.5"/>
+        <dgm:constr type="h" for="des" forName="spVertical1" refType="h" refFor="des" refForName="parTx" op="gte" fact="0.5"/>
+        <dgm:constr type="h" for="des" forName="spVertical2" refType="primFontSz" refFor="des" refForName="parTx" fact="0.5"/>
+        <dgm:constr type="h" for="des" forName="spVertical2" refType="h" refFor="des" refForName="parTx" op="lte" fact="0.5"/>
+        <dgm:constr type="h" for="des" forName="spVertical2" refType="h" refFor="des" refForName="parTx" op="gte" fact="0.5"/>
+        <dgm:constr type="h" for="des" forName="spVertical3" refType="primFontSz" refFor="des" refForName="parTx" fact="-0.4"/>
+        <dgm:constr type="h" for="des" forName="spVertical3" refType="h" refFor="des" refForName="parTx" op="lte" fact="-0.4"/>
+        <dgm:constr type="h" for="des" forName="spVertical3" refType="h" refFor="des" refForName="parTx" op="gte" fact="-0.4"/>
+        <dgm:constr type="w" for="ch" forName="backgroundArrow" refType="w"/>
+        <dgm:constr type="w" for="ch" forName="negArrow" refType="w" fact="-1"/>
+        <dgm:constr type="w" for="ch" forName="linV" refType="w"/>
+        <dgm:constr type="w" for="ch" forName="space" refType="w" refFor="ch" refForName="linV" fact="0.2"/>
+        <dgm:constr type="w" for="ch" forName="padding1" refType="w" fact="0.08"/>
+        <dgm:constr type="userP"/>
+        <dgm:constr type="w" for="ch" forName="padding2" refType="userP"/>
+      </dgm:constrLst>
+      <dgm:ruleLst>
+        <dgm:rule type="w" for="ch" forName="linV" val="0" fact="NaN" max="NaN"/>
+        <dgm:rule type="primFontSz" for="des" forName="parTx" val="5" fact="NaN" max="NaN"/>
+      </dgm:ruleLst>
+      <dgm:layoutNode name="padding1">
+        <dgm:alg type="sp"/>
+        <dgm:shape xmlns:r="http://schemas.openxmlformats.org/officeDocument/2006/relationships" r:blip="">
+          <dgm:adjLst/>
+        </dgm:shape>
+        <dgm:presOf/>
+        <dgm:constrLst/>
+        <dgm:ruleLst/>
+      </dgm:layoutNode>
+      <dgm:forEach name="Name4" axis="ch" ptType="node">
+        <dgm:layoutNode name="linV">
+          <dgm:alg type="lin">
+            <dgm:param type="linDir" val="fromT"/>
+          </dgm:alg>
+          <dgm:shape xmlns:r="http://schemas.openxmlformats.org/officeDocument/2006/relationships" r:blip="">
+            <dgm:adjLst/>
+          </dgm:shape>
+          <dgm:presOf/>
+          <dgm:constrLst>
+            <dgm:constr type="w" for="ch" forName="spVertical1" refType="w"/>
+            <dgm:constr type="w" for="ch" forName="parTx" refType="w"/>
+            <dgm:constr type="w" for="ch" forName="spVertical2" refType="w"/>
+            <dgm:constr type="w" for="ch" forName="spVertical3" refType="w"/>
+            <dgm:constr type="w" for="ch" forName="desTx" refType="w"/>
+          </dgm:constrLst>
+          <dgm:ruleLst/>
+          <dgm:layoutNode name="spVertical1">
+            <dgm:alg type="sp"/>
+            <dgm:shape xmlns:r="http://schemas.openxmlformats.org/officeDocument/2006/relationships" r:blip="">
+              <dgm:adjLst/>
+            </dgm:shape>
+            <dgm:presOf/>
+            <dgm:constrLst/>
+            <dgm:ruleLst/>
+          </dgm:layoutNode>
+          <dgm:layoutNode name="parTx" styleLbl="revTx">
+            <dgm:varLst>
+              <dgm:chMax val="0"/>
+              <dgm:chPref val="0"/>
+              <dgm:bulletEnabled val="1"/>
+            </dgm:varLst>
+            <dgm:choose name="Name5">
+              <dgm:if name="Name6" axis="root des" ptType="all node" func="maxDepth" op="gt" val="1">
+                <dgm:alg type="tx">
+                  <dgm:param type="parTxLTRAlign" val="l"/>
+                  <dgm:param type="parTxRTLAlign" val="r"/>
+                </dgm:alg>
+              </dgm:if>
+              <dgm:else name="Name7">
+                <dgm:alg type="tx">
+                  <dgm:param type="parTxLTRAlign" val="ctr"/>
+                  <dgm:param type="parTxRTLAlign" val="ctr"/>
+                </dgm:alg>
+              </dgm:else>
+            </dgm:choose>
+            <dgm:shape xmlns:r="http://schemas.openxmlformats.org/officeDocument/2006/relationships" type="rect" r:blip="">
+              <dgm:adjLst/>
+            </dgm:shape>
+            <dgm:presOf axis="self" ptType="node"/>
+            <dgm:choose name="Name8">
+              <dgm:if name="Name9" func="var" arg="dir" op="equ" val="norm">
+                <dgm:constrLst>
+                  <dgm:constr type="userT"/>
+                  <dgm:constr type="h" refType="userT" op="lte"/>
+                  <dgm:constr type="tMarg" refType="primFontSz" fact="0.8"/>
+                  <dgm:constr type="bMarg" refType="tMarg"/>
+                  <dgm:constr type="lMarg"/>
+                  <dgm:constr type="rMarg"/>
+                </dgm:constrLst>
+              </dgm:if>
+              <dgm:else name="Name10">
+                <dgm:constrLst>
+                  <dgm:constr type="userT"/>
+                  <dgm:constr type="h" refType="userT" op="lte"/>
+                  <dgm:constr type="tMarg" refType="primFontSz" fact="0.8"/>
+                  <dgm:constr type="bMarg" refType="tMarg"/>
+                  <dgm:constr type="lMarg"/>
+                  <dgm:constr type="rMarg"/>
+                </dgm:constrLst>
+              </dgm:else>
+            </dgm:choose>
+            <dgm:ruleLst>
+              <dgm:rule type="h" val="INF" fact="NaN" max="NaN"/>
+            </dgm:ruleLst>
+          </dgm:layoutNode>
+          <dgm:layoutNode name="spVertical2">
+            <dgm:alg type="sp"/>
+            <dgm:shape xmlns:r="http://schemas.openxmlformats.org/officeDocument/2006/relationships" r:blip="">
+              <dgm:adjLst/>
+            </dgm:shape>
+            <dgm:presOf/>
+            <dgm:constrLst/>
+            <dgm:ruleLst/>
+          </dgm:layoutNode>
+          <dgm:layoutNode name="spVertical3">
+            <dgm:alg type="sp"/>
+            <dgm:shape xmlns:r="http://schemas.openxmlformats.org/officeDocument/2006/relationships" r:blip="">
+              <dgm:adjLst/>
+            </dgm:shape>
+            <dgm:presOf/>
+            <dgm:constrLst/>
+            <dgm:ruleLst/>
+          </dgm:layoutNode>
+          <dgm:choose name="Name11">
+            <dgm:if name="Name12" axis="ch" ptType="node" func="cnt" op="gte" val="1">
+              <dgm:layoutNode name="desTx" styleLbl="revTx">
+                <dgm:varLst>
+                  <dgm:bulletEnabled val="1"/>
+                </dgm:varLst>
+                <dgm:alg type="tx">
+                  <dgm:param type="stBulletLvl" val="1"/>
+                </dgm:alg>
+                <dgm:shape xmlns:r="http://schemas.openxmlformats.org/officeDocument/2006/relationships" type="rect" r:blip="">
+                  <dgm:adjLst/>
+                </dgm:shape>
+                <dgm:presOf axis="des" ptType="node"/>
+                <dgm:constrLst>
+                  <dgm:constr type="tMarg"/>
+                  <dgm:constr type="bMarg"/>
+                  <dgm:constr type="rMarg"/>
+                  <dgm:constr type="lMarg"/>
+                </dgm:constrLst>
+                <dgm:ruleLst>
+                  <dgm:rule type="h" val="INF" fact="NaN" max="NaN"/>
+                </dgm:ruleLst>
+              </dgm:layoutNode>
+            </dgm:if>
+            <dgm:else name="Name13"/>
+          </dgm:choose>
+        </dgm:layoutNode>
+        <dgm:forEach name="Name14" axis="followSib" ptType="sibTrans" cnt="1">
+          <dgm:layoutNode name="space">
+            <dgm:alg type="sp"/>
+            <dgm:shape xmlns:r="http://schemas.openxmlformats.org/officeDocument/2006/relationships" r:blip="">
+              <dgm:adjLst/>
+            </dgm:shape>
+            <dgm:presOf/>
+            <dgm:constrLst/>
+            <dgm:ruleLst/>
+          </dgm:layoutNode>
+        </dgm:forEach>
+      </dgm:forEach>
+      <dgm:layoutNode name="padding2">
+        <dgm:alg type="sp"/>
+        <dgm:shape xmlns:r="http://schemas.openxmlformats.org/officeDocument/2006/relationships" r:blip="">
+          <dgm:adjLst/>
+        </dgm:shape>
+        <dgm:presOf/>
+        <dgm:constrLst/>
+        <dgm:ruleLst/>
+      </dgm:layoutNode>
+      <dgm:layoutNode name="negArrow">
+        <dgm:alg type="sp"/>
+        <dgm:shape xmlns:r="http://schemas.openxmlformats.org/officeDocument/2006/relationships" r:blip="">
+          <dgm:adjLst/>
+        </dgm:shape>
+        <dgm:presOf/>
+        <dgm:constrLst/>
+        <dgm:ruleLst/>
+      </dgm:layoutNode>
+      <dgm:layoutNode name="backgroundArrow" styleLbl="node1">
+        <dgm:alg type="sp"/>
+        <dgm:choose name="Name15">
+          <dgm:if name="Name16" func="var" arg="dir" op="equ" val="norm">
+            <dgm:shape xmlns:r="http://schemas.openxmlformats.org/officeDocument/2006/relationships" type="rightArrow" r:blip="">
+              <dgm:adjLst/>
+            </dgm:shape>
+          </dgm:if>
+          <dgm:else name="Name17">
+            <dgm:shape xmlns:r="http://schemas.openxmlformats.org/officeDocument/2006/relationships" type="leftArrow" r:blip="">
+              <dgm:adjLst/>
+            </dgm:shape>
+          </dgm:else>
+        </dgm:choose>
+        <dgm:presOf/>
+        <dgm:constrLst/>
+        <dgm:ruleLst/>
+      </dgm:layoutNode>
+    </dgm:layoutNode>
+  </dgm:layoutNode>
+</dgm:layoutDef>
+</file>
+
+<file path=ppt/diagrams/layout2.xml><?xml version="1.0" encoding="utf-8"?>
+<dgm:layoutDef xmlns:dgm="http://schemas.openxmlformats.org/drawingml/2006/diagram" xmlns:a="http://schemas.openxmlformats.org/drawingml/2006/main" uniqueId="urn:microsoft.com/office/officeart/2005/8/layout/hProcess3">
+  <dgm:title val=""/>
+  <dgm:desc val=""/>
+  <dgm:catLst>
+    <dgm:cat type="process" pri="6000"/>
+  </dgm:catLst>
+  <dgm:sampData useDef="1">
+    <dgm:dataModel>
+      <dgm:ptLst/>
+      <dgm:bg/>
+      <dgm:whole/>
+    </dgm:dataModel>
+  </dgm:sampData>
+  <dgm:styleData>
+    <dgm:dataModel>
+      <dgm:ptLst>
+        <dgm:pt modelId="0" type="doc"/>
+        <dgm:pt modelId="1"/>
+        <dgm:pt modelId="2"/>
+      </dgm:ptLst>
+      <dgm:cxnLst>
+        <dgm:cxn modelId="3" srcId="0" destId="1" srcOrd="0" destOrd="0"/>
+        <dgm:cxn modelId="4" srcId="0" destId="2" srcOrd="1" destOrd="0"/>
+      </dgm:cxnLst>
+      <dgm:bg/>
+      <dgm:whole/>
+    </dgm:dataModel>
+  </dgm:styleData>
+  <dgm:clrData>
+    <dgm:dataModel>
+      <dgm:ptLst>
+        <dgm:pt modelId="0" type="doc"/>
+        <dgm:pt modelId="1"/>
+        <dgm:pt modelId="2"/>
+        <dgm:pt modelId="3"/>
+        <dgm:pt modelId="4"/>
+      </dgm:ptLst>
+      <dgm:cxnLst>
+        <dgm:cxn modelId="5" srcId="0" destId="1" srcOrd="0" destOrd="0"/>
+        <dgm:cxn modelId="6" srcId="0" destId="2" srcOrd="1" destOrd="0"/>
+        <dgm:cxn modelId="7" srcId="0" destId="3" srcOrd="2" destOrd="0"/>
+        <dgm:cxn modelId="8" srcId="0" destId="4" srcOrd="3" destOrd="0"/>
+      </dgm:cxnLst>
+      <dgm:bg/>
+      <dgm:whole/>
+    </dgm:dataModel>
+  </dgm:clrData>
+  <dgm:layoutNode name="Name0" chOrder="t">
+    <dgm:varLst>
+      <dgm:dir/>
+      <dgm:animLvl val="lvl"/>
+      <dgm:resizeHandles val="exact"/>
+    </dgm:varLst>
+    <dgm:alg type="composite"/>
+    <dgm:shape xmlns:r="http://schemas.openxmlformats.org/officeDocument/2006/relationships" r:blip="">
+      <dgm:adjLst/>
+    </dgm:shape>
+    <dgm:presOf/>
+    <dgm:constrLst>
+      <dgm:constr type="w" for="ch" forName="dummy" refType="w"/>
+      <dgm:constr type="h" for="ch" forName="dummy" refType="h"/>
+      <dgm:constr type="h" for="ch" forName="dummy" refType="w" refFor="ch" refForName="dummy" op="lte" fact="0.4"/>
+      <dgm:constr type="ctrX" for="ch" forName="dummy" refType="w" fact="0.5"/>
+      <dgm:constr type="ctrY" for="ch" forName="dummy" refType="h" fact="0.5"/>
+      <dgm:constr type="w" for="ch" forName="linH" refType="w"/>
+      <dgm:constr type="h" for="ch" forName="linH" refType="h"/>
+      <dgm:constr type="ctrX" for="ch" forName="linH" refType="w" fact="0.5"/>
+      <dgm:constr type="ctrY" for="ch" forName="linH" refType="h" fact="0.5"/>
+      <dgm:constr type="userP" for="ch" forName="linH" refType="h" refFor="ch" refForName="dummy" fact="0.25"/>
+      <dgm:constr type="userT" for="des" forName="parTx" refType="w" refFor="ch" refForName="dummy" fact="0.2"/>
+    </dgm:constrLst>
+    <dgm:ruleLst/>
+    <dgm:layoutNode name="dummy">
+      <dgm:alg type="sp"/>
+      <dgm:shape xmlns:r="http://schemas.openxmlformats.org/officeDocument/2006/relationships" r:blip="">
+        <dgm:adjLst/>
+      </dgm:shape>
+      <dgm:presOf/>
+      <dgm:constrLst/>
+      <dgm:ruleLst/>
+    </dgm:layoutNode>
+    <dgm:layoutNode name="linH">
+      <dgm:choose name="Name1">
+        <dgm:if name="Name2" func="var" arg="dir" op="equ" val="norm">
+          <dgm:alg type="lin">
+            <dgm:param type="linDir" val="fromL"/>
+            <dgm:param type="nodeVertAlign" val="t"/>
+          </dgm:alg>
+        </dgm:if>
+        <dgm:else name="Name3">
+          <dgm:alg type="lin">
+            <dgm:param type="linDir" val="fromR"/>
+            <dgm:param type="nodeVertAlign" val="t"/>
+          </dgm:alg>
+        </dgm:else>
+      </dgm:choose>
+      <dgm:shape xmlns:r="http://schemas.openxmlformats.org/officeDocument/2006/relationships" r:blip="">
+        <dgm:adjLst/>
+      </dgm:shape>
+      <dgm:presOf/>
+      <dgm:constrLst>
+        <dgm:constr type="primFontSz" for="des" forName="parTx" val="65"/>
+        <dgm:constr type="primFontSz" for="des" forName="desTx" refType="primFontSz" refFor="des" refForName="parTx" op="equ"/>
+        <dgm:constr type="h" for="des" forName="parTx" refType="primFontSz" refFor="des" refForName="parTx"/>
+        <dgm:constr type="h" for="des" forName="desTx" refType="primFontSz" refFor="des" refForName="parTx" fact="0.5"/>
+        <dgm:constr type="h" for="des" forName="parTx" op="equ"/>
+        <dgm:constr type="h" for="des" forName="desTx" op="equ"/>
+        <dgm:constr type="h" for="ch" forName="backgroundArrow" refType="primFontSz" refFor="des" refForName="parTx" fact="2"/>
+        <dgm:constr type="h" for="ch" forName="backgroundArrow" refType="h" refFor="des" refForName="parTx" op="lte" fact="2"/>
+        <dgm:constr type="h" for="ch" forName="backgroundArrow" refType="h" refFor="des" refForName="parTx" op="gte" fact="2"/>
+        <dgm:constr type="h" for="des" forName="spVertical1" refType="primFontSz" refFor="des" refForName="parTx" fact="0.5"/>
+        <dgm:constr type="h" for="des" forName="spVertical1" refType="h" refFor="des" refForName="parTx" op="lte" fact="0.5"/>
+        <dgm:constr type="h" for="des" forName="spVertical1" refType="h" refFor="des" refForName="parTx" op="gte" fact="0.5"/>
+        <dgm:constr type="h" for="des" forName="spVertical2" refType="primFontSz" refFor="des" refForName="parTx" fact="0.5"/>
+        <dgm:constr type="h" for="des" forName="spVertical2" refType="h" refFor="des" refForName="parTx" op="lte" fact="0.5"/>
+        <dgm:constr type="h" for="des" forName="spVertical2" refType="h" refFor="des" refForName="parTx" op="gte" fact="0.5"/>
+        <dgm:constr type="h" for="des" forName="spVertical3" refType="primFontSz" refFor="des" refForName="parTx" fact="-0.4"/>
+        <dgm:constr type="h" for="des" forName="spVertical3" refType="h" refFor="des" refForName="parTx" op="lte" fact="-0.4"/>
+        <dgm:constr type="h" for="des" forName="spVertical3" refType="h" refFor="des" refForName="parTx" op="gte" fact="-0.4"/>
+        <dgm:constr type="w" for="ch" forName="backgroundArrow" refType="w"/>
+        <dgm:constr type="w" for="ch" forName="negArrow" refType="w" fact="-1"/>
+        <dgm:constr type="w" for="ch" forName="linV" refType="w"/>
+        <dgm:constr type="w" for="ch" forName="space" refType="w" refFor="ch" refForName="linV" fact="0.2"/>
+        <dgm:constr type="w" for="ch" forName="padding1" refType="w" fact="0.08"/>
+        <dgm:constr type="userP"/>
+        <dgm:constr type="w" for="ch" forName="padding2" refType="userP"/>
+      </dgm:constrLst>
+      <dgm:ruleLst>
+        <dgm:rule type="w" for="ch" forName="linV" val="0" fact="NaN" max="NaN"/>
+        <dgm:rule type="primFontSz" for="des" forName="parTx" val="5" fact="NaN" max="NaN"/>
+      </dgm:ruleLst>
+      <dgm:layoutNode name="padding1">
+        <dgm:alg type="sp"/>
+        <dgm:shape xmlns:r="http://schemas.openxmlformats.org/officeDocument/2006/relationships" r:blip="">
+          <dgm:adjLst/>
+        </dgm:shape>
+        <dgm:presOf/>
+        <dgm:constrLst/>
+        <dgm:ruleLst/>
+      </dgm:layoutNode>
+      <dgm:forEach name="Name4" axis="ch" ptType="node">
+        <dgm:layoutNode name="linV">
+          <dgm:alg type="lin">
+            <dgm:param type="linDir" val="fromT"/>
+          </dgm:alg>
+          <dgm:shape xmlns:r="http://schemas.openxmlformats.org/officeDocument/2006/relationships" r:blip="">
+            <dgm:adjLst/>
+          </dgm:shape>
+          <dgm:presOf/>
+          <dgm:constrLst>
+            <dgm:constr type="w" for="ch" forName="spVertical1" refType="w"/>
+            <dgm:constr type="w" for="ch" forName="parTx" refType="w"/>
+            <dgm:constr type="w" for="ch" forName="spVertical2" refType="w"/>
+            <dgm:constr type="w" for="ch" forName="spVertical3" refType="w"/>
+            <dgm:constr type="w" for="ch" forName="desTx" refType="w"/>
+          </dgm:constrLst>
+          <dgm:ruleLst/>
+          <dgm:layoutNode name="spVertical1">
+            <dgm:alg type="sp"/>
+            <dgm:shape xmlns:r="http://schemas.openxmlformats.org/officeDocument/2006/relationships" r:blip="">
+              <dgm:adjLst/>
+            </dgm:shape>
+            <dgm:presOf/>
+            <dgm:constrLst/>
+            <dgm:ruleLst/>
+          </dgm:layoutNode>
+          <dgm:layoutNode name="parTx" styleLbl="revTx">
+            <dgm:varLst>
+              <dgm:chMax val="0"/>
+              <dgm:chPref val="0"/>
+              <dgm:bulletEnabled val="1"/>
+            </dgm:varLst>
+            <dgm:choose name="Name5">
+              <dgm:if name="Name6" axis="root des" ptType="all node" func="maxDepth" op="gt" val="1">
+                <dgm:alg type="tx">
+                  <dgm:param type="parTxLTRAlign" val="l"/>
+                  <dgm:param type="parTxRTLAlign" val="r"/>
+                </dgm:alg>
+              </dgm:if>
+              <dgm:else name="Name7">
+                <dgm:alg type="tx">
+                  <dgm:param type="parTxLTRAlign" val="ctr"/>
+                  <dgm:param type="parTxRTLAlign" val="ctr"/>
+                </dgm:alg>
+              </dgm:else>
+            </dgm:choose>
+            <dgm:shape xmlns:r="http://schemas.openxmlformats.org/officeDocument/2006/relationships" type="rect" r:blip="">
+              <dgm:adjLst/>
+            </dgm:shape>
+            <dgm:presOf axis="self" ptType="node"/>
+            <dgm:choose name="Name8">
+              <dgm:if name="Name9" func="var" arg="dir" op="equ" val="norm">
+                <dgm:constrLst>
+                  <dgm:constr type="userT"/>
+                  <dgm:constr type="h" refType="userT" op="lte"/>
+                  <dgm:constr type="tMarg" refType="primFontSz" fact="0.8"/>
+                  <dgm:constr type="bMarg" refType="tMarg"/>
+                  <dgm:constr type="lMarg"/>
+                  <dgm:constr type="rMarg"/>
+                </dgm:constrLst>
+              </dgm:if>
+              <dgm:else name="Name10">
+                <dgm:constrLst>
+                  <dgm:constr type="userT"/>
+                  <dgm:constr type="h" refType="userT" op="lte"/>
+                  <dgm:constr type="tMarg" refType="primFontSz" fact="0.8"/>
+                  <dgm:constr type="bMarg" refType="tMarg"/>
+                  <dgm:constr type="lMarg"/>
+                  <dgm:constr type="rMarg"/>
+                </dgm:constrLst>
+              </dgm:else>
+            </dgm:choose>
+            <dgm:ruleLst>
+              <dgm:rule type="h" val="INF" fact="NaN" max="NaN"/>
+            </dgm:ruleLst>
+          </dgm:layoutNode>
+          <dgm:layoutNode name="spVertical2">
+            <dgm:alg type="sp"/>
+            <dgm:shape xmlns:r="http://schemas.openxmlformats.org/officeDocument/2006/relationships" r:blip="">
+              <dgm:adjLst/>
+            </dgm:shape>
+            <dgm:presOf/>
+            <dgm:constrLst/>
+            <dgm:ruleLst/>
+          </dgm:layoutNode>
+          <dgm:layoutNode name="spVertical3">
+            <dgm:alg type="sp"/>
+            <dgm:shape xmlns:r="http://schemas.openxmlformats.org/officeDocument/2006/relationships" r:blip="">
+              <dgm:adjLst/>
+            </dgm:shape>
+            <dgm:presOf/>
+            <dgm:constrLst/>
+            <dgm:ruleLst/>
+          </dgm:layoutNode>
+          <dgm:choose name="Name11">
+            <dgm:if name="Name12" axis="ch" ptType="node" func="cnt" op="gte" val="1">
+              <dgm:layoutNode name="desTx" styleLbl="revTx">
+                <dgm:varLst>
+                  <dgm:bulletEnabled val="1"/>
+                </dgm:varLst>
+                <dgm:alg type="tx">
+                  <dgm:param type="stBulletLvl" val="1"/>
+                </dgm:alg>
+                <dgm:shape xmlns:r="http://schemas.openxmlformats.org/officeDocument/2006/relationships" type="rect" r:blip="">
+                  <dgm:adjLst/>
+                </dgm:shape>
+                <dgm:presOf axis="des" ptType="node"/>
+                <dgm:constrLst>
+                  <dgm:constr type="tMarg"/>
+                  <dgm:constr type="bMarg"/>
+                  <dgm:constr type="rMarg"/>
+                  <dgm:constr type="lMarg"/>
+                </dgm:constrLst>
+                <dgm:ruleLst>
+                  <dgm:rule type="h" val="INF" fact="NaN" max="NaN"/>
+                </dgm:ruleLst>
+              </dgm:layoutNode>
+            </dgm:if>
+            <dgm:else name="Name13"/>
+          </dgm:choose>
+        </dgm:layoutNode>
+        <dgm:forEach name="Name14" axis="followSib" ptType="sibTrans" cnt="1">
+          <dgm:layoutNode name="space">
+            <dgm:alg type="sp"/>
+            <dgm:shape xmlns:r="http://schemas.openxmlformats.org/officeDocument/2006/relationships" r:blip="">
+              <dgm:adjLst/>
+            </dgm:shape>
+            <dgm:presOf/>
+            <dgm:constrLst/>
+            <dgm:ruleLst/>
+          </dgm:layoutNode>
+        </dgm:forEach>
+      </dgm:forEach>
+      <dgm:layoutNode name="padding2">
+        <dgm:alg type="sp"/>
+        <dgm:shape xmlns:r="http://schemas.openxmlformats.org/officeDocument/2006/relationships" r:blip="">
+          <dgm:adjLst/>
+        </dgm:shape>
+        <dgm:presOf/>
+        <dgm:constrLst/>
+        <dgm:ruleLst/>
+      </dgm:layoutNode>
+      <dgm:layoutNode name="negArrow">
+        <dgm:alg type="sp"/>
+        <dgm:shape xmlns:r="http://schemas.openxmlformats.org/officeDocument/2006/relationships" r:blip="">
+          <dgm:adjLst/>
+        </dgm:shape>
+        <dgm:presOf/>
+        <dgm:constrLst/>
+        <dgm:ruleLst/>
+      </dgm:layoutNode>
+      <dgm:layoutNode name="backgroundArrow" styleLbl="node1">
+        <dgm:alg type="sp"/>
+        <dgm:choose name="Name15">
+          <dgm:if name="Name16" func="var" arg="dir" op="equ" val="norm">
+            <dgm:shape xmlns:r="http://schemas.openxmlformats.org/officeDocument/2006/relationships" type="rightArrow" r:blip="">
+              <dgm:adjLst/>
+            </dgm:shape>
+          </dgm:if>
+          <dgm:else name="Name17">
+            <dgm:shape xmlns:r="http://schemas.openxmlformats.org/officeDocument/2006/relationships" type="leftArrow" r:blip="">
+              <dgm:adjLst/>
+            </dgm:shape>
+          </dgm:else>
+        </dgm:choose>
+        <dgm:presOf/>
+        <dgm:constrLst/>
+        <dgm:ruleLst/>
+      </dgm:layoutNode>
+    </dgm:layoutNode>
+  </dgm:layoutNode>
+</dgm:layoutDef>
+</file>
+
+<file path=ppt/diagrams/quickStyle1.xml><?xml version="1.0" encoding="utf-8"?>
+<dgm:styleDef xmlns:dgm="http://schemas.openxmlformats.org/drawingml/2006/diagram" xmlns:a="http://schemas.openxmlformats.org/drawingml/2006/main" uniqueId="urn:microsoft.com/office/officeart/2005/8/quickstyle/simple4">
+  <dgm:title val=""/>
+  <dgm:desc val=""/>
+  <dgm:catLst>
+    <dgm:cat type="simple" pri="10400"/>
+  </dgm:catLst>
+  <dgm:scene3d>
+    <a:camera prst="orthographicFront"/>
+    <a:lightRig rig="threePt" dir="t"/>
+  </dgm:scene3d>
+  <dgm:styleLbl name="node0">
+    <dgm:scene3d>
+      <a:camera prst="orthographicFront"/>
+      <a:lightRig rig="threePt" dir="t"/>
+    </dgm:scene3d>
+    <dgm:sp3d/>
+    <dgm:txPr/>
+    <dgm:style>
+      <a:lnRef idx="0">
+        <a:scrgbClr r="0" g="0" b="0"/>
+      </a:lnRef>
+      <a:fillRef idx="3">
+        <a:scrgbClr r="0" g="0" b="0"/>
+      </a:fillRef>
+      <a:effectRef idx="2">
+        <a:scrgbClr r="0" g="0" b="0"/>
+      </a:effectRef>
+      <a:fontRef idx="minor">
+        <a:schemeClr val="lt1"/>
+      </a:fontRef>
+    </dgm:style>
+  </dgm:styleLbl>
+  <dgm:styleLbl name="lnNode1">
+    <dgm:scene3d>
+      <a:camera prst="orthographicFront"/>
+      <a:lightRig rig="threePt" dir="t"/>
+    </dgm:scene3d>
+    <dgm:sp3d/>
+    <dgm:txPr/>
+    <dgm:style>
+      <a:lnRef idx="1">
+        <a:scrgbClr r="0" g="0" b="0"/>
+      </a:lnRef>
+      <a:fillRef idx="3">
+        <a:scrgbClr r="0" g="0" b="0"/>
+      </a:fillRef>
+      <a:effectRef idx="2">
+        <a:scrgbClr r="0" g="0" b="0"/>
+      </a:effectRef>
+      <a:fontRef idx="minor">
+        <a:schemeClr val="lt1"/>
+      </a:fontRef>
+    </dgm:style>
+  </dgm:styleLbl>
+  <dgm:styleLbl name="vennNode1">
+    <dgm:scene3d>
+      <a:camera prst="orthographicFront"/>
+      <a:lightRig rig="threePt" dir="t"/>
+    </dgm:scene3d>
+    <dgm:sp3d/>
+    <dgm:txPr/>
+    <dgm:style>
+      <a:lnRef idx="0">
+        <a:scrgbClr r="0" g="0" b="0"/>
+      </a:lnRef>
+      <a:fillRef idx="3">
+        <a:scrgbClr r="0" g="0" b="0"/>
+      </a:fillRef>
+      <a:effectRef idx="0">
+        <a:scrgbClr r="0" g="0" b="0"/>
+      </a:effectRef>
+      <a:fontRef idx="minor">
+        <a:schemeClr val="tx1"/>
+      </a:fontRef>
+    </dgm:style>
+  </dgm:styleLbl>
+  <dgm:styleLbl name="alignNode1">
+    <dgm:scene3d>
+      <a:camera prst="orthographicFront"/>
+      <a:lightRig rig="threePt" dir="t"/>
+    </dgm:scene3d>
+    <dgm:sp3d/>
+    <dgm:txPr/>
+    <dgm:style>
+      <a:lnRef idx="1">
+        <a:scrgbClr r="0" g="0" b="0"/>
+      </a:lnRef>
+      <a:fillRef idx="3">
+        <a:scrgbClr r="0" g="0" b="0"/>
+      </a:fillRef>
+      <a:effectRef idx="2">
+        <a:scrgbClr r="0" g="0" b="0"/>
+      </a:effectRef>
+      <a:fontRef idx="minor">
+        <a:schemeClr val="lt1"/>
+      </a:fontRef>
+    </dgm:style>
+  </dgm:styleLbl>
+  <dgm:styleLbl name="node1">
+    <dgm:scene3d>
+      <a:camera prst="orthographicFront"/>
+      <a:lightRig rig="threePt" dir="t"/>
+    </dgm:scene3d>
+    <dgm:sp3d/>
+    <dgm:txPr/>
+    <dgm:style>
+      <a:lnRef idx="0">
+        <a:scrgbClr r="0" g="0" b="0"/>
+      </a:lnRef>
+      <a:fillRef idx="3">
+        <a:scrgbClr r="0" g="0" b="0"/>
+      </a:fillRef>
+      <a:effectRef idx="2">
+        <a:scrgbClr r="0" g="0" b="0"/>
+      </a:effectRef>
+      <a:fontRef idx="minor">
+        <a:schemeClr val="lt1"/>
+      </a:fontRef>
+    </dgm:style>
+  </dgm:styleLbl>
+  <dgm:styleLbl name="node2">
+    <dgm:scene3d>
+      <a:camera prst="orthographicFront"/>
+      <a:lightRig rig="threePt" dir="t"/>
+    </dgm:scene3d>
+    <dgm:sp3d/>
+    <dgm:txPr/>
+    <dgm:style>
+      <a:lnRef idx="0">
+        <a:scrgbClr r="0" g="0" b="0"/>
+      </a:lnRef>
+      <a:fillRef idx="3">
+        <a:scrgbClr r="0" g="0" b="0"/>
+      </a:fillRef>
+      <a:effectRef idx="2">
+        <a:scrgbClr r="0" g="0" b="0"/>
+      </a:effectRef>
+      <a:fontRef idx="minor">
+        <a:schemeClr val="lt1"/>
+      </a:fontRef>
+    </dgm:style>
+  </dgm:styleLbl>
+  <dgm:styleLbl name="node3">
+    <dgm:scene3d>
+      <a:camera prst="orthographicFront"/>
+      <a:lightRig rig="threePt" dir="t"/>
+    </dgm:scene3d>
+    <dgm:sp3d/>
+    <dgm:txPr/>
+    <dgm:style>
+      <a:lnRef idx="0">
+        <a:scrgbClr r="0" g="0" b="0"/>
+      </a:lnRef>
+      <a:fillRef idx="3">
+        <a:scrgbClr r="0" g="0" b="0"/>
+      </a:fillRef>
+      <a:effectRef idx="2">
+        <a:scrgbClr r="0" g="0" b="0"/>
+      </a:effectRef>
+      <a:fontRef idx="minor">
+        <a:schemeClr val="lt1"/>
+      </a:fontRef>
+    </dgm:style>
+  </dgm:styleLbl>
+  <dgm:styleLbl name="node4">
+    <dgm:scene3d>
+      <a:camera prst="orthographicFront"/>
+      <a:lightRig rig="threePt" dir="t"/>
+    </dgm:scene3d>
+    <dgm:sp3d/>
+    <dgm:txPr/>
+    <dgm:style>
+      <a:lnRef idx="0">
+        <a:scrgbClr r="0" g="0" b="0"/>
+      </a:lnRef>
+      <a:fillRef idx="3">
+        <a:scrgbClr r="0" g="0" b="0"/>
+      </a:fillRef>
+      <a:effectRef idx="2">
+        <a:scrgbClr r="0" g="0" b="0"/>
+      </a:effectRef>
+      <a:fontRef idx="minor">
+        <a:schemeClr val="lt1"/>
+      </a:fontRef>
+    </dgm:style>
+  </dgm:styleLbl>
+  <dgm:styleLbl name="fgImgPlace1">
+    <dgm:scene3d>
+      <a:camera prst="orthographicFront"/>
+      <a:lightRig rig="threePt" dir="t"/>
+    </dgm:scene3d>
+    <dgm:sp3d/>
+    <dgm:txPr/>
+    <dgm:style>
+      <a:lnRef idx="0">
+        <a:scrgbClr r="0" g="0" b="0"/>
+      </a:lnRef>
+      <a:fillRef idx="1">
+        <a:scrgbClr r="0" g="0" b="0"/>
+      </a:fillRef>
+      <a:effectRef idx="2">
+        <a:scrgbClr r="0" g="0" b="0"/>
+      </a:effectRef>
+      <a:fontRef idx="minor"/>
+    </dgm:style>
+  </dgm:styleLbl>
+  <dgm:styleLbl name="alignImgPlace1">
+    <dgm:scene3d>
+      <a:camera prst="orthographicFront"/>
+      <a:lightRig rig="threePt" dir="t"/>
+    </dgm:scene3d>
+    <dgm:sp3d/>
+    <dgm:txPr/>
+    <dgm:style>
+      <a:lnRef idx="0">
+        <a:scrgbClr r="0" g="0" b="0"/>
+      </a:lnRef>
+      <a:fillRef idx="1">
+        <a:scrgbClr r="0" g="0" b="0"/>
+      </a:fillRef>
+      <a:effectRef idx="2">
+        <a:scrgbClr r="0" g="0" b="0"/>
+      </a:effectRef>
+      <a:fontRef idx="minor"/>
+    </dgm:style>
+  </dgm:styleLbl>
+  <dgm:styleLbl name="bgImgPlace1">
+    <dgm:scene3d>
+      <a:camera prst="orthographicFront"/>
+      <a:lightRig rig="threePt" dir="t"/>
+    </dgm:scene3d>
+    <dgm:sp3d/>
+    <dgm:txPr/>
+    <dgm:style>
+      <a:lnRef idx="0">
+        <a:scrgbClr r="0" g="0" b="0"/>
+      </a:lnRef>
+      <a:fillRef idx="1">
+        <a:scrgbClr r="0" g="0" b="0"/>
+      </a:fillRef>
+      <a:effectRef idx="2">
+        <a:scrgbClr r="0" g="0" b="0"/>
+      </a:effectRef>
+      <a:fontRef idx="minor"/>
+    </dgm:style>
+  </dgm:styleLbl>
+  <dgm:styleLbl name="sibTrans2D1">
+    <dgm:scene3d>
+      <a:camera prst="orthographicFront"/>
+      <a:lightRig rig="threePt" dir="t"/>
+    </dgm:scene3d>
+    <dgm:sp3d/>
+    <dgm:txPr/>
+    <dgm:style>
+      <a:lnRef idx="0">
+        <a:scrgbClr r="0" g="0" b="0"/>
+      </a:lnRef>
+      <a:fillRef idx="3">
+        <a:scrgbClr r="0" g="0" b="0"/>
+      </a:fillRef>
+      <a:effectRef idx="2">
+        <a:scrgbClr r="0" g="0" b="0"/>
+      </a:effectRef>
+      <a:fontRef idx="minor">
+        <a:schemeClr val="lt1"/>
+      </a:fontRef>
+    </dgm:style>
+  </dgm:styleLbl>
+  <dgm:styleLbl name="fgSibTrans2D1">
+    <dgm:scene3d>
+      <a:camera prst="orthographicFront"/>
+      <a:lightRig rig="threePt" dir="t"/>
+    </dgm:scene3d>
+    <dgm:sp3d/>
+    <dgm:txPr/>
+    <dgm:style>
+      <a:lnRef idx="0">
+        <a:scrgbClr r="0" g="0" b="0"/>
+      </a:lnRef>
+      <a:fillRef idx="3">
+        <a:scrgbClr r="0" g="0" b="0"/>
+      </a:fillRef>
+      <a:effectRef idx="2">
+        <a:scrgbClr r="0" g="0" b="0"/>
+      </a:effectRef>
+      <a:fontRef idx="minor">
+        <a:schemeClr val="lt1"/>
+      </a:fontRef>
+    </dgm:style>
+  </dgm:styleLbl>
+  <dgm:styleLbl name="bgSibTrans2D1">
+    <dgm:scene3d>
+      <a:camera prst="orthographicFront"/>
+      <a:lightRig rig="threePt" dir="t"/>
+    </dgm:scene3d>
+    <dgm:sp3d/>
+    <dgm:txPr/>
+    <dgm:style>
+      <a:lnRef idx="0">
+        <a:scrgbClr r="0" g="0" b="0"/>
+      </a:lnRef>
+      <a:fillRef idx="3">
+        <a:scrgbClr r="0" g="0" b="0"/>
+      </a:fillRef>
+      <a:effectRef idx="2">
+        <a:scrgbClr r="0" g="0" b="0"/>
+      </a:effectRef>
+      <a:fontRef idx="minor">
+        <a:schemeClr val="lt1"/>
+      </a:fontRef>
+    </dgm:style>
+  </dgm:styleLbl>
+  <dgm:styleLbl name="sibTrans1D1">
+    <dgm:scene3d>
+      <a:camera prst="orthographicFront"/>
+      <a:lightRig rig="threePt" dir="t"/>
+    </dgm:scene3d>
+    <dgm:sp3d/>
+    <dgm:txPr/>
+    <dgm:style>
+      <a:lnRef idx="1">
+        <a:scrgbClr r="0" g="0" b="0"/>
+      </a:lnRef>
+      <a:fillRef idx="0">
+        <a:scrgbClr r="0" g="0" b="0"/>
+      </a:fillRef>
+      <a:effectRef idx="0">
+        <a:scrgbClr r="0" g="0" b="0"/>
+      </a:effectRef>
+      <a:fontRef idx="minor"/>
+    </dgm:style>
+  </dgm:styleLbl>
+  <dgm:styleLbl name="callout">
+    <dgm:scene3d>
+      <a:camera prst="orthographicFront"/>
+      <a:lightRig rig="threePt" dir="t"/>
+    </dgm:scene3d>
+    <dgm:sp3d/>
+    <dgm:txPr/>
+    <dgm:style>
+      <a:lnRef idx="2">
+        <a:scrgbClr r="0" g="0" b="0"/>
+      </a:lnRef>
+      <a:fillRef idx="1">
+        <a:scrgbClr r="0" g="0" b="0"/>
+      </a:fillRef>
+      <a:effectRef idx="1">
+        <a:scrgbClr r="0" g="0" b="0"/>
+      </a:effectRef>
+      <a:fontRef idx="minor"/>
+    </dgm:style>
+  </dgm:styleLbl>
+  <dgm:styleLbl name="asst0">
+    <dgm:scene3d>
+      <a:camera prst="orthographicFront"/>
+      <a:lightRig rig="threePt" dir="t"/>
+    </dgm:scene3d>
+    <dgm:sp3d/>
+    <dgm:txPr/>
+    <dgm:style>
+      <a:lnRef idx="0">
+        <a:scrgbClr r="0" g="0" b="0"/>
+      </a:lnRef>
+      <a:fillRef idx="3">
+        <a:scrgbClr r="0" g="0" b="0"/>
+      </a:fillRef>
+      <a:effectRef idx="2">
+        <a:scrgbClr r="0" g="0" b="0"/>
+      </a:effectRef>
+      <a:fontRef idx="minor">
+        <a:schemeClr val="lt1"/>
+      </a:fontRef>
+    </dgm:style>
+  </dgm:styleLbl>
+  <dgm:styleLbl name="asst1">
+    <dgm:scene3d>
+      <a:camera prst="orthographicFront"/>
+      <a:lightRig rig="threePt" dir="t"/>
+    </dgm:scene3d>
+    <dgm:sp3d/>
+    <dgm:txPr/>
+    <dgm:style>
+      <a:lnRef idx="0">
+        <a:scrgbClr r="0" g="0" b="0"/>
+      </a:lnRef>
+      <a:fillRef idx="3">
+        <a:scrgbClr r="0" g="0" b="0"/>
+      </a:fillRef>
+      <a:effectRef idx="2">
+        <a:scrgbClr r="0" g="0" b="0"/>
+      </a:effectRef>
+      <a:fontRef idx="minor">
+        <a:schemeClr val="lt1"/>
+      </a:fontRef>
+    </dgm:style>
+  </dgm:styleLbl>
+  <dgm:styleLbl name="asst2">
+    <dgm:scene3d>
+      <a:camera prst="orthographicFront"/>
+      <a:lightRig rig="threePt" dir="t"/>
+    </dgm:scene3d>
+    <dgm:sp3d/>
+    <dgm:txPr/>
+    <dgm:style>
+      <a:lnRef idx="0">
+        <a:scrgbClr r="0" g="0" b="0"/>
+      </a:lnRef>
+      <a:fillRef idx="3">
+        <a:scrgbClr r="0" g="0" b="0"/>
+      </a:fillRef>
+      <a:effectRef idx="2">
+        <a:scrgbClr r="0" g="0" b="0"/>
+      </a:effectRef>
+      <a:fontRef idx="minor">
+        <a:schemeClr val="lt1"/>
+      </a:fontRef>
+    </dgm:style>
+  </dgm:styleLbl>
+  <dgm:styleLbl name="asst3">
+    <dgm:scene3d>
+      <a:camera prst="orthographicFront"/>
+      <a:lightRig rig="threePt" dir="t"/>
+    </dgm:scene3d>
+    <dgm:sp3d/>
+    <dgm:txPr/>
+    <dgm:style>
+      <a:lnRef idx="0">
+        <a:scrgbClr r="0" g="0" b="0"/>
+      </a:lnRef>
+      <a:fillRef idx="3">
+        <a:scrgbClr r="0" g="0" b="0"/>
+      </a:fillRef>
+      <a:effectRef idx="2">
+        <a:scrgbClr r="0" g="0" b="0"/>
+      </a:effectRef>
+      <a:fontRef idx="minor">
+        <a:schemeClr val="lt1"/>
+      </a:fontRef>
+    </dgm:style>
+  </dgm:styleLbl>
+  <dgm:styleLbl name="asst4">
+    <dgm:scene3d>
+      <a:camera prst="orthographicFront"/>
+      <a:lightRig rig="threePt" dir="t"/>
+    </dgm:scene3d>
+    <dgm:sp3d/>
+    <dgm:txPr/>
+    <dgm:style>
+      <a:lnRef idx="0">
+        <a:scrgbClr r="0" g="0" b="0"/>
+      </a:lnRef>
+      <a:fillRef idx="3">
+        <a:scrgbClr r="0" g="0" b="0"/>
+      </a:fillRef>
+      <a:effectRef idx="2">
+        <a:scrgbClr r="0" g="0" b="0"/>
+      </a:effectRef>
+      <a:fontRef idx="minor">
+        <a:schemeClr val="lt1"/>
+      </a:fontRef>
+    </dgm:style>
+  </dgm:styleLbl>
+  <dgm:styleLbl name="parChTrans2D1">
+    <dgm:scene3d>
+      <a:camera prst="orthographicFront"/>
+      <a:lightRig rig="threePt" dir="t"/>
+    </dgm:scene3d>
+    <dgm:sp3d/>
+    <dgm:txPr/>
+    <dgm:style>
+      <a:lnRef idx="0">
+        <a:scrgbClr r="0" g="0" b="0"/>
+      </a:lnRef>
+      <a:fillRef idx="3">
+        <a:scrgbClr r="0" g="0" b="0"/>
+      </a:fillRef>
+      <a:effectRef idx="2">
+        <a:scrgbClr r="0" g="0" b="0"/>
+      </a:effectRef>
+      <a:fontRef idx="minor">
+        <a:schemeClr val="lt1"/>
+      </a:fontRef>
+    </dgm:style>
+  </dgm:styleLbl>
+  <dgm:styleLbl name="parChTrans2D2">
+    <dgm:scene3d>
+      <a:camera prst="orthographicFront"/>
+      <a:lightRig rig="threePt" dir="t"/>
+    </dgm:scene3d>
+    <dgm:sp3d/>
+    <dgm:txPr/>
+    <dgm:style>
+      <a:lnRef idx="0">
+        <a:scrgbClr r="0" g="0" b="0"/>
+      </a:lnRef>
+      <a:fillRef idx="3">
+        <a:scrgbClr r="0" g="0" b="0"/>
+      </a:fillRef>
+      <a:effectRef idx="2">
+        <a:scrgbClr r="0" g="0" b="0"/>
+      </a:effectRef>
+      <a:fontRef idx="minor">
+        <a:schemeClr val="lt1"/>
+      </a:fontRef>
+    </dgm:style>
+  </dgm:styleLbl>
+  <dgm:styleLbl name="parChTrans2D3">
+    <dgm:scene3d>
+      <a:camera prst="orthographicFront"/>
+      <a:lightRig rig="threePt" dir="t"/>
+    </dgm:scene3d>
+    <dgm:sp3d/>
+    <dgm:txPr/>
+    <dgm:style>
+      <a:lnRef idx="1">
+        <a:scrgbClr r="0" g="0" b="0"/>
+      </a:lnRef>
+      <a:fillRef idx="3">
+        <a:scrgbClr r="0" g="0" b="0"/>
+      </a:fillRef>
+      <a:effectRef idx="2">
+        <a:scrgbClr r="0" g="0" b="0"/>
+      </a:effectRef>
+      <a:fontRef idx="minor">
+        <a:schemeClr val="lt1"/>
+      </a:fontRef>
+    </dgm:style>
+  </dgm:styleLbl>
+  <dgm:styleLbl name="parChTrans2D4">
+    <dgm:scene3d>
+      <a:camera prst="orthographicFront"/>
+      <a:lightRig rig="threePt" dir="t"/>
+    </dgm:scene3d>
+    <dgm:sp3d/>
+    <dgm:txPr/>
+    <dgm:style>
+      <a:lnRef idx="1">
+        <a:scrgbClr r="0" g="0" b="0"/>
+      </a:lnRef>
+      <a:fillRef idx="3">
+        <a:scrgbClr r="0" g="0" b="0"/>
+      </a:fillRef>
+      <a:effectRef idx="2">
+        <a:scrgbClr r="0" g="0" b="0"/>
+      </a:effectRef>
+      <a:fontRef idx="minor">
+        <a:schemeClr val="lt1"/>
+      </a:fontRef>
+    </dgm:style>
+  </dgm:styleLbl>
+  <dgm:styleLbl name="parChTrans1D1">
+    <dgm:scene3d>
+      <a:camera prst="orthographicFront"/>
+      <a:lightRig rig="threePt" dir="t"/>
+    </dgm:scene3d>
+    <dgm:sp3d/>
+    <dgm:txPr/>
+    <dgm:style>
+      <a:lnRef idx="1">
+        <a:scrgbClr r="0" g="0" b="0"/>
+      </a:lnRef>
+      <a:fillRef idx="0">
+        <a:scrgbClr r="0" g="0" b="0"/>
+      </a:fillRef>
+      <a:effectRef idx="0">
+        <a:scrgbClr r="0" g="0" b="0"/>
+      </a:effectRef>
+      <a:fontRef idx="minor"/>
+    </dgm:style>
+  </dgm:styleLbl>
+  <dgm:styleLbl name="parChTrans1D2">
+    <dgm:scene3d>
+      <a:camera prst="orthographicFront"/>
+      <a:lightRig rig="threePt" dir="t"/>
+    </dgm:scene3d>
+    <dgm:sp3d/>
+    <dgm:txPr/>
+    <dgm:style>
+      <a:lnRef idx="1">
+        <a:scrgbClr r="0" g="0" b="0"/>
+      </a:lnRef>
+      <a:fillRef idx="0">
+        <a:scrgbClr r="0" g="0" b="0"/>
+      </a:fillRef>
+      <a:effectRef idx="0">
+        <a:scrgbClr r="0" g="0" b="0"/>
+      </a:effectRef>
+      <a:fontRef idx="minor"/>
+    </dgm:style>
+  </dgm:styleLbl>
+  <dgm:styleLbl name="parChTrans1D3">
+    <dgm:scene3d>
+      <a:camera prst="orthographicFront"/>
+      <a:lightRig rig="threePt" dir="t"/>
+    </dgm:scene3d>
+    <dgm:sp3d/>
+    <dgm:txPr/>
+    <dgm:style>
+      <a:lnRef idx="1">
+        <a:scrgbClr r="0" g="0" b="0"/>
+      </a:lnRef>
+      <a:fillRef idx="0">
+        <a:scrgbClr r="0" g="0" b="0"/>
+      </a:fillRef>
+      <a:effectRef idx="0">
+        <a:scrgbClr r="0" g="0" b="0"/>
+      </a:effectRef>
+      <a:fontRef idx="minor"/>
+    </dgm:style>
+  </dgm:styleLbl>
+  <dgm:styleLbl name="parChTrans1D4">
+    <dgm:scene3d>
+      <a:camera prst="orthographicFront"/>
+      <a:lightRig rig="threePt" dir="t"/>
+    </dgm:scene3d>
+    <dgm:sp3d/>
+    <dgm:txPr/>
+    <dgm:style>
+      <a:lnRef idx="1">
+        <a:scrgbClr r="0" g="0" b="0"/>
+      </a:lnRef>
+      <a:fillRef idx="0">
+        <a:scrgbClr r="0" g="0" b="0"/>
+      </a:fillRef>
+      <a:effectRef idx="0">
+        <a:scrgbClr r="0" g="0" b="0"/>
+      </a:effectRef>
+      <a:fontRef idx="minor"/>
+    </dgm:style>
+  </dgm:styleLbl>
+  <dgm:styleLbl name="fgAcc1">
+    <dgm:scene3d>
+      <a:camera prst="orthographicFront"/>
+      <a:lightRig rig="threePt" dir="t"/>
+    </dgm:scene3d>
+    <dgm:sp3d/>
+    <dgm:txPr/>
+    <dgm:style>
+      <a:lnRef idx="1">
+        <a:scrgbClr r="0" g="0" b="0"/>
+      </a:lnRef>
+      <a:fillRef idx="1">
+        <a:scrgbClr r="0" g="0" b="0"/>
+      </a:fillRef>
+      <a:effectRef idx="0">
+        <a:scrgbClr r="0" g="0" b="0"/>
+      </a:effectRef>
+      <a:fontRef idx="minor"/>
+    </dgm:style>
+  </dgm:styleLbl>
+  <dgm:styleLbl name="conFgAcc1">
+    <dgm:scene3d>
+      <a:camera prst="orthographicFront"/>
+      <a:lightRig rig="threePt" dir="t"/>
+    </dgm:scene3d>
+    <dgm:sp3d/>
+    <dgm:txPr/>
+    <dgm:style>
+      <a:lnRef idx="1">
+        <a:scrgbClr r="0" g="0" b="0"/>
+      </a:lnRef>
+      <a:fillRef idx="1">
+        <a:scrgbClr r="0" g="0" b="0"/>
+      </a:fillRef>
+      <a:effectRef idx="0">
+        <a:scrgbClr r="0" g="0" b="0"/>
+      </a:effectRef>
+      <a:fontRef idx="minor"/>
+    </dgm:style>
+  </dgm:styleLbl>
+  <dgm:styleLbl name="alignAcc1">
+    <dgm:scene3d>
+      <a:camera prst="orthographicFront"/>
+      <a:lightRig rig="threePt" dir="t"/>
+    </dgm:scene3d>
+    <dgm:sp3d/>
+    <dgm:txPr/>
+    <dgm:style>
+      <a:lnRef idx="1">
+        <a:scrgbClr r="0" g="0" b="0"/>
+      </a:lnRef>
+      <a:fillRef idx="1">
+        <a:scrgbClr r="0" g="0" b="0"/>
+      </a:fillRef>
+      <a:effectRef idx="0">
+        <a:scrgbClr r="0" g="0" b="0"/>
+      </a:effectRef>
+      <a:fontRef idx="minor"/>
+    </dgm:style>
+  </dgm:styleLbl>
+  <dgm:styleLbl name="trAlignAcc1">
+    <dgm:scene3d>
+      <a:camera prst="orthographicFront"/>
+      <a:lightRig rig="threePt" dir="t"/>
+    </dgm:scene3d>
+    <dgm:sp3d/>
+    <dgm:txPr/>
+    <dgm:style>
+      <a:lnRef idx="1">
+        <a:scrgbClr r="0" g="0" b="0"/>
+      </a:lnRef>
+      <a:fillRef idx="1">
+        <a:scrgbClr r="0" g="0" b="0"/>
+      </a:fillRef>
+      <a:effectRef idx="0">
+        <a:scrgbClr r="0" g="0" b="0"/>
+      </a:effectRef>
+      <a:fontRef idx="minor"/>
+    </dgm:style>
+  </dgm:styleLbl>
+  <dgm:styleLbl name="bgAcc1">
+    <dgm:scene3d>
+      <a:camera prst="orthographicFront"/>
+      <a:lightRig rig="threePt" dir="t"/>
+    </dgm:scene3d>
+    <dgm:sp3d/>
+    <dgm:txPr/>
+    <dgm:style>
+      <a:lnRef idx="1">
+        <a:scrgbClr r="0" g="0" b="0"/>
+      </a:lnRef>
+      <a:fillRef idx="1">
+        <a:scrgbClr r="0" g="0" b="0"/>
+      </a:fillRef>
+      <a:effectRef idx="0">
+        <a:scrgbClr r="0" g="0" b="0"/>
+      </a:effectRef>
+      <a:fontRef idx="minor"/>
+    </dgm:style>
+  </dgm:styleLbl>
+  <dgm:styleLbl name="solidFgAcc1">
+    <dgm:scene3d>
+      <a:camera prst="orthographicFront"/>
+      <a:lightRig rig="threePt" dir="t"/>
+    </dgm:scene3d>
+    <dgm:sp3d/>
+    <dgm:txPr/>
+    <dgm:style>
+      <a:lnRef idx="1">
+        <a:scrgbClr r="0" g="0" b="0"/>
+      </a:lnRef>
+      <a:fillRef idx="1">
+        <a:scrgbClr r="0" g="0" b="0"/>
+      </a:fillRef>
+      <a:effectRef idx="0">
+        <a:scrgbClr r="0" g="0" b="0"/>
+      </a:effectRef>
+      <a:fontRef idx="minor"/>
+    </dgm:style>
+  </dgm:styleLbl>
+  <dgm:styleLbl name="solidAlignAcc1">
+    <dgm:scene3d>
+      <a:camera prst="orthographicFront"/>
+      <a:lightRig rig="threePt" dir="t"/>
+    </dgm:scene3d>
+    <dgm:sp3d/>
+    <dgm:txPr/>
+    <dgm:style>
+      <a:lnRef idx="1">
+        <a:scrgbClr r="0" g="0" b="0"/>
+      </a:lnRef>
+      <a:fillRef idx="1">
+        <a:scrgbClr r="0" g="0" b="0"/>
+      </a:fillRef>
+      <a:effectRef idx="0">
+        <a:scrgbClr r="0" g="0" b="0"/>
+      </a:effectRef>
+      <a:fontRef idx="minor"/>
+    </dgm:style>
+  </dgm:styleLbl>
+  <dgm:styleLbl name="solidBgAcc1">
+    <dgm:scene3d>
+      <a:camera prst="orthographicFront"/>
+      <a:lightRig rig="threePt" dir="t"/>
+    </dgm:scene3d>
+    <dgm:sp3d/>
+    <dgm:txPr/>
+    <dgm:style>
+      <a:lnRef idx="1">
+        <a:scrgbClr r="0" g="0" b="0"/>
+      </a:lnRef>
+      <a:fillRef idx="1">
+        <a:scrgbClr r="0" g="0" b="0"/>
+      </a:fillRef>
+      <a:effectRef idx="0">
+        <a:scrgbClr r="0" g="0" b="0"/>
+      </a:effectRef>
+      <a:fontRef idx="minor"/>
+    </dgm:style>
+  </dgm:styleLbl>
+  <dgm:styleLbl name="fgAccFollowNode1">
+    <dgm:scene3d>
+      <a:camera prst="orthographicFront"/>
+      <a:lightRig rig="threePt" dir="t"/>
+    </dgm:scene3d>
+    <dgm:sp3d/>
+    <dgm:txPr/>
+    <dgm:style>
+      <a:lnRef idx="1">
+        <a:scrgbClr r="0" g="0" b="0"/>
+      </a:lnRef>
+      <a:fillRef idx="1">
+        <a:scrgbClr r="0" g="0" b="0"/>
+      </a:fillRef>
+      <a:effectRef idx="0">
+        <a:scrgbClr r="0" g="0" b="0"/>
+      </a:effectRef>
+      <a:fontRef idx="minor"/>
+    </dgm:style>
+  </dgm:styleLbl>
+  <dgm:styleLbl name="alignAccFollowNode1">
+    <dgm:scene3d>
+      <a:camera prst="orthographicFront"/>
+      <a:lightRig rig="threePt" dir="t"/>
+    </dgm:scene3d>
+    <dgm:sp3d/>
+    <dgm:txPr/>
+    <dgm:style>
+      <a:lnRef idx="1">
+        <a:scrgbClr r="0" g="0" b="0"/>
+      </a:lnRef>
+      <a:fillRef idx="1">
+        <a:scrgbClr r="0" g="0" b="0"/>
+      </a:fillRef>
+      <a:effectRef idx="0">
+        <a:scrgbClr r="0" g="0" b="0"/>
+      </a:effectRef>
+      <a:fontRef idx="minor"/>
+    </dgm:style>
+  </dgm:styleLbl>
+  <dgm:styleLbl name="bgAccFollowNode1">
+    <dgm:scene3d>
+      <a:camera prst="orthographicFront"/>
+      <a:lightRig rig="threePt" dir="t"/>
+    </dgm:scene3d>
+    <dgm:sp3d/>
+    <dgm:txPr/>
+    <dgm:style>
+      <a:lnRef idx="1">
+        <a:scrgbClr r="0" g="0" b="0"/>
+      </a:lnRef>
+      <a:fillRef idx="1">
+        <a:scrgbClr r="0" g="0" b="0"/>
+      </a:fillRef>
+      <a:effectRef idx="0">
+        <a:scrgbClr r="0" g="0" b="0"/>
+      </a:effectRef>
+      <a:fontRef idx="minor"/>
+    </dgm:style>
+  </dgm:styleLbl>
+  <dgm:styleLbl name="fgAcc0">
+    <dgm:scene3d>
+      <a:camera prst="orthographicFront"/>
+      <a:lightRig rig="threePt" dir="t"/>
+    </dgm:scene3d>
+    <dgm:sp3d/>
+    <dgm:txPr/>
+    <dgm:style>
+      <a:lnRef idx="1">
+        <a:scrgbClr r="0" g="0" b="0"/>
+      </a:lnRef>
+      <a:fillRef idx="1">
+        <a:scrgbClr r="0" g="0" b="0"/>
+      </a:fillRef>
+      <a:effectRef idx="0">
+        <a:scrgbClr r="0" g="0" b="0"/>
+      </a:effectRef>
+      <a:fontRef idx="minor"/>
+    </dgm:style>
+  </dgm:styleLbl>
+  <dgm:styleLbl name="fgAcc2">
+    <dgm:scene3d>
+      <a:camera prst="orthographicFront"/>
+      <a:lightRig rig="threePt" dir="t"/>
+    </dgm:scene3d>
+    <dgm:sp3d/>
+    <dgm:txPr/>
+    <dgm:style>
+      <a:lnRef idx="1">
+        <a:scrgbClr r="0" g="0" b="0"/>
+      </a:lnRef>
+      <a:fillRef idx="1">
+        <a:scrgbClr r="0" g="0" b="0"/>
+      </a:fillRef>
+      <a:effectRef idx="0">
+        <a:scrgbClr r="0" g="0" b="0"/>
+      </a:effectRef>
+      <a:fontRef idx="minor"/>
+    </dgm:style>
+  </dgm:styleLbl>
+  <dgm:styleLbl name="fgAcc3">
+    <dgm:scene3d>
+      <a:camera prst="orthographicFront"/>
+      <a:lightRig rig="threePt" dir="t"/>
+    </dgm:scene3d>
+    <dgm:sp3d/>
+    <dgm:txPr/>
+    <dgm:style>
+      <a:lnRef idx="1">
+        <a:scrgbClr r="0" g="0" b="0"/>
+      </a:lnRef>
+      <a:fillRef idx="1">
+        <a:scrgbClr r="0" g="0" b="0"/>
+      </a:fillRef>
+      <a:effectRef idx="0">
+        <a:scrgbClr r="0" g="0" b="0"/>
+      </a:effectRef>
+      <a:fontRef idx="minor"/>
+    </dgm:style>
+  </dgm:styleLbl>
+  <dgm:styleLbl name="fgAcc4">
+    <dgm:scene3d>
+      <a:camera prst="orthographicFront"/>
+      <a:lightRig rig="threePt" dir="t"/>
+    </dgm:scene3d>
+    <dgm:sp3d/>
+    <dgm:txPr/>
+    <dgm:style>
+      <a:lnRef idx="1">
+        <a:scrgbClr r="0" g="0" b="0"/>
+      </a:lnRef>
+      <a:fillRef idx="1">
+        <a:scrgbClr r="0" g="0" b="0"/>
+      </a:fillRef>
+      <a:effectRef idx="0">
+        <a:scrgbClr r="0" g="0" b="0"/>
+      </a:effectRef>
+      <a:fontRef idx="minor"/>
+    </dgm:style>
+  </dgm:styleLbl>
+  <dgm:styleLbl name="bgShp">
+    <dgm:scene3d>
+      <a:camera prst="orthographicFront"/>
+      <a:lightRig rig="threePt" dir="t"/>
+    </dgm:scene3d>
+    <dgm:sp3d/>
+    <dgm:txPr/>
+    <dgm:style>
+      <a:lnRef idx="0">
+        <a:scrgbClr r="0" g="0" b="0"/>
+      </a:lnRef>
+      <a:fillRef idx="1">
+        <a:scrgbClr r="0" g="0" b="0"/>
+      </a:fillRef>
+      <a:effectRef idx="2">
+        <a:scrgbClr r="0" g="0" b="0"/>
+      </a:effectRef>
+      <a:fontRef idx="minor"/>
+    </dgm:style>
+  </dgm:styleLbl>
+  <dgm:styleLbl name="dkBgShp">
+    <dgm:scene3d>
+      <a:camera prst="orthographicFront"/>
+      <a:lightRig rig="threePt" dir="t"/>
+    </dgm:scene3d>
+    <dgm:sp3d/>
+    <dgm:txPr/>
+    <dgm:style>
+      <a:lnRef idx="0">
+        <a:scrgbClr r="0" g="0" b="0"/>
+      </a:lnRef>
+      <a:fillRef idx="1">
+        <a:scrgbClr r="0" g="0" b="0"/>
+      </a:fillRef>
+      <a:effectRef idx="2">
+        <a:scrgbClr r="0" g="0" b="0"/>
+      </a:effectRef>
+      <a:fontRef idx="minor"/>
+    </dgm:style>
+  </dgm:styleLbl>
+  <dgm:styleLbl name="trBgShp">
+    <dgm:scene3d>
+      <a:camera prst="orthographicFront"/>
+      <a:lightRig rig="threePt" dir="t"/>
+    </dgm:scene3d>
+    <dgm:sp3d/>
+    <dgm:txPr/>
+    <dgm:style>
+      <a:lnRef idx="0">
+        <a:scrgbClr r="0" g="0" b="0"/>
+      </a:lnRef>
+      <a:fillRef idx="1">
+        <a:scrgbClr r="0" g="0" b="0"/>
+      </a:fillRef>
+      <a:effectRef idx="0">
+        <a:scrgbClr r="0" g="0" b="0"/>
+      </a:effectRef>
+      <a:fontRef idx="minor"/>
+    </dgm:style>
+  </dgm:styleLbl>
+  <dgm:styleLbl name="fgShp">
+    <dgm:scene3d>
+      <a:camera prst="orthographicFront"/>
+      <a:lightRig rig="threePt" dir="t"/>
+    </dgm:scene3d>
+    <dgm:sp3d/>
+    <dgm:txPr/>
+    <dgm:style>
+      <a:lnRef idx="0">
+        <a:scrgbClr r="0" g="0" b="0"/>
+      </a:lnRef>
+      <a:fillRef idx="3">
+        <a:scrgbClr r="0" g="0" b="0"/>
+      </a:fillRef>
+      <a:effectRef idx="2">
+        <a:scrgbClr r="0" g="0" b="0"/>
+      </a:effectRef>
+      <a:fontRef idx="minor"/>
+    </dgm:style>
+  </dgm:styleLbl>
+  <dgm:styleLbl name="revTx">
+    <dgm:scene3d>
+      <a:camera prst="orthographicFront"/>
+      <a:lightRig rig="threePt" dir="t"/>
+    </dgm:scene3d>
+    <dgm:sp3d/>
+    <dgm:txPr/>
+    <dgm:style>
+      <a:lnRef idx="0">
+        <a:scrgbClr r="0" g="0" b="0"/>
+      </a:lnRef>
+      <a:fillRef idx="0">
+        <a:scrgbClr r="0" g="0" b="0"/>
+      </a:fillRef>
+      <a:effectRef idx="0">
+        <a:scrgbClr r="0" g="0" b="0"/>
+      </a:effectRef>
+      <a:fontRef idx="minor"/>
+    </dgm:style>
+  </dgm:styleLbl>
+</dgm:styleDef>
+</file>
+
+<file path=ppt/diagrams/quickStyle2.xml><?xml version="1.0" encoding="utf-8"?>
+<dgm:styleDef xmlns:dgm="http://schemas.openxmlformats.org/drawingml/2006/diagram" xmlns:a="http://schemas.openxmlformats.org/drawingml/2006/main" uniqueId="urn:microsoft.com/office/officeart/2005/8/quickstyle/simple4">
+  <dgm:title val=""/>
+  <dgm:desc val=""/>
+  <dgm:catLst>
+    <dgm:cat type="simple" pri="10400"/>
+  </dgm:catLst>
+  <dgm:scene3d>
+    <a:camera prst="orthographicFront"/>
+    <a:lightRig rig="threePt" dir="t"/>
+  </dgm:scene3d>
+  <dgm:styleLbl name="node0">
+    <dgm:scene3d>
+      <a:camera prst="orthographicFront"/>
+      <a:lightRig rig="threePt" dir="t"/>
+    </dgm:scene3d>
+    <dgm:sp3d/>
+    <dgm:txPr/>
+    <dgm:style>
+      <a:lnRef idx="0">
+        <a:scrgbClr r="0" g="0" b="0"/>
+      </a:lnRef>
+      <a:fillRef idx="3">
+        <a:scrgbClr r="0" g="0" b="0"/>
+      </a:fillRef>
+      <a:effectRef idx="2">
+        <a:scrgbClr r="0" g="0" b="0"/>
+      </a:effectRef>
+      <a:fontRef idx="minor">
+        <a:schemeClr val="lt1"/>
+      </a:fontRef>
+    </dgm:style>
+  </dgm:styleLbl>
+  <dgm:styleLbl name="lnNode1">
+    <dgm:scene3d>
+      <a:camera prst="orthographicFront"/>
+      <a:lightRig rig="threePt" dir="t"/>
+    </dgm:scene3d>
+    <dgm:sp3d/>
+    <dgm:txPr/>
+    <dgm:style>
+      <a:lnRef idx="1">
+        <a:scrgbClr r="0" g="0" b="0"/>
+      </a:lnRef>
+      <a:fillRef idx="3">
+        <a:scrgbClr r="0" g="0" b="0"/>
+      </a:fillRef>
+      <a:effectRef idx="2">
+        <a:scrgbClr r="0" g="0" b="0"/>
+      </a:effectRef>
+      <a:fontRef idx="minor">
+        <a:schemeClr val="lt1"/>
+      </a:fontRef>
+    </dgm:style>
+  </dgm:styleLbl>
+  <dgm:styleLbl name="vennNode1">
+    <dgm:scene3d>
+      <a:camera prst="orthographicFront"/>
+      <a:lightRig rig="threePt" dir="t"/>
+    </dgm:scene3d>
+    <dgm:sp3d/>
+    <dgm:txPr/>
+    <dgm:style>
+      <a:lnRef idx="0">
+        <a:scrgbClr r="0" g="0" b="0"/>
+      </a:lnRef>
+      <a:fillRef idx="3">
+        <a:scrgbClr r="0" g="0" b="0"/>
+      </a:fillRef>
+      <a:effectRef idx="0">
+        <a:scrgbClr r="0" g="0" b="0"/>
+      </a:effectRef>
+      <a:fontRef idx="minor">
+        <a:schemeClr val="tx1"/>
+      </a:fontRef>
+    </dgm:style>
+  </dgm:styleLbl>
+  <dgm:styleLbl name="alignNode1">
+    <dgm:scene3d>
+      <a:camera prst="orthographicFront"/>
+      <a:lightRig rig="threePt" dir="t"/>
+    </dgm:scene3d>
+    <dgm:sp3d/>
+    <dgm:txPr/>
+    <dgm:style>
+      <a:lnRef idx="1">
+        <a:scrgbClr r="0" g="0" b="0"/>
+      </a:lnRef>
+      <a:fillRef idx="3">
+        <a:scrgbClr r="0" g="0" b="0"/>
+      </a:fillRef>
+      <a:effectRef idx="2">
+        <a:scrgbClr r="0" g="0" b="0"/>
+      </a:effectRef>
+      <a:fontRef idx="minor">
+        <a:schemeClr val="lt1"/>
+      </a:fontRef>
+    </dgm:style>
+  </dgm:styleLbl>
+  <dgm:styleLbl name="node1">
+    <dgm:scene3d>
+      <a:camera prst="orthographicFront"/>
+      <a:lightRig rig="threePt" dir="t"/>
+    </dgm:scene3d>
+    <dgm:sp3d/>
+    <dgm:txPr/>
+    <dgm:style>
+      <a:lnRef idx="0">
+        <a:scrgbClr r="0" g="0" b="0"/>
+      </a:lnRef>
+      <a:fillRef idx="3">
+        <a:scrgbClr r="0" g="0" b="0"/>
+      </a:fillRef>
+      <a:effectRef idx="2">
+        <a:scrgbClr r="0" g="0" b="0"/>
+      </a:effectRef>
+      <a:fontRef idx="minor">
+        <a:schemeClr val="lt1"/>
+      </a:fontRef>
+    </dgm:style>
+  </dgm:styleLbl>
+  <dgm:styleLbl name="node2">
+    <dgm:scene3d>
+      <a:camera prst="orthographicFront"/>
+      <a:lightRig rig="threePt" dir="t"/>
+    </dgm:scene3d>
+    <dgm:sp3d/>
+    <dgm:txPr/>
+    <dgm:style>
+      <a:lnRef idx="0">
+        <a:scrgbClr r="0" g="0" b="0"/>
+      </a:lnRef>
+      <a:fillRef idx="3">
+        <a:scrgbClr r="0" g="0" b="0"/>
+      </a:fillRef>
+      <a:effectRef idx="2">
+        <a:scrgbClr r="0" g="0" b="0"/>
+      </a:effectRef>
+      <a:fontRef idx="minor">
+        <a:schemeClr val="lt1"/>
+      </a:fontRef>
+    </dgm:style>
+  </dgm:styleLbl>
+  <dgm:styleLbl name="node3">
+    <dgm:scene3d>
+      <a:camera prst="orthographicFront"/>
+      <a:lightRig rig="threePt" dir="t"/>
+    </dgm:scene3d>
+    <dgm:sp3d/>
+    <dgm:txPr/>
+    <dgm:style>
+      <a:lnRef idx="0">
+        <a:scrgbClr r="0" g="0" b="0"/>
+      </a:lnRef>
+      <a:fillRef idx="3">
+        <a:scrgbClr r="0" g="0" b="0"/>
+      </a:fillRef>
+      <a:effectRef idx="2">
+        <a:scrgbClr r="0" g="0" b="0"/>
+      </a:effectRef>
+      <a:fontRef idx="minor">
+        <a:schemeClr val="lt1"/>
+      </a:fontRef>
+    </dgm:style>
+  </dgm:styleLbl>
+  <dgm:styleLbl name="node4">
+    <dgm:scene3d>
+      <a:camera prst="orthographicFront"/>
+      <a:lightRig rig="threePt" dir="t"/>
+    </dgm:scene3d>
+    <dgm:sp3d/>
+    <dgm:txPr/>
+    <dgm:style>
+      <a:lnRef idx="0">
+        <a:scrgbClr r="0" g="0" b="0"/>
+      </a:lnRef>
+      <a:fillRef idx="3">
+        <a:scrgbClr r="0" g="0" b="0"/>
+      </a:fillRef>
+      <a:effectRef idx="2">
+        <a:scrgbClr r="0" g="0" b="0"/>
+      </a:effectRef>
+      <a:fontRef idx="minor">
+        <a:schemeClr val="lt1"/>
+      </a:fontRef>
+    </dgm:style>
+  </dgm:styleLbl>
+  <dgm:styleLbl name="fgImgPlace1">
+    <dgm:scene3d>
+      <a:camera prst="orthographicFront"/>
+      <a:lightRig rig="threePt" dir="t"/>
+    </dgm:scene3d>
+    <dgm:sp3d/>
+    <dgm:txPr/>
+    <dgm:style>
+      <a:lnRef idx="0">
+        <a:scrgbClr r="0" g="0" b="0"/>
+      </a:lnRef>
+      <a:fillRef idx="1">
+        <a:scrgbClr r="0" g="0" b="0"/>
+      </a:fillRef>
+      <a:effectRef idx="2">
+        <a:scrgbClr r="0" g="0" b="0"/>
+      </a:effectRef>
+      <a:fontRef idx="minor"/>
+    </dgm:style>
+  </dgm:styleLbl>
+  <dgm:styleLbl name="alignImgPlace1">
+    <dgm:scene3d>
+      <a:camera prst="orthographicFront"/>
+      <a:lightRig rig="threePt" dir="t"/>
+    </dgm:scene3d>
+    <dgm:sp3d/>
+    <dgm:txPr/>
+    <dgm:style>
+      <a:lnRef idx="0">
+        <a:scrgbClr r="0" g="0" b="0"/>
+      </a:lnRef>
+      <a:fillRef idx="1">
+        <a:scrgbClr r="0" g="0" b="0"/>
+      </a:fillRef>
+      <a:effectRef idx="2">
+        <a:scrgbClr r="0" g="0" b="0"/>
+      </a:effectRef>
+      <a:fontRef idx="minor"/>
+    </dgm:style>
+  </dgm:styleLbl>
+  <dgm:styleLbl name="bgImgPlace1">
+    <dgm:scene3d>
+      <a:camera prst="orthographicFront"/>
+      <a:lightRig rig="threePt" dir="t"/>
+    </dgm:scene3d>
+    <dgm:sp3d/>
+    <dgm:txPr/>
+    <dgm:style>
+      <a:lnRef idx="0">
+        <a:scrgbClr r="0" g="0" b="0"/>
+      </a:lnRef>
+      <a:fillRef idx="1">
+        <a:scrgbClr r="0" g="0" b="0"/>
+      </a:fillRef>
+      <a:effectRef idx="2">
+        <a:scrgbClr r="0" g="0" b="0"/>
+      </a:effectRef>
+      <a:fontRef idx="minor"/>
+    </dgm:style>
+  </dgm:styleLbl>
+  <dgm:styleLbl name="sibTrans2D1">
+    <dgm:scene3d>
+      <a:camera prst="orthographicFront"/>
+      <a:lightRig rig="threePt" dir="t"/>
+    </dgm:scene3d>
+    <dgm:sp3d/>
+    <dgm:txPr/>
+    <dgm:style>
+      <a:lnRef idx="0">
+        <a:scrgbClr r="0" g="0" b="0"/>
+      </a:lnRef>
+      <a:fillRef idx="3">
+        <a:scrgbClr r="0" g="0" b="0"/>
+      </a:fillRef>
+      <a:effectRef idx="2">
+        <a:scrgbClr r="0" g="0" b="0"/>
+      </a:effectRef>
+      <a:fontRef idx="minor">
+        <a:schemeClr val="lt1"/>
+      </a:fontRef>
+    </dgm:style>
+  </dgm:styleLbl>
+  <dgm:styleLbl name="fgSibTrans2D1">
+    <dgm:scene3d>
+      <a:camera prst="orthographicFront"/>
+      <a:lightRig rig="threePt" dir="t"/>
+    </dgm:scene3d>
+    <dgm:sp3d/>
+    <dgm:txPr/>
+    <dgm:style>
+      <a:lnRef idx="0">
+        <a:scrgbClr r="0" g="0" b="0"/>
+      </a:lnRef>
+      <a:fillRef idx="3">
+        <a:scrgbClr r="0" g="0" b="0"/>
+      </a:fillRef>
+      <a:effectRef idx="2">
+        <a:scrgbClr r="0" g="0" b="0"/>
+      </a:effectRef>
+      <a:fontRef idx="minor">
+        <a:schemeClr val="lt1"/>
+      </a:fontRef>
+    </dgm:style>
+  </dgm:styleLbl>
+  <dgm:styleLbl name="bgSibTrans2D1">
+    <dgm:scene3d>
+      <a:camera prst="orthographicFront"/>
+      <a:lightRig rig="threePt" dir="t"/>
+    </dgm:scene3d>
+    <dgm:sp3d/>
+    <dgm:txPr/>
+    <dgm:style>
+      <a:lnRef idx="0">
+        <a:scrgbClr r="0" g="0" b="0"/>
+      </a:lnRef>
+      <a:fillRef idx="3">
+        <a:scrgbClr r="0" g="0" b="0"/>
+      </a:fillRef>
+      <a:effectRef idx="2">
+        <a:scrgbClr r="0" g="0" b="0"/>
+      </a:effectRef>
+      <a:fontRef idx="minor">
+        <a:schemeClr val="lt1"/>
+      </a:fontRef>
+    </dgm:style>
+  </dgm:styleLbl>
+  <dgm:styleLbl name="sibTrans1D1">
+    <dgm:scene3d>
+      <a:camera prst="orthographicFront"/>
+      <a:lightRig rig="threePt" dir="t"/>
+    </dgm:scene3d>
+    <dgm:sp3d/>
+    <dgm:txPr/>
+    <dgm:style>
+      <a:lnRef idx="1">
+        <a:scrgbClr r="0" g="0" b="0"/>
+      </a:lnRef>
+      <a:fillRef idx="0">
+        <a:scrgbClr r="0" g="0" b="0"/>
+      </a:fillRef>
+      <a:effectRef idx="0">
+        <a:scrgbClr r="0" g="0" b="0"/>
+      </a:effectRef>
+      <a:fontRef idx="minor"/>
+    </dgm:style>
+  </dgm:styleLbl>
+  <dgm:styleLbl name="callout">
+    <dgm:scene3d>
+      <a:camera prst="orthographicFront"/>
+      <a:lightRig rig="threePt" dir="t"/>
+    </dgm:scene3d>
+    <dgm:sp3d/>
+    <dgm:txPr/>
+    <dgm:style>
+      <a:lnRef idx="2">
+        <a:scrgbClr r="0" g="0" b="0"/>
+      </a:lnRef>
+      <a:fillRef idx="1">
+        <a:scrgbClr r="0" g="0" b="0"/>
+      </a:fillRef>
+      <a:effectRef idx="1">
+        <a:scrgbClr r="0" g="0" b="0"/>
+      </a:effectRef>
+      <a:fontRef idx="minor"/>
+    </dgm:style>
+  </dgm:styleLbl>
+  <dgm:styleLbl name="asst0">
+    <dgm:scene3d>
+      <a:camera prst="orthographicFront"/>
+      <a:lightRig rig="threePt" dir="t"/>
+    </dgm:scene3d>
+    <dgm:sp3d/>
+    <dgm:txPr/>
+    <dgm:style>
+      <a:lnRef idx="0">
+        <a:scrgbClr r="0" g="0" b="0"/>
+      </a:lnRef>
+      <a:fillRef idx="3">
+        <a:scrgbClr r="0" g="0" b="0"/>
+      </a:fillRef>
+      <a:effectRef idx="2">
+        <a:scrgbClr r="0" g="0" b="0"/>
+      </a:effectRef>
+      <a:fontRef idx="minor">
+        <a:schemeClr val="lt1"/>
+      </a:fontRef>
+    </dgm:style>
+  </dgm:styleLbl>
+  <dgm:styleLbl name="asst1">
+    <dgm:scene3d>
+      <a:camera prst="orthographicFront"/>
+      <a:lightRig rig="threePt" dir="t"/>
+    </dgm:scene3d>
+    <dgm:sp3d/>
+    <dgm:txPr/>
+    <dgm:style>
+      <a:lnRef idx="0">
+        <a:scrgbClr r="0" g="0" b="0"/>
+      </a:lnRef>
+      <a:fillRef idx="3">
+        <a:scrgbClr r="0" g="0" b="0"/>
+      </a:fillRef>
+      <a:effectRef idx="2">
+        <a:scrgbClr r="0" g="0" b="0"/>
+      </a:effectRef>
+      <a:fontRef idx="minor">
+        <a:schemeClr val="lt1"/>
+      </a:fontRef>
+    </dgm:style>
+  </dgm:styleLbl>
+  <dgm:styleLbl name="asst2">
+    <dgm:scene3d>
+      <a:camera prst="orthographicFront"/>
+      <a:lightRig rig="threePt" dir="t"/>
+    </dgm:scene3d>
+    <dgm:sp3d/>
+    <dgm:txPr/>
+    <dgm:style>
+      <a:lnRef idx="0">
+        <a:scrgbClr r="0" g="0" b="0"/>
+      </a:lnRef>
+      <a:fillRef idx="3">
+        <a:scrgbClr r="0" g="0" b="0"/>
+      </a:fillRef>
+      <a:effectRef idx="2">
+        <a:scrgbClr r="0" g="0" b="0"/>
+      </a:effectRef>
+      <a:fontRef idx="minor">
+        <a:schemeClr val="lt1"/>
+      </a:fontRef>
+    </dgm:style>
+  </dgm:styleLbl>
+  <dgm:styleLbl name="asst3">
+    <dgm:scene3d>
+      <a:camera prst="orthographicFront"/>
+      <a:lightRig rig="threePt" dir="t"/>
+    </dgm:scene3d>
+    <dgm:sp3d/>
+    <dgm:txPr/>
+    <dgm:style>
+      <a:lnRef idx="0">
+        <a:scrgbClr r="0" g="0" b="0"/>
+      </a:lnRef>
+      <a:fillRef idx="3">
+        <a:scrgbClr r="0" g="0" b="0"/>
+      </a:fillRef>
+      <a:effectRef idx="2">
+        <a:scrgbClr r="0" g="0" b="0"/>
+      </a:effectRef>
+      <a:fontRef idx="minor">
+        <a:schemeClr val="lt1"/>
+      </a:fontRef>
+    </dgm:style>
+  </dgm:styleLbl>
+  <dgm:styleLbl name="asst4">
+    <dgm:scene3d>
+      <a:camera prst="orthographicFront"/>
+      <a:lightRig rig="threePt" dir="t"/>
+    </dgm:scene3d>
+    <dgm:sp3d/>
+    <dgm:txPr/>
+    <dgm:style>
+      <a:lnRef idx="0">
+        <a:scrgbClr r="0" g="0" b="0"/>
+      </a:lnRef>
+      <a:fillRef idx="3">
+        <a:scrgbClr r="0" g="0" b="0"/>
+      </a:fillRef>
+      <a:effectRef idx="2">
+        <a:scrgbClr r="0" g="0" b="0"/>
+      </a:effectRef>
+      <a:fontRef idx="minor">
+        <a:schemeClr val="lt1"/>
+      </a:fontRef>
+    </dgm:style>
+  </dgm:styleLbl>
+  <dgm:styleLbl name="parChTrans2D1">
+    <dgm:scene3d>
+      <a:camera prst="orthographicFront"/>
+      <a:lightRig rig="threePt" dir="t"/>
+    </dgm:scene3d>
+    <dgm:sp3d/>
+    <dgm:txPr/>
+    <dgm:style>
+      <a:lnRef idx="0">
+        <a:scrgbClr r="0" g="0" b="0"/>
+      </a:lnRef>
+      <a:fillRef idx="3">
+        <a:scrgbClr r="0" g="0" b="0"/>
+      </a:fillRef>
+      <a:effectRef idx="2">
+        <a:scrgbClr r="0" g="0" b="0"/>
+      </a:effectRef>
+      <a:fontRef idx="minor">
+        <a:schemeClr val="lt1"/>
+      </a:fontRef>
+    </dgm:style>
+  </dgm:styleLbl>
+  <dgm:styleLbl name="parChTrans2D2">
+    <dgm:scene3d>
+      <a:camera prst="orthographicFront"/>
+      <a:lightRig rig="threePt" dir="t"/>
+    </dgm:scene3d>
+    <dgm:sp3d/>
+    <dgm:txPr/>
+    <dgm:style>
+      <a:lnRef idx="0">
+        <a:scrgbClr r="0" g="0" b="0"/>
+      </a:lnRef>
+      <a:fillRef idx="3">
+        <a:scrgbClr r="0" g="0" b="0"/>
+      </a:fillRef>
+      <a:effectRef idx="2">
+        <a:scrgbClr r="0" g="0" b="0"/>
+      </a:effectRef>
+      <a:fontRef idx="minor">
+        <a:schemeClr val="lt1"/>
+      </a:fontRef>
+    </dgm:style>
+  </dgm:styleLbl>
+  <dgm:styleLbl name="parChTrans2D3">
+    <dgm:scene3d>
+      <a:camera prst="orthographicFront"/>
+      <a:lightRig rig="threePt" dir="t"/>
+    </dgm:scene3d>
+    <dgm:sp3d/>
+    <dgm:txPr/>
+    <dgm:style>
+      <a:lnRef idx="1">
+        <a:scrgbClr r="0" g="0" b="0"/>
+      </a:lnRef>
+      <a:fillRef idx="3">
+        <a:scrgbClr r="0" g="0" b="0"/>
+      </a:fillRef>
+      <a:effectRef idx="2">
+        <a:scrgbClr r="0" g="0" b="0"/>
+      </a:effectRef>
+      <a:fontRef idx="minor">
+        <a:schemeClr val="lt1"/>
+      </a:fontRef>
+    </dgm:style>
+  </dgm:styleLbl>
+  <dgm:styleLbl name="parChTrans2D4">
+    <dgm:scene3d>
+      <a:camera prst="orthographicFront"/>
+      <a:lightRig rig="threePt" dir="t"/>
+    </dgm:scene3d>
+    <dgm:sp3d/>
+    <dgm:txPr/>
+    <dgm:style>
+      <a:lnRef idx="1">
+        <a:scrgbClr r="0" g="0" b="0"/>
+      </a:lnRef>
+      <a:fillRef idx="3">
+        <a:scrgbClr r="0" g="0" b="0"/>
+      </a:fillRef>
+      <a:effectRef idx="2">
+        <a:scrgbClr r="0" g="0" b="0"/>
+      </a:effectRef>
+      <a:fontRef idx="minor">
+        <a:schemeClr val="lt1"/>
+      </a:fontRef>
+    </dgm:style>
+  </dgm:styleLbl>
+  <dgm:styleLbl name="parChTrans1D1">
+    <dgm:scene3d>
+      <a:camera prst="orthographicFront"/>
+      <a:lightRig rig="threePt" dir="t"/>
+    </dgm:scene3d>
+    <dgm:sp3d/>
+    <dgm:txPr/>
+    <dgm:style>
+      <a:lnRef idx="1">
+        <a:scrgbClr r="0" g="0" b="0"/>
+      </a:lnRef>
+      <a:fillRef idx="0">
+        <a:scrgbClr r="0" g="0" b="0"/>
+      </a:fillRef>
+      <a:effectRef idx="0">
+        <a:scrgbClr r="0" g="0" b="0"/>
+      </a:effectRef>
+      <a:fontRef idx="minor"/>
+    </dgm:style>
+  </dgm:styleLbl>
+  <dgm:styleLbl name="parChTrans1D2">
+    <dgm:scene3d>
+      <a:camera prst="orthographicFront"/>
+      <a:lightRig rig="threePt" dir="t"/>
+    </dgm:scene3d>
+    <dgm:sp3d/>
+    <dgm:txPr/>
+    <dgm:style>
+      <a:lnRef idx="1">
+        <a:scrgbClr r="0" g="0" b="0"/>
+      </a:lnRef>
+      <a:fillRef idx="0">
+        <a:scrgbClr r="0" g="0" b="0"/>
+      </a:fillRef>
+      <a:effectRef idx="0">
+        <a:scrgbClr r="0" g="0" b="0"/>
+      </a:effectRef>
+      <a:fontRef idx="minor"/>
+    </dgm:style>
+  </dgm:styleLbl>
+  <dgm:styleLbl name="parChTrans1D3">
+    <dgm:scene3d>
+      <a:camera prst="orthographicFront"/>
+      <a:lightRig rig="threePt" dir="t"/>
+    </dgm:scene3d>
+    <dgm:sp3d/>
+    <dgm:txPr/>
+    <dgm:style>
+      <a:lnRef idx="1">
+        <a:scrgbClr r="0" g="0" b="0"/>
+      </a:lnRef>
+      <a:fillRef idx="0">
+        <a:scrgbClr r="0" g="0" b="0"/>
+      </a:fillRef>
+      <a:effectRef idx="0">
+        <a:scrgbClr r="0" g="0" b="0"/>
+      </a:effectRef>
+      <a:fontRef idx="minor"/>
+    </dgm:style>
+  </dgm:styleLbl>
+  <dgm:styleLbl name="parChTrans1D4">
+    <dgm:scene3d>
+      <a:camera prst="orthographicFront"/>
+      <a:lightRig rig="threePt" dir="t"/>
+    </dgm:scene3d>
+    <dgm:sp3d/>
+    <dgm:txPr/>
+    <dgm:style>
+      <a:lnRef idx="1">
+        <a:scrgbClr r="0" g="0" b="0"/>
+      </a:lnRef>
+      <a:fillRef idx="0">
+        <a:scrgbClr r="0" g="0" b="0"/>
+      </a:fillRef>
+      <a:effectRef idx="0">
+        <a:scrgbClr r="0" g="0" b="0"/>
+      </a:effectRef>
+      <a:fontRef idx="minor"/>
+    </dgm:style>
+  </dgm:styleLbl>
+  <dgm:styleLbl name="fgAcc1">
+    <dgm:scene3d>
+      <a:camera prst="orthographicFront"/>
+      <a:lightRig rig="threePt" dir="t"/>
+    </dgm:scene3d>
+    <dgm:sp3d/>
+    <dgm:txPr/>
+    <dgm:style>
+      <a:lnRef idx="1">
+        <a:scrgbClr r="0" g="0" b="0"/>
+      </a:lnRef>
+      <a:fillRef idx="1">
+        <a:scrgbClr r="0" g="0" b="0"/>
+      </a:fillRef>
+      <a:effectRef idx="0">
+        <a:scrgbClr r="0" g="0" b="0"/>
+      </a:effectRef>
+      <a:fontRef idx="minor"/>
+    </dgm:style>
+  </dgm:styleLbl>
+  <dgm:styleLbl name="conFgAcc1">
+    <dgm:scene3d>
+      <a:camera prst="orthographicFront"/>
+      <a:lightRig rig="threePt" dir="t"/>
+    </dgm:scene3d>
+    <dgm:sp3d/>
+    <dgm:txPr/>
+    <dgm:style>
+      <a:lnRef idx="1">
+        <a:scrgbClr r="0" g="0" b="0"/>
+      </a:lnRef>
+      <a:fillRef idx="1">
+        <a:scrgbClr r="0" g="0" b="0"/>
+      </a:fillRef>
+      <a:effectRef idx="0">
+        <a:scrgbClr r="0" g="0" b="0"/>
+      </a:effectRef>
+      <a:fontRef idx="minor"/>
+    </dgm:style>
+  </dgm:styleLbl>
+  <dgm:styleLbl name="alignAcc1">
+    <dgm:scene3d>
+      <a:camera prst="orthographicFront"/>
+      <a:lightRig rig="threePt" dir="t"/>
+    </dgm:scene3d>
+    <dgm:sp3d/>
+    <dgm:txPr/>
+    <dgm:style>
+      <a:lnRef idx="1">
+        <a:scrgbClr r="0" g="0" b="0"/>
+      </a:lnRef>
+      <a:fillRef idx="1">
+        <a:scrgbClr r="0" g="0" b="0"/>
+      </a:fillRef>
+      <a:effectRef idx="0">
+        <a:scrgbClr r="0" g="0" b="0"/>
+      </a:effectRef>
+      <a:fontRef idx="minor"/>
+    </dgm:style>
+  </dgm:styleLbl>
+  <dgm:styleLbl name="trAlignAcc1">
+    <dgm:scene3d>
+      <a:camera prst="orthographicFront"/>
+      <a:lightRig rig="threePt" dir="t"/>
+    </dgm:scene3d>
+    <dgm:sp3d/>
+    <dgm:txPr/>
+    <dgm:style>
+      <a:lnRef idx="1">
+        <a:scrgbClr r="0" g="0" b="0"/>
+      </a:lnRef>
+      <a:fillRef idx="1">
+        <a:scrgbClr r="0" g="0" b="0"/>
+      </a:fillRef>
+      <a:effectRef idx="0">
+        <a:scrgbClr r="0" g="0" b="0"/>
+      </a:effectRef>
+      <a:fontRef idx="minor"/>
+    </dgm:style>
+  </dgm:styleLbl>
+  <dgm:styleLbl name="bgAcc1">
+    <dgm:scene3d>
+      <a:camera prst="orthographicFront"/>
+      <a:lightRig rig="threePt" dir="t"/>
+    </dgm:scene3d>
+    <dgm:sp3d/>
+    <dgm:txPr/>
+    <dgm:style>
+      <a:lnRef idx="1">
+        <a:scrgbClr r="0" g="0" b="0"/>
+      </a:lnRef>
+      <a:fillRef idx="1">
+        <a:scrgbClr r="0" g="0" b="0"/>
+      </a:fillRef>
+      <a:effectRef idx="0">
+        <a:scrgbClr r="0" g="0" b="0"/>
+      </a:effectRef>
+      <a:fontRef idx="minor"/>
+    </dgm:style>
+  </dgm:styleLbl>
+  <dgm:styleLbl name="solidFgAcc1">
+    <dgm:scene3d>
+      <a:camera prst="orthographicFront"/>
+      <a:lightRig rig="threePt" dir="t"/>
+    </dgm:scene3d>
+    <dgm:sp3d/>
+    <dgm:txPr/>
+    <dgm:style>
+      <a:lnRef idx="1">
+        <a:scrgbClr r="0" g="0" b="0"/>
+      </a:lnRef>
+      <a:fillRef idx="1">
+        <a:scrgbClr r="0" g="0" b="0"/>
+      </a:fillRef>
+      <a:effectRef idx="0">
+        <a:scrgbClr r="0" g="0" b="0"/>
+      </a:effectRef>
+      <a:fontRef idx="minor"/>
+    </dgm:style>
+  </dgm:styleLbl>
+  <dgm:styleLbl name="solidAlignAcc1">
+    <dgm:scene3d>
+      <a:camera prst="orthographicFront"/>
+      <a:lightRig rig="threePt" dir="t"/>
+    </dgm:scene3d>
+    <dgm:sp3d/>
+    <dgm:txPr/>
+    <dgm:style>
+      <a:lnRef idx="1">
+        <a:scrgbClr r="0" g="0" b="0"/>
+      </a:lnRef>
+      <a:fillRef idx="1">
+        <a:scrgbClr r="0" g="0" b="0"/>
+      </a:fillRef>
+      <a:effectRef idx="0">
+        <a:scrgbClr r="0" g="0" b="0"/>
+      </a:effectRef>
+      <a:fontRef idx="minor"/>
+    </dgm:style>
+  </dgm:styleLbl>
+  <dgm:styleLbl name="solidBgAcc1">
+    <dgm:scene3d>
+      <a:camera prst="orthographicFront"/>
+      <a:lightRig rig="threePt" dir="t"/>
+    </dgm:scene3d>
+    <dgm:sp3d/>
+    <dgm:txPr/>
+    <dgm:style>
+      <a:lnRef idx="1">
+        <a:scrgbClr r="0" g="0" b="0"/>
+      </a:lnRef>
+      <a:fillRef idx="1">
+        <a:scrgbClr r="0" g="0" b="0"/>
+      </a:fillRef>
+      <a:effectRef idx="0">
+        <a:scrgbClr r="0" g="0" b="0"/>
+      </a:effectRef>
+      <a:fontRef idx="minor"/>
+    </dgm:style>
+  </dgm:styleLbl>
+  <dgm:styleLbl name="fgAccFollowNode1">
+    <dgm:scene3d>
+      <a:camera prst="orthographicFront"/>
+      <a:lightRig rig="threePt" dir="t"/>
+    </dgm:scene3d>
+    <dgm:sp3d/>
+    <dgm:txPr/>
+    <dgm:style>
+      <a:lnRef idx="1">
+        <a:scrgbClr r="0" g="0" b="0"/>
+      </a:lnRef>
+      <a:fillRef idx="1">
+        <a:scrgbClr r="0" g="0" b="0"/>
+      </a:fillRef>
+      <a:effectRef idx="0">
+        <a:scrgbClr r="0" g="0" b="0"/>
+      </a:effectRef>
+      <a:fontRef idx="minor"/>
+    </dgm:style>
+  </dgm:styleLbl>
+  <dgm:styleLbl name="alignAccFollowNode1">
+    <dgm:scene3d>
+      <a:camera prst="orthographicFront"/>
+      <a:lightRig rig="threePt" dir="t"/>
+    </dgm:scene3d>
+    <dgm:sp3d/>
+    <dgm:txPr/>
+    <dgm:style>
+      <a:lnRef idx="1">
+        <a:scrgbClr r="0" g="0" b="0"/>
+      </a:lnRef>
+      <a:fillRef idx="1">
+        <a:scrgbClr r="0" g="0" b="0"/>
+      </a:fillRef>
+      <a:effectRef idx="0">
+        <a:scrgbClr r="0" g="0" b="0"/>
+      </a:effectRef>
+      <a:fontRef idx="minor"/>
+    </dgm:style>
+  </dgm:styleLbl>
+  <dgm:styleLbl name="bgAccFollowNode1">
+    <dgm:scene3d>
+      <a:camera prst="orthographicFront"/>
+      <a:lightRig rig="threePt" dir="t"/>
+    </dgm:scene3d>
+    <dgm:sp3d/>
+    <dgm:txPr/>
+    <dgm:style>
+      <a:lnRef idx="1">
+        <a:scrgbClr r="0" g="0" b="0"/>
+      </a:lnRef>
+      <a:fillRef idx="1">
+        <a:scrgbClr r="0" g="0" b="0"/>
+      </a:fillRef>
+      <a:effectRef idx="0">
+        <a:scrgbClr r="0" g="0" b="0"/>
+      </a:effectRef>
+      <a:fontRef idx="minor"/>
+    </dgm:style>
+  </dgm:styleLbl>
+  <dgm:styleLbl name="fgAcc0">
+    <dgm:scene3d>
+      <a:camera prst="orthographicFront"/>
+      <a:lightRig rig="threePt" dir="t"/>
+    </dgm:scene3d>
+    <dgm:sp3d/>
+    <dgm:txPr/>
+    <dgm:style>
+      <a:lnRef idx="1">
+        <a:scrgbClr r="0" g="0" b="0"/>
+      </a:lnRef>
+      <a:fillRef idx="1">
+        <a:scrgbClr r="0" g="0" b="0"/>
+      </a:fillRef>
+      <a:effectRef idx="0">
+        <a:scrgbClr r="0" g="0" b="0"/>
+      </a:effectRef>
+      <a:fontRef idx="minor"/>
+    </dgm:style>
+  </dgm:styleLbl>
+  <dgm:styleLbl name="fgAcc2">
+    <dgm:scene3d>
+      <a:camera prst="orthographicFront"/>
+      <a:lightRig rig="threePt" dir="t"/>
+    </dgm:scene3d>
+    <dgm:sp3d/>
+    <dgm:txPr/>
+    <dgm:style>
+      <a:lnRef idx="1">
+        <a:scrgbClr r="0" g="0" b="0"/>
+      </a:lnRef>
+      <a:fillRef idx="1">
+        <a:scrgbClr r="0" g="0" b="0"/>
+      </a:fillRef>
+      <a:effectRef idx="0">
+        <a:scrgbClr r="0" g="0" b="0"/>
+      </a:effectRef>
+      <a:fontRef idx="minor"/>
+    </dgm:style>
+  </dgm:styleLbl>
+  <dgm:styleLbl name="fgAcc3">
+    <dgm:scene3d>
+      <a:camera prst="orthographicFront"/>
+      <a:lightRig rig="threePt" dir="t"/>
+    </dgm:scene3d>
+    <dgm:sp3d/>
+    <dgm:txPr/>
+    <dgm:style>
+      <a:lnRef idx="1">
+        <a:scrgbClr r="0" g="0" b="0"/>
+      </a:lnRef>
+      <a:fillRef idx="1">
+        <a:scrgbClr r="0" g="0" b="0"/>
+      </a:fillRef>
+      <a:effectRef idx="0">
+        <a:scrgbClr r="0" g="0" b="0"/>
+      </a:effectRef>
+      <a:fontRef idx="minor"/>
+    </dgm:style>
+  </dgm:styleLbl>
+  <dgm:styleLbl name="fgAcc4">
+    <dgm:scene3d>
+      <a:camera prst="orthographicFront"/>
+      <a:lightRig rig="threePt" dir="t"/>
+    </dgm:scene3d>
+    <dgm:sp3d/>
+    <dgm:txPr/>
+    <dgm:style>
+      <a:lnRef idx="1">
+        <a:scrgbClr r="0" g="0" b="0"/>
+      </a:lnRef>
+      <a:fillRef idx="1">
+        <a:scrgbClr r="0" g="0" b="0"/>
+      </a:fillRef>
+      <a:effectRef idx="0">
+        <a:scrgbClr r="0" g="0" b="0"/>
+      </a:effectRef>
+      <a:fontRef idx="minor"/>
+    </dgm:style>
+  </dgm:styleLbl>
+  <dgm:styleLbl name="bgShp">
+    <dgm:scene3d>
+      <a:camera prst="orthographicFront"/>
+      <a:lightRig rig="threePt" dir="t"/>
+    </dgm:scene3d>
+    <dgm:sp3d/>
+    <dgm:txPr/>
+    <dgm:style>
+      <a:lnRef idx="0">
+        <a:scrgbClr r="0" g="0" b="0"/>
+      </a:lnRef>
+      <a:fillRef idx="1">
+        <a:scrgbClr r="0" g="0" b="0"/>
+      </a:fillRef>
+      <a:effectRef idx="2">
+        <a:scrgbClr r="0" g="0" b="0"/>
+      </a:effectRef>
+      <a:fontRef idx="minor"/>
+    </dgm:style>
+  </dgm:styleLbl>
+  <dgm:styleLbl name="dkBgShp">
+    <dgm:scene3d>
+      <a:camera prst="orthographicFront"/>
+      <a:lightRig rig="threePt" dir="t"/>
+    </dgm:scene3d>
+    <dgm:sp3d/>
+    <dgm:txPr/>
+    <dgm:style>
+      <a:lnRef idx="0">
+        <a:scrgbClr r="0" g="0" b="0"/>
+      </a:lnRef>
+      <a:fillRef idx="1">
+        <a:scrgbClr r="0" g="0" b="0"/>
+      </a:fillRef>
+      <a:effectRef idx="2">
+        <a:scrgbClr r="0" g="0" b="0"/>
+      </a:effectRef>
+      <a:fontRef idx="minor"/>
+    </dgm:style>
+  </dgm:styleLbl>
+  <dgm:styleLbl name="trBgShp">
+    <dgm:scene3d>
+      <a:camera prst="orthographicFront"/>
+      <a:lightRig rig="threePt" dir="t"/>
+    </dgm:scene3d>
+    <dgm:sp3d/>
+    <dgm:txPr/>
+    <dgm:style>
+      <a:lnRef idx="0">
+        <a:scrgbClr r="0" g="0" b="0"/>
+      </a:lnRef>
+      <a:fillRef idx="1">
+        <a:scrgbClr r="0" g="0" b="0"/>
+      </a:fillRef>
+      <a:effectRef idx="0">
+        <a:scrgbClr r="0" g="0" b="0"/>
+      </a:effectRef>
+      <a:fontRef idx="minor"/>
+    </dgm:style>
+  </dgm:styleLbl>
+  <dgm:styleLbl name="fgShp">
+    <dgm:scene3d>
+      <a:camera prst="orthographicFront"/>
+      <a:lightRig rig="threePt" dir="t"/>
+    </dgm:scene3d>
+    <dgm:sp3d/>
+    <dgm:txPr/>
+    <dgm:style>
+      <a:lnRef idx="0">
+        <a:scrgbClr r="0" g="0" b="0"/>
+      </a:lnRef>
+      <a:fillRef idx="3">
+        <a:scrgbClr r="0" g="0" b="0"/>
+      </a:fillRef>
+      <a:effectRef idx="2">
+        <a:scrgbClr r="0" g="0" b="0"/>
+      </a:effectRef>
+      <a:fontRef idx="minor"/>
+    </dgm:style>
+  </dgm:styleLbl>
+  <dgm:styleLbl name="revTx">
+    <dgm:scene3d>
+      <a:camera prst="orthographicFront"/>
+      <a:lightRig rig="threePt" dir="t"/>
+    </dgm:scene3d>
+    <dgm:sp3d/>
+    <dgm:txPr/>
+    <dgm:style>
+      <a:lnRef idx="0">
+        <a:scrgbClr r="0" g="0" b="0"/>
+      </a:lnRef>
+      <a:fillRef idx="0">
+        <a:scrgbClr r="0" g="0" b="0"/>
+      </a:fillRef>
+      <a:effectRef idx="0">
+        <a:scrgbClr r="0" g="0" b="0"/>
+      </a:effectRef>
+      <a:fontRef idx="minor"/>
+    </dgm:style>
+  </dgm:styleLbl>
+</dgm:styleDef>
+</file>
+
 <file path=ppt/slideLayouts/slideLayout1.xml><?xml version="1.0" encoding="utf-8"?>
 <p:sldLayout xmlns:a="http://schemas.openxmlformats.org/drawingml/2006/main" xmlns:r="http://schemas.openxmlformats.org/officeDocument/2006/relationships" xmlns:mc="http://schemas.openxmlformats.org/markup-compatibility/2006" xmlns:mv="urn:schemas-microsoft-com:mac:vml" xmlns:p="http://schemas.openxmlformats.org/presentationml/2006/main" mc:Ignorable="mv" mc:PreserveAttributes="mv:*" type="title" preserve="1">
   <p:cSld name="Title Slide">
@@ -154,10 +5382,9 @@
           <a:lstStyle/>
           <a:p>
             <a:r>
-              <a:rPr lang="de-DE" smtClean="0"/>
+              <a:rPr lang="de-DE"/>
               <a:t>Click to edit Master title style</a:t>
             </a:r>
-            <a:endParaRPr lang="de-DE"/>
           </a:p>
         </p:txBody>
       </p:sp>
@@ -273,10 +5500,9 @@
           </a:lstStyle>
           <a:p>
             <a:r>
-              <a:rPr lang="de-DE" smtClean="0"/>
+              <a:rPr lang="de-DE"/>
               <a:t>Click to edit Master subtitle style</a:t>
             </a:r>
-            <a:endParaRPr lang="de-DE"/>
           </a:p>
         </p:txBody>
       </p:sp>
@@ -298,7 +5524,7 @@
             <a:fld id="{E3E03A12-5536-9444-BBB3-8D441CE39243}" type="datetimeFigureOut">
               <a:rPr lang="de-DE" smtClean="0"/>
               <a:pPr/>
-              <a:t>1/17/10</a:t>
+              <a:t>1/18/10</a:t>
             </a:fld>
             <a:endParaRPr lang="de-DE"/>
           </a:p>
@@ -388,10 +5614,9 @@
           <a:lstStyle/>
           <a:p>
             <a:r>
-              <a:rPr lang="de-DE" smtClean="0"/>
+              <a:rPr lang="de-DE"/>
               <a:t>Click to edit Master title style</a:t>
             </a:r>
-            <a:endParaRPr lang="de-DE"/>
           </a:p>
         </p:txBody>
       </p:sp>
@@ -412,38 +5637,37 @@
           <a:p>
             <a:pPr lvl="0"/>
             <a:r>
-              <a:rPr lang="de-DE" smtClean="0"/>
+              <a:rPr lang="de-DE"/>
               <a:t>Click to edit Master text styles</a:t>
             </a:r>
           </a:p>
           <a:p>
             <a:pPr lvl="1"/>
             <a:r>
-              <a:rPr lang="de-DE" smtClean="0"/>
+              <a:rPr lang="de-DE"/>
               <a:t>Second level</a:t>
             </a:r>
           </a:p>
           <a:p>
             <a:pPr lvl="2"/>
             <a:r>
-              <a:rPr lang="de-DE" smtClean="0"/>
+              <a:rPr lang="de-DE"/>
               <a:t>Third level</a:t>
             </a:r>
           </a:p>
           <a:p>
             <a:pPr lvl="3"/>
             <a:r>
-              <a:rPr lang="de-DE" smtClean="0"/>
+              <a:rPr lang="de-DE"/>
               <a:t>Fourth level</a:t>
             </a:r>
           </a:p>
           <a:p>
             <a:pPr lvl="4"/>
             <a:r>
-              <a:rPr lang="de-DE" smtClean="0"/>
+              <a:rPr lang="de-DE"/>
               <a:t>Fifth level</a:t>
             </a:r>
-            <a:endParaRPr lang="de-DE"/>
           </a:p>
         </p:txBody>
       </p:sp>
@@ -465,7 +5689,7 @@
             <a:fld id="{E3E03A12-5536-9444-BBB3-8D441CE39243}" type="datetimeFigureOut">
               <a:rPr lang="de-DE" smtClean="0"/>
               <a:pPr/>
-              <a:t>1/17/10</a:t>
+              <a:t>1/18/10</a:t>
             </a:fld>
             <a:endParaRPr lang="de-DE"/>
           </a:p>
@@ -560,10 +5784,9 @@
           <a:lstStyle/>
           <a:p>
             <a:r>
-              <a:rPr lang="de-DE" smtClean="0"/>
+              <a:rPr lang="de-DE"/>
               <a:t>Click to edit Master title style</a:t>
             </a:r>
-            <a:endParaRPr lang="de-DE"/>
           </a:p>
         </p:txBody>
       </p:sp>
@@ -589,38 +5812,37 @@
           <a:p>
             <a:pPr lvl="0"/>
             <a:r>
-              <a:rPr lang="de-DE" smtClean="0"/>
+              <a:rPr lang="de-DE"/>
               <a:t>Click to edit Master text styles</a:t>
             </a:r>
           </a:p>
           <a:p>
             <a:pPr lvl="1"/>
             <a:r>
-              <a:rPr lang="de-DE" smtClean="0"/>
+              <a:rPr lang="de-DE"/>
               <a:t>Second level</a:t>
             </a:r>
           </a:p>
           <a:p>
             <a:pPr lvl="2"/>
             <a:r>
-              <a:rPr lang="de-DE" smtClean="0"/>
+              <a:rPr lang="de-DE"/>
               <a:t>Third level</a:t>
             </a:r>
           </a:p>
           <a:p>
             <a:pPr lvl="3"/>
             <a:r>
-              <a:rPr lang="de-DE" smtClean="0"/>
+              <a:rPr lang="de-DE"/>
               <a:t>Fourth level</a:t>
             </a:r>
           </a:p>
           <a:p>
             <a:pPr lvl="4"/>
             <a:r>
-              <a:rPr lang="de-DE" smtClean="0"/>
+              <a:rPr lang="de-DE"/>
               <a:t>Fifth level</a:t>
             </a:r>
-            <a:endParaRPr lang="de-DE"/>
           </a:p>
         </p:txBody>
       </p:sp>
@@ -642,7 +5864,7 @@
             <a:fld id="{E3E03A12-5536-9444-BBB3-8D441CE39243}" type="datetimeFigureOut">
               <a:rPr lang="de-DE" smtClean="0"/>
               <a:pPr/>
-              <a:t>1/17/10</a:t>
+              <a:t>1/18/10</a:t>
             </a:fld>
             <a:endParaRPr lang="de-DE"/>
           </a:p>
@@ -732,10 +5954,9 @@
           <a:lstStyle/>
           <a:p>
             <a:r>
-              <a:rPr lang="de-DE" smtClean="0"/>
+              <a:rPr lang="de-DE"/>
               <a:t>Click to edit Master title style</a:t>
             </a:r>
-            <a:endParaRPr lang="de-DE"/>
           </a:p>
         </p:txBody>
       </p:sp>
@@ -756,38 +5977,37 @@
           <a:p>
             <a:pPr lvl="0"/>
             <a:r>
-              <a:rPr lang="de-DE" smtClean="0"/>
+              <a:rPr lang="de-DE"/>
               <a:t>Click to edit Master text styles</a:t>
             </a:r>
           </a:p>
           <a:p>
             <a:pPr lvl="1"/>
             <a:r>
-              <a:rPr lang="de-DE" smtClean="0"/>
+              <a:rPr lang="de-DE"/>
               <a:t>Second level</a:t>
             </a:r>
           </a:p>
           <a:p>
             <a:pPr lvl="2"/>
             <a:r>
-              <a:rPr lang="de-DE" smtClean="0"/>
+              <a:rPr lang="de-DE"/>
               <a:t>Third level</a:t>
             </a:r>
           </a:p>
           <a:p>
             <a:pPr lvl="3"/>
             <a:r>
-              <a:rPr lang="de-DE" smtClean="0"/>
+              <a:rPr lang="de-DE"/>
               <a:t>Fourth level</a:t>
             </a:r>
           </a:p>
           <a:p>
             <a:pPr lvl="4"/>
             <a:r>
-              <a:rPr lang="de-DE" smtClean="0"/>
+              <a:rPr lang="de-DE"/>
               <a:t>Fifth level</a:t>
             </a:r>
-            <a:endParaRPr lang="de-DE"/>
           </a:p>
         </p:txBody>
       </p:sp>
@@ -809,7 +6029,7 @@
             <a:fld id="{E3E03A12-5536-9444-BBB3-8D441CE39243}" type="datetimeFigureOut">
               <a:rPr lang="de-DE" smtClean="0"/>
               <a:pPr/>
-              <a:t>1/17/10</a:t>
+              <a:t>1/18/10</a:t>
             </a:fld>
             <a:endParaRPr lang="de-DE"/>
           </a:p>
@@ -908,10 +6128,9 @@
           </a:lstStyle>
           <a:p>
             <a:r>
-              <a:rPr lang="de-DE" smtClean="0"/>
+              <a:rPr lang="de-DE"/>
               <a:t>Click to edit Master title style</a:t>
             </a:r>
-            <a:endParaRPr lang="de-DE"/>
           </a:p>
         </p:txBody>
       </p:sp>
@@ -1028,7 +6247,7 @@
           <a:p>
             <a:pPr lvl="0"/>
             <a:r>
-              <a:rPr lang="de-DE" smtClean="0"/>
+              <a:rPr lang="de-DE"/>
               <a:t>Click to edit Master text styles</a:t>
             </a:r>
           </a:p>
@@ -1052,7 +6271,7 @@
             <a:fld id="{E3E03A12-5536-9444-BBB3-8D441CE39243}" type="datetimeFigureOut">
               <a:rPr lang="de-DE" smtClean="0"/>
               <a:pPr/>
-              <a:t>1/17/10</a:t>
+              <a:t>1/18/10</a:t>
             </a:fld>
             <a:endParaRPr lang="de-DE"/>
           </a:p>
@@ -1142,10 +6361,9 @@
           <a:lstStyle/>
           <a:p>
             <a:r>
-              <a:rPr lang="de-DE" smtClean="0"/>
+              <a:rPr lang="de-DE"/>
               <a:t>Click to edit Master title style</a:t>
             </a:r>
-            <a:endParaRPr lang="de-DE"/>
           </a:p>
         </p:txBody>
       </p:sp>
@@ -1199,38 +6417,37 @@
           <a:p>
             <a:pPr lvl="0"/>
             <a:r>
-              <a:rPr lang="de-DE" smtClean="0"/>
+              <a:rPr lang="de-DE"/>
               <a:t>Click to edit Master text styles</a:t>
             </a:r>
           </a:p>
           <a:p>
             <a:pPr lvl="1"/>
             <a:r>
-              <a:rPr lang="de-DE" smtClean="0"/>
+              <a:rPr lang="de-DE"/>
               <a:t>Second level</a:t>
             </a:r>
           </a:p>
           <a:p>
             <a:pPr lvl="2"/>
             <a:r>
-              <a:rPr lang="de-DE" smtClean="0"/>
+              <a:rPr lang="de-DE"/>
               <a:t>Third level</a:t>
             </a:r>
           </a:p>
           <a:p>
             <a:pPr lvl="3"/>
             <a:r>
-              <a:rPr lang="de-DE" smtClean="0"/>
+              <a:rPr lang="de-DE"/>
               <a:t>Fourth level</a:t>
             </a:r>
           </a:p>
           <a:p>
             <a:pPr lvl="4"/>
             <a:r>
-              <a:rPr lang="de-DE" smtClean="0"/>
+              <a:rPr lang="de-DE"/>
               <a:t>Fifth level</a:t>
             </a:r>
-            <a:endParaRPr lang="de-DE"/>
           </a:p>
         </p:txBody>
       </p:sp>
@@ -1284,38 +6501,37 @@
           <a:p>
             <a:pPr lvl="0"/>
             <a:r>
-              <a:rPr lang="de-DE" smtClean="0"/>
+              <a:rPr lang="de-DE"/>
               <a:t>Click to edit Master text styles</a:t>
             </a:r>
           </a:p>
           <a:p>
             <a:pPr lvl="1"/>
             <a:r>
-              <a:rPr lang="de-DE" smtClean="0"/>
+              <a:rPr lang="de-DE"/>
               <a:t>Second level</a:t>
             </a:r>
           </a:p>
           <a:p>
             <a:pPr lvl="2"/>
             <a:r>
-              <a:rPr lang="de-DE" smtClean="0"/>
+              <a:rPr lang="de-DE"/>
               <a:t>Third level</a:t>
             </a:r>
           </a:p>
           <a:p>
             <a:pPr lvl="3"/>
             <a:r>
-              <a:rPr lang="de-DE" smtClean="0"/>
+              <a:rPr lang="de-DE"/>
               <a:t>Fourth level</a:t>
             </a:r>
           </a:p>
           <a:p>
             <a:pPr lvl="4"/>
             <a:r>
-              <a:rPr lang="de-DE" smtClean="0"/>
+              <a:rPr lang="de-DE"/>
               <a:t>Fifth level</a:t>
             </a:r>
-            <a:endParaRPr lang="de-DE"/>
           </a:p>
         </p:txBody>
       </p:sp>
@@ -1337,7 +6553,7 @@
             <a:fld id="{E3E03A12-5536-9444-BBB3-8D441CE39243}" type="datetimeFigureOut">
               <a:rPr lang="de-DE" smtClean="0"/>
               <a:pPr/>
-              <a:t>1/17/10</a:t>
+              <a:t>1/18/10</a:t>
             </a:fld>
             <a:endParaRPr lang="de-DE"/>
           </a:p>
@@ -1431,10 +6647,9 @@
           </a:lstStyle>
           <a:p>
             <a:r>
-              <a:rPr lang="de-DE" smtClean="0"/>
+              <a:rPr lang="de-DE"/>
               <a:t>Click to edit Master title style</a:t>
             </a:r>
-            <a:endParaRPr lang="de-DE"/>
           </a:p>
         </p:txBody>
       </p:sp>
@@ -1497,7 +6712,7 @@
           <a:p>
             <a:pPr lvl="0"/>
             <a:r>
-              <a:rPr lang="de-DE" smtClean="0"/>
+              <a:rPr lang="de-DE"/>
               <a:t>Click to edit Master text styles</a:t>
             </a:r>
           </a:p>
@@ -1553,38 +6768,37 @@
           <a:p>
             <a:pPr lvl="0"/>
             <a:r>
-              <a:rPr lang="de-DE" smtClean="0"/>
+              <a:rPr lang="de-DE"/>
               <a:t>Click to edit Master text styles</a:t>
             </a:r>
           </a:p>
           <a:p>
             <a:pPr lvl="1"/>
             <a:r>
-              <a:rPr lang="de-DE" smtClean="0"/>
+              <a:rPr lang="de-DE"/>
               <a:t>Second level</a:t>
             </a:r>
           </a:p>
           <a:p>
             <a:pPr lvl="2"/>
             <a:r>
-              <a:rPr lang="de-DE" smtClean="0"/>
+              <a:rPr lang="de-DE"/>
               <a:t>Third level</a:t>
             </a:r>
           </a:p>
           <a:p>
             <a:pPr lvl="3"/>
             <a:r>
-              <a:rPr lang="de-DE" smtClean="0"/>
+              <a:rPr lang="de-DE"/>
               <a:t>Fourth level</a:t>
             </a:r>
           </a:p>
           <a:p>
             <a:pPr lvl="4"/>
             <a:r>
-              <a:rPr lang="de-DE" smtClean="0"/>
+              <a:rPr lang="de-DE"/>
               <a:t>Fifth level</a:t>
             </a:r>
-            <a:endParaRPr lang="de-DE"/>
           </a:p>
         </p:txBody>
       </p:sp>
@@ -1647,7 +6861,7 @@
           <a:p>
             <a:pPr lvl="0"/>
             <a:r>
-              <a:rPr lang="de-DE" smtClean="0"/>
+              <a:rPr lang="de-DE"/>
               <a:t>Click to edit Master text styles</a:t>
             </a:r>
           </a:p>
@@ -1703,38 +6917,37 @@
           <a:p>
             <a:pPr lvl="0"/>
             <a:r>
-              <a:rPr lang="de-DE" smtClean="0"/>
+              <a:rPr lang="de-DE"/>
               <a:t>Click to edit Master text styles</a:t>
             </a:r>
           </a:p>
           <a:p>
             <a:pPr lvl="1"/>
             <a:r>
-              <a:rPr lang="de-DE" smtClean="0"/>
+              <a:rPr lang="de-DE"/>
               <a:t>Second level</a:t>
             </a:r>
           </a:p>
           <a:p>
             <a:pPr lvl="2"/>
             <a:r>
-              <a:rPr lang="de-DE" smtClean="0"/>
+              <a:rPr lang="de-DE"/>
               <a:t>Third level</a:t>
             </a:r>
           </a:p>
           <a:p>
             <a:pPr lvl="3"/>
             <a:r>
-              <a:rPr lang="de-DE" smtClean="0"/>
+              <a:rPr lang="de-DE"/>
               <a:t>Fourth level</a:t>
             </a:r>
           </a:p>
           <a:p>
             <a:pPr lvl="4"/>
             <a:r>
-              <a:rPr lang="de-DE" smtClean="0"/>
+              <a:rPr lang="de-DE"/>
               <a:t>Fifth level</a:t>
             </a:r>
-            <a:endParaRPr lang="de-DE"/>
           </a:p>
         </p:txBody>
       </p:sp>
@@ -1756,7 +6969,7 @@
             <a:fld id="{E3E03A12-5536-9444-BBB3-8D441CE39243}" type="datetimeFigureOut">
               <a:rPr lang="de-DE" smtClean="0"/>
               <a:pPr/>
-              <a:t>1/17/10</a:t>
+              <a:t>1/18/10</a:t>
             </a:fld>
             <a:endParaRPr lang="de-DE"/>
           </a:p>
@@ -1846,10 +7059,9 @@
           <a:lstStyle/>
           <a:p>
             <a:r>
-              <a:rPr lang="de-DE" smtClean="0"/>
+              <a:rPr lang="de-DE"/>
               <a:t>Click to edit Master title style</a:t>
             </a:r>
-            <a:endParaRPr lang="de-DE"/>
           </a:p>
         </p:txBody>
       </p:sp>
@@ -1871,7 +7083,7 @@
             <a:fld id="{E3E03A12-5536-9444-BBB3-8D441CE39243}" type="datetimeFigureOut">
               <a:rPr lang="de-DE" smtClean="0"/>
               <a:pPr/>
-              <a:t>1/17/10</a:t>
+              <a:t>1/18/10</a:t>
             </a:fld>
             <a:endParaRPr lang="de-DE"/>
           </a:p>
@@ -1963,7 +7175,7 @@
             <a:fld id="{E3E03A12-5536-9444-BBB3-8D441CE39243}" type="datetimeFigureOut">
               <a:rPr lang="de-DE" smtClean="0"/>
               <a:pPr/>
-              <a:t>1/17/10</a:t>
+              <a:t>1/18/10</a:t>
             </a:fld>
             <a:endParaRPr lang="de-DE"/>
           </a:p>
@@ -2062,10 +7274,9 @@
           </a:lstStyle>
           <a:p>
             <a:r>
-              <a:rPr lang="de-DE" smtClean="0"/>
+              <a:rPr lang="de-DE"/>
               <a:t>Click to edit Master title style</a:t>
             </a:r>
-            <a:endParaRPr lang="de-DE"/>
           </a:p>
         </p:txBody>
       </p:sp>
@@ -2119,38 +7330,37 @@
           <a:p>
             <a:pPr lvl="0"/>
             <a:r>
-              <a:rPr lang="de-DE" smtClean="0"/>
+              <a:rPr lang="de-DE"/>
               <a:t>Click to edit Master text styles</a:t>
             </a:r>
           </a:p>
           <a:p>
             <a:pPr lvl="1"/>
             <a:r>
-              <a:rPr lang="de-DE" smtClean="0"/>
+              <a:rPr lang="de-DE"/>
               <a:t>Second level</a:t>
             </a:r>
           </a:p>
           <a:p>
             <a:pPr lvl="2"/>
             <a:r>
-              <a:rPr lang="de-DE" smtClean="0"/>
+              <a:rPr lang="de-DE"/>
               <a:t>Third level</a:t>
             </a:r>
           </a:p>
           <a:p>
             <a:pPr lvl="3"/>
             <a:r>
-              <a:rPr lang="de-DE" smtClean="0"/>
+              <a:rPr lang="de-DE"/>
               <a:t>Fourth level</a:t>
             </a:r>
           </a:p>
           <a:p>
             <a:pPr lvl="4"/>
             <a:r>
-              <a:rPr lang="de-DE" smtClean="0"/>
+              <a:rPr lang="de-DE"/>
               <a:t>Fifth level</a:t>
             </a:r>
-            <a:endParaRPr lang="de-DE"/>
           </a:p>
         </p:txBody>
       </p:sp>
@@ -2213,7 +7423,7 @@
           <a:p>
             <a:pPr lvl="0"/>
             <a:r>
-              <a:rPr lang="de-DE" smtClean="0"/>
+              <a:rPr lang="de-DE"/>
               <a:t>Click to edit Master text styles</a:t>
             </a:r>
           </a:p>
@@ -2237,7 +7447,7 @@
             <a:fld id="{E3E03A12-5536-9444-BBB3-8D441CE39243}" type="datetimeFigureOut">
               <a:rPr lang="de-DE" smtClean="0"/>
               <a:pPr/>
-              <a:t>1/17/10</a:t>
+              <a:t>1/18/10</a:t>
             </a:fld>
             <a:endParaRPr lang="de-DE"/>
           </a:p>
@@ -2336,10 +7546,9 @@
           </a:lstStyle>
           <a:p>
             <a:r>
-              <a:rPr lang="de-DE" smtClean="0"/>
+              <a:rPr lang="de-DE"/>
               <a:t>Click to edit Master title style</a:t>
             </a:r>
-            <a:endParaRPr lang="de-DE"/>
           </a:p>
         </p:txBody>
       </p:sp>
@@ -2463,7 +7672,7 @@
           <a:p>
             <a:pPr lvl="0"/>
             <a:r>
-              <a:rPr lang="de-DE" smtClean="0"/>
+              <a:rPr lang="de-DE"/>
               <a:t>Click to edit Master text styles</a:t>
             </a:r>
           </a:p>
@@ -2487,7 +7696,7 @@
             <a:fld id="{E3E03A12-5536-9444-BBB3-8D441CE39243}" type="datetimeFigureOut">
               <a:rPr lang="de-DE" smtClean="0"/>
               <a:pPr/>
-              <a:t>1/17/10</a:t>
+              <a:t>1/18/10</a:t>
             </a:fld>
             <a:endParaRPr lang="de-DE"/>
           </a:p>
@@ -2592,10 +7801,9 @@
           <a:lstStyle/>
           <a:p>
             <a:r>
-              <a:rPr lang="en-US" smtClean="0"/>
+              <a:rPr lang="de-DE"/>
               <a:t>Click to edit Master title style</a:t>
             </a:r>
-            <a:endParaRPr lang="de-DE"/>
           </a:p>
         </p:txBody>
       </p:sp>
@@ -2626,38 +7834,37 @@
           <a:p>
             <a:pPr lvl="0"/>
             <a:r>
-              <a:rPr lang="en-US" smtClean="0"/>
+              <a:rPr lang="de-DE"/>
               <a:t>Click to edit Master text styles</a:t>
             </a:r>
           </a:p>
           <a:p>
             <a:pPr lvl="1"/>
             <a:r>
-              <a:rPr lang="en-US" smtClean="0"/>
+              <a:rPr lang="de-DE"/>
               <a:t>Second level</a:t>
             </a:r>
           </a:p>
           <a:p>
             <a:pPr lvl="2"/>
             <a:r>
-              <a:rPr lang="en-US" smtClean="0"/>
+              <a:rPr lang="de-DE"/>
               <a:t>Third level</a:t>
             </a:r>
           </a:p>
           <a:p>
             <a:pPr lvl="3"/>
             <a:r>
-              <a:rPr lang="en-US" smtClean="0"/>
+              <a:rPr lang="de-DE"/>
               <a:t>Fourth level</a:t>
             </a:r>
           </a:p>
           <a:p>
             <a:pPr lvl="4"/>
             <a:r>
-              <a:rPr lang="en-US" smtClean="0"/>
+              <a:rPr lang="de-DE"/>
               <a:t>Fifth level</a:t>
             </a:r>
-            <a:endParaRPr lang="de-DE"/>
           </a:p>
         </p:txBody>
       </p:sp>
@@ -2697,7 +7904,7 @@
             <a:fld id="{E3E03A12-5536-9444-BBB3-8D441CE39243}" type="datetimeFigureOut">
               <a:rPr lang="de-DE" smtClean="0"/>
               <a:pPr/>
-              <a:t>1/17/10</a:t>
+              <a:t>1/18/10</a:t>
             </a:fld>
             <a:endParaRPr lang="de-DE"/>
           </a:p>
@@ -2786,17 +7993,17 @@
   </p:cSld>
   <p:clrMap bg1="lt1" tx1="dk1" bg2="lt2" tx2="dk2" accent1="accent1" accent2="accent2" accent3="accent3" accent4="accent4" accent5="accent5" accent6="accent6" hlink="hlink" folHlink="folHlink"/>
   <p:sldLayoutIdLst>
-    <p:sldLayoutId id="2147483649" r:id="rId1"/>
-    <p:sldLayoutId id="2147483650" r:id="rId2"/>
-    <p:sldLayoutId id="2147483651" r:id="rId3"/>
-    <p:sldLayoutId id="2147483652" r:id="rId4"/>
-    <p:sldLayoutId id="2147483653" r:id="rId5"/>
-    <p:sldLayoutId id="2147483654" r:id="rId6"/>
-    <p:sldLayoutId id="2147483655" r:id="rId7"/>
-    <p:sldLayoutId id="2147483656" r:id="rId8"/>
-    <p:sldLayoutId id="2147483657" r:id="rId9"/>
-    <p:sldLayoutId id="2147483658" r:id="rId10"/>
-    <p:sldLayoutId id="2147483659" r:id="rId11"/>
+    <p:sldLayoutId id="2147483674" r:id="rId1"/>
+    <p:sldLayoutId id="2147483675" r:id="rId2"/>
+    <p:sldLayoutId id="2147483676" r:id="rId3"/>
+    <p:sldLayoutId id="2147483677" r:id="rId4"/>
+    <p:sldLayoutId id="2147483678" r:id="rId5"/>
+    <p:sldLayoutId id="2147483679" r:id="rId6"/>
+    <p:sldLayoutId id="2147483680" r:id="rId7"/>
+    <p:sldLayoutId id="2147483681" r:id="rId8"/>
+    <p:sldLayoutId id="2147483682" r:id="rId9"/>
+    <p:sldLayoutId id="2147483683" r:id="rId10"/>
+    <p:sldLayoutId id="2147483684" r:id="rId11"/>
   </p:sldLayoutIdLst>
   <p:txStyles>
     <p:titleStyle>
@@ -3134,16 +8341,9 @@
         </p:spPr>
         <p:txBody>
           <a:bodyPr>
-            <a:normAutofit fontScale="85000" lnSpcReduction="20000"/>
+            <a:normAutofit/>
           </a:bodyPr>
           <a:lstStyle/>
-          <a:p>
-            <a:endParaRPr lang="en-US" dirty="0" smtClean="0">
-              <a:solidFill>
-                <a:schemeClr val="tx1"/>
-              </a:solidFill>
-            </a:endParaRPr>
-          </a:p>
           <a:p>
             <a:r>
               <a:rPr lang="en-US" dirty="0" err="1" smtClean="0">
@@ -3335,6 +8535,13 @@
               </a:rPr>
               <a:t>.</a:t>
             </a:r>
+            <a:endParaRPr lang="en-US" dirty="0" smtClean="0">
+              <a:solidFill>
+                <a:schemeClr val="tx1"/>
+              </a:solidFill>
+            </a:endParaRPr>
+          </a:p>
+          <a:p>
             <a:r>
               <a:rPr lang="en-US" dirty="0" smtClean="0">
                 <a:solidFill>
@@ -3350,6 +8557,38 @@
                 </a:solidFill>
               </a:rPr>
             </a:br>
+            <a:r>
+              <a:rPr lang="en-US" dirty="0" err="1">
+                <a:solidFill>
+                  <a:schemeClr val="tx1"/>
+                </a:solidFill>
+              </a:rPr>
+              <a:t>Dozentin</a:t>
+            </a:r>
+            <a:r>
+              <a:rPr lang="en-US" dirty="0">
+                <a:solidFill>
+                  <a:schemeClr val="tx1"/>
+                </a:solidFill>
+              </a:rPr>
+              <a:t>: Prof. Dr. Claudia </a:t>
+            </a:r>
+            <a:r>
+              <a:rPr lang="en-US" dirty="0" err="1">
+                <a:solidFill>
+                  <a:schemeClr val="tx1"/>
+                </a:solidFill>
+              </a:rPr>
+              <a:t>Pahl-Wostl</a:t>
+            </a:r>
+            <a:r>
+              <a:rPr lang="en-US" dirty="0">
+                <a:solidFill>
+                  <a:schemeClr val="tx1"/>
+                </a:solidFill>
+              </a:rPr>
+              <a:t> </a:t>
+            </a:r>
             <a:endParaRPr lang="en-US" dirty="0" smtClean="0">
               <a:solidFill>
                 <a:schemeClr val="tx1"/>
@@ -3378,7 +8617,7 @@
                   <a:schemeClr val="tx1"/>
                 </a:solidFill>
               </a:rPr>
-              <a:t>Dozentin</a:t>
+              <a:t>Erstellt</a:t>
             </a:r>
             <a:r>
               <a:rPr lang="en-US" dirty="0">
@@ -3386,15 +8625,30 @@
                   <a:schemeClr val="tx1"/>
                 </a:solidFill>
               </a:rPr>
-              <a:t>: Prof. Dr. Claudia </a:t>
-            </a:r>
+              <a:t> von</a:t>
+            </a:r>
+            <a:r>
+              <a:rPr lang="en-US" dirty="0" smtClean="0">
+                <a:solidFill>
+                  <a:schemeClr val="tx1"/>
+                </a:solidFill>
+              </a:rPr>
+              <a:t>:</a:t>
+            </a:r>
+            <a:br>
+              <a:rPr lang="en-US" dirty="0" smtClean="0">
+                <a:solidFill>
+                  <a:schemeClr val="tx1"/>
+                </a:solidFill>
+              </a:rPr>
+            </a:br>
             <a:r>
               <a:rPr lang="en-US" dirty="0" err="1">
                 <a:solidFill>
                   <a:schemeClr val="tx1"/>
                 </a:solidFill>
               </a:rPr>
-              <a:t>Pahl-Wostl</a:t>
+              <a:t>Waldemar</a:t>
             </a:r>
             <a:r>
               <a:rPr lang="en-US" dirty="0">
@@ -3403,6 +8657,22 @@
                 </a:solidFill>
               </a:rPr>
               <a:t> </a:t>
+            </a:r>
+            <a:r>
+              <a:rPr lang="en-US" dirty="0" err="1">
+                <a:solidFill>
+                  <a:schemeClr val="tx1"/>
+                </a:solidFill>
+              </a:rPr>
+              <a:t>Smirnow</a:t>
+            </a:r>
+            <a:r>
+              <a:rPr lang="en-US" dirty="0">
+                <a:solidFill>
+                  <a:schemeClr val="tx1"/>
+                </a:solidFill>
+              </a:rPr>
+              <a:t/>
             </a:r>
             <a:br>
               <a:rPr lang="en-US" dirty="0">
@@ -3412,104 +8682,12 @@
               </a:rPr>
             </a:br>
             <a:r>
-              <a:rPr lang="en-US" dirty="0" smtClean="0">
-                <a:solidFill>
-                  <a:schemeClr val="tx1"/>
-                </a:solidFill>
-              </a:rPr>
-              <a:t/>
-            </a:r>
-            <a:br>
-              <a:rPr lang="en-US" dirty="0" smtClean="0">
-                <a:solidFill>
-                  <a:schemeClr val="tx1"/>
-                </a:solidFill>
-              </a:rPr>
-            </a:br>
-            <a:endParaRPr lang="en-US" dirty="0" smtClean="0">
-              <a:solidFill>
-                <a:schemeClr val="tx1"/>
-              </a:solidFill>
-            </a:endParaRPr>
-          </a:p>
-          <a:p>
-            <a:r>
-              <a:rPr lang="en-US" dirty="0" smtClean="0">
-                <a:solidFill>
-                  <a:schemeClr val="tx1"/>
-                </a:solidFill>
-              </a:rPr>
-              <a:t/>
-            </a:r>
-            <a:br>
-              <a:rPr lang="en-US" dirty="0" smtClean="0">
-                <a:solidFill>
-                  <a:schemeClr val="tx1"/>
-                </a:solidFill>
-              </a:rPr>
-            </a:br>
-            <a:r>
-              <a:rPr lang="en-US" dirty="0" err="1">
-                <a:solidFill>
-                  <a:schemeClr val="tx1"/>
-                </a:solidFill>
-              </a:rPr>
-              <a:t>Erstellt</a:t>
-            </a:r>
-            <a:r>
               <a:rPr lang="en-US" dirty="0">
                 <a:solidFill>
                   <a:schemeClr val="tx1"/>
                 </a:solidFill>
               </a:rPr>
-              <a:t> von</a:t>
-            </a:r>
-            <a:r>
-              <a:rPr lang="en-US" dirty="0" smtClean="0">
-                <a:solidFill>
-                  <a:schemeClr val="tx1"/>
-                </a:solidFill>
-              </a:rPr>
-              <a:t>:</a:t>
-            </a:r>
-            <a:br>
-              <a:rPr lang="en-US" dirty="0" smtClean="0">
-                <a:solidFill>
-                  <a:schemeClr val="tx1"/>
-                </a:solidFill>
-              </a:rPr>
-            </a:br>
-            <a:r>
-              <a:rPr lang="en-US" dirty="0" err="1">
-                <a:solidFill>
-                  <a:schemeClr val="tx1"/>
-                </a:solidFill>
-              </a:rPr>
-              <a:t>Waldemar</a:t>
-            </a:r>
-            <a:r>
-              <a:rPr lang="en-US" dirty="0">
-                <a:solidFill>
-                  <a:schemeClr val="tx1"/>
-                </a:solidFill>
-              </a:rPr>
-              <a:t> </a:t>
-            </a:r>
-            <a:r>
-              <a:rPr lang="en-US" dirty="0" err="1">
-                <a:solidFill>
-                  <a:schemeClr val="tx1"/>
-                </a:solidFill>
-              </a:rPr>
-              <a:t>Smirnow</a:t>
-            </a:r>
-            <a:r>
-              <a:rPr lang="en-US" dirty="0">
-                <a:solidFill>
-                  <a:schemeClr val="tx1"/>
-                </a:solidFill>
-              </a:rPr>
-              <a:t/>
+              <a:t>Denis Meyer</a:t>
             </a:r>
             <a:br>
               <a:rPr lang="en-US" dirty="0">
@@ -3524,30 +8702,8 @@
                   <a:schemeClr val="tx1"/>
                 </a:solidFill>
               </a:rPr>
-              <a:t>Denis Meyer</a:t>
-            </a:r>
-            <a:br>
-              <a:rPr lang="en-US" dirty="0">
-                <a:solidFill>
-                  <a:schemeClr val="tx1"/>
-                </a:solidFill>
-              </a:rPr>
-            </a:br>
-            <a:r>
-              <a:rPr lang="en-US" dirty="0">
-                <a:solidFill>
-                  <a:schemeClr val="tx1"/>
-                </a:solidFill>
-              </a:rPr>
               <a:t>Stefan Hermes</a:t>
             </a:r>
-          </a:p>
-          <a:p>
-            <a:endParaRPr lang="de-DE" dirty="0">
-              <a:solidFill>
-                <a:schemeClr val="tx1"/>
-              </a:solidFill>
-            </a:endParaRPr>
           </a:p>
         </p:txBody>
       </p:sp>
@@ -4363,7 +9519,7 @@
             </a:r>
             <a:r>
               <a:rPr lang="en-US" dirty="0" err="1"/>
-              <a:t>hochkomplexes</a:t>
+              <a:t>komplexes</a:t>
             </a:r>
             <a:r>
               <a:rPr lang="en-US" dirty="0"/>
@@ -4646,7 +9802,29 @@
             </a:r>
             <a:r>
               <a:rPr lang="en-US" smtClean="0"/>
-              <a:t> “Famoja” </a:t>
+              <a:t> “</a:t>
+            </a:r>
+            <a:r>
+              <a:rPr lang="en-US" smtClean="0">
+                <a:hlinkClick r:id="rId2"/>
+              </a:rPr>
+              <a:t>Famoja</a:t>
+            </a:r>
+            <a:r>
+              <a:rPr lang="en-US" smtClean="0"/>
+              <a:t>” </a:t>
+            </a:r>
+            <a:r>
+              <a:rPr lang="en-US" sz="2000" smtClean="0"/>
+              <a:t>(</a:t>
+            </a:r>
+            <a:r>
+              <a:rPr lang="en-US" sz="2000"/>
+              <a:t>Framework for Agent-based MOdeling with Java</a:t>
+            </a:r>
+            <a:r>
+              <a:rPr lang="en-US" sz="2000" smtClean="0"/>
+              <a:t>) </a:t>
             </a:r>
             <a:r>
               <a:rPr lang="en-US" dirty="0"/>
@@ -4775,10 +9953,15 @@
             <p:ph idx="1"/>
           </p:nvPr>
         </p:nvSpPr>
-        <p:spPr/>
+        <p:spPr>
+          <a:xfrm>
+            <a:off x="457200" y="1600200"/>
+            <a:ext cx="8229600" cy="1672503"/>
+          </a:xfrm>
+        </p:spPr>
         <p:txBody>
           <a:bodyPr>
-            <a:normAutofit/>
+            <a:normAutofit fontScale="77500" lnSpcReduction="20000"/>
           </a:bodyPr>
           <a:lstStyle/>
           <a:p>
@@ -4797,6 +9980,65 @@
             <a:r>
               <a:rPr lang="en-US" smtClean="0"/>
               <a:t>Ressource ist auf den Raumparzellen des Rasters verteilt</a:t>
+            </a:r>
+          </a:p>
+        </p:txBody>
+      </p:sp>
+      <p:pic>
+        <p:nvPicPr>
+          <p:cNvPr id="5" name="Picture 4" descr="Bildschirmfoto 2010-01-18 um 21.26.35.png"/>
+          <p:cNvPicPr>
+            <a:picLocks noChangeAspect="1"/>
+          </p:cNvPicPr>
+          <p:nvPr/>
+        </p:nvPicPr>
+        <p:blipFill>
+          <a:blip r:embed="rId2"/>
+          <a:stretch>
+            <a:fillRect/>
+          </a:stretch>
+        </p:blipFill>
+        <p:spPr>
+          <a:xfrm>
+            <a:off x="4608663" y="3122498"/>
+            <a:ext cx="3543607" cy="3585297"/>
+          </a:xfrm>
+          <a:prstGeom prst="rect">
+            <a:avLst/>
+          </a:prstGeom>
+        </p:spPr>
+      </p:pic>
+      <p:sp>
+        <p:nvSpPr>
+          <p:cNvPr id="6" name="TextBox 5"/>
+          <p:cNvSpPr txBox="1"/>
+          <p:nvPr/>
+        </p:nvSpPr>
+        <p:spPr>
+          <a:xfrm>
+            <a:off x="1307647" y="6061464"/>
+            <a:ext cx="3301016" cy="646331"/>
+          </a:xfrm>
+          <a:prstGeom prst="rect">
+            <a:avLst/>
+          </a:prstGeom>
+          <a:noFill/>
+        </p:spPr>
+        <p:txBody>
+          <a:bodyPr wrap="none" rtlCol="0">
+            <a:spAutoFit/>
+          </a:bodyPr>
+          <a:lstStyle/>
+          <a:p>
+            <a:r>
+              <a:rPr lang="de-DE"/>
+              <a:t>Beispiel-Raster,</a:t>
+            </a:r>
+          </a:p>
+          <a:p>
+            <a:r>
+              <a:rPr lang="de-DE"/>
+              <a:t>angereichert mit 2 Zuckerbergen:</a:t>
             </a:r>
           </a:p>
         </p:txBody>
@@ -4859,453 +10101,501 @@
             <p:ph idx="1"/>
           </p:nvPr>
         </p:nvSpPr>
+        <p:spPr/>
+        <p:txBody>
+          <a:bodyPr>
+            <a:normAutofit/>
+          </a:bodyPr>
+          <a:lstStyle/>
+          <a:p>
+            <a:r>
+              <a:rPr lang="en-US" sz="1600" smtClean="0"/>
+              <a:t>Bewegen sich auf der Umwelt und sammeln Zucker</a:t>
+            </a:r>
+          </a:p>
+          <a:p>
+            <a:r>
+              <a:rPr lang="en-US" sz="1600" smtClean="0"/>
+              <a:t>Besitzen </a:t>
+            </a:r>
+            <a:r>
+              <a:rPr lang="en-US" sz="1600" err="1"/>
+              <a:t>einen</a:t>
+            </a:r>
+            <a:r>
+              <a:rPr lang="en-US" sz="1600"/>
+              <a:t> </a:t>
+            </a:r>
+            <a:r>
+              <a:rPr lang="en-US" sz="1600" smtClean="0"/>
+              <a:t>Metabolismus, d.h., sie verbrauchen Zucker zur Erhaltung der eigenen Lebensaktivitäten </a:t>
+            </a:r>
+            <a:r>
+              <a:rPr lang="en-US" sz="1600" dirty="0"/>
+              <a:t>(</a:t>
+            </a:r>
+            <a:r>
+              <a:rPr lang="en-US" sz="1600" err="1"/>
+              <a:t>Zeitschritte</a:t>
+            </a:r>
+            <a:r>
+              <a:rPr lang="en-US" sz="1600" smtClean="0"/>
+              <a:t>/1 </a:t>
+            </a:r>
+            <a:r>
+              <a:rPr lang="en-US" sz="1600" dirty="0" err="1"/>
+              <a:t>Zuckereinheit</a:t>
+            </a:r>
+            <a:r>
+              <a:rPr lang="en-US" sz="1600" dirty="0"/>
+              <a:t>)</a:t>
+            </a:r>
+          </a:p>
+          <a:p>
+            <a:r>
+              <a:rPr lang="en-US" sz="1600" dirty="0"/>
+              <a:t> </a:t>
+            </a:r>
+            <a:r>
+              <a:rPr lang="en-US" sz="1600" dirty="0" err="1"/>
+              <a:t>Haben</a:t>
+            </a:r>
+            <a:r>
+              <a:rPr lang="en-US" sz="1600" dirty="0"/>
+              <a:t> </a:t>
+            </a:r>
+            <a:r>
+              <a:rPr lang="en-US" sz="1600" dirty="0" err="1"/>
+              <a:t>eine</a:t>
+            </a:r>
+            <a:r>
+              <a:rPr lang="en-US" sz="1600" dirty="0"/>
+              <a:t> </a:t>
+            </a:r>
+            <a:r>
+              <a:rPr lang="en-US" sz="1600" dirty="0" err="1"/>
+              <a:t>begrenzte</a:t>
+            </a:r>
+            <a:r>
+              <a:rPr lang="en-US" sz="1600" dirty="0"/>
+              <a:t> </a:t>
+            </a:r>
+            <a:r>
+              <a:rPr lang="en-US" sz="1600" dirty="0" err="1" smtClean="0"/>
+              <a:t>Lebenserwartung</a:t>
+            </a:r>
+            <a:r>
+              <a:rPr lang="en-US" sz="1600" dirty="0" smtClean="0"/>
+              <a:t> </a:t>
+            </a:r>
+            <a:r>
+              <a:rPr lang="en-US" sz="1600" dirty="0"/>
+              <a:t>(</a:t>
+            </a:r>
+            <a:r>
+              <a:rPr lang="en-US" sz="1600" dirty="0" err="1"/>
+              <a:t>zunächst</a:t>
+            </a:r>
+            <a:r>
+              <a:rPr lang="en-US" sz="1600" dirty="0"/>
+              <a:t> 60-100 </a:t>
+            </a:r>
+            <a:r>
+              <a:rPr lang="en-US" sz="1600" dirty="0" err="1"/>
+              <a:t>Zeitschritte</a:t>
+            </a:r>
+            <a:r>
+              <a:rPr lang="en-US" sz="1600" dirty="0"/>
+              <a:t>)</a:t>
+            </a:r>
+          </a:p>
+          <a:p>
+            <a:r>
+              <a:rPr lang="en-US" sz="1600" dirty="0"/>
+              <a:t> </a:t>
+            </a:r>
+            <a:r>
+              <a:rPr lang="en-US" sz="1600"/>
+              <a:t>Das </a:t>
+            </a:r>
+            <a:r>
+              <a:rPr lang="en-US" sz="1600" smtClean="0"/>
+              <a:t>Blickfeld (= maximaler Abstand zu einem Gitterplatz, aus dem noch Informationen empfangen werden können) </a:t>
+            </a:r>
+            <a:r>
+              <a:rPr lang="en-US" sz="1600" dirty="0" err="1"/>
+              <a:t>ist</a:t>
+            </a:r>
+            <a:r>
+              <a:rPr lang="en-US" sz="1600" dirty="0"/>
+              <a:t> </a:t>
+            </a:r>
+            <a:r>
+              <a:rPr lang="en-US" sz="1600" dirty="0" err="1"/>
+              <a:t>begrenzt</a:t>
+            </a:r>
+            <a:r>
+              <a:rPr lang="en-US" sz="1600" dirty="0"/>
+              <a:t> und </a:t>
+            </a:r>
+            <a:r>
+              <a:rPr lang="en-US" sz="1600" dirty="0" err="1"/>
+              <a:t>wird</a:t>
+            </a:r>
+            <a:r>
+              <a:rPr lang="en-US" sz="1600" dirty="0"/>
+              <a:t> </a:t>
+            </a:r>
+            <a:r>
+              <a:rPr lang="en-US" sz="1600" err="1"/>
+              <a:t>durch</a:t>
+            </a:r>
+            <a:r>
+              <a:rPr lang="en-US" sz="1600"/>
+              <a:t> </a:t>
+            </a:r>
+            <a:r>
+              <a:rPr lang="en-US" sz="1600" smtClean="0"/>
+              <a:t>eine (ggf. ausgeweitete) </a:t>
+            </a:r>
+            <a:r>
+              <a:rPr lang="en-US" sz="1600" dirty="0" smtClean="0"/>
+              <a:t>Von-Neumann-</a:t>
+            </a:r>
+            <a:r>
+              <a:rPr lang="en-US" sz="1600" dirty="0" err="1" smtClean="0"/>
+              <a:t>Nachbarschaft (s.u.)</a:t>
+            </a:r>
+            <a:r>
+              <a:rPr lang="en-US" sz="1600" dirty="0" smtClean="0"/>
+              <a:t> </a:t>
+            </a:r>
+            <a:r>
+              <a:rPr lang="en-US" sz="1600" dirty="0" err="1"/>
+              <a:t>realisiert</a:t>
+            </a:r>
+            <a:r>
+              <a:rPr lang="en-US" sz="1600" dirty="0"/>
+              <a:t>.</a:t>
+            </a:r>
+          </a:p>
+          <a:p>
+            <a:r>
+              <a:rPr lang="en-US" sz="1600" dirty="0"/>
+              <a:t> </a:t>
+            </a:r>
+            <a:r>
+              <a:rPr lang="en-US" sz="1600" dirty="0" err="1"/>
+              <a:t>Der</a:t>
+            </a:r>
+            <a:r>
+              <a:rPr lang="en-US" sz="1600" dirty="0"/>
+              <a:t> </a:t>
+            </a:r>
+            <a:r>
+              <a:rPr lang="en-US" sz="1600" dirty="0" err="1"/>
+              <a:t>Wohlstand</a:t>
+            </a:r>
+            <a:r>
+              <a:rPr lang="en-US" sz="1600" dirty="0"/>
+              <a:t> </a:t>
+            </a:r>
+            <a:r>
+              <a:rPr lang="en-US" sz="1600" dirty="0" err="1"/>
+              <a:t>eines</a:t>
+            </a:r>
+            <a:r>
+              <a:rPr lang="en-US" sz="1600" dirty="0"/>
+              <a:t> </a:t>
+            </a:r>
+            <a:r>
+              <a:rPr lang="en-US" sz="1600" dirty="0" err="1"/>
+              <a:t>Agenten</a:t>
+            </a:r>
+            <a:r>
+              <a:rPr lang="en-US" sz="1600" dirty="0"/>
+              <a:t> </a:t>
+            </a:r>
+            <a:r>
+              <a:rPr lang="en-US" sz="1600" dirty="0" err="1"/>
+              <a:t>wird</a:t>
+            </a:r>
+            <a:r>
+              <a:rPr lang="en-US" sz="1600" dirty="0"/>
+              <a:t> </a:t>
+            </a:r>
+            <a:r>
+              <a:rPr lang="en-US" sz="1600" dirty="0" err="1"/>
+              <a:t>durch</a:t>
+            </a:r>
+            <a:r>
+              <a:rPr lang="en-US" sz="1600" dirty="0"/>
+              <a:t> den </a:t>
+            </a:r>
+            <a:r>
+              <a:rPr lang="en-US" sz="1600" dirty="0" err="1"/>
+              <a:t>Besitz</a:t>
+            </a:r>
+            <a:r>
+              <a:rPr lang="en-US" sz="1600" dirty="0" smtClean="0"/>
+              <a:t> (</a:t>
+            </a:r>
+            <a:r>
+              <a:rPr lang="en-US" sz="1600" dirty="0" err="1"/>
+              <a:t>Zucker</a:t>
+            </a:r>
+            <a:r>
+              <a:rPr lang="en-US" sz="1600" dirty="0"/>
+              <a:t>) </a:t>
+            </a:r>
+            <a:r>
+              <a:rPr lang="en-US" sz="1600" dirty="0" err="1"/>
+              <a:t>dargestellt</a:t>
+            </a:r>
+            <a:r>
+              <a:rPr lang="en-US" sz="1600" dirty="0"/>
+              <a:t>.</a:t>
+            </a:r>
+          </a:p>
+          <a:p>
+            <a:r>
+              <a:rPr lang="en-US" sz="1600" dirty="0"/>
+              <a:t> Es </a:t>
+            </a:r>
+            <a:r>
+              <a:rPr lang="en-US" sz="1600" dirty="0" err="1"/>
+              <a:t>gibt</a:t>
+            </a:r>
+            <a:r>
+              <a:rPr lang="en-US" sz="1600" dirty="0"/>
+              <a:t> </a:t>
+            </a:r>
+            <a:r>
+              <a:rPr lang="en-US" sz="1600" dirty="0" err="1"/>
+              <a:t>Agenten</a:t>
+            </a:r>
+            <a:r>
+              <a:rPr lang="en-US" sz="1600" dirty="0"/>
+              <a:t> </a:t>
+            </a:r>
+            <a:r>
+              <a:rPr lang="en-US" sz="1600" err="1"/>
+              <a:t>unterschiedlicher</a:t>
+            </a:r>
+            <a:r>
+              <a:rPr lang="en-US" sz="1600"/>
+              <a:t> </a:t>
+            </a:r>
+            <a:r>
+              <a:rPr lang="en-US" sz="1600" smtClean="0"/>
+              <a:t>Geschlechter, </a:t>
+            </a:r>
+            <a:r>
+              <a:rPr lang="en-US" sz="1600" dirty="0"/>
+              <a:t>die </a:t>
+            </a:r>
+            <a:r>
+              <a:rPr lang="en-US" sz="1600" dirty="0" err="1" smtClean="0"/>
+              <a:t>sich</a:t>
+            </a:r>
+            <a:r>
+              <a:rPr lang="en-US" sz="1600" dirty="0"/>
+              <a:t> </a:t>
+            </a:r>
+            <a:r>
+              <a:rPr lang="en-US" sz="1600" err="1" smtClean="0"/>
+              <a:t>entsprechend</a:t>
+            </a:r>
+            <a:r>
+              <a:rPr lang="en-US" sz="1600" smtClean="0"/>
+              <a:t> fortpflanzen</a:t>
+            </a:r>
+          </a:p>
+          <a:p>
+            <a:r>
+              <a:rPr lang="en-US" sz="1600" dirty="0"/>
+              <a:t> Die </a:t>
+            </a:r>
+            <a:r>
+              <a:rPr lang="en-US" sz="1600" dirty="0" err="1" smtClean="0"/>
+              <a:t>Fähigkeit</a:t>
+            </a:r>
+            <a:r>
+              <a:rPr lang="en-US" sz="1600" dirty="0" smtClean="0"/>
+              <a:t>, </a:t>
+            </a:r>
+            <a:r>
+              <a:rPr lang="en-US" sz="1600" dirty="0" err="1"/>
+              <a:t>sich</a:t>
+            </a:r>
+            <a:r>
+              <a:rPr lang="en-US" sz="1600" dirty="0"/>
+              <a:t> </a:t>
+            </a:r>
+            <a:r>
+              <a:rPr lang="en-US" sz="1600" dirty="0" err="1"/>
+              <a:t>fortpflanzen</a:t>
+            </a:r>
+            <a:r>
+              <a:rPr lang="en-US" sz="1600" dirty="0"/>
+              <a:t> </a:t>
+            </a:r>
+            <a:r>
+              <a:rPr lang="en-US" sz="1600" dirty="0" err="1"/>
+              <a:t>zu</a:t>
+            </a:r>
+            <a:r>
+              <a:rPr lang="en-US" sz="1600" dirty="0"/>
+              <a:t> </a:t>
+            </a:r>
+            <a:r>
+              <a:rPr lang="en-US" sz="1600" dirty="0" err="1" smtClean="0"/>
+              <a:t>können</a:t>
+            </a:r>
+            <a:r>
+              <a:rPr lang="en-US" sz="1600" dirty="0" smtClean="0"/>
+              <a:t>, </a:t>
+            </a:r>
+            <a:r>
+              <a:rPr lang="en-US" sz="1600" dirty="0" err="1"/>
+              <a:t>ist</a:t>
+            </a:r>
+            <a:r>
+              <a:rPr lang="en-US" sz="1600" dirty="0"/>
+              <a:t> auf </a:t>
+            </a:r>
+            <a:r>
+              <a:rPr lang="en-US" sz="1600" dirty="0" err="1"/>
+              <a:t>ein</a:t>
+            </a:r>
+            <a:r>
+              <a:rPr lang="en-US" sz="1600" dirty="0" smtClean="0"/>
+              <a:t> </a:t>
+            </a:r>
+            <a:r>
+              <a:rPr lang="en-US" sz="1600" dirty="0" err="1" smtClean="0"/>
+              <a:t>bestimmtes</a:t>
+            </a:r>
+            <a:r>
+              <a:rPr lang="en-US" sz="1600" dirty="0" smtClean="0"/>
+              <a:t> </a:t>
+            </a:r>
+            <a:r>
+              <a:rPr lang="en-US" sz="1600" dirty="0"/>
+              <a:t>Alter </a:t>
+            </a:r>
+            <a:r>
+              <a:rPr lang="en-US" sz="1600" dirty="0" err="1"/>
+              <a:t>eingeschränkt</a:t>
+            </a:r>
+            <a:r>
+              <a:rPr lang="en-US" sz="1600" dirty="0"/>
+              <a:t> und </a:t>
+            </a:r>
+            <a:r>
+              <a:rPr lang="en-US" sz="1600" dirty="0" err="1"/>
+              <a:t>wird</a:t>
+            </a:r>
+            <a:r>
+              <a:rPr lang="en-US" sz="1600" dirty="0"/>
+              <a:t> </a:t>
+            </a:r>
+            <a:r>
+              <a:rPr lang="en-US" sz="1600" dirty="0" err="1"/>
+              <a:t>abhängig</a:t>
+            </a:r>
+            <a:r>
+              <a:rPr lang="en-US" sz="1600" dirty="0"/>
+              <a:t> </a:t>
+            </a:r>
+            <a:r>
+              <a:rPr lang="en-US" sz="1600" dirty="0" err="1"/>
+              <a:t>vom</a:t>
+            </a:r>
+            <a:r>
+              <a:rPr lang="en-US" sz="1600" dirty="0" smtClean="0"/>
+              <a:t> </a:t>
+            </a:r>
+            <a:r>
+              <a:rPr lang="en-US" sz="1600" dirty="0" err="1" smtClean="0"/>
+              <a:t>Geschlecht</a:t>
+            </a:r>
+            <a:r>
+              <a:rPr lang="en-US" sz="1600" dirty="0" smtClean="0"/>
+              <a:t> </a:t>
+            </a:r>
+            <a:r>
+              <a:rPr lang="en-US" sz="1600" dirty="0"/>
+              <a:t>des </a:t>
+            </a:r>
+            <a:r>
+              <a:rPr lang="en-US" sz="1600" dirty="0" err="1"/>
+              <a:t>Agenten</a:t>
+            </a:r>
+            <a:r>
+              <a:rPr lang="en-US" sz="1600" dirty="0"/>
+              <a:t> </a:t>
+            </a:r>
+            <a:r>
+              <a:rPr lang="en-US" sz="1600" err="1"/>
+              <a:t>zufällig</a:t>
+            </a:r>
+            <a:r>
+              <a:rPr lang="en-US" sz="1600" smtClean="0"/>
+              <a:t> ermittelt.</a:t>
+            </a:r>
+          </a:p>
+        </p:txBody>
+      </p:sp>
+      <p:pic>
+        <p:nvPicPr>
+          <p:cNvPr id="5" name="Picture 4" descr="Bildschirmfoto 2010-01-18 um 21.19.461.png"/>
+          <p:cNvPicPr>
+            <a:picLocks noChangeAspect="1"/>
+          </p:cNvPicPr>
+          <p:nvPr/>
+        </p:nvPicPr>
+        <p:blipFill>
+          <a:blip r:embed="rId2"/>
+          <a:stretch>
+            <a:fillRect/>
+          </a:stretch>
+        </p:blipFill>
         <p:spPr>
           <a:xfrm>
-            <a:off x="457200" y="1600200"/>
-            <a:ext cx="8229600" cy="4525963"/>
+            <a:off x="6352969" y="4726989"/>
+            <a:ext cx="1949520" cy="1781514"/>
           </a:xfrm>
+          <a:prstGeom prst="rect">
+            <a:avLst/>
+          </a:prstGeom>
+        </p:spPr>
+      </p:pic>
+      <p:sp>
+        <p:nvSpPr>
+          <p:cNvPr id="6" name="TextBox 5"/>
+          <p:cNvSpPr txBox="1"/>
+          <p:nvPr/>
+        </p:nvSpPr>
+        <p:spPr>
+          <a:xfrm>
+            <a:off x="1987098" y="6126163"/>
+            <a:ext cx="4488766" cy="369332"/>
+          </a:xfrm>
+          <a:prstGeom prst="rect">
+            <a:avLst/>
+          </a:prstGeom>
+          <a:noFill/>
         </p:spPr>
         <p:txBody>
-          <a:bodyPr>
-            <a:normAutofit fontScale="62500" lnSpcReduction="20000"/>
+          <a:bodyPr wrap="none" rtlCol="0">
+            <a:spAutoFit/>
           </a:bodyPr>
           <a:lstStyle/>
           <a:p>
             <a:r>
-              <a:rPr lang="en-US" smtClean="0"/>
-              <a:t>Bewegen sich auf der Umwelt und sammeln Zucker</a:t>
-            </a:r>
-          </a:p>
-          <a:p>
-            <a:r>
-              <a:rPr lang="en-US" smtClean="0"/>
-              <a:t>Besitzen </a:t>
-            </a:r>
-            <a:r>
-              <a:rPr lang="en-US" err="1"/>
-              <a:t>einen</a:t>
-            </a:r>
-            <a:r>
-              <a:rPr lang="en-US"/>
-              <a:t> </a:t>
-            </a:r>
-            <a:r>
-              <a:rPr lang="en-US" smtClean="0"/>
-              <a:t>Metabolismus, d.h., sie verbrauchen Zucker zur Erhaltung der eigenen Lebensaktivitäten </a:t>
-            </a:r>
-            <a:r>
-              <a:rPr lang="en-US" dirty="0"/>
-              <a:t>(</a:t>
-            </a:r>
-            <a:r>
-              <a:rPr lang="en-US" err="1"/>
-              <a:t>Zeitschritte</a:t>
-            </a:r>
-            <a:r>
-              <a:rPr lang="en-US" smtClean="0"/>
-              <a:t>/1 </a:t>
-            </a:r>
-            <a:r>
-              <a:rPr lang="en-US" dirty="0" err="1"/>
-              <a:t>Zuckereinheit</a:t>
-            </a:r>
-            <a:r>
-              <a:rPr lang="en-US" dirty="0"/>
-              <a:t>)</a:t>
-            </a:r>
-          </a:p>
-          <a:p>
-            <a:r>
-              <a:rPr lang="en-US" dirty="0"/>
-              <a:t> </a:t>
-            </a:r>
-            <a:r>
-              <a:rPr lang="en-US" dirty="0" err="1"/>
-              <a:t>Haben</a:t>
-            </a:r>
-            <a:r>
-              <a:rPr lang="en-US" dirty="0"/>
-              <a:t> </a:t>
-            </a:r>
-            <a:r>
-              <a:rPr lang="en-US" dirty="0" err="1"/>
-              <a:t>eine</a:t>
-            </a:r>
-            <a:r>
-              <a:rPr lang="en-US" dirty="0"/>
-              <a:t> </a:t>
-            </a:r>
-            <a:r>
-              <a:rPr lang="en-US" dirty="0" err="1"/>
-              <a:t>begrenzte</a:t>
-            </a:r>
-            <a:r>
-              <a:rPr lang="en-US" dirty="0"/>
-              <a:t> </a:t>
-            </a:r>
-            <a:r>
-              <a:rPr lang="en-US" dirty="0" err="1" smtClean="0"/>
-              <a:t>Lebenserwartung</a:t>
-            </a:r>
-            <a:r>
-              <a:rPr lang="en-US" dirty="0" smtClean="0"/>
-              <a:t> </a:t>
-            </a:r>
-            <a:r>
-              <a:rPr lang="en-US" dirty="0"/>
-              <a:t>(</a:t>
-            </a:r>
-            <a:r>
-              <a:rPr lang="en-US" dirty="0" err="1"/>
-              <a:t>zunächst</a:t>
-            </a:r>
-            <a:r>
-              <a:rPr lang="en-US" dirty="0"/>
-              <a:t> 60-100 </a:t>
-            </a:r>
-            <a:r>
-              <a:rPr lang="en-US" dirty="0" err="1"/>
-              <a:t>Zeitschritte</a:t>
-            </a:r>
-            <a:r>
-              <a:rPr lang="en-US" dirty="0"/>
-              <a:t>)</a:t>
-            </a:r>
-          </a:p>
-          <a:p>
-            <a:r>
-              <a:rPr lang="en-US" dirty="0"/>
-              <a:t> </a:t>
-            </a:r>
-            <a:r>
-              <a:rPr lang="en-US"/>
-              <a:t>Das </a:t>
-            </a:r>
-            <a:r>
-              <a:rPr lang="en-US" smtClean="0"/>
-              <a:t>Blickfeld (= maximaler Abstand zu einem Gitterplatz, aus dem noch Informationen empfangen werden können) </a:t>
-            </a:r>
-            <a:r>
-              <a:rPr lang="en-US" dirty="0" err="1"/>
-              <a:t>ist</a:t>
-            </a:r>
-            <a:r>
-              <a:rPr lang="en-US" dirty="0"/>
-              <a:t> </a:t>
-            </a:r>
-            <a:r>
-              <a:rPr lang="en-US" dirty="0" err="1"/>
-              <a:t>begrenzt</a:t>
-            </a:r>
-            <a:r>
-              <a:rPr lang="en-US" dirty="0"/>
-              <a:t> und </a:t>
-            </a:r>
-            <a:r>
-              <a:rPr lang="en-US" dirty="0" err="1"/>
-              <a:t>wird</a:t>
-            </a:r>
-            <a:r>
-              <a:rPr lang="en-US" dirty="0"/>
-              <a:t> </a:t>
-            </a:r>
-            <a:r>
-              <a:rPr lang="en-US" err="1"/>
-              <a:t>durch</a:t>
-            </a:r>
-            <a:r>
-              <a:rPr lang="en-US"/>
-              <a:t> </a:t>
-            </a:r>
-            <a:r>
-              <a:rPr lang="en-US" smtClean="0"/>
-              <a:t>eine (ggf. ausgeweitete) </a:t>
-            </a:r>
-            <a:r>
-              <a:rPr lang="en-US" dirty="0" smtClean="0"/>
-              <a:t>Von-Neumann-</a:t>
-            </a:r>
-            <a:r>
-              <a:rPr lang="en-US" dirty="0" err="1" smtClean="0"/>
-              <a:t>Nachbarschaft</a:t>
-            </a:r>
-            <a:r>
-              <a:rPr lang="en-US" dirty="0" smtClean="0"/>
-              <a:t> </a:t>
-            </a:r>
-            <a:r>
-              <a:rPr lang="en-US" dirty="0" err="1"/>
-              <a:t>realisiert</a:t>
-            </a:r>
-            <a:r>
-              <a:rPr lang="en-US" dirty="0"/>
-              <a:t>.</a:t>
-            </a:r>
-          </a:p>
-          <a:p>
-            <a:r>
-              <a:rPr lang="en-US" dirty="0"/>
-              <a:t> </a:t>
-            </a:r>
-            <a:r>
-              <a:rPr lang="en-US" dirty="0" err="1"/>
-              <a:t>Der</a:t>
-            </a:r>
-            <a:r>
-              <a:rPr lang="en-US" dirty="0"/>
-              <a:t> </a:t>
-            </a:r>
-            <a:r>
-              <a:rPr lang="en-US" dirty="0" err="1"/>
-              <a:t>Wohlstand</a:t>
-            </a:r>
-            <a:r>
-              <a:rPr lang="en-US" dirty="0"/>
-              <a:t> </a:t>
-            </a:r>
-            <a:r>
-              <a:rPr lang="en-US" dirty="0" err="1"/>
-              <a:t>eines</a:t>
-            </a:r>
-            <a:r>
-              <a:rPr lang="en-US" dirty="0"/>
-              <a:t> </a:t>
-            </a:r>
-            <a:r>
-              <a:rPr lang="en-US" dirty="0" err="1"/>
-              <a:t>Agenten</a:t>
-            </a:r>
-            <a:r>
-              <a:rPr lang="en-US" dirty="0"/>
-              <a:t> </a:t>
-            </a:r>
-            <a:r>
-              <a:rPr lang="en-US" dirty="0" err="1"/>
-              <a:t>wird</a:t>
-            </a:r>
-            <a:r>
-              <a:rPr lang="en-US" dirty="0"/>
-              <a:t> </a:t>
-            </a:r>
-            <a:r>
-              <a:rPr lang="en-US" dirty="0" err="1"/>
-              <a:t>durch</a:t>
-            </a:r>
-            <a:r>
-              <a:rPr lang="en-US" dirty="0"/>
-              <a:t> den </a:t>
-            </a:r>
-            <a:r>
-              <a:rPr lang="en-US" dirty="0" err="1"/>
-              <a:t>Besitz</a:t>
-            </a:r>
-            <a:r>
-              <a:rPr lang="en-US" dirty="0" smtClean="0"/>
-              <a:t> (</a:t>
-            </a:r>
-            <a:r>
-              <a:rPr lang="en-US" dirty="0" err="1"/>
-              <a:t>Zucker</a:t>
-            </a:r>
-            <a:r>
-              <a:rPr lang="en-US" dirty="0"/>
-              <a:t>) </a:t>
-            </a:r>
-            <a:r>
-              <a:rPr lang="en-US" dirty="0" err="1"/>
-              <a:t>dargestellt</a:t>
-            </a:r>
-            <a:r>
-              <a:rPr lang="en-US" dirty="0"/>
-              <a:t>.</a:t>
-            </a:r>
-          </a:p>
-          <a:p>
-            <a:r>
-              <a:rPr lang="en-US" dirty="0"/>
-              <a:t> Es </a:t>
-            </a:r>
-            <a:r>
-              <a:rPr lang="en-US" dirty="0" err="1"/>
-              <a:t>gibt</a:t>
-            </a:r>
-            <a:r>
-              <a:rPr lang="en-US" dirty="0"/>
-              <a:t> </a:t>
-            </a:r>
-            <a:r>
-              <a:rPr lang="en-US" dirty="0" err="1"/>
-              <a:t>Agenten</a:t>
-            </a:r>
-            <a:r>
-              <a:rPr lang="en-US" dirty="0"/>
-              <a:t> </a:t>
-            </a:r>
-            <a:r>
-              <a:rPr lang="en-US" err="1"/>
-              <a:t>unterschiedlicher</a:t>
-            </a:r>
-            <a:r>
-              <a:rPr lang="en-US"/>
-              <a:t> </a:t>
-            </a:r>
-            <a:r>
-              <a:rPr lang="en-US" smtClean="0"/>
-              <a:t>Geschlechter, </a:t>
-            </a:r>
-            <a:r>
-              <a:rPr lang="en-US" dirty="0"/>
-              <a:t>die </a:t>
-            </a:r>
-            <a:r>
-              <a:rPr lang="en-US" dirty="0" err="1" smtClean="0"/>
-              <a:t>sich</a:t>
-            </a:r>
-            <a:r>
-              <a:rPr lang="en-US" dirty="0"/>
-              <a:t> </a:t>
-            </a:r>
-            <a:r>
-              <a:rPr lang="en-US" err="1" smtClean="0"/>
-              <a:t>entsprechend</a:t>
-            </a:r>
-            <a:r>
-              <a:rPr lang="en-US" smtClean="0"/>
-              <a:t> fortpflanzen</a:t>
-            </a:r>
-          </a:p>
-          <a:p>
-            <a:r>
-              <a:rPr lang="en-US" dirty="0"/>
-              <a:t> Die </a:t>
-            </a:r>
-            <a:r>
-              <a:rPr lang="en-US" dirty="0" err="1" smtClean="0"/>
-              <a:t>Fähigkeit</a:t>
-            </a:r>
-            <a:r>
-              <a:rPr lang="en-US" dirty="0" smtClean="0"/>
-              <a:t>, </a:t>
-            </a:r>
-            <a:r>
-              <a:rPr lang="en-US" dirty="0" err="1"/>
-              <a:t>sich</a:t>
-            </a:r>
-            <a:r>
-              <a:rPr lang="en-US" dirty="0"/>
-              <a:t> </a:t>
-            </a:r>
-            <a:r>
-              <a:rPr lang="en-US" dirty="0" err="1"/>
-              <a:t>fortpflanzen</a:t>
-            </a:r>
-            <a:r>
-              <a:rPr lang="en-US" dirty="0"/>
-              <a:t> </a:t>
-            </a:r>
-            <a:r>
-              <a:rPr lang="en-US" dirty="0" err="1"/>
-              <a:t>zu</a:t>
-            </a:r>
-            <a:r>
-              <a:rPr lang="en-US" dirty="0"/>
-              <a:t> </a:t>
-            </a:r>
-            <a:r>
-              <a:rPr lang="en-US" dirty="0" err="1" smtClean="0"/>
-              <a:t>können</a:t>
-            </a:r>
-            <a:r>
-              <a:rPr lang="en-US" dirty="0" smtClean="0"/>
-              <a:t>, </a:t>
-            </a:r>
-            <a:r>
-              <a:rPr lang="en-US" dirty="0" err="1"/>
-              <a:t>ist</a:t>
-            </a:r>
-            <a:r>
-              <a:rPr lang="en-US" dirty="0"/>
-              <a:t> auf </a:t>
-            </a:r>
-            <a:r>
-              <a:rPr lang="en-US" dirty="0" err="1"/>
-              <a:t>ein</a:t>
-            </a:r>
-            <a:r>
-              <a:rPr lang="en-US" dirty="0" smtClean="0"/>
-              <a:t> </a:t>
-            </a:r>
-            <a:r>
-              <a:rPr lang="en-US" dirty="0" err="1" smtClean="0"/>
-              <a:t>bestimmtes</a:t>
-            </a:r>
-            <a:r>
-              <a:rPr lang="en-US" dirty="0" smtClean="0"/>
-              <a:t> </a:t>
-            </a:r>
-            <a:r>
-              <a:rPr lang="en-US" dirty="0"/>
-              <a:t>Alter </a:t>
-            </a:r>
-            <a:r>
-              <a:rPr lang="en-US" dirty="0" err="1"/>
-              <a:t>eingeschränkt</a:t>
-            </a:r>
-            <a:r>
-              <a:rPr lang="en-US" dirty="0"/>
-              <a:t> und </a:t>
-            </a:r>
-            <a:r>
-              <a:rPr lang="en-US" dirty="0" err="1"/>
-              <a:t>wird</a:t>
-            </a:r>
-            <a:r>
-              <a:rPr lang="en-US" dirty="0"/>
-              <a:t> </a:t>
-            </a:r>
-            <a:r>
-              <a:rPr lang="en-US" dirty="0" err="1"/>
-              <a:t>abhängig</a:t>
-            </a:r>
-            <a:r>
-              <a:rPr lang="en-US" dirty="0"/>
-              <a:t> </a:t>
-            </a:r>
-            <a:r>
-              <a:rPr lang="en-US" dirty="0" err="1"/>
-              <a:t>vom</a:t>
-            </a:r>
-            <a:r>
-              <a:rPr lang="en-US" dirty="0" smtClean="0"/>
-              <a:t> </a:t>
-            </a:r>
-            <a:r>
-              <a:rPr lang="en-US" dirty="0" err="1" smtClean="0"/>
-              <a:t>Geschlecht</a:t>
-            </a:r>
-            <a:r>
-              <a:rPr lang="en-US" dirty="0" smtClean="0"/>
-              <a:t> </a:t>
-            </a:r>
-            <a:r>
-              <a:rPr lang="en-US" dirty="0"/>
-              <a:t>des </a:t>
-            </a:r>
-            <a:r>
-              <a:rPr lang="en-US" dirty="0" err="1"/>
-              <a:t>Agenten</a:t>
-            </a:r>
-            <a:r>
-              <a:rPr lang="en-US" dirty="0"/>
-              <a:t> </a:t>
-            </a:r>
-            <a:r>
-              <a:rPr lang="en-US" err="1"/>
-              <a:t>zufällig</a:t>
-            </a:r>
-            <a:r>
-              <a:rPr lang="en-US" smtClean="0"/>
-              <a:t> ermittelt.</a:t>
+              <a:rPr lang="de-DE"/>
+              <a:t>(Ausgeweitete) Von-Neumann-Nachbarschaft:</a:t>
             </a:r>
           </a:p>
         </p:txBody>
@@ -5370,7 +10660,9 @@
         </p:nvSpPr>
         <p:spPr/>
         <p:txBody>
-          <a:bodyPr/>
+          <a:bodyPr>
+            <a:normAutofit fontScale="55000" lnSpcReduction="20000"/>
+          </a:bodyPr>
           <a:lstStyle/>
           <a:p>
             <a:r>
@@ -5382,29 +10674,157 @@
             <a:pPr lvl="1"/>
             <a:r>
               <a:rPr lang="de-DE" smtClean="0"/>
+              <a:t>Ohne aktive Suche nach einem Partner:</a:t>
+            </a:r>
+          </a:p>
+          <a:p>
+            <a:pPr lvl="2"/>
+            <a:r>
+              <a:rPr lang="de-DE" smtClean="0"/>
               <a:t>Suche innerhalb des Blickfeldes die freien Gitterplätze mit dem meisten Zucker</a:t>
             </a:r>
           </a:p>
           <a:p>
-            <a:pPr lvl="1"/>
+            <a:pPr lvl="2"/>
             <a:r>
               <a:rPr lang="de-DE" smtClean="0"/>
               <a:t>Wähle bei gleichen Zuckermengen auf verschiedenen Plätzen den, der am nächsten ist</a:t>
             </a:r>
           </a:p>
           <a:p>
-            <a:pPr lvl="1"/>
+            <a:pPr lvl="2"/>
             <a:r>
               <a:rPr lang="de-DE" smtClean="0"/>
               <a:t>Gehe zu diesem Gitterplatz</a:t>
             </a:r>
           </a:p>
           <a:p>
-            <a:pPr lvl="1"/>
+            <a:pPr lvl="2"/>
             <a:r>
               <a:rPr lang="de-DE" smtClean="0"/>
               <a:t>Ernte Zucker an dem Gitterplatz</a:t>
             </a:r>
+          </a:p>
+          <a:p>
+            <a:pPr lvl="1"/>
+            <a:r>
+              <a:rPr lang="de-DE"/>
+              <a:t>Mit aktiver Suche nach einem Partner:</a:t>
+            </a:r>
+          </a:p>
+          <a:p>
+            <a:pPr lvl="2"/>
+            <a:r>
+              <a:rPr lang="de-DE"/>
+              <a:t>Schaue alle Nachbarn an</a:t>
+            </a:r>
+          </a:p>
+          <a:p>
+            <a:pPr lvl="2"/>
+            <a:r>
+              <a:rPr lang="de-DE"/>
+              <a:t>Wenn einer der Nachbarn</a:t>
+            </a:r>
+          </a:p>
+          <a:p>
+            <a:pPr lvl="3"/>
+            <a:r>
+              <a:rPr lang="de-DE"/>
+              <a:t>fruchtbar ist,</a:t>
+            </a:r>
+          </a:p>
+          <a:p>
+            <a:pPr lvl="3"/>
+            <a:r>
+              <a:rPr lang="de-DE"/>
+              <a:t>vom anderen Geschlecht ist,</a:t>
+            </a:r>
+          </a:p>
+          <a:p>
+            <a:pPr lvl="3"/>
+            <a:r>
+              <a:rPr lang="de-DE"/>
+              <a:t>genügend Zucker hat</a:t>
+            </a:r>
+            <a:endParaRPr lang="de-DE"/>
+          </a:p>
+          <a:p>
+            <a:pPr lvl="2"/>
+            <a:r>
+              <a:rPr lang="de-DE"/>
+              <a:t>Und</a:t>
+            </a:r>
+          </a:p>
+          <a:p>
+            <a:pPr lvl="3"/>
+            <a:r>
+              <a:rPr lang="de-DE"/>
+              <a:t>Man selber fruchtabr ist und</a:t>
+            </a:r>
+          </a:p>
+          <a:p>
+            <a:pPr lvl="3"/>
+            <a:r>
+              <a:rPr lang="de-DE"/>
+              <a:t>Genügend Geld hat und</a:t>
+            </a:r>
+          </a:p>
+          <a:p>
+            <a:pPr lvl="3"/>
+            <a:r>
+              <a:rPr lang="de-DE"/>
+              <a:t>Der Zucker bis zu einem bestimmten Betrag abgebaut ist</a:t>
+            </a:r>
+            <a:endParaRPr lang="de-DE"/>
+          </a:p>
+          <a:p>
+            <a:pPr lvl="2"/>
+            <a:r>
+              <a:rPr lang="de-DE"/>
+              <a:t>Dann</a:t>
+            </a:r>
+            <a:endParaRPr lang="de-DE"/>
+          </a:p>
+          <a:p>
+            <a:pPr lvl="3"/>
+            <a:r>
+              <a:rPr lang="de-DE"/>
+              <a:t>Suche eine freie Parzelle nahe des potentiellen Partners</a:t>
+            </a:r>
+          </a:p>
+          <a:p>
+            <a:pPr lvl="3"/>
+            <a:r>
+              <a:rPr lang="de-DE"/>
+              <a:t>Bewege dich dorthin</a:t>
+            </a:r>
+            <a:endParaRPr lang="de-DE"/>
+          </a:p>
+          <a:p>
+            <a:pPr lvl="2"/>
+            <a:r>
+              <a:rPr lang="de-DE"/>
+              <a:t>Ansonsten</a:t>
+            </a:r>
+          </a:p>
+          <a:p>
+            <a:pPr lvl="3"/>
+            <a:r>
+              <a:rPr lang="de-DE"/>
+              <a:t>Gehe vor wie bei „Ohne aktive Suche nach einem Partner“</a:t>
+            </a:r>
+            <a:endParaRPr lang="de-DE"/>
+          </a:p>
+          <a:p>
+            <a:pPr lvl="3"/>
+            <a:endParaRPr lang="de-DE"/>
+          </a:p>
+          <a:p>
+            <a:pPr lvl="3"/>
+            <a:endParaRPr lang="de-DE"/>
+          </a:p>
+          <a:p>
+            <a:pPr lvl="3"/>
             <a:endParaRPr lang="de-DE"/>
           </a:p>
         </p:txBody>
@@ -5414,6 +10834,13 @@
   <p:clrMapOvr>
     <a:masterClrMapping/>
   </p:clrMapOvr>
+  <p:timing>
+    <p:tnLst>
+      <p:par>
+        <p:cTn id="1" dur="indefinite" restart="never" nodeType="tmRoot"/>
+      </p:par>
+    </p:tnLst>
+  </p:timing>
 </p:sld>
 </file>
 
@@ -5467,10 +10894,15 @@
             <p:ph idx="1"/>
           </p:nvPr>
         </p:nvSpPr>
-        <p:spPr/>
+        <p:spPr>
+          <a:xfrm>
+            <a:off x="457200" y="1600200"/>
+            <a:ext cx="8229600" cy="2598179"/>
+          </a:xfrm>
+        </p:spPr>
         <p:txBody>
           <a:bodyPr>
-            <a:normAutofit fontScale="92500" lnSpcReduction="20000"/>
+            <a:normAutofit fontScale="62500" lnSpcReduction="20000"/>
           </a:bodyPr>
           <a:lstStyle/>
           <a:p>
@@ -5537,11 +10969,122 @@
           </a:p>
         </p:txBody>
       </p:sp>
+      <p:pic>
+        <p:nvPicPr>
+          <p:cNvPr id="4" name="Picture 3" descr="Bildschirmfoto 2010-01-18 um 21.31.16.png"/>
+          <p:cNvPicPr>
+            <a:picLocks noChangeAspect="1"/>
+          </p:cNvPicPr>
+          <p:nvPr/>
+        </p:nvPicPr>
+        <p:blipFill>
+          <a:blip r:embed="rId2"/>
+          <a:stretch>
+            <a:fillRect/>
+          </a:stretch>
+        </p:blipFill>
+        <p:spPr>
+          <a:xfrm>
+            <a:off x="457200" y="4198379"/>
+            <a:ext cx="2322068" cy="2328743"/>
+          </a:xfrm>
+          <a:prstGeom prst="rect">
+            <a:avLst/>
+          </a:prstGeom>
+        </p:spPr>
+      </p:pic>
+      <p:pic>
+        <p:nvPicPr>
+          <p:cNvPr id="5" name="Picture 4" descr="Bildschirmfoto 2010-01-18 um 21.32.10.png"/>
+          <p:cNvPicPr>
+            <a:picLocks noChangeAspect="1"/>
+          </p:cNvPicPr>
+          <p:nvPr/>
+        </p:nvPicPr>
+        <p:blipFill>
+          <a:blip r:embed="rId3"/>
+          <a:stretch>
+            <a:fillRect/>
+          </a:stretch>
+        </p:blipFill>
+        <p:spPr>
+          <a:xfrm>
+            <a:off x="3437706" y="4198379"/>
+            <a:ext cx="2322068" cy="2328743"/>
+          </a:xfrm>
+          <a:prstGeom prst="rect">
+            <a:avLst/>
+          </a:prstGeom>
+        </p:spPr>
+      </p:pic>
+      <p:pic>
+        <p:nvPicPr>
+          <p:cNvPr id="6" name="Picture 5" descr="Bildschirmfoto 2010-01-18 um 21.32.22.png"/>
+          <p:cNvPicPr>
+            <a:picLocks noChangeAspect="1"/>
+          </p:cNvPicPr>
+          <p:nvPr/>
+        </p:nvPicPr>
+        <p:blipFill>
+          <a:blip r:embed="rId4"/>
+          <a:stretch>
+            <a:fillRect/>
+          </a:stretch>
+        </p:blipFill>
+        <p:spPr>
+          <a:xfrm>
+            <a:off x="6364732" y="4198379"/>
+            <a:ext cx="2322068" cy="2328743"/>
+          </a:xfrm>
+          <a:prstGeom prst="rect">
+            <a:avLst/>
+          </a:prstGeom>
+        </p:spPr>
+      </p:pic>
+      <p:graphicFrame>
+        <p:nvGraphicFramePr>
+          <p:cNvPr id="7" name="Diagram 6"/>
+          <p:cNvGraphicFramePr/>
+          <p:nvPr/>
+        </p:nvGraphicFramePr>
+        <p:xfrm>
+          <a:off x="2779268" y="5186508"/>
+          <a:ext cx="658438" cy="492726"/>
+        </p:xfrm>
+        <a:graphic>
+          <a:graphicData uri="http://schemas.openxmlformats.org/drawingml/2006/diagram">
+            <a:relIds xmlns:dgm="http://schemas.openxmlformats.org/drawingml/2006/diagram" xmlns:r="http://schemas.openxmlformats.org/officeDocument/2006/relationships" r:dm="rId5" r:lo="rId6" r:qs="rId7" r:cs="rId8"/>
+          </a:graphicData>
+        </a:graphic>
+      </p:graphicFrame>
+      <p:graphicFrame>
+        <p:nvGraphicFramePr>
+          <p:cNvPr id="9" name="Diagram 8"/>
+          <p:cNvGraphicFramePr/>
+          <p:nvPr/>
+        </p:nvGraphicFramePr>
+        <p:xfrm>
+          <a:off x="5759774" y="5186508"/>
+          <a:ext cx="604958" cy="492726"/>
+        </p:xfrm>
+        <a:graphic>
+          <a:graphicData uri="http://schemas.openxmlformats.org/drawingml/2006/diagram">
+            <a:relIds xmlns:dgm="http://schemas.openxmlformats.org/drawingml/2006/diagram" xmlns:r="http://schemas.openxmlformats.org/officeDocument/2006/relationships" r:dm="rId10" r:lo="rId11" r:qs="rId12" r:cs="rId13"/>
+          </a:graphicData>
+        </a:graphic>
+      </p:graphicFrame>
     </p:spTree>
   </p:cSld>
   <p:clrMapOvr>
     <a:masterClrMapping/>
   </p:clrMapOvr>
+  <p:timing>
+    <p:tnLst>
+      <p:par>
+        <p:cTn id="1" dur="indefinite" restart="never" nodeType="tmRoot"/>
+      </p:par>
+    </p:tnLst>
+  </p:timing>
 </p:sld>
 </file>
 
@@ -5620,6 +11163,13 @@
   <p:clrMapOvr>
     <a:masterClrMapping/>
   </p:clrMapOvr>
+  <p:timing>
+    <p:tnLst>
+      <p:par>
+        <p:cTn id="1" dur="indefinite" restart="never" nodeType="tmRoot"/>
+      </p:par>
+    </p:tnLst>
+  </p:timing>
 </p:sld>
 </file>
 

--- a/Presentation/Presentation.pptx
+++ b/Presentation/Presentation.pptx
@@ -12,7 +12,7 @@
     <p:sldId id="261" r:id="rId6"/>
     <p:sldId id="260" r:id="rId7"/>
     <p:sldId id="262" r:id="rId8"/>
-    <p:sldId id="263" r:id="rId9"/>
+    <p:sldId id="267" r:id="rId9"/>
     <p:sldId id="264" r:id="rId10"/>
     <p:sldId id="265" r:id="rId11"/>
   </p:sldIdLst>
@@ -1761,6 +1761,13 @@
         </dgm:presLayoutVars>
       </dgm:prSet>
       <dgm:spPr/>
+      <dgm:t>
+        <a:bodyPr/>
+        <a:lstStyle/>
+        <a:p>
+          <a:endParaRPr lang="en-US"/>
+        </a:p>
+      </dgm:t>
     </dgm:pt>
     <dgm:pt modelId="{1644EE96-CB53-4E47-A4D6-3E838BFEF211}" type="pres">
       <dgm:prSet presAssocID="{93F285CF-03E6-AD4B-853E-A595FCAE3461}" presName="spVertical2" presStyleCnt="0"/>
@@ -1791,6 +1798,13 @@
         </dgm:presLayoutVars>
       </dgm:prSet>
       <dgm:spPr/>
+      <dgm:t>
+        <a:bodyPr/>
+        <a:lstStyle/>
+        <a:p>
+          <a:endParaRPr lang="en-US"/>
+        </a:p>
+      </dgm:t>
     </dgm:pt>
     <dgm:pt modelId="{C1B6E88E-6B0E-9D4C-A945-B61814D7B3E4}" type="pres">
       <dgm:prSet presAssocID="{DF9BB8C1-1F1C-224E-A7B3-379786AD8D88}" presName="spVertical2" presStyleCnt="0"/>
@@ -1821,6 +1835,13 @@
         </dgm:presLayoutVars>
       </dgm:prSet>
       <dgm:spPr/>
+      <dgm:t>
+        <a:bodyPr/>
+        <a:lstStyle/>
+        <a:p>
+          <a:endParaRPr lang="en-US"/>
+        </a:p>
+      </dgm:t>
     </dgm:pt>
     <dgm:pt modelId="{BBDD72CA-A800-3C4E-AEB9-7D8ED8099303}" type="pres">
       <dgm:prSet presAssocID="{CDF87145-9BD6-AA43-A385-6B3FC8E2E595}" presName="spVertical2" presStyleCnt="0"/>
@@ -1845,35 +1866,35 @@
   </dgm:ptLst>
   <dgm:cxnLst>
     <dgm:cxn modelId="{2B7FC5DE-6462-3E46-8C90-CA5B36600B91}" srcId="{EF77BCA7-5424-DE49-B0AC-9945DDFA1F96}" destId="{DF9BB8C1-1F1C-224E-A7B3-379786AD8D88}" srcOrd="1" destOrd="0" parTransId="{D8681E15-33F3-894E-B538-902536B742AB}" sibTransId="{AD34FC3B-627D-7B45-8255-4705A2F94613}"/>
-    <dgm:cxn modelId="{DDC5D79E-21CD-9F4E-9CE1-84845EEC5C69}" type="presOf" srcId="{CDF87145-9BD6-AA43-A385-6B3FC8E2E595}" destId="{FD3E8E6F-A2FE-BA4D-9042-7E40F126C35D}" srcOrd="0" destOrd="0" presId="urn:microsoft.com/office/officeart/2005/8/layout/hProcess3"/>
+    <dgm:cxn modelId="{FFC0A126-AD95-2F47-BCE0-658607D512E7}" type="presOf" srcId="{EF77BCA7-5424-DE49-B0AC-9945DDFA1F96}" destId="{C41437E7-93E2-4244-B5BB-0FB5398F019C}" srcOrd="0" destOrd="0" presId="urn:microsoft.com/office/officeart/2005/8/layout/hProcess3"/>
     <dgm:cxn modelId="{FFDAD881-9FCB-DC4F-9718-82BB75C984E6}" srcId="{EF77BCA7-5424-DE49-B0AC-9945DDFA1F96}" destId="{93F285CF-03E6-AD4B-853E-A595FCAE3461}" srcOrd="0" destOrd="0" parTransId="{B9EAAB2C-25B3-B544-8AD3-84F0188CE7EA}" sibTransId="{0E919826-9498-E84E-ADB9-D5C5DF3970D2}"/>
     <dgm:cxn modelId="{2EA4EB31-FFF7-2645-B9F7-90B822F3212D}" srcId="{EF77BCA7-5424-DE49-B0AC-9945DDFA1F96}" destId="{CDF87145-9BD6-AA43-A385-6B3FC8E2E595}" srcOrd="2" destOrd="0" parTransId="{23725B13-96A4-6841-8E75-66E248CACD60}" sibTransId="{69C37F7B-9BEC-9945-8567-D84A36F4C024}"/>
-    <dgm:cxn modelId="{C50F61B6-C9C0-CE49-AF3A-58F013F276E6}" type="presOf" srcId="{EF77BCA7-5424-DE49-B0AC-9945DDFA1F96}" destId="{C41437E7-93E2-4244-B5BB-0FB5398F019C}" srcOrd="0" destOrd="0" presId="urn:microsoft.com/office/officeart/2005/8/layout/hProcess3"/>
-    <dgm:cxn modelId="{BE9734E2-AC7D-984F-8C28-66061E2C78C6}" type="presOf" srcId="{93F285CF-03E6-AD4B-853E-A595FCAE3461}" destId="{A44B373F-200A-A449-9070-36D615C6E73F}" srcOrd="0" destOrd="0" presId="urn:microsoft.com/office/officeart/2005/8/layout/hProcess3"/>
-    <dgm:cxn modelId="{57205DD8-FE51-E544-A3D4-B3F9E8E0D3DB}" type="presOf" srcId="{DF9BB8C1-1F1C-224E-A7B3-379786AD8D88}" destId="{E728272B-8270-384A-BDBE-2F1D493CE380}" srcOrd="0" destOrd="0" presId="urn:microsoft.com/office/officeart/2005/8/layout/hProcess3"/>
-    <dgm:cxn modelId="{9C01AFAC-3A34-4942-964D-5C0CD05CE3C0}" type="presParOf" srcId="{C41437E7-93E2-4244-B5BB-0FB5398F019C}" destId="{7F2907E2-3063-1443-AB50-12B66C60971A}" srcOrd="0" destOrd="0" presId="urn:microsoft.com/office/officeart/2005/8/layout/hProcess3"/>
-    <dgm:cxn modelId="{6C6C5610-4281-E746-BC49-3AE744C19F84}" type="presParOf" srcId="{C41437E7-93E2-4244-B5BB-0FB5398F019C}" destId="{03E188D3-1B92-D447-BC0F-BC0FAF8DE632}" srcOrd="1" destOrd="0" presId="urn:microsoft.com/office/officeart/2005/8/layout/hProcess3"/>
-    <dgm:cxn modelId="{6946FF37-A090-B34F-AE66-D78C598C16EC}" type="presParOf" srcId="{03E188D3-1B92-D447-BC0F-BC0FAF8DE632}" destId="{05333B6A-9875-D448-B250-0C1A5B147700}" srcOrd="0" destOrd="0" presId="urn:microsoft.com/office/officeart/2005/8/layout/hProcess3"/>
-    <dgm:cxn modelId="{1884813E-7EA1-8048-9463-E9308767E8B5}" type="presParOf" srcId="{03E188D3-1B92-D447-BC0F-BC0FAF8DE632}" destId="{C28D6342-D723-B649-AC00-0BF95E0A261C}" srcOrd="1" destOrd="0" presId="urn:microsoft.com/office/officeart/2005/8/layout/hProcess3"/>
-    <dgm:cxn modelId="{79F85D1A-F552-F045-A6A2-E55B25DE348A}" type="presParOf" srcId="{C28D6342-D723-B649-AC00-0BF95E0A261C}" destId="{4715F7C2-FBCA-5E46-A880-7AE556CC1184}" srcOrd="0" destOrd="0" presId="urn:microsoft.com/office/officeart/2005/8/layout/hProcess3"/>
-    <dgm:cxn modelId="{887246F5-97D0-7942-A22A-BE08ABE7FB73}" type="presParOf" srcId="{C28D6342-D723-B649-AC00-0BF95E0A261C}" destId="{A44B373F-200A-A449-9070-36D615C6E73F}" srcOrd="1" destOrd="0" presId="urn:microsoft.com/office/officeart/2005/8/layout/hProcess3"/>
-    <dgm:cxn modelId="{CF01A33B-26EC-D74E-B723-BF34D704E4B9}" type="presParOf" srcId="{C28D6342-D723-B649-AC00-0BF95E0A261C}" destId="{1644EE96-CB53-4E47-A4D6-3E838BFEF211}" srcOrd="2" destOrd="0" presId="urn:microsoft.com/office/officeart/2005/8/layout/hProcess3"/>
-    <dgm:cxn modelId="{08D4ACBA-B540-844F-A649-8C3C5C922B7C}" type="presParOf" srcId="{C28D6342-D723-B649-AC00-0BF95E0A261C}" destId="{C1250A9D-0DDF-374D-B56B-F6622476C094}" srcOrd="3" destOrd="0" presId="urn:microsoft.com/office/officeart/2005/8/layout/hProcess3"/>
-    <dgm:cxn modelId="{F09BE991-75BD-CF45-B0D3-7E8615A7DAC2}" type="presParOf" srcId="{03E188D3-1B92-D447-BC0F-BC0FAF8DE632}" destId="{15B03E35-36EB-174B-BAB7-5B2867514C24}" srcOrd="2" destOrd="0" presId="urn:microsoft.com/office/officeart/2005/8/layout/hProcess3"/>
-    <dgm:cxn modelId="{B9C36888-6422-BB45-B617-DB13492284EE}" type="presParOf" srcId="{03E188D3-1B92-D447-BC0F-BC0FAF8DE632}" destId="{E7CDCF20-C218-BD43-80FA-CBDB6D07A4D0}" srcOrd="3" destOrd="0" presId="urn:microsoft.com/office/officeart/2005/8/layout/hProcess3"/>
-    <dgm:cxn modelId="{7A2C7D6C-5938-3849-90C0-1DC4C642FD1D}" type="presParOf" srcId="{E7CDCF20-C218-BD43-80FA-CBDB6D07A4D0}" destId="{EFC2AC89-EE3A-F345-8BF3-DC263DDF0E67}" srcOrd="0" destOrd="0" presId="urn:microsoft.com/office/officeart/2005/8/layout/hProcess3"/>
-    <dgm:cxn modelId="{A7597109-7BEF-E243-90B4-1E0099DDEF5C}" type="presParOf" srcId="{E7CDCF20-C218-BD43-80FA-CBDB6D07A4D0}" destId="{E728272B-8270-384A-BDBE-2F1D493CE380}" srcOrd="1" destOrd="0" presId="urn:microsoft.com/office/officeart/2005/8/layout/hProcess3"/>
-    <dgm:cxn modelId="{C0A56059-C447-154F-93A9-18955CA959C6}" type="presParOf" srcId="{E7CDCF20-C218-BD43-80FA-CBDB6D07A4D0}" destId="{C1B6E88E-6B0E-9D4C-A945-B61814D7B3E4}" srcOrd="2" destOrd="0" presId="urn:microsoft.com/office/officeart/2005/8/layout/hProcess3"/>
-    <dgm:cxn modelId="{89D4D10A-2D26-5946-B778-EF481ABCF8B8}" type="presParOf" srcId="{E7CDCF20-C218-BD43-80FA-CBDB6D07A4D0}" destId="{DA662F93-194F-254D-9B1A-70E4E25DF4F2}" srcOrd="3" destOrd="0" presId="urn:microsoft.com/office/officeart/2005/8/layout/hProcess3"/>
-    <dgm:cxn modelId="{B98754C3-C9D8-D849-9090-4AFDA417462C}" type="presParOf" srcId="{03E188D3-1B92-D447-BC0F-BC0FAF8DE632}" destId="{C52DBBF3-07D9-8A43-A15E-39B020B7115B}" srcOrd="4" destOrd="0" presId="urn:microsoft.com/office/officeart/2005/8/layout/hProcess3"/>
-    <dgm:cxn modelId="{2DD0B001-9CAB-894A-A5C7-81D0B89BA11B}" type="presParOf" srcId="{03E188D3-1B92-D447-BC0F-BC0FAF8DE632}" destId="{60DBA832-479C-1743-BECC-250F728DC167}" srcOrd="5" destOrd="0" presId="urn:microsoft.com/office/officeart/2005/8/layout/hProcess3"/>
-    <dgm:cxn modelId="{56CA8084-F794-5842-96C9-423EDC402E73}" type="presParOf" srcId="{60DBA832-479C-1743-BECC-250F728DC167}" destId="{AB5EE344-C418-7C40-8127-F20F97FF7CB4}" srcOrd="0" destOrd="0" presId="urn:microsoft.com/office/officeart/2005/8/layout/hProcess3"/>
-    <dgm:cxn modelId="{8EA0FAB0-1BAC-0E4B-80EA-A2AF2F799030}" type="presParOf" srcId="{60DBA832-479C-1743-BECC-250F728DC167}" destId="{FD3E8E6F-A2FE-BA4D-9042-7E40F126C35D}" srcOrd="1" destOrd="0" presId="urn:microsoft.com/office/officeart/2005/8/layout/hProcess3"/>
-    <dgm:cxn modelId="{BD4E6ACF-7234-BD40-B298-F60FE2EBB8D4}" type="presParOf" srcId="{60DBA832-479C-1743-BECC-250F728DC167}" destId="{BBDD72CA-A800-3C4E-AEB9-7D8ED8099303}" srcOrd="2" destOrd="0" presId="urn:microsoft.com/office/officeart/2005/8/layout/hProcess3"/>
-    <dgm:cxn modelId="{9CE2A639-FA3E-264C-BA0D-14E7EDB2E61E}" type="presParOf" srcId="{60DBA832-479C-1743-BECC-250F728DC167}" destId="{E9BA63BF-45E1-5449-9720-DE3A782772B2}" srcOrd="3" destOrd="0" presId="urn:microsoft.com/office/officeart/2005/8/layout/hProcess3"/>
-    <dgm:cxn modelId="{462DDA9A-18D9-C643-82AF-238A81E94F5D}" type="presParOf" srcId="{03E188D3-1B92-D447-BC0F-BC0FAF8DE632}" destId="{955A1FE3-403C-7D4A-938F-538D7713FA80}" srcOrd="6" destOrd="0" presId="urn:microsoft.com/office/officeart/2005/8/layout/hProcess3"/>
-    <dgm:cxn modelId="{90CB2C3A-C603-5F4F-81AC-F37EA39B3991}" type="presParOf" srcId="{03E188D3-1B92-D447-BC0F-BC0FAF8DE632}" destId="{A0B8EE14-1712-C94B-AE50-7D4D17EA7AA6}" srcOrd="7" destOrd="0" presId="urn:microsoft.com/office/officeart/2005/8/layout/hProcess3"/>
-    <dgm:cxn modelId="{E9FAD117-B3B8-9E48-953B-678E437C3967}" type="presParOf" srcId="{03E188D3-1B92-D447-BC0F-BC0FAF8DE632}" destId="{D9443934-14F0-A045-AF4E-E1B40D04CB25}" srcOrd="8" destOrd="0" presId="urn:microsoft.com/office/officeart/2005/8/layout/hProcess3"/>
+    <dgm:cxn modelId="{979BAC48-2D84-324C-ADAE-7F53303F9870}" type="presOf" srcId="{93F285CF-03E6-AD4B-853E-A595FCAE3461}" destId="{A44B373F-200A-A449-9070-36D615C6E73F}" srcOrd="0" destOrd="0" presId="urn:microsoft.com/office/officeart/2005/8/layout/hProcess3"/>
+    <dgm:cxn modelId="{0FB33C48-94CD-BD49-97A5-ACEE47C6AD12}" type="presOf" srcId="{DF9BB8C1-1F1C-224E-A7B3-379786AD8D88}" destId="{E728272B-8270-384A-BDBE-2F1D493CE380}" srcOrd="0" destOrd="0" presId="urn:microsoft.com/office/officeart/2005/8/layout/hProcess3"/>
+    <dgm:cxn modelId="{F16BC454-0308-5F4D-97F4-3BF91A29B0BF}" type="presOf" srcId="{CDF87145-9BD6-AA43-A385-6B3FC8E2E595}" destId="{FD3E8E6F-A2FE-BA4D-9042-7E40F126C35D}" srcOrd="0" destOrd="0" presId="urn:microsoft.com/office/officeart/2005/8/layout/hProcess3"/>
+    <dgm:cxn modelId="{6F615AAE-E02C-3740-B6BB-179A8CB1BE4B}" type="presParOf" srcId="{C41437E7-93E2-4244-B5BB-0FB5398F019C}" destId="{7F2907E2-3063-1443-AB50-12B66C60971A}" srcOrd="0" destOrd="0" presId="urn:microsoft.com/office/officeart/2005/8/layout/hProcess3"/>
+    <dgm:cxn modelId="{5DBB1A51-8423-0148-BCBB-B935025D23B8}" type="presParOf" srcId="{C41437E7-93E2-4244-B5BB-0FB5398F019C}" destId="{03E188D3-1B92-D447-BC0F-BC0FAF8DE632}" srcOrd="1" destOrd="0" presId="urn:microsoft.com/office/officeart/2005/8/layout/hProcess3"/>
+    <dgm:cxn modelId="{330C2A82-F0DE-BC4A-8B3F-65C768ACDBDB}" type="presParOf" srcId="{03E188D3-1B92-D447-BC0F-BC0FAF8DE632}" destId="{05333B6A-9875-D448-B250-0C1A5B147700}" srcOrd="0" destOrd="0" presId="urn:microsoft.com/office/officeart/2005/8/layout/hProcess3"/>
+    <dgm:cxn modelId="{6108687A-77EA-744E-A743-3D0B29ADAC03}" type="presParOf" srcId="{03E188D3-1B92-D447-BC0F-BC0FAF8DE632}" destId="{C28D6342-D723-B649-AC00-0BF95E0A261C}" srcOrd="1" destOrd="0" presId="urn:microsoft.com/office/officeart/2005/8/layout/hProcess3"/>
+    <dgm:cxn modelId="{F5629D60-3BEA-BB4F-9CF7-C8F1AD125110}" type="presParOf" srcId="{C28D6342-D723-B649-AC00-0BF95E0A261C}" destId="{4715F7C2-FBCA-5E46-A880-7AE556CC1184}" srcOrd="0" destOrd="0" presId="urn:microsoft.com/office/officeart/2005/8/layout/hProcess3"/>
+    <dgm:cxn modelId="{7EB657EF-FEF2-6B4E-B78B-48D05C8F9D48}" type="presParOf" srcId="{C28D6342-D723-B649-AC00-0BF95E0A261C}" destId="{A44B373F-200A-A449-9070-36D615C6E73F}" srcOrd="1" destOrd="0" presId="urn:microsoft.com/office/officeart/2005/8/layout/hProcess3"/>
+    <dgm:cxn modelId="{91A666F1-6B1A-7F4A-A433-4DDE77BD2D27}" type="presParOf" srcId="{C28D6342-D723-B649-AC00-0BF95E0A261C}" destId="{1644EE96-CB53-4E47-A4D6-3E838BFEF211}" srcOrd="2" destOrd="0" presId="urn:microsoft.com/office/officeart/2005/8/layout/hProcess3"/>
+    <dgm:cxn modelId="{61C47102-EB9F-8544-ACE3-652CAD42734F}" type="presParOf" srcId="{C28D6342-D723-B649-AC00-0BF95E0A261C}" destId="{C1250A9D-0DDF-374D-B56B-F6622476C094}" srcOrd="3" destOrd="0" presId="urn:microsoft.com/office/officeart/2005/8/layout/hProcess3"/>
+    <dgm:cxn modelId="{32229FAE-7C40-EC43-A366-2284A4BE8058}" type="presParOf" srcId="{03E188D3-1B92-D447-BC0F-BC0FAF8DE632}" destId="{15B03E35-36EB-174B-BAB7-5B2867514C24}" srcOrd="2" destOrd="0" presId="urn:microsoft.com/office/officeart/2005/8/layout/hProcess3"/>
+    <dgm:cxn modelId="{82B34B9D-8F05-7942-9DDD-7E108AECB3F3}" type="presParOf" srcId="{03E188D3-1B92-D447-BC0F-BC0FAF8DE632}" destId="{E7CDCF20-C218-BD43-80FA-CBDB6D07A4D0}" srcOrd="3" destOrd="0" presId="urn:microsoft.com/office/officeart/2005/8/layout/hProcess3"/>
+    <dgm:cxn modelId="{2CDEA69D-20AA-1347-A776-8FABEF6AC764}" type="presParOf" srcId="{E7CDCF20-C218-BD43-80FA-CBDB6D07A4D0}" destId="{EFC2AC89-EE3A-F345-8BF3-DC263DDF0E67}" srcOrd="0" destOrd="0" presId="urn:microsoft.com/office/officeart/2005/8/layout/hProcess3"/>
+    <dgm:cxn modelId="{07A67983-DBB3-7C4D-8839-021A343D28D7}" type="presParOf" srcId="{E7CDCF20-C218-BD43-80FA-CBDB6D07A4D0}" destId="{E728272B-8270-384A-BDBE-2F1D493CE380}" srcOrd="1" destOrd="0" presId="urn:microsoft.com/office/officeart/2005/8/layout/hProcess3"/>
+    <dgm:cxn modelId="{63E4CF3A-B8A9-8F44-B0D0-8BF49D899514}" type="presParOf" srcId="{E7CDCF20-C218-BD43-80FA-CBDB6D07A4D0}" destId="{C1B6E88E-6B0E-9D4C-A945-B61814D7B3E4}" srcOrd="2" destOrd="0" presId="urn:microsoft.com/office/officeart/2005/8/layout/hProcess3"/>
+    <dgm:cxn modelId="{AB9995F2-3445-3940-8688-D2B3DF9FB2A2}" type="presParOf" srcId="{E7CDCF20-C218-BD43-80FA-CBDB6D07A4D0}" destId="{DA662F93-194F-254D-9B1A-70E4E25DF4F2}" srcOrd="3" destOrd="0" presId="urn:microsoft.com/office/officeart/2005/8/layout/hProcess3"/>
+    <dgm:cxn modelId="{A94EDC28-F11D-B348-8387-87992A8CE4D0}" type="presParOf" srcId="{03E188D3-1B92-D447-BC0F-BC0FAF8DE632}" destId="{C52DBBF3-07D9-8A43-A15E-39B020B7115B}" srcOrd="4" destOrd="0" presId="urn:microsoft.com/office/officeart/2005/8/layout/hProcess3"/>
+    <dgm:cxn modelId="{27D6CEAB-BC8B-F54C-AA06-7E727AF1C881}" type="presParOf" srcId="{03E188D3-1B92-D447-BC0F-BC0FAF8DE632}" destId="{60DBA832-479C-1743-BECC-250F728DC167}" srcOrd="5" destOrd="0" presId="urn:microsoft.com/office/officeart/2005/8/layout/hProcess3"/>
+    <dgm:cxn modelId="{039E82AF-CAB5-BA4F-8702-3EEBF79F9C48}" type="presParOf" srcId="{60DBA832-479C-1743-BECC-250F728DC167}" destId="{AB5EE344-C418-7C40-8127-F20F97FF7CB4}" srcOrd="0" destOrd="0" presId="urn:microsoft.com/office/officeart/2005/8/layout/hProcess3"/>
+    <dgm:cxn modelId="{8F4D2F79-2F1D-894E-8D4B-D8EF39488A93}" type="presParOf" srcId="{60DBA832-479C-1743-BECC-250F728DC167}" destId="{FD3E8E6F-A2FE-BA4D-9042-7E40F126C35D}" srcOrd="1" destOrd="0" presId="urn:microsoft.com/office/officeart/2005/8/layout/hProcess3"/>
+    <dgm:cxn modelId="{FAFF4110-BD06-5A40-808E-31D24472ED96}" type="presParOf" srcId="{60DBA832-479C-1743-BECC-250F728DC167}" destId="{BBDD72CA-A800-3C4E-AEB9-7D8ED8099303}" srcOrd="2" destOrd="0" presId="urn:microsoft.com/office/officeart/2005/8/layout/hProcess3"/>
+    <dgm:cxn modelId="{CAFFB57E-FA7A-FF41-8591-DCE0DFDB21FD}" type="presParOf" srcId="{60DBA832-479C-1743-BECC-250F728DC167}" destId="{E9BA63BF-45E1-5449-9720-DE3A782772B2}" srcOrd="3" destOrd="0" presId="urn:microsoft.com/office/officeart/2005/8/layout/hProcess3"/>
+    <dgm:cxn modelId="{85DEF900-CF90-0041-8C72-B020F86A1F46}" type="presParOf" srcId="{03E188D3-1B92-D447-BC0F-BC0FAF8DE632}" destId="{955A1FE3-403C-7D4A-938F-538D7713FA80}" srcOrd="6" destOrd="0" presId="urn:microsoft.com/office/officeart/2005/8/layout/hProcess3"/>
+    <dgm:cxn modelId="{75142022-5CAA-6644-B8DC-6A81D83EEFBE}" type="presParOf" srcId="{03E188D3-1B92-D447-BC0F-BC0FAF8DE632}" destId="{A0B8EE14-1712-C94B-AE50-7D4D17EA7AA6}" srcOrd="7" destOrd="0" presId="urn:microsoft.com/office/officeart/2005/8/layout/hProcess3"/>
+    <dgm:cxn modelId="{DEF45272-F57A-F342-B84A-01DD8EC06998}" type="presParOf" srcId="{03E188D3-1B92-D447-BC0F-BC0FAF8DE632}" destId="{D9443934-14F0-A045-AF4E-E1B40D04CB25}" srcOrd="8" destOrd="0" presId="urn:microsoft.com/office/officeart/2005/8/layout/hProcess3"/>
   </dgm:cxnLst>
   <dgm:bg/>
   <dgm:whole/>
@@ -2030,6 +2051,13 @@
         </dgm:presLayoutVars>
       </dgm:prSet>
       <dgm:spPr/>
+      <dgm:t>
+        <a:bodyPr/>
+        <a:lstStyle/>
+        <a:p>
+          <a:endParaRPr lang="en-US"/>
+        </a:p>
+      </dgm:t>
     </dgm:pt>
     <dgm:pt modelId="{1644EE96-CB53-4E47-A4D6-3E838BFEF211}" type="pres">
       <dgm:prSet presAssocID="{93F285CF-03E6-AD4B-853E-A595FCAE3461}" presName="spVertical2" presStyleCnt="0"/>
@@ -2060,6 +2088,13 @@
         </dgm:presLayoutVars>
       </dgm:prSet>
       <dgm:spPr/>
+      <dgm:t>
+        <a:bodyPr/>
+        <a:lstStyle/>
+        <a:p>
+          <a:endParaRPr lang="en-US"/>
+        </a:p>
+      </dgm:t>
     </dgm:pt>
     <dgm:pt modelId="{C1B6E88E-6B0E-9D4C-A945-B61814D7B3E4}" type="pres">
       <dgm:prSet presAssocID="{DF9BB8C1-1F1C-224E-A7B3-379786AD8D88}" presName="spVertical2" presStyleCnt="0"/>
@@ -2090,6 +2125,13 @@
         </dgm:presLayoutVars>
       </dgm:prSet>
       <dgm:spPr/>
+      <dgm:t>
+        <a:bodyPr/>
+        <a:lstStyle/>
+        <a:p>
+          <a:endParaRPr lang="en-US"/>
+        </a:p>
+      </dgm:t>
     </dgm:pt>
     <dgm:pt modelId="{BBDD72CA-A800-3C4E-AEB9-7D8ED8099303}" type="pres">
       <dgm:prSet presAssocID="{CDF87145-9BD6-AA43-A385-6B3FC8E2E595}" presName="spVertical2" presStyleCnt="0"/>
@@ -2115,34 +2157,34 @@
   <dgm:cxnLst>
     <dgm:cxn modelId="{2B7FC5DE-6462-3E46-8C90-CA5B36600B91}" srcId="{EF77BCA7-5424-DE49-B0AC-9945DDFA1F96}" destId="{DF9BB8C1-1F1C-224E-A7B3-379786AD8D88}" srcOrd="1" destOrd="0" parTransId="{D8681E15-33F3-894E-B538-902536B742AB}" sibTransId="{AD34FC3B-627D-7B45-8255-4705A2F94613}"/>
     <dgm:cxn modelId="{FFDAD881-9FCB-DC4F-9718-82BB75C984E6}" srcId="{EF77BCA7-5424-DE49-B0AC-9945DDFA1F96}" destId="{93F285CF-03E6-AD4B-853E-A595FCAE3461}" srcOrd="0" destOrd="0" parTransId="{B9EAAB2C-25B3-B544-8AD3-84F0188CE7EA}" sibTransId="{0E919826-9498-E84E-ADB9-D5C5DF3970D2}"/>
+    <dgm:cxn modelId="{37627FF2-139A-AB43-AB69-D1465EEF2507}" type="presOf" srcId="{CDF87145-9BD6-AA43-A385-6B3FC8E2E595}" destId="{FD3E8E6F-A2FE-BA4D-9042-7E40F126C35D}" srcOrd="0" destOrd="0" presId="urn:microsoft.com/office/officeart/2005/8/layout/hProcess3"/>
     <dgm:cxn modelId="{2EA4EB31-FFF7-2645-B9F7-90B822F3212D}" srcId="{EF77BCA7-5424-DE49-B0AC-9945DDFA1F96}" destId="{CDF87145-9BD6-AA43-A385-6B3FC8E2E595}" srcOrd="2" destOrd="0" parTransId="{23725B13-96A4-6841-8E75-66E248CACD60}" sibTransId="{69C37F7B-9BEC-9945-8567-D84A36F4C024}"/>
-    <dgm:cxn modelId="{5DFA15E3-6094-144F-AFD7-E70B1D60BD9E}" type="presOf" srcId="{93F285CF-03E6-AD4B-853E-A595FCAE3461}" destId="{A44B373F-200A-A449-9070-36D615C6E73F}" srcOrd="0" destOrd="0" presId="urn:microsoft.com/office/officeart/2005/8/layout/hProcess3"/>
-    <dgm:cxn modelId="{21DB4739-7530-6645-9907-86EE7C13B844}" type="presOf" srcId="{CDF87145-9BD6-AA43-A385-6B3FC8E2E595}" destId="{FD3E8E6F-A2FE-BA4D-9042-7E40F126C35D}" srcOrd="0" destOrd="0" presId="urn:microsoft.com/office/officeart/2005/8/layout/hProcess3"/>
-    <dgm:cxn modelId="{E17B1C59-3E63-CB46-BEE3-BB22FF42A966}" type="presOf" srcId="{EF77BCA7-5424-DE49-B0AC-9945DDFA1F96}" destId="{C41437E7-93E2-4244-B5BB-0FB5398F019C}" srcOrd="0" destOrd="0" presId="urn:microsoft.com/office/officeart/2005/8/layout/hProcess3"/>
-    <dgm:cxn modelId="{4AED8E5F-9695-1E4A-968F-D3EBB10190DB}" type="presOf" srcId="{DF9BB8C1-1F1C-224E-A7B3-379786AD8D88}" destId="{E728272B-8270-384A-BDBE-2F1D493CE380}" srcOrd="0" destOrd="0" presId="urn:microsoft.com/office/officeart/2005/8/layout/hProcess3"/>
-    <dgm:cxn modelId="{42B7CB80-AF45-CA4D-8B03-92ABFA47ADE0}" type="presParOf" srcId="{C41437E7-93E2-4244-B5BB-0FB5398F019C}" destId="{7F2907E2-3063-1443-AB50-12B66C60971A}" srcOrd="0" destOrd="0" presId="urn:microsoft.com/office/officeart/2005/8/layout/hProcess3"/>
-    <dgm:cxn modelId="{71000386-71DE-D343-A0A2-CB731790FF1B}" type="presParOf" srcId="{C41437E7-93E2-4244-B5BB-0FB5398F019C}" destId="{03E188D3-1B92-D447-BC0F-BC0FAF8DE632}" srcOrd="1" destOrd="0" presId="urn:microsoft.com/office/officeart/2005/8/layout/hProcess3"/>
-    <dgm:cxn modelId="{16193D68-B09C-0A4C-AB40-E195D02EEF0A}" type="presParOf" srcId="{03E188D3-1B92-D447-BC0F-BC0FAF8DE632}" destId="{05333B6A-9875-D448-B250-0C1A5B147700}" srcOrd="0" destOrd="0" presId="urn:microsoft.com/office/officeart/2005/8/layout/hProcess3"/>
-    <dgm:cxn modelId="{DE01F440-62E6-6541-9E75-F6A91F794D27}" type="presParOf" srcId="{03E188D3-1B92-D447-BC0F-BC0FAF8DE632}" destId="{C28D6342-D723-B649-AC00-0BF95E0A261C}" srcOrd="1" destOrd="0" presId="urn:microsoft.com/office/officeart/2005/8/layout/hProcess3"/>
-    <dgm:cxn modelId="{D34B7913-BAED-F843-B323-51F3F4281CB8}" type="presParOf" srcId="{C28D6342-D723-B649-AC00-0BF95E0A261C}" destId="{4715F7C2-FBCA-5E46-A880-7AE556CC1184}" srcOrd="0" destOrd="0" presId="urn:microsoft.com/office/officeart/2005/8/layout/hProcess3"/>
-    <dgm:cxn modelId="{17F4CC9D-9000-F24C-AC06-C9C52073E5BC}" type="presParOf" srcId="{C28D6342-D723-B649-AC00-0BF95E0A261C}" destId="{A44B373F-200A-A449-9070-36D615C6E73F}" srcOrd="1" destOrd="0" presId="urn:microsoft.com/office/officeart/2005/8/layout/hProcess3"/>
-    <dgm:cxn modelId="{9451E193-7D20-6144-8173-69A4FA965714}" type="presParOf" srcId="{C28D6342-D723-B649-AC00-0BF95E0A261C}" destId="{1644EE96-CB53-4E47-A4D6-3E838BFEF211}" srcOrd="2" destOrd="0" presId="urn:microsoft.com/office/officeart/2005/8/layout/hProcess3"/>
-    <dgm:cxn modelId="{0F81952A-4851-4847-99C2-F27FE3B2B3EB}" type="presParOf" srcId="{C28D6342-D723-B649-AC00-0BF95E0A261C}" destId="{C1250A9D-0DDF-374D-B56B-F6622476C094}" srcOrd="3" destOrd="0" presId="urn:microsoft.com/office/officeart/2005/8/layout/hProcess3"/>
-    <dgm:cxn modelId="{E047B8D5-0FB3-2949-9638-14B7514BC8C5}" type="presParOf" srcId="{03E188D3-1B92-D447-BC0F-BC0FAF8DE632}" destId="{15B03E35-36EB-174B-BAB7-5B2867514C24}" srcOrd="2" destOrd="0" presId="urn:microsoft.com/office/officeart/2005/8/layout/hProcess3"/>
-    <dgm:cxn modelId="{9D008A6F-CC30-5646-9E92-0A8D960086DA}" type="presParOf" srcId="{03E188D3-1B92-D447-BC0F-BC0FAF8DE632}" destId="{E7CDCF20-C218-BD43-80FA-CBDB6D07A4D0}" srcOrd="3" destOrd="0" presId="urn:microsoft.com/office/officeart/2005/8/layout/hProcess3"/>
-    <dgm:cxn modelId="{C926E281-48CA-844C-BAF3-C2D88DB81AE0}" type="presParOf" srcId="{E7CDCF20-C218-BD43-80FA-CBDB6D07A4D0}" destId="{EFC2AC89-EE3A-F345-8BF3-DC263DDF0E67}" srcOrd="0" destOrd="0" presId="urn:microsoft.com/office/officeart/2005/8/layout/hProcess3"/>
-    <dgm:cxn modelId="{4808554A-CE75-E44D-B42C-EB66AFBBED9D}" type="presParOf" srcId="{E7CDCF20-C218-BD43-80FA-CBDB6D07A4D0}" destId="{E728272B-8270-384A-BDBE-2F1D493CE380}" srcOrd="1" destOrd="0" presId="urn:microsoft.com/office/officeart/2005/8/layout/hProcess3"/>
-    <dgm:cxn modelId="{820E61AB-3007-094E-9DDA-6A3E981962D0}" type="presParOf" srcId="{E7CDCF20-C218-BD43-80FA-CBDB6D07A4D0}" destId="{C1B6E88E-6B0E-9D4C-A945-B61814D7B3E4}" srcOrd="2" destOrd="0" presId="urn:microsoft.com/office/officeart/2005/8/layout/hProcess3"/>
-    <dgm:cxn modelId="{C15A57DD-2E38-5843-9A37-33F000EB6105}" type="presParOf" srcId="{E7CDCF20-C218-BD43-80FA-CBDB6D07A4D0}" destId="{DA662F93-194F-254D-9B1A-70E4E25DF4F2}" srcOrd="3" destOrd="0" presId="urn:microsoft.com/office/officeart/2005/8/layout/hProcess3"/>
-    <dgm:cxn modelId="{8D926C0B-BDCD-6440-9D1A-671EF2DBDE89}" type="presParOf" srcId="{03E188D3-1B92-D447-BC0F-BC0FAF8DE632}" destId="{C52DBBF3-07D9-8A43-A15E-39B020B7115B}" srcOrd="4" destOrd="0" presId="urn:microsoft.com/office/officeart/2005/8/layout/hProcess3"/>
-    <dgm:cxn modelId="{CE7A56E1-9D4C-1946-8A3A-FE68FF3D6450}" type="presParOf" srcId="{03E188D3-1B92-D447-BC0F-BC0FAF8DE632}" destId="{60DBA832-479C-1743-BECC-250F728DC167}" srcOrd="5" destOrd="0" presId="urn:microsoft.com/office/officeart/2005/8/layout/hProcess3"/>
-    <dgm:cxn modelId="{A18FD6B1-F2BD-1541-9EE6-003C2D7EC329}" type="presParOf" srcId="{60DBA832-479C-1743-BECC-250F728DC167}" destId="{AB5EE344-C418-7C40-8127-F20F97FF7CB4}" srcOrd="0" destOrd="0" presId="urn:microsoft.com/office/officeart/2005/8/layout/hProcess3"/>
-    <dgm:cxn modelId="{65EB511F-4CB7-E446-A513-739F60E928CD}" type="presParOf" srcId="{60DBA832-479C-1743-BECC-250F728DC167}" destId="{FD3E8E6F-A2FE-BA4D-9042-7E40F126C35D}" srcOrd="1" destOrd="0" presId="urn:microsoft.com/office/officeart/2005/8/layout/hProcess3"/>
-    <dgm:cxn modelId="{FC0B66FB-5DA2-B642-9BE3-AFBAFA16D97D}" type="presParOf" srcId="{60DBA832-479C-1743-BECC-250F728DC167}" destId="{BBDD72CA-A800-3C4E-AEB9-7D8ED8099303}" srcOrd="2" destOrd="0" presId="urn:microsoft.com/office/officeart/2005/8/layout/hProcess3"/>
-    <dgm:cxn modelId="{191ADD5E-3031-534F-AEEE-32DCF9979484}" type="presParOf" srcId="{60DBA832-479C-1743-BECC-250F728DC167}" destId="{E9BA63BF-45E1-5449-9720-DE3A782772B2}" srcOrd="3" destOrd="0" presId="urn:microsoft.com/office/officeart/2005/8/layout/hProcess3"/>
-    <dgm:cxn modelId="{C2E6E6EC-C5DD-0B4B-8E75-8775721C0303}" type="presParOf" srcId="{03E188D3-1B92-D447-BC0F-BC0FAF8DE632}" destId="{955A1FE3-403C-7D4A-938F-538D7713FA80}" srcOrd="6" destOrd="0" presId="urn:microsoft.com/office/officeart/2005/8/layout/hProcess3"/>
-    <dgm:cxn modelId="{791C9D6C-F5E2-AA4F-8093-E9209BFDA521}" type="presParOf" srcId="{03E188D3-1B92-D447-BC0F-BC0FAF8DE632}" destId="{A0B8EE14-1712-C94B-AE50-7D4D17EA7AA6}" srcOrd="7" destOrd="0" presId="urn:microsoft.com/office/officeart/2005/8/layout/hProcess3"/>
-    <dgm:cxn modelId="{556D1F86-9CCC-E442-87FB-C7CDA40ED8BD}" type="presParOf" srcId="{03E188D3-1B92-D447-BC0F-BC0FAF8DE632}" destId="{D9443934-14F0-A045-AF4E-E1B40D04CB25}" srcOrd="8" destOrd="0" presId="urn:microsoft.com/office/officeart/2005/8/layout/hProcess3"/>
+    <dgm:cxn modelId="{1E8C318D-8997-B84B-AE31-2F594080F6D7}" type="presOf" srcId="{EF77BCA7-5424-DE49-B0AC-9945DDFA1F96}" destId="{C41437E7-93E2-4244-B5BB-0FB5398F019C}" srcOrd="0" destOrd="0" presId="urn:microsoft.com/office/officeart/2005/8/layout/hProcess3"/>
+    <dgm:cxn modelId="{E9059D37-EF79-974B-A889-424E1864869C}" type="presOf" srcId="{93F285CF-03E6-AD4B-853E-A595FCAE3461}" destId="{A44B373F-200A-A449-9070-36D615C6E73F}" srcOrd="0" destOrd="0" presId="urn:microsoft.com/office/officeart/2005/8/layout/hProcess3"/>
+    <dgm:cxn modelId="{12117880-969C-4F45-8F92-AA062225B70E}" type="presOf" srcId="{DF9BB8C1-1F1C-224E-A7B3-379786AD8D88}" destId="{E728272B-8270-384A-BDBE-2F1D493CE380}" srcOrd="0" destOrd="0" presId="urn:microsoft.com/office/officeart/2005/8/layout/hProcess3"/>
+    <dgm:cxn modelId="{B30C95D5-E055-8D45-A128-BC1DF163F15C}" type="presParOf" srcId="{C41437E7-93E2-4244-B5BB-0FB5398F019C}" destId="{7F2907E2-3063-1443-AB50-12B66C60971A}" srcOrd="0" destOrd="0" presId="urn:microsoft.com/office/officeart/2005/8/layout/hProcess3"/>
+    <dgm:cxn modelId="{9D0FE283-427C-6946-B0F6-2CC3C2C6C6C0}" type="presParOf" srcId="{C41437E7-93E2-4244-B5BB-0FB5398F019C}" destId="{03E188D3-1B92-D447-BC0F-BC0FAF8DE632}" srcOrd="1" destOrd="0" presId="urn:microsoft.com/office/officeart/2005/8/layout/hProcess3"/>
+    <dgm:cxn modelId="{9E60B036-D223-5B45-9305-92ABB8678752}" type="presParOf" srcId="{03E188D3-1B92-D447-BC0F-BC0FAF8DE632}" destId="{05333B6A-9875-D448-B250-0C1A5B147700}" srcOrd="0" destOrd="0" presId="urn:microsoft.com/office/officeart/2005/8/layout/hProcess3"/>
+    <dgm:cxn modelId="{AA052A7E-E795-724F-B57B-2556DB95EA2A}" type="presParOf" srcId="{03E188D3-1B92-D447-BC0F-BC0FAF8DE632}" destId="{C28D6342-D723-B649-AC00-0BF95E0A261C}" srcOrd="1" destOrd="0" presId="urn:microsoft.com/office/officeart/2005/8/layout/hProcess3"/>
+    <dgm:cxn modelId="{188213BC-793F-AC44-A597-5AFDABFBF301}" type="presParOf" srcId="{C28D6342-D723-B649-AC00-0BF95E0A261C}" destId="{4715F7C2-FBCA-5E46-A880-7AE556CC1184}" srcOrd="0" destOrd="0" presId="urn:microsoft.com/office/officeart/2005/8/layout/hProcess3"/>
+    <dgm:cxn modelId="{B9039606-A6A7-B54C-BAAE-114811C8C192}" type="presParOf" srcId="{C28D6342-D723-B649-AC00-0BF95E0A261C}" destId="{A44B373F-200A-A449-9070-36D615C6E73F}" srcOrd="1" destOrd="0" presId="urn:microsoft.com/office/officeart/2005/8/layout/hProcess3"/>
+    <dgm:cxn modelId="{D12E4A05-D0DD-8A40-8A51-BA645F5B6E7E}" type="presParOf" srcId="{C28D6342-D723-B649-AC00-0BF95E0A261C}" destId="{1644EE96-CB53-4E47-A4D6-3E838BFEF211}" srcOrd="2" destOrd="0" presId="urn:microsoft.com/office/officeart/2005/8/layout/hProcess3"/>
+    <dgm:cxn modelId="{B3145032-E6D4-CF4F-B8AC-4DCBABA2F0F7}" type="presParOf" srcId="{C28D6342-D723-B649-AC00-0BF95E0A261C}" destId="{C1250A9D-0DDF-374D-B56B-F6622476C094}" srcOrd="3" destOrd="0" presId="urn:microsoft.com/office/officeart/2005/8/layout/hProcess3"/>
+    <dgm:cxn modelId="{33292BB7-5E94-4D4C-9B57-BC314211C544}" type="presParOf" srcId="{03E188D3-1B92-D447-BC0F-BC0FAF8DE632}" destId="{15B03E35-36EB-174B-BAB7-5B2867514C24}" srcOrd="2" destOrd="0" presId="urn:microsoft.com/office/officeart/2005/8/layout/hProcess3"/>
+    <dgm:cxn modelId="{08C51235-25F3-794C-9A29-218FBB2653AB}" type="presParOf" srcId="{03E188D3-1B92-D447-BC0F-BC0FAF8DE632}" destId="{E7CDCF20-C218-BD43-80FA-CBDB6D07A4D0}" srcOrd="3" destOrd="0" presId="urn:microsoft.com/office/officeart/2005/8/layout/hProcess3"/>
+    <dgm:cxn modelId="{FA391BDC-F084-604E-8BD3-6011B8737E84}" type="presParOf" srcId="{E7CDCF20-C218-BD43-80FA-CBDB6D07A4D0}" destId="{EFC2AC89-EE3A-F345-8BF3-DC263DDF0E67}" srcOrd="0" destOrd="0" presId="urn:microsoft.com/office/officeart/2005/8/layout/hProcess3"/>
+    <dgm:cxn modelId="{F223DFC7-3664-1D48-B3BD-B395521E0E6F}" type="presParOf" srcId="{E7CDCF20-C218-BD43-80FA-CBDB6D07A4D0}" destId="{E728272B-8270-384A-BDBE-2F1D493CE380}" srcOrd="1" destOrd="0" presId="urn:microsoft.com/office/officeart/2005/8/layout/hProcess3"/>
+    <dgm:cxn modelId="{4578A38F-3D67-5A47-AB8A-6207D306917E}" type="presParOf" srcId="{E7CDCF20-C218-BD43-80FA-CBDB6D07A4D0}" destId="{C1B6E88E-6B0E-9D4C-A945-B61814D7B3E4}" srcOrd="2" destOrd="0" presId="urn:microsoft.com/office/officeart/2005/8/layout/hProcess3"/>
+    <dgm:cxn modelId="{EC9D3792-57D5-D54E-B80B-FD9E80E577F0}" type="presParOf" srcId="{E7CDCF20-C218-BD43-80FA-CBDB6D07A4D0}" destId="{DA662F93-194F-254D-9B1A-70E4E25DF4F2}" srcOrd="3" destOrd="0" presId="urn:microsoft.com/office/officeart/2005/8/layout/hProcess3"/>
+    <dgm:cxn modelId="{71F78DBC-1461-6D4E-BE61-628CC48F80E5}" type="presParOf" srcId="{03E188D3-1B92-D447-BC0F-BC0FAF8DE632}" destId="{C52DBBF3-07D9-8A43-A15E-39B020B7115B}" srcOrd="4" destOrd="0" presId="urn:microsoft.com/office/officeart/2005/8/layout/hProcess3"/>
+    <dgm:cxn modelId="{19A5D791-0160-EE4E-90B1-E59B6FC5AE80}" type="presParOf" srcId="{03E188D3-1B92-D447-BC0F-BC0FAF8DE632}" destId="{60DBA832-479C-1743-BECC-250F728DC167}" srcOrd="5" destOrd="0" presId="urn:microsoft.com/office/officeart/2005/8/layout/hProcess3"/>
+    <dgm:cxn modelId="{8222C69F-C689-B447-AA4D-5DFCFB54BF1E}" type="presParOf" srcId="{60DBA832-479C-1743-BECC-250F728DC167}" destId="{AB5EE344-C418-7C40-8127-F20F97FF7CB4}" srcOrd="0" destOrd="0" presId="urn:microsoft.com/office/officeart/2005/8/layout/hProcess3"/>
+    <dgm:cxn modelId="{9BB26805-A7C3-5142-80EC-B495869A2C65}" type="presParOf" srcId="{60DBA832-479C-1743-BECC-250F728DC167}" destId="{FD3E8E6F-A2FE-BA4D-9042-7E40F126C35D}" srcOrd="1" destOrd="0" presId="urn:microsoft.com/office/officeart/2005/8/layout/hProcess3"/>
+    <dgm:cxn modelId="{3D52588B-617A-E84B-84A5-A90BB99644C6}" type="presParOf" srcId="{60DBA832-479C-1743-BECC-250F728DC167}" destId="{BBDD72CA-A800-3C4E-AEB9-7D8ED8099303}" srcOrd="2" destOrd="0" presId="urn:microsoft.com/office/officeart/2005/8/layout/hProcess3"/>
+    <dgm:cxn modelId="{54EE1D7B-41E5-674D-819D-64311F340B94}" type="presParOf" srcId="{60DBA832-479C-1743-BECC-250F728DC167}" destId="{E9BA63BF-45E1-5449-9720-DE3A782772B2}" srcOrd="3" destOrd="0" presId="urn:microsoft.com/office/officeart/2005/8/layout/hProcess3"/>
+    <dgm:cxn modelId="{A572848C-5015-A741-9389-AEA0C45E3B43}" type="presParOf" srcId="{03E188D3-1B92-D447-BC0F-BC0FAF8DE632}" destId="{955A1FE3-403C-7D4A-938F-538D7713FA80}" srcOrd="6" destOrd="0" presId="urn:microsoft.com/office/officeart/2005/8/layout/hProcess3"/>
+    <dgm:cxn modelId="{2757349C-C16B-6E4B-8B03-9497D9DCCAE9}" type="presParOf" srcId="{03E188D3-1B92-D447-BC0F-BC0FAF8DE632}" destId="{A0B8EE14-1712-C94B-AE50-7D4D17EA7AA6}" srcOrd="7" destOrd="0" presId="urn:microsoft.com/office/officeart/2005/8/layout/hProcess3"/>
+    <dgm:cxn modelId="{48D28715-F32B-2940-9085-A21AAE791707}" type="presParOf" srcId="{03E188D3-1B92-D447-BC0F-BC0FAF8DE632}" destId="{D9443934-14F0-A045-AF4E-E1B40D04CB25}" srcOrd="8" destOrd="0" presId="urn:microsoft.com/office/officeart/2005/8/layout/hProcess3"/>
   </dgm:cxnLst>
   <dgm:bg/>
   <dgm:whole/>
@@ -8712,6 +8754,13 @@
   <p:clrMapOvr>
     <a:masterClrMapping/>
   </p:clrMapOvr>
+  <p:timing>
+    <p:tnLst>
+      <p:par>
+        <p:cTn id="1" dur="indefinite" restart="never" nodeType="tmRoot"/>
+      </p:par>
+    </p:tnLst>
+  </p:timing>
 </p:sld>
 </file>
 
@@ -8778,6 +8827,13 @@
   <p:clrMapOvr>
     <a:masterClrMapping/>
   </p:clrMapOvr>
+  <p:timing>
+    <p:tnLst>
+      <p:par>
+        <p:cTn id="1" dur="indefinite" restart="never" nodeType="tmRoot"/>
+      </p:par>
+    </p:tnLst>
+  </p:timing>
 </p:sld>
 </file>
 
@@ -9235,6 +9291,13 @@
   <p:clrMapOvr>
     <a:masterClrMapping/>
   </p:clrMapOvr>
+  <p:timing>
+    <p:tnLst>
+      <p:par>
+        <p:cTn id="1" dur="indefinite" restart="never" nodeType="tmRoot"/>
+      </p:par>
+    </p:tnLst>
+  </p:timing>
 </p:sld>
 </file>
 
@@ -9816,11 +9879,11 @@
             </a:r>
             <a:r>
               <a:rPr lang="en-US" sz="2000" smtClean="0"/>
-              <a:t>(</a:t>
+              <a:t>(“</a:t>
             </a:r>
             <a:r>
               <a:rPr lang="en-US" sz="2000"/>
-              <a:t>Framework for Agent-based MOdeling with Java</a:t>
+              <a:t>Framework for Agent-based MOdeling with Java”</a:t>
             </a:r>
             <a:r>
               <a:rPr lang="en-US" sz="2000" smtClean="0"/>
@@ -10048,6 +10111,13 @@
   <p:clrMapOvr>
     <a:masterClrMapping/>
   </p:clrMapOvr>
+  <p:timing>
+    <p:tnLst>
+      <p:par>
+        <p:cTn id="1" dur="indefinite" restart="never" nodeType="tmRoot"/>
+      </p:par>
+    </p:tnLst>
+  </p:timing>
 </p:sld>
 </file>
 
@@ -10746,7 +10816,6 @@
               <a:rPr lang="de-DE"/>
               <a:t>genügend Zucker hat</a:t>
             </a:r>
-            <a:endParaRPr lang="de-DE"/>
           </a:p>
           <a:p>
             <a:pPr lvl="2"/>
@@ -10775,7 +10844,6 @@
               <a:rPr lang="de-DE"/>
               <a:t>Der Zucker bis zu einem bestimmten Betrag abgebaut ist</a:t>
             </a:r>
-            <a:endParaRPr lang="de-DE"/>
           </a:p>
           <a:p>
             <a:pPr lvl="2"/>
@@ -10783,7 +10851,6 @@
               <a:rPr lang="de-DE"/>
               <a:t>Dann</a:t>
             </a:r>
-            <a:endParaRPr lang="de-DE"/>
           </a:p>
           <a:p>
             <a:pPr lvl="3"/>
@@ -10798,7 +10865,6 @@
               <a:rPr lang="de-DE"/>
               <a:t>Bewege dich dorthin</a:t>
             </a:r>
-            <a:endParaRPr lang="de-DE"/>
           </a:p>
           <a:p>
             <a:pPr lvl="2"/>
@@ -10813,7 +10879,6 @@
               <a:rPr lang="de-DE"/>
               <a:t>Gehe vor wie bei „Ohne aktive Suche nach einem Partner“</a:t>
             </a:r>
-            <a:endParaRPr lang="de-DE"/>
           </a:p>
           <a:p>
             <a:pPr lvl="3"/>
@@ -11081,9 +11146,265 @@
   <p:timing>
     <p:tnLst>
       <p:par>
-        <p:cTn id="1" dur="indefinite" restart="never" nodeType="tmRoot"/>
+        <p:cTn id="1" dur="indefinite" restart="never" nodeType="tmRoot">
+          <p:childTnLst>
+            <p:seq concurrent="1" nextAc="seek">
+              <p:cTn id="2" dur="indefinite" nodeType="mainSeq">
+                <p:childTnLst>
+                  <p:par>
+                    <p:cTn id="3" fill="hold">
+                      <p:stCondLst>
+                        <p:cond delay="indefinite"/>
+                      </p:stCondLst>
+                      <p:childTnLst>
+                        <p:par>
+                          <p:cTn id="4" fill="hold">
+                            <p:stCondLst>
+                              <p:cond delay="0"/>
+                            </p:stCondLst>
+                            <p:childTnLst>
+                              <p:par>
+                                <p:cTn id="5" presetID="1" presetClass="entr" presetSubtype="0" fill="hold" nodeType="clickEffect">
+                                  <p:stCondLst>
+                                    <p:cond delay="0"/>
+                                  </p:stCondLst>
+                                  <p:childTnLst>
+                                    <p:set>
+                                      <p:cBhvr>
+                                        <p:cTn id="6" dur="1" fill="hold">
+                                          <p:stCondLst>
+                                            <p:cond delay="0"/>
+                                          </p:stCondLst>
+                                        </p:cTn>
+                                        <p:tgtEl>
+                                          <p:spTgt spid="4"/>
+                                        </p:tgtEl>
+                                        <p:attrNameLst>
+                                          <p:attrName>style.visibility</p:attrName>
+                                        </p:attrNameLst>
+                                      </p:cBhvr>
+                                      <p:to>
+                                        <p:strVal val="visible"/>
+                                      </p:to>
+                                    </p:set>
+                                  </p:childTnLst>
+                                </p:cTn>
+                              </p:par>
+                            </p:childTnLst>
+                          </p:cTn>
+                        </p:par>
+                      </p:childTnLst>
+                    </p:cTn>
+                  </p:par>
+                  <p:par>
+                    <p:cTn id="7" fill="hold">
+                      <p:stCondLst>
+                        <p:cond delay="indefinite"/>
+                      </p:stCondLst>
+                      <p:childTnLst>
+                        <p:par>
+                          <p:cTn id="8" fill="hold">
+                            <p:stCondLst>
+                              <p:cond delay="0"/>
+                            </p:stCondLst>
+                            <p:childTnLst>
+                              <p:par>
+                                <p:cTn id="9" presetID="1" presetClass="entr" presetSubtype="0" fill="hold" grpId="0" nodeType="clickEffect">
+                                  <p:stCondLst>
+                                    <p:cond delay="0"/>
+                                  </p:stCondLst>
+                                  <p:childTnLst>
+                                    <p:set>
+                                      <p:cBhvr>
+                                        <p:cTn id="10" dur="1" fill="hold">
+                                          <p:stCondLst>
+                                            <p:cond delay="0"/>
+                                          </p:stCondLst>
+                                        </p:cTn>
+                                        <p:tgtEl>
+                                          <p:spTgt spid="7"/>
+                                        </p:tgtEl>
+                                        <p:attrNameLst>
+                                          <p:attrName>style.visibility</p:attrName>
+                                        </p:attrNameLst>
+                                      </p:cBhvr>
+                                      <p:to>
+                                        <p:strVal val="visible"/>
+                                      </p:to>
+                                    </p:set>
+                                  </p:childTnLst>
+                                </p:cTn>
+                              </p:par>
+                            </p:childTnLst>
+                          </p:cTn>
+                        </p:par>
+                      </p:childTnLst>
+                    </p:cTn>
+                  </p:par>
+                  <p:par>
+                    <p:cTn id="11" fill="hold">
+                      <p:stCondLst>
+                        <p:cond delay="indefinite"/>
+                      </p:stCondLst>
+                      <p:childTnLst>
+                        <p:par>
+                          <p:cTn id="12" fill="hold">
+                            <p:stCondLst>
+                              <p:cond delay="0"/>
+                            </p:stCondLst>
+                            <p:childTnLst>
+                              <p:par>
+                                <p:cTn id="13" presetID="1" presetClass="entr" presetSubtype="0" fill="hold" nodeType="clickEffect">
+                                  <p:stCondLst>
+                                    <p:cond delay="0"/>
+                                  </p:stCondLst>
+                                  <p:childTnLst>
+                                    <p:set>
+                                      <p:cBhvr>
+                                        <p:cTn id="14" dur="1" fill="hold">
+                                          <p:stCondLst>
+                                            <p:cond delay="0"/>
+                                          </p:stCondLst>
+                                        </p:cTn>
+                                        <p:tgtEl>
+                                          <p:spTgt spid="5"/>
+                                        </p:tgtEl>
+                                        <p:attrNameLst>
+                                          <p:attrName>style.visibility</p:attrName>
+                                        </p:attrNameLst>
+                                      </p:cBhvr>
+                                      <p:to>
+                                        <p:strVal val="visible"/>
+                                      </p:to>
+                                    </p:set>
+                                  </p:childTnLst>
+                                </p:cTn>
+                              </p:par>
+                            </p:childTnLst>
+                          </p:cTn>
+                        </p:par>
+                      </p:childTnLst>
+                    </p:cTn>
+                  </p:par>
+                  <p:par>
+                    <p:cTn id="15" fill="hold">
+                      <p:stCondLst>
+                        <p:cond delay="indefinite"/>
+                      </p:stCondLst>
+                      <p:childTnLst>
+                        <p:par>
+                          <p:cTn id="16" fill="hold">
+                            <p:stCondLst>
+                              <p:cond delay="0"/>
+                            </p:stCondLst>
+                            <p:childTnLst>
+                              <p:par>
+                                <p:cTn id="17" presetID="1" presetClass="entr" presetSubtype="0" fill="hold" grpId="0" nodeType="clickEffect">
+                                  <p:stCondLst>
+                                    <p:cond delay="0"/>
+                                  </p:stCondLst>
+                                  <p:childTnLst>
+                                    <p:set>
+                                      <p:cBhvr>
+                                        <p:cTn id="18" dur="1" fill="hold">
+                                          <p:stCondLst>
+                                            <p:cond delay="0"/>
+                                          </p:stCondLst>
+                                        </p:cTn>
+                                        <p:tgtEl>
+                                          <p:spTgt spid="9"/>
+                                        </p:tgtEl>
+                                        <p:attrNameLst>
+                                          <p:attrName>style.visibility</p:attrName>
+                                        </p:attrNameLst>
+                                      </p:cBhvr>
+                                      <p:to>
+                                        <p:strVal val="visible"/>
+                                      </p:to>
+                                    </p:set>
+                                  </p:childTnLst>
+                                </p:cTn>
+                              </p:par>
+                            </p:childTnLst>
+                          </p:cTn>
+                        </p:par>
+                      </p:childTnLst>
+                    </p:cTn>
+                  </p:par>
+                  <p:par>
+                    <p:cTn id="19" fill="hold">
+                      <p:stCondLst>
+                        <p:cond delay="indefinite"/>
+                      </p:stCondLst>
+                      <p:childTnLst>
+                        <p:par>
+                          <p:cTn id="20" fill="hold">
+                            <p:stCondLst>
+                              <p:cond delay="0"/>
+                            </p:stCondLst>
+                            <p:childTnLst>
+                              <p:par>
+                                <p:cTn id="21" presetID="1" presetClass="entr" presetSubtype="0" fill="hold" nodeType="clickEffect">
+                                  <p:stCondLst>
+                                    <p:cond delay="0"/>
+                                  </p:stCondLst>
+                                  <p:childTnLst>
+                                    <p:set>
+                                      <p:cBhvr>
+                                        <p:cTn id="22" dur="1" fill="hold">
+                                          <p:stCondLst>
+                                            <p:cond delay="0"/>
+                                          </p:stCondLst>
+                                        </p:cTn>
+                                        <p:tgtEl>
+                                          <p:spTgt spid="6"/>
+                                        </p:tgtEl>
+                                        <p:attrNameLst>
+                                          <p:attrName>style.visibility</p:attrName>
+                                        </p:attrNameLst>
+                                      </p:cBhvr>
+                                      <p:to>
+                                        <p:strVal val="visible"/>
+                                      </p:to>
+                                    </p:set>
+                                  </p:childTnLst>
+                                </p:cTn>
+                              </p:par>
+                            </p:childTnLst>
+                          </p:cTn>
+                        </p:par>
+                      </p:childTnLst>
+                    </p:cTn>
+                  </p:par>
+                </p:childTnLst>
+              </p:cTn>
+              <p:prevCondLst>
+                <p:cond evt="onPrev" delay="0">
+                  <p:tgtEl>
+                    <p:sldTgt/>
+                  </p:tgtEl>
+                </p:cond>
+              </p:prevCondLst>
+              <p:nextCondLst>
+                <p:cond evt="onNext" delay="0">
+                  <p:tgtEl>
+                    <p:sldTgt/>
+                  </p:tgtEl>
+                </p:cond>
+              </p:nextCondLst>
+            </p:seq>
+          </p:childTnLst>
+        </p:cTn>
       </p:par>
     </p:tnLst>
+    <p:bldLst>
+      <p:bldGraphic spid="7" grpId="0">
+        <p:bldAsOne/>
+      </p:bldGraphic>
+      <p:bldGraphic spid="9" grpId="0">
+        <p:bldAsOne/>
+      </p:bldGraphic>
+    </p:bldLst>
   </p:timing>
 </p:sld>
 </file>
